--- a/presentations/02.1_ai_intro.pptx
+++ b/presentations/02.1_ai_intro.pptx
@@ -9,7 +9,7 @@
   </p:notesMasterIdLst>
   <p:sldIdLst>
     <p:sldId id="322" r:id="rId2"/>
-    <p:sldId id="333" r:id="rId3"/>
+    <p:sldId id="352" r:id="rId3"/>
     <p:sldId id="332" r:id="rId4"/>
     <p:sldId id="324" r:id="rId5"/>
     <p:sldId id="336" r:id="rId6"/>
@@ -227,7 +227,7 @@
           <a:p>
             <a:fld id="{FD93C9B2-20F6-4DB1-B471-224337D0AC79}" type="datetimeFigureOut">
               <a:rPr lang="en-US" smtClean="0"/>
-              <a:t>7/8/2022</a:t>
+              <a:t>8/31/2022</a:t>
             </a:fld>
             <a:endParaRPr lang="en-US"/>
           </a:p>
@@ -654,39 +654,18 @@
           <a:bodyPr/>
           <a:lstStyle/>
           <a:p>
-            <a:pPr marL="0" marR="0" lvl="0" indent="0" algn="l" defTabSz="914400" rtl="0" eaLnBrk="1" fontAlgn="auto" latinLnBrk="0" hangingPunct="1">
-              <a:lnSpc>
-                <a:spcPct val="100000"/>
-              </a:lnSpc>
-              <a:spcBef>
-                <a:spcPts val="0"/>
-              </a:spcBef>
-              <a:spcAft>
-                <a:spcPts val="0"/>
-              </a:spcAft>
-              <a:buClrTx/>
-              <a:buSzTx/>
-              <a:buFontTx/>
-              <a:buNone/>
-              <a:tabLst/>
-              <a:defRPr/>
-            </a:pPr>
-            <a:r>
-              <a:rPr lang="en-US" dirty="0">
-                <a:latin typeface="Palatino Linotype" panose="02040502050505030304" pitchFamily="18" charset="0"/>
-              </a:rPr>
-              <a:t>Hello and welcome to our class (Frontiers of AI).  So, let’s start with Course goals…</a:t>
-            </a:r>
-          </a:p>
-          <a:p>
-            <a:endParaRPr lang="en-US" dirty="0">
-              <a:latin typeface="Palatino Linotype" panose="02040502050505030304" pitchFamily="18" charset="0"/>
-            </a:endParaRPr>
-          </a:p>
-          <a:p>
-            <a:endParaRPr lang="en-US" dirty="0">
-              <a:latin typeface="Palatino Linotype" panose="02040502050505030304" pitchFamily="18" charset="0"/>
-            </a:endParaRPr>
+            <a:r>
+              <a:rPr lang="en-US" sz="1200" b="0" i="0" kern="1200" dirty="0">
+                <a:solidFill>
+                  <a:schemeClr val="tx1"/>
+                </a:solidFill>
+                <a:effectLst/>
+                <a:latin typeface="+mn-lt"/>
+                <a:ea typeface="+mn-ea"/>
+                <a:cs typeface="+mn-cs"/>
+              </a:rPr>
+              <a:t>Interestingly, AI now enables auto-grading in a significant number of educational packages.  For example, Perusall – the popular social e-reader – uses an AI algorithm to grade the quality of written posts.  How would you like to have your posts graded by an algorithm?  It’s largely a black box, though the software does allow the instructors to adjust multiple settings.</a:t>
+            </a:r>
           </a:p>
         </p:txBody>
       </p:sp>
@@ -707,7 +686,7 @@
           <a:p>
             <a:fld id="{3148858F-F1DB-4027-9C85-CCA6849540DD}" type="slidenum">
               <a:rPr lang="en-US" smtClean="0"/>
-              <a:t>10</a:t>
+              <a:t>11</a:t>
             </a:fld>
             <a:endParaRPr lang="en-US"/>
           </a:p>
@@ -716,7 +695,7 @@
     </p:spTree>
     <p:extLst>
       <p:ext uri="{BB962C8B-B14F-4D97-AF65-F5344CB8AC3E}">
-        <p14:creationId xmlns:p14="http://schemas.microsoft.com/office/powerpoint/2010/main" val="246808038"/>
+        <p14:creationId xmlns:p14="http://schemas.microsoft.com/office/powerpoint/2010/main" val="3220379977"/>
       </p:ext>
     </p:extLst>
   </p:cSld>
@@ -770,6 +749,138 @@
           <a:bodyPr/>
           <a:lstStyle/>
           <a:p>
+            <a:pPr marL="0" marR="0" lvl="0" indent="0" algn="l" defTabSz="914400" rtl="0" eaLnBrk="1" fontAlgn="auto" latinLnBrk="0" hangingPunct="1">
+              <a:lnSpc>
+                <a:spcPct val="100000"/>
+              </a:lnSpc>
+              <a:spcBef>
+                <a:spcPts val="0"/>
+              </a:spcBef>
+              <a:spcAft>
+                <a:spcPts val="0"/>
+              </a:spcAft>
+              <a:buClrTx/>
+              <a:buSzTx/>
+              <a:buFontTx/>
+              <a:buNone/>
+              <a:tabLst/>
+              <a:defRPr/>
+            </a:pPr>
+            <a:r>
+              <a:rPr lang="en-US" sz="1200" b="0" i="0" u="none" strike="noStrike" kern="1200" cap="none" dirty="0">
+                <a:ln>
+                  <a:noFill/>
+                </a:ln>
+                <a:latin typeface="Arial" pitchFamily="34"/>
+                <a:ea typeface="Arial" pitchFamily="34"/>
+                <a:cs typeface="Arial" pitchFamily="34"/>
+              </a:rPr>
+              <a:t>In last week’s class, we asked the question, “What is intelligence?  And what criteria would you use to assess whether an entity is intelligent?  This question is directly considered in a Star Trek: The Next Generation episode entitled “The Measure of a Man.” In this episode,  Data finds himself on trial for his life — not for a crime but simply for being.  Starfleet scientist Bruce Maddox wants to perform experiments on Data, but Data is worried he won't survive them. And when Maddox forces the issue, Data tries to resign his commission. Maddox argues Data is a machine – Starfleet property – and doesn't have the right to resign his commission, so Picard is forced to face-off against Riker in a legal proceeding to determine whether Data has sentience. He famously tells the judge, "Your Honor, Starfleet was founded to seek out new life." Then, pointing to Data, he says, "Well, there it sits.“   </a:t>
+            </a:r>
+          </a:p>
+          <a:p>
+            <a:pPr marL="0" marR="0" lvl="0" indent="0" algn="l" defTabSz="914400" rtl="0" eaLnBrk="1" fontAlgn="auto" latinLnBrk="0" hangingPunct="1">
+              <a:lnSpc>
+                <a:spcPct val="100000"/>
+              </a:lnSpc>
+              <a:spcBef>
+                <a:spcPts val="0"/>
+              </a:spcBef>
+              <a:spcAft>
+                <a:spcPts val="0"/>
+              </a:spcAft>
+              <a:buClrTx/>
+              <a:buSzTx/>
+              <a:buFontTx/>
+              <a:buNone/>
+              <a:tabLst/>
+              <a:defRPr/>
+            </a:pPr>
+            <a:endParaRPr lang="en-US" sz="1200" b="0" i="0" u="none" strike="noStrike" kern="1200" cap="none" dirty="0">
+              <a:ln>
+                <a:noFill/>
+              </a:ln>
+              <a:latin typeface="Arial" pitchFamily="34"/>
+              <a:ea typeface="Arial" pitchFamily="34"/>
+              <a:cs typeface="Arial" pitchFamily="34"/>
+            </a:endParaRPr>
+          </a:p>
+          <a:p>
+            <a:pPr marL="0" marR="0" lvl="0" indent="0" algn="l" defTabSz="914400" rtl="0" eaLnBrk="1" fontAlgn="auto" latinLnBrk="0" hangingPunct="1">
+              <a:lnSpc>
+                <a:spcPct val="100000"/>
+              </a:lnSpc>
+              <a:spcBef>
+                <a:spcPts val="0"/>
+              </a:spcBef>
+              <a:spcAft>
+                <a:spcPts val="0"/>
+              </a:spcAft>
+              <a:buClrTx/>
+              <a:buSzTx/>
+              <a:buFontTx/>
+              <a:buNone/>
+              <a:tabLst/>
+              <a:defRPr/>
+            </a:pPr>
+            <a:r>
+              <a:rPr lang="en-US" sz="1200" b="0" i="0" u="none" strike="noStrike" kern="1200" cap="none" dirty="0">
+                <a:ln>
+                  <a:noFill/>
+                </a:ln>
+                <a:latin typeface="Arial" pitchFamily="34"/>
+                <a:ea typeface="Arial" pitchFamily="34"/>
+                <a:cs typeface="Arial" pitchFamily="34"/>
+              </a:rPr>
+              <a:t>As you can see, the question of what constitutes intelligence is important, and it lies at the heart of this emerging field.  For without a clear definition, how do we know when we have succeeded?</a:t>
+            </a:r>
+          </a:p>
+          <a:p>
+            <a:pPr marL="0" marR="0" lvl="0" indent="0" algn="l" defTabSz="914400" rtl="0" eaLnBrk="1" fontAlgn="auto" latinLnBrk="0" hangingPunct="1">
+              <a:lnSpc>
+                <a:spcPct val="100000"/>
+              </a:lnSpc>
+              <a:spcBef>
+                <a:spcPts val="0"/>
+              </a:spcBef>
+              <a:spcAft>
+                <a:spcPts val="0"/>
+              </a:spcAft>
+              <a:buClrTx/>
+              <a:buSzTx/>
+              <a:buFontTx/>
+              <a:buNone/>
+              <a:tabLst/>
+              <a:defRPr/>
+            </a:pPr>
+            <a:endParaRPr lang="en-US" sz="1200" b="0" i="0" kern="1200" dirty="0">
+              <a:solidFill>
+                <a:schemeClr val="tx1"/>
+              </a:solidFill>
+              <a:effectLst/>
+              <a:latin typeface="+mn-lt"/>
+              <a:ea typeface="+mn-ea"/>
+              <a:cs typeface="+mn-cs"/>
+            </a:endParaRPr>
+          </a:p>
+          <a:p>
+            <a:pPr marL="0" marR="0" lvl="0" indent="0" algn="l" defTabSz="914400" rtl="0" eaLnBrk="1" fontAlgn="auto" latinLnBrk="0" hangingPunct="1">
+              <a:lnSpc>
+                <a:spcPct val="100000"/>
+              </a:lnSpc>
+              <a:spcBef>
+                <a:spcPts val="0"/>
+              </a:spcBef>
+              <a:spcAft>
+                <a:spcPts val="0"/>
+              </a:spcAft>
+              <a:buClrTx/>
+              <a:buSzTx/>
+              <a:buFontTx/>
+              <a:buNone/>
+              <a:tabLst/>
+              <a:defRPr/>
+            </a:pPr>
             <a:r>
               <a:rPr lang="en-US" sz="1200" b="0" i="0" kern="1200" dirty="0">
                 <a:solidFill>
@@ -780,8 +891,96 @@
                 <a:ea typeface="+mn-ea"/>
                 <a:cs typeface="+mn-cs"/>
               </a:rPr>
-              <a:t>Interestingly, AI now enables auto-grading in a significant number of educational packages.  For example, Perusall – the popular social e-reader – uses an AI algorithm to grade the quality of written posts.  How would you like to have your posts graded by an algorithm?  It’s largely a black box, though the software does allow the instructors to adjust multiple settings.</a:t>
-            </a:r>
+              <a:t>At this point, I’d like to jump back in time to the 1950’s and consider how the definition of intelligence in this field has evolved over time.</a:t>
+            </a:r>
+          </a:p>
+          <a:p>
+            <a:pPr marL="0" marR="0" lvl="0" indent="0" algn="l" defTabSz="914400" rtl="0" eaLnBrk="1" fontAlgn="auto" latinLnBrk="0" hangingPunct="1">
+              <a:lnSpc>
+                <a:spcPct val="100000"/>
+              </a:lnSpc>
+              <a:spcBef>
+                <a:spcPts val="0"/>
+              </a:spcBef>
+              <a:spcAft>
+                <a:spcPts val="0"/>
+              </a:spcAft>
+              <a:buClrTx/>
+              <a:buSzTx/>
+              <a:buFontTx/>
+              <a:buNone/>
+              <a:tabLst/>
+              <a:defRPr/>
+            </a:pPr>
+            <a:endParaRPr lang="en-US" sz="1200" b="0" i="0" kern="1200" dirty="0">
+              <a:solidFill>
+                <a:schemeClr val="tx1"/>
+              </a:solidFill>
+              <a:effectLst/>
+              <a:latin typeface="+mn-lt"/>
+              <a:ea typeface="+mn-ea"/>
+              <a:cs typeface="+mn-cs"/>
+            </a:endParaRPr>
+          </a:p>
+          <a:p>
+            <a:pPr marL="0" marR="0" lvl="0" indent="0" algn="l" defTabSz="914400" rtl="0" eaLnBrk="1" fontAlgn="auto" latinLnBrk="0" hangingPunct="1">
+              <a:lnSpc>
+                <a:spcPct val="100000"/>
+              </a:lnSpc>
+              <a:spcBef>
+                <a:spcPts val="0"/>
+              </a:spcBef>
+              <a:spcAft>
+                <a:spcPts val="0"/>
+              </a:spcAft>
+              <a:buClrTx/>
+              <a:buSzTx/>
+              <a:buFontTx/>
+              <a:buNone/>
+              <a:tabLst/>
+              <a:defRPr/>
+            </a:pPr>
+            <a:endParaRPr lang="en-US" sz="1200" b="0" i="0" u="none" strike="noStrike" kern="1200" cap="none" dirty="0">
+              <a:ln>
+                <a:noFill/>
+              </a:ln>
+              <a:latin typeface="Arial" pitchFamily="34"/>
+              <a:ea typeface="Arial" pitchFamily="34"/>
+              <a:cs typeface="Arial" pitchFamily="34"/>
+            </a:endParaRPr>
+          </a:p>
+          <a:p>
+            <a:pPr marL="0" marR="0" lvl="0" indent="0" algn="l" defTabSz="914400" rtl="0" eaLnBrk="1" fontAlgn="auto" latinLnBrk="0" hangingPunct="1">
+              <a:lnSpc>
+                <a:spcPct val="100000"/>
+              </a:lnSpc>
+              <a:spcBef>
+                <a:spcPts val="0"/>
+              </a:spcBef>
+              <a:spcAft>
+                <a:spcPts val="0"/>
+              </a:spcAft>
+              <a:buClrTx/>
+              <a:buSzTx/>
+              <a:buFontTx/>
+              <a:buNone/>
+              <a:tabLst/>
+              <a:defRPr/>
+            </a:pPr>
+            <a:r>
+              <a:rPr lang="en-US" sz="1200" b="0" i="0" u="none" strike="noStrike" kern="1200" cap="none" dirty="0">
+                <a:ln>
+                  <a:noFill/>
+                </a:ln>
+                <a:latin typeface="Arial" pitchFamily="34"/>
+                <a:ea typeface="Arial" pitchFamily="34"/>
+                <a:cs typeface="Arial" pitchFamily="34"/>
+              </a:rPr>
+              <a:t>https://fineartamerica.com/featured/lieutenant-commander-data-star-trek-tng-giulia-riva.html</a:t>
+            </a:r>
+          </a:p>
+          <a:p>
+            <a:endParaRPr lang="en-US" dirty="0"/>
           </a:p>
         </p:txBody>
       </p:sp>
@@ -802,7 +1001,7 @@
           <a:p>
             <a:fld id="{3148858F-F1DB-4027-9C85-CCA6849540DD}" type="slidenum">
               <a:rPr lang="en-US" smtClean="0"/>
-              <a:t>11</a:t>
+              <a:t>12</a:t>
             </a:fld>
             <a:endParaRPr lang="en-US"/>
           </a:p>
@@ -811,7 +1010,7 @@
     </p:spTree>
     <p:extLst>
       <p:ext uri="{BB962C8B-B14F-4D97-AF65-F5344CB8AC3E}">
-        <p14:creationId xmlns:p14="http://schemas.microsoft.com/office/powerpoint/2010/main" val="3220379977"/>
+        <p14:creationId xmlns:p14="http://schemas.microsoft.com/office/powerpoint/2010/main" val="3136242698"/>
       </p:ext>
     </p:extLst>
   </p:cSld>
@@ -840,293 +1039,353 @@
       </p:grpSpPr>
       <p:sp>
         <p:nvSpPr>
-          <p:cNvPr id="2" name="Slide Image Placeholder 1"/>
-          <p:cNvSpPr>
-            <a:spLocks noGrp="1" noRot="1" noChangeAspect="1"/>
+          <p:cNvPr id="7" name="Slide Number Placeholder 6">
+            <a:extLst>
+              <a:ext uri="{FF2B5EF4-FFF2-40B4-BE49-F238E27FC236}">
+                <a16:creationId xmlns:a16="http://schemas.microsoft.com/office/drawing/2014/main" id="{5B543A9C-E520-124D-A26C-727E7A91B5A6}"/>
+              </a:ext>
+            </a:extLst>
+          </p:cNvPr>
+          <p:cNvSpPr txBox="1">
+            <a:spLocks noGrp="1"/>
+          </p:cNvSpPr>
+          <p:nvPr>
+            <p:ph type="sldNum" sz="quarter" idx="5"/>
+          </p:nvPr>
+        </p:nvSpPr>
+        <p:spPr>
+          <a:ln/>
+        </p:spPr>
+        <p:txBody>
+          <a:bodyPr lIns="0" tIns="0" rIns="0" bIns="0" anchor="b" anchorCtr="0">
+            <a:noAutofit/>
+          </a:bodyPr>
+          <a:lstStyle/>
+          <a:p>
+            <a:pPr lvl="0"/>
+            <a:fld id="{F26ADB32-8A69-2C4E-BA54-385F30C1B140}" type="slidenum">
+              <a:t>13</a:t>
+            </a:fld>
+            <a:endParaRPr lang="en-US"/>
+          </a:p>
+        </p:txBody>
+      </p:sp>
+      <p:sp>
+        <p:nvSpPr>
+          <p:cNvPr id="2" name="Slide Image Placeholder 1">
+            <a:extLst>
+              <a:ext uri="{FF2B5EF4-FFF2-40B4-BE49-F238E27FC236}">
+                <a16:creationId xmlns:a16="http://schemas.microsoft.com/office/drawing/2014/main" id="{A02321D2-BA00-8D41-B3B0-CF9117442E2A}"/>
+              </a:ext>
+            </a:extLst>
+          </p:cNvPr>
+          <p:cNvSpPr>
+            <a:spLocks noGrp="1" noRot="1" noChangeAspect="1" noResize="1"/>
           </p:cNvSpPr>
           <p:nvPr>
             <p:ph type="sldImg"/>
           </p:nvPr>
         </p:nvSpPr>
+        <p:spPr>
+          <a:xfrm>
+            <a:off x="533400" y="763588"/>
+            <a:ext cx="6704013" cy="3771900"/>
+          </a:xfrm>
+          <a:solidFill>
+            <a:srgbClr val="729FCF"/>
+          </a:solidFill>
+          <a:ln w="25400">
+            <a:solidFill>
+              <a:srgbClr val="3465A4"/>
+            </a:solidFill>
+            <a:prstDash val="solid"/>
+          </a:ln>
+        </p:spPr>
+      </p:sp>
+      <p:sp>
+        <p:nvSpPr>
+          <p:cNvPr id="3" name="Notes Placeholder 2">
+            <a:extLst>
+              <a:ext uri="{FF2B5EF4-FFF2-40B4-BE49-F238E27FC236}">
+                <a16:creationId xmlns:a16="http://schemas.microsoft.com/office/drawing/2014/main" id="{A04CBDCA-B8FC-AE47-9EA8-9C1755746D8B}"/>
+              </a:ext>
+            </a:extLst>
+          </p:cNvPr>
+          <p:cNvSpPr txBox="1">
+            <a:spLocks noGrp="1"/>
+          </p:cNvSpPr>
+          <p:nvPr>
+            <p:ph type="body" sz="quarter" idx="1"/>
+          </p:nvPr>
+        </p:nvSpPr>
         <p:spPr/>
-      </p:sp>
-      <p:sp>
-        <p:nvSpPr>
-          <p:cNvPr id="3" name="Notes Placeholder 2"/>
-          <p:cNvSpPr>
-            <a:spLocks noGrp="1"/>
-          </p:cNvSpPr>
-          <p:nvPr>
-            <p:ph type="body" idx="1"/>
-          </p:nvPr>
-        </p:nvSpPr>
-        <p:spPr/>
-        <p:txBody>
-          <a:bodyPr/>
+        <p:txBody>
+          <a:bodyPr>
+            <a:spAutoFit/>
+          </a:bodyPr>
           <a:lstStyle/>
           <a:p>
-            <a:pPr marL="0" marR="0" lvl="0" indent="0" algn="l" defTabSz="914400" rtl="0" eaLnBrk="1" fontAlgn="auto" latinLnBrk="0" hangingPunct="1">
-              <a:lnSpc>
-                <a:spcPct val="100000"/>
-              </a:lnSpc>
-              <a:spcBef>
-                <a:spcPts val="0"/>
-              </a:spcBef>
-              <a:spcAft>
-                <a:spcPts val="0"/>
-              </a:spcAft>
-              <a:buClrTx/>
-              <a:buSzTx/>
-              <a:buFontTx/>
-              <a:buNone/>
-              <a:tabLst/>
-              <a:defRPr/>
-            </a:pPr>
-            <a:r>
-              <a:rPr lang="en-US" sz="1200" b="0" i="0" u="none" strike="noStrike" kern="1200" cap="none" dirty="0">
-                <a:ln>
-                  <a:noFill/>
-                </a:ln>
-                <a:latin typeface="Arial" pitchFamily="34"/>
-                <a:ea typeface="Arial" pitchFamily="34"/>
-                <a:cs typeface="Arial" pitchFamily="34"/>
-              </a:rPr>
-              <a:t>In last week’s class, we asked the question, “What is intelligence?  And what criteria would you use to assess whether an entity is intelligent?  This question is directly considered in a Star Trek: The Next Generation episode entitled “The Measure of a Man.” In this episode,  Data finds himself on trial for his life — not for a crime but simply for being.  Starfleet scientist Bruce Maddox wants to perform experiments on Data, but Data is worried he won't survive them. And when Maddox forces the issue, Data tries to resign his commission. Maddox argues Data is a machine – Starfleet property – and doesn't have the right to resign his commission, so Picard is forced to face-off against Riker in a legal proceeding to determine whether Data has sentience. He famously tells the judge, "Your Honor, Starfleet was founded to seek out new life." Then, pointing to Data, he says, "Well, there it sits.“   </a:t>
-            </a:r>
-          </a:p>
-          <a:p>
-            <a:pPr marL="0" marR="0" lvl="0" indent="0" algn="l" defTabSz="914400" rtl="0" eaLnBrk="1" fontAlgn="auto" latinLnBrk="0" hangingPunct="1">
-              <a:lnSpc>
-                <a:spcPct val="100000"/>
-              </a:lnSpc>
-              <a:spcBef>
-                <a:spcPts val="0"/>
-              </a:spcBef>
-              <a:spcAft>
-                <a:spcPts val="0"/>
-              </a:spcAft>
-              <a:buClrTx/>
-              <a:buSzTx/>
-              <a:buFontTx/>
-              <a:buNone/>
-              <a:tabLst/>
-              <a:defRPr/>
-            </a:pPr>
-            <a:endParaRPr lang="en-US" sz="1200" b="0" i="0" u="none" strike="noStrike" kern="1200" cap="none" dirty="0">
-              <a:ln>
-                <a:noFill/>
-              </a:ln>
-              <a:latin typeface="Arial" pitchFamily="34"/>
-              <a:ea typeface="Arial" pitchFamily="34"/>
-              <a:cs typeface="Arial" pitchFamily="34"/>
-            </a:endParaRPr>
-          </a:p>
-          <a:p>
-            <a:pPr marL="0" marR="0" lvl="0" indent="0" algn="l" defTabSz="914400" rtl="0" eaLnBrk="1" fontAlgn="auto" latinLnBrk="0" hangingPunct="1">
-              <a:lnSpc>
-                <a:spcPct val="100000"/>
-              </a:lnSpc>
-              <a:spcBef>
-                <a:spcPts val="0"/>
-              </a:spcBef>
-              <a:spcAft>
-                <a:spcPts val="0"/>
-              </a:spcAft>
-              <a:buClrTx/>
-              <a:buSzTx/>
-              <a:buFontTx/>
-              <a:buNone/>
-              <a:tabLst/>
-              <a:defRPr/>
-            </a:pPr>
-            <a:r>
-              <a:rPr lang="en-US" sz="1200" b="0" i="0" u="none" strike="noStrike" kern="1200" cap="none" dirty="0">
-                <a:ln>
-                  <a:noFill/>
-                </a:ln>
-                <a:latin typeface="Arial" pitchFamily="34"/>
-                <a:ea typeface="Arial" pitchFamily="34"/>
-                <a:cs typeface="Arial" pitchFamily="34"/>
-              </a:rPr>
-              <a:t>As you can see, the question of what constitutes intelligence is important, and it lies at the heart of this emerging field.  For without a clear definition, how do we know when we have succeeded?</a:t>
-            </a:r>
-          </a:p>
-          <a:p>
-            <a:pPr marL="0" marR="0" lvl="0" indent="0" algn="l" defTabSz="914400" rtl="0" eaLnBrk="1" fontAlgn="auto" latinLnBrk="0" hangingPunct="1">
-              <a:lnSpc>
-                <a:spcPct val="100000"/>
-              </a:lnSpc>
-              <a:spcBef>
-                <a:spcPts val="0"/>
-              </a:spcBef>
-              <a:spcAft>
-                <a:spcPts val="0"/>
-              </a:spcAft>
-              <a:buClrTx/>
-              <a:buSzTx/>
-              <a:buFontTx/>
-              <a:buNone/>
-              <a:tabLst/>
-              <a:defRPr/>
-            </a:pPr>
-            <a:endParaRPr lang="en-US" sz="1200" b="0" i="0" kern="1200" dirty="0">
+            <a:pPr algn="l"/>
+            <a:r>
+              <a:rPr lang="en-US" b="0" i="0" dirty="0">
+                <a:solidFill>
+                  <a:srgbClr val="202122"/>
+                </a:solidFill>
+                <a:effectLst/>
+                <a:latin typeface="Arial" panose="020B0604020202020204" pitchFamily="34" charset="0"/>
+              </a:rPr>
+              <a:t>In 1955, </a:t>
+            </a:r>
+            <a:r>
+              <a:rPr lang="en-US" b="0" i="0" u="none" strike="noStrike" dirty="0">
+                <a:solidFill>
+                  <a:srgbClr val="0645AD"/>
+                </a:solidFill>
+                <a:effectLst/>
+                <a:latin typeface="Arial" panose="020B0604020202020204" pitchFamily="34" charset="0"/>
+                <a:hlinkClick r:id="rId3" tooltip="John McCarthy (computer scientist)"/>
+              </a:rPr>
+              <a:t>John McCarthy</a:t>
+            </a:r>
+            <a:r>
+              <a:rPr lang="en-US" b="0" i="0" u="none" strike="noStrike" dirty="0">
+                <a:solidFill>
+                  <a:srgbClr val="202122"/>
+                </a:solidFill>
+                <a:effectLst/>
+                <a:latin typeface="Arial" panose="020B0604020202020204" pitchFamily="34" charset="0"/>
+              </a:rPr>
+              <a:t> accepted a position as an Assistant Professor of Mathematics at Dartmouth College.  Soon after, he </a:t>
+            </a:r>
+            <a:r>
+              <a:rPr lang="en-US" b="0" i="0" dirty="0">
+                <a:solidFill>
+                  <a:srgbClr val="202122"/>
+                </a:solidFill>
+                <a:effectLst/>
+                <a:latin typeface="Arial" panose="020B0604020202020204" pitchFamily="34" charset="0"/>
+              </a:rPr>
+              <a:t>decided to organize a group to clarify and develop ideas about thinking machines.  McCarthy picked the name 'Artificial Intelligence' for the new field.  He chose it partly for its neutrality.  But he also wanted to avoid any phrase that might place him in conflict with Norbert Wiener, the assertive founder of cybernetics.</a:t>
+            </a:r>
+          </a:p>
+          <a:p>
+            <a:pPr algn="l"/>
+            <a:endParaRPr lang="en-US" b="0" i="0" dirty="0">
               <a:solidFill>
-                <a:schemeClr val="tx1"/>
+                <a:srgbClr val="202122"/>
               </a:solidFill>
               <a:effectLst/>
-              <a:latin typeface="+mn-lt"/>
-              <a:ea typeface="+mn-ea"/>
-              <a:cs typeface="+mn-cs"/>
+              <a:latin typeface="Arial" panose="020B0604020202020204" pitchFamily="34" charset="0"/>
             </a:endParaRPr>
           </a:p>
           <a:p>
-            <a:pPr marL="0" marR="0" lvl="0" indent="0" algn="l" defTabSz="914400" rtl="0" eaLnBrk="1" fontAlgn="auto" latinLnBrk="0" hangingPunct="1">
-              <a:lnSpc>
-                <a:spcPct val="100000"/>
-              </a:lnSpc>
-              <a:spcBef>
-                <a:spcPts val="0"/>
-              </a:spcBef>
-              <a:spcAft>
-                <a:spcPts val="0"/>
-              </a:spcAft>
-              <a:buClrTx/>
-              <a:buSzTx/>
-              <a:buFontTx/>
-              <a:buNone/>
-              <a:tabLst/>
-              <a:defRPr/>
-            </a:pPr>
-            <a:r>
-              <a:rPr lang="en-US" sz="1200" b="0" i="0" kern="1200" dirty="0">
-                <a:solidFill>
-                  <a:schemeClr val="tx1"/>
+            <a:pPr algn="l"/>
+            <a:r>
+              <a:rPr lang="en-US" b="0" i="0" dirty="0">
+                <a:solidFill>
+                  <a:srgbClr val="202122"/>
                 </a:solidFill>
                 <a:effectLst/>
-                <a:latin typeface="+mn-lt"/>
-                <a:ea typeface="+mn-ea"/>
-                <a:cs typeface="+mn-cs"/>
-              </a:rPr>
-              <a:t>At this point, I’d like to jump back in time to the 1950’s and consider how the definition of intelligence in this field has evolved over time.</a:t>
-            </a:r>
-          </a:p>
-          <a:p>
-            <a:pPr marL="0" marR="0" lvl="0" indent="0" algn="l" defTabSz="914400" rtl="0" eaLnBrk="1" fontAlgn="auto" latinLnBrk="0" hangingPunct="1">
-              <a:lnSpc>
-                <a:spcPct val="100000"/>
-              </a:lnSpc>
-              <a:spcBef>
-                <a:spcPts val="0"/>
-              </a:spcBef>
-              <a:spcAft>
-                <a:spcPts val="0"/>
-              </a:spcAft>
-              <a:buClrTx/>
-              <a:buSzTx/>
-              <a:buFontTx/>
-              <a:buNone/>
-              <a:tabLst/>
-              <a:defRPr/>
-            </a:pPr>
-            <a:endParaRPr lang="en-US" sz="1200" b="0" i="0" kern="1200" dirty="0">
+                <a:latin typeface="Arial" panose="020B0604020202020204" pitchFamily="34" charset="0"/>
+              </a:rPr>
+              <a:t>Later that year, McCarthy approached the </a:t>
+            </a:r>
+            <a:r>
+              <a:rPr lang="en-US" b="0" i="0" u="none" strike="noStrike" dirty="0">
+                <a:solidFill>
+                  <a:srgbClr val="0645AD"/>
+                </a:solidFill>
+                <a:effectLst/>
+                <a:latin typeface="Arial" panose="020B0604020202020204" pitchFamily="34" charset="0"/>
+                <a:hlinkClick r:id="rId4" tooltip="Rockefeller Foundation"/>
+              </a:rPr>
+              <a:t>Rockefeller Foundation</a:t>
+            </a:r>
+            <a:r>
+              <a:rPr lang="en-US" b="0" i="0" dirty="0">
+                <a:solidFill>
+                  <a:srgbClr val="202122"/>
+                </a:solidFill>
+                <a:effectLst/>
+                <a:latin typeface="Arial" panose="020B0604020202020204" pitchFamily="34" charset="0"/>
+              </a:rPr>
+              <a:t> to request funding for a summer seminar at Dartmouth for about 10 participants. In June, he and </a:t>
+            </a:r>
+            <a:r>
+              <a:rPr lang="en-US" b="0" i="0" u="none" strike="noStrike" dirty="0">
+                <a:solidFill>
+                  <a:srgbClr val="0645AD"/>
+                </a:solidFill>
+                <a:effectLst/>
+                <a:latin typeface="Arial" panose="020B0604020202020204" pitchFamily="34" charset="0"/>
+                <a:hlinkClick r:id="rId5" tooltip="Claude Shannon"/>
+              </a:rPr>
+              <a:t>Claude Shannon</a:t>
+            </a:r>
+            <a:r>
+              <a:rPr lang="en-US" b="0" i="0" u="none" strike="noStrike" dirty="0">
+                <a:solidFill>
+                  <a:srgbClr val="202122"/>
+                </a:solidFill>
+                <a:effectLst/>
+                <a:latin typeface="Arial" panose="020B0604020202020204" pitchFamily="34" charset="0"/>
+              </a:rPr>
+              <a:t> </a:t>
+            </a:r>
+            <a:r>
+              <a:rPr lang="en-US" b="0" i="0" dirty="0">
+                <a:solidFill>
+                  <a:srgbClr val="202122"/>
+                </a:solidFill>
+                <a:effectLst/>
+                <a:latin typeface="Arial" panose="020B0604020202020204" pitchFamily="34" charset="0"/>
+              </a:rPr>
+              <a:t>(a founder of </a:t>
+            </a:r>
+            <a:r>
+              <a:rPr lang="en-US" b="0" i="0" u="none" strike="noStrike" dirty="0">
+                <a:solidFill>
+                  <a:srgbClr val="0645AD"/>
+                </a:solidFill>
+                <a:effectLst/>
+                <a:latin typeface="Arial" panose="020B0604020202020204" pitchFamily="34" charset="0"/>
+                <a:hlinkClick r:id="rId6" tooltip="Information theory"/>
+              </a:rPr>
+              <a:t>information theory</a:t>
+            </a:r>
+            <a:r>
+              <a:rPr lang="en-US" b="0" i="0" u="none" strike="noStrike" dirty="0">
+                <a:solidFill>
+                  <a:srgbClr val="0645AD"/>
+                </a:solidFill>
+                <a:effectLst/>
+                <a:latin typeface="Arial" panose="020B0604020202020204" pitchFamily="34" charset="0"/>
+              </a:rPr>
+              <a:t>)</a:t>
+            </a:r>
+            <a:r>
+              <a:rPr lang="en-US" b="0" i="0" dirty="0">
+                <a:solidFill>
+                  <a:srgbClr val="202122"/>
+                </a:solidFill>
+                <a:effectLst/>
+                <a:latin typeface="Arial" panose="020B0604020202020204" pitchFamily="34" charset="0"/>
+              </a:rPr>
+              <a:t> met with Robert Morison, Director of Biological and Medical Research to discuss the idea and possible funding, though Morison was unsure whether money would be made available for such a visionary project.</a:t>
+            </a:r>
+            <a:endParaRPr lang="en-US" b="0" i="0" u="none" strike="noStrike" baseline="30000" dirty="0">
               <a:solidFill>
-                <a:schemeClr val="tx1"/>
+                <a:srgbClr val="0645AD"/>
               </a:solidFill>
               <a:effectLst/>
-              <a:latin typeface="+mn-lt"/>
-              <a:ea typeface="+mn-ea"/>
-              <a:cs typeface="+mn-cs"/>
+              <a:latin typeface="Arial" panose="020B0604020202020204" pitchFamily="34" charset="0"/>
             </a:endParaRPr>
           </a:p>
           <a:p>
-            <a:pPr marL="0" marR="0" lvl="0" indent="0" algn="l" defTabSz="914400" rtl="0" eaLnBrk="1" fontAlgn="auto" latinLnBrk="0" hangingPunct="1">
-              <a:lnSpc>
-                <a:spcPct val="100000"/>
-              </a:lnSpc>
-              <a:spcBef>
-                <a:spcPts val="0"/>
-              </a:spcBef>
-              <a:spcAft>
-                <a:spcPts val="0"/>
-              </a:spcAft>
-              <a:buClrTx/>
-              <a:buSzTx/>
-              <a:buFontTx/>
-              <a:buNone/>
-              <a:tabLst/>
-              <a:defRPr/>
-            </a:pPr>
-            <a:endParaRPr lang="en-US" sz="1200" b="0" i="0" u="none" strike="noStrike" kern="1200" cap="none" dirty="0">
-              <a:ln>
-                <a:noFill/>
-              </a:ln>
-              <a:latin typeface="Arial" pitchFamily="34"/>
-              <a:ea typeface="Arial" pitchFamily="34"/>
-              <a:cs typeface="Arial" pitchFamily="34"/>
+            <a:pPr algn="l"/>
+            <a:endParaRPr lang="en-US" b="0" i="0" dirty="0">
+              <a:solidFill>
+                <a:srgbClr val="202122"/>
+              </a:solidFill>
+              <a:effectLst/>
+              <a:latin typeface="Arial" panose="020B0604020202020204" pitchFamily="34" charset="0"/>
             </a:endParaRPr>
           </a:p>
           <a:p>
-            <a:pPr marL="0" marR="0" lvl="0" indent="0" algn="l" defTabSz="914400" rtl="0" eaLnBrk="1" fontAlgn="auto" latinLnBrk="0" hangingPunct="1">
-              <a:lnSpc>
-                <a:spcPct val="100000"/>
-              </a:lnSpc>
-              <a:spcBef>
-                <a:spcPts val="0"/>
-              </a:spcBef>
-              <a:spcAft>
-                <a:spcPts val="0"/>
-              </a:spcAft>
-              <a:buClrTx/>
-              <a:buSzTx/>
-              <a:buFontTx/>
-              <a:buNone/>
-              <a:tabLst/>
-              <a:defRPr/>
-            </a:pPr>
-            <a:r>
-              <a:rPr lang="en-US" sz="1200" b="0" i="0" u="none" strike="noStrike" kern="1200" cap="none" dirty="0">
-                <a:ln>
-                  <a:noFill/>
-                </a:ln>
-                <a:latin typeface="Arial" pitchFamily="34"/>
-                <a:ea typeface="Arial" pitchFamily="34"/>
-                <a:cs typeface="Arial" pitchFamily="34"/>
-              </a:rPr>
-              <a:t>https://fineartamerica.com/featured/lieutenant-commander-data-star-trek-tng-giulia-riva.html</a:t>
+            <a:pPr algn="l"/>
+            <a:r>
+              <a:rPr lang="en-US" b="0" i="0" dirty="0">
+                <a:solidFill>
+                  <a:srgbClr val="202122"/>
+                </a:solidFill>
+                <a:effectLst/>
+                <a:latin typeface="Arial" panose="020B0604020202020204" pitchFamily="34" charset="0"/>
+              </a:rPr>
+              <a:t>On September 2, 1955, John McCarthy, </a:t>
+            </a:r>
+            <a:r>
+              <a:rPr lang="en-US" b="0" i="0" u="none" strike="noStrike" dirty="0">
+                <a:solidFill>
+                  <a:srgbClr val="0645AD"/>
+                </a:solidFill>
+                <a:effectLst/>
+                <a:latin typeface="Arial" panose="020B0604020202020204" pitchFamily="34" charset="0"/>
+                <a:hlinkClick r:id="rId7" tooltip="Marvin Minsky"/>
+              </a:rPr>
+              <a:t>Marvin Minsky</a:t>
+            </a:r>
+            <a:r>
+              <a:rPr lang="en-US" b="0" i="0" dirty="0">
+                <a:solidFill>
+                  <a:srgbClr val="202122"/>
+                </a:solidFill>
+                <a:effectLst/>
+                <a:latin typeface="Arial" panose="020B0604020202020204" pitchFamily="34" charset="0"/>
+              </a:rPr>
+              <a:t>, </a:t>
+            </a:r>
+            <a:r>
+              <a:rPr lang="en-US" b="0" i="0" u="none" strike="noStrike" dirty="0">
+                <a:solidFill>
+                  <a:srgbClr val="0645AD"/>
+                </a:solidFill>
+                <a:effectLst/>
+                <a:latin typeface="Arial" panose="020B0604020202020204" pitchFamily="34" charset="0"/>
+                <a:hlinkClick r:id="rId8" tooltip="Nathaniel Rochester (computer scientist)"/>
+              </a:rPr>
+              <a:t>Nathaniel Rochester</a:t>
+            </a:r>
+            <a:r>
+              <a:rPr lang="en-US" b="0" i="0" dirty="0">
+                <a:solidFill>
+                  <a:srgbClr val="202122"/>
+                </a:solidFill>
+                <a:effectLst/>
+                <a:latin typeface="Arial" panose="020B0604020202020204" pitchFamily="34" charset="0"/>
+              </a:rPr>
+              <a:t> and </a:t>
+            </a:r>
+            <a:r>
+              <a:rPr lang="en-US" b="0" i="0" u="none" strike="noStrike" dirty="0">
+                <a:solidFill>
+                  <a:srgbClr val="0645AD"/>
+                </a:solidFill>
+                <a:effectLst/>
+                <a:latin typeface="Arial" panose="020B0604020202020204" pitchFamily="34" charset="0"/>
+                <a:hlinkClick r:id="rId5" tooltip="Claude Shannon"/>
+              </a:rPr>
+              <a:t>Claude Shannon</a:t>
+            </a:r>
+            <a:r>
+              <a:rPr lang="en-US" b="0" i="0" u="none" strike="noStrike" dirty="0">
+                <a:solidFill>
+                  <a:srgbClr val="0645AD"/>
+                </a:solidFill>
+                <a:effectLst/>
+                <a:latin typeface="Arial" panose="020B0604020202020204" pitchFamily="34" charset="0"/>
+              </a:rPr>
+              <a:t> submitted the proposal to the foundation.  Today, it </a:t>
+            </a:r>
+            <a:r>
+              <a:rPr lang="en-US" b="0" i="0" dirty="0">
+                <a:solidFill>
+                  <a:srgbClr val="202122"/>
+                </a:solidFill>
+                <a:effectLst/>
+                <a:latin typeface="Arial" panose="020B0604020202020204" pitchFamily="34" charset="0"/>
+              </a:rPr>
+              <a:t>is credited with introducing the term 'artificial intelligence’.  Fortunately, the Rockefeller Foundation funded the proposal and the rest, as they say, “is history…”</a:t>
             </a:r>
           </a:p>
           <a:p>
             <a:endParaRPr lang="en-US" dirty="0"/>
-          </a:p>
-        </p:txBody>
-      </p:sp>
-      <p:sp>
-        <p:nvSpPr>
-          <p:cNvPr id="4" name="Slide Number Placeholder 3"/>
-          <p:cNvSpPr>
-            <a:spLocks noGrp="1"/>
-          </p:cNvSpPr>
-          <p:nvPr>
-            <p:ph type="sldNum" sz="quarter" idx="5"/>
-          </p:nvPr>
-        </p:nvSpPr>
-        <p:spPr/>
-        <p:txBody>
-          <a:bodyPr/>
-          <a:lstStyle/>
-          <a:p>
-            <a:fld id="{3148858F-F1DB-4027-9C85-CCA6849540DD}" type="slidenum">
-              <a:rPr lang="en-US" smtClean="0"/>
-              <a:t>12</a:t>
-            </a:fld>
-            <a:endParaRPr lang="en-US"/>
           </a:p>
         </p:txBody>
       </p:sp>
     </p:spTree>
     <p:extLst>
       <p:ext uri="{BB962C8B-B14F-4D97-AF65-F5344CB8AC3E}">
-        <p14:creationId xmlns:p14="http://schemas.microsoft.com/office/powerpoint/2010/main" val="3136242698"/>
+        <p14:creationId xmlns:p14="http://schemas.microsoft.com/office/powerpoint/2010/main" val="2400027281"/>
       </p:ext>
     </p:extLst>
   </p:cSld>
@@ -1155,353 +1414,65 @@
       </p:grpSpPr>
       <p:sp>
         <p:nvSpPr>
-          <p:cNvPr id="7" name="Slide Number Placeholder 6">
-            <a:extLst>
-              <a:ext uri="{FF2B5EF4-FFF2-40B4-BE49-F238E27FC236}">
-                <a16:creationId xmlns:a16="http://schemas.microsoft.com/office/drawing/2014/main" id="{5B543A9C-E520-124D-A26C-727E7A91B5A6}"/>
-              </a:ext>
-            </a:extLst>
-          </p:cNvPr>
-          <p:cNvSpPr txBox="1">
+          <p:cNvPr id="2" name="Slide Image Placeholder 1"/>
+          <p:cNvSpPr>
+            <a:spLocks noGrp="1" noRot="1" noChangeAspect="1"/>
+          </p:cNvSpPr>
+          <p:nvPr>
+            <p:ph type="sldImg"/>
+          </p:nvPr>
+        </p:nvSpPr>
+        <p:spPr/>
+      </p:sp>
+      <p:sp>
+        <p:nvSpPr>
+          <p:cNvPr id="3" name="Notes Placeholder 2"/>
+          <p:cNvSpPr>
             <a:spLocks noGrp="1"/>
           </p:cNvSpPr>
           <p:nvPr>
+            <p:ph type="body" idx="1"/>
+          </p:nvPr>
+        </p:nvSpPr>
+        <p:spPr/>
+        <p:txBody>
+          <a:bodyPr/>
+          <a:lstStyle/>
+          <a:p>
+            <a:r>
+              <a:rPr lang="en-US" dirty="0"/>
+              <a:t>With that history in place, let’s consider some definitions – starting with the one advanced in the Dartmouth Proposal…</a:t>
+            </a:r>
+          </a:p>
+        </p:txBody>
+      </p:sp>
+      <p:sp>
+        <p:nvSpPr>
+          <p:cNvPr id="4" name="Slide Number Placeholder 3"/>
+          <p:cNvSpPr>
+            <a:spLocks noGrp="1"/>
+          </p:cNvSpPr>
+          <p:nvPr>
             <p:ph type="sldNum" sz="quarter" idx="5"/>
           </p:nvPr>
         </p:nvSpPr>
-        <p:spPr>
-          <a:ln/>
-        </p:spPr>
-        <p:txBody>
-          <a:bodyPr lIns="0" tIns="0" rIns="0" bIns="0" anchor="b" anchorCtr="0">
-            <a:noAutofit/>
-          </a:bodyPr>
+        <p:spPr/>
+        <p:txBody>
+          <a:bodyPr/>
           <a:lstStyle/>
           <a:p>
-            <a:pPr lvl="0"/>
-            <a:fld id="{F26ADB32-8A69-2C4E-BA54-385F30C1B140}" type="slidenum">
-              <a:t>13</a:t>
+            <a:fld id="{3148858F-F1DB-4027-9C85-CCA6849540DD}" type="slidenum">
+              <a:rPr lang="en-US" smtClean="0"/>
+              <a:t>14</a:t>
             </a:fld>
             <a:endParaRPr lang="en-US"/>
-          </a:p>
-        </p:txBody>
-      </p:sp>
-      <p:sp>
-        <p:nvSpPr>
-          <p:cNvPr id="2" name="Slide Image Placeholder 1">
-            <a:extLst>
-              <a:ext uri="{FF2B5EF4-FFF2-40B4-BE49-F238E27FC236}">
-                <a16:creationId xmlns:a16="http://schemas.microsoft.com/office/drawing/2014/main" id="{A02321D2-BA00-8D41-B3B0-CF9117442E2A}"/>
-              </a:ext>
-            </a:extLst>
-          </p:cNvPr>
-          <p:cNvSpPr>
-            <a:spLocks noGrp="1" noRot="1" noChangeAspect="1" noResize="1"/>
-          </p:cNvSpPr>
-          <p:nvPr>
-            <p:ph type="sldImg"/>
-          </p:nvPr>
-        </p:nvSpPr>
-        <p:spPr>
-          <a:xfrm>
-            <a:off x="533400" y="763588"/>
-            <a:ext cx="6704013" cy="3771900"/>
-          </a:xfrm>
-          <a:solidFill>
-            <a:srgbClr val="729FCF"/>
-          </a:solidFill>
-          <a:ln w="25400">
-            <a:solidFill>
-              <a:srgbClr val="3465A4"/>
-            </a:solidFill>
-            <a:prstDash val="solid"/>
-          </a:ln>
-        </p:spPr>
-      </p:sp>
-      <p:sp>
-        <p:nvSpPr>
-          <p:cNvPr id="3" name="Notes Placeholder 2">
-            <a:extLst>
-              <a:ext uri="{FF2B5EF4-FFF2-40B4-BE49-F238E27FC236}">
-                <a16:creationId xmlns:a16="http://schemas.microsoft.com/office/drawing/2014/main" id="{A04CBDCA-B8FC-AE47-9EA8-9C1755746D8B}"/>
-              </a:ext>
-            </a:extLst>
-          </p:cNvPr>
-          <p:cNvSpPr txBox="1">
-            <a:spLocks noGrp="1"/>
-          </p:cNvSpPr>
-          <p:nvPr>
-            <p:ph type="body" sz="quarter" idx="1"/>
-          </p:nvPr>
-        </p:nvSpPr>
-        <p:spPr/>
-        <p:txBody>
-          <a:bodyPr>
-            <a:spAutoFit/>
-          </a:bodyPr>
-          <a:lstStyle/>
-          <a:p>
-            <a:pPr algn="l"/>
-            <a:r>
-              <a:rPr lang="en-US" b="0" i="0" dirty="0">
-                <a:solidFill>
-                  <a:srgbClr val="202122"/>
-                </a:solidFill>
-                <a:effectLst/>
-                <a:latin typeface="Arial" panose="020B0604020202020204" pitchFamily="34" charset="0"/>
-              </a:rPr>
-              <a:t>In 1955, </a:t>
-            </a:r>
-            <a:r>
-              <a:rPr lang="en-US" b="0" i="0" u="none" strike="noStrike" dirty="0">
-                <a:solidFill>
-                  <a:srgbClr val="0645AD"/>
-                </a:solidFill>
-                <a:effectLst/>
-                <a:latin typeface="Arial" panose="020B0604020202020204" pitchFamily="34" charset="0"/>
-                <a:hlinkClick r:id="rId3" tooltip="John McCarthy (computer scientist)"/>
-              </a:rPr>
-              <a:t>John McCarthy</a:t>
-            </a:r>
-            <a:r>
-              <a:rPr lang="en-US" b="0" i="0" u="none" strike="noStrike" dirty="0">
-                <a:solidFill>
-                  <a:srgbClr val="202122"/>
-                </a:solidFill>
-                <a:effectLst/>
-                <a:latin typeface="Arial" panose="020B0604020202020204" pitchFamily="34" charset="0"/>
-              </a:rPr>
-              <a:t> accepted a position as an Assistant Professor of Mathematics at Dartmouth College.  Soon after, he </a:t>
-            </a:r>
-            <a:r>
-              <a:rPr lang="en-US" b="0" i="0" dirty="0">
-                <a:solidFill>
-                  <a:srgbClr val="202122"/>
-                </a:solidFill>
-                <a:effectLst/>
-                <a:latin typeface="Arial" panose="020B0604020202020204" pitchFamily="34" charset="0"/>
-              </a:rPr>
-              <a:t>decided to organize a group to clarify and develop ideas about thinking machines.  McCarthy picked the name 'Artificial Intelligence' for the new field.  He chose it partly for its neutrality.  But he also wanted to avoid any phrase that might place him in conflict with Norbert Wiener, the assertive founder of cybernetics.</a:t>
-            </a:r>
-          </a:p>
-          <a:p>
-            <a:pPr algn="l"/>
-            <a:endParaRPr lang="en-US" b="0" i="0" dirty="0">
-              <a:solidFill>
-                <a:srgbClr val="202122"/>
-              </a:solidFill>
-              <a:effectLst/>
-              <a:latin typeface="Arial" panose="020B0604020202020204" pitchFamily="34" charset="0"/>
-            </a:endParaRPr>
-          </a:p>
-          <a:p>
-            <a:pPr algn="l"/>
-            <a:r>
-              <a:rPr lang="en-US" b="0" i="0" dirty="0">
-                <a:solidFill>
-                  <a:srgbClr val="202122"/>
-                </a:solidFill>
-                <a:effectLst/>
-                <a:latin typeface="Arial" panose="020B0604020202020204" pitchFamily="34" charset="0"/>
-              </a:rPr>
-              <a:t>Later that year, McCarthy approached the </a:t>
-            </a:r>
-            <a:r>
-              <a:rPr lang="en-US" b="0" i="0" u="none" strike="noStrike" dirty="0">
-                <a:solidFill>
-                  <a:srgbClr val="0645AD"/>
-                </a:solidFill>
-                <a:effectLst/>
-                <a:latin typeface="Arial" panose="020B0604020202020204" pitchFamily="34" charset="0"/>
-                <a:hlinkClick r:id="rId4" tooltip="Rockefeller Foundation"/>
-              </a:rPr>
-              <a:t>Rockefeller Foundation</a:t>
-            </a:r>
-            <a:r>
-              <a:rPr lang="en-US" b="0" i="0" dirty="0">
-                <a:solidFill>
-                  <a:srgbClr val="202122"/>
-                </a:solidFill>
-                <a:effectLst/>
-                <a:latin typeface="Arial" panose="020B0604020202020204" pitchFamily="34" charset="0"/>
-              </a:rPr>
-              <a:t> to request funding for a summer seminar at Dartmouth for about 10 participants. In June, he and </a:t>
-            </a:r>
-            <a:r>
-              <a:rPr lang="en-US" b="0" i="0" u="none" strike="noStrike" dirty="0">
-                <a:solidFill>
-                  <a:srgbClr val="0645AD"/>
-                </a:solidFill>
-                <a:effectLst/>
-                <a:latin typeface="Arial" panose="020B0604020202020204" pitchFamily="34" charset="0"/>
-                <a:hlinkClick r:id="rId5" tooltip="Claude Shannon"/>
-              </a:rPr>
-              <a:t>Claude Shannon</a:t>
-            </a:r>
-            <a:r>
-              <a:rPr lang="en-US" b="0" i="0" u="none" strike="noStrike" dirty="0">
-                <a:solidFill>
-                  <a:srgbClr val="202122"/>
-                </a:solidFill>
-                <a:effectLst/>
-                <a:latin typeface="Arial" panose="020B0604020202020204" pitchFamily="34" charset="0"/>
-              </a:rPr>
-              <a:t> </a:t>
-            </a:r>
-            <a:r>
-              <a:rPr lang="en-US" b="0" i="0" dirty="0">
-                <a:solidFill>
-                  <a:srgbClr val="202122"/>
-                </a:solidFill>
-                <a:effectLst/>
-                <a:latin typeface="Arial" panose="020B0604020202020204" pitchFamily="34" charset="0"/>
-              </a:rPr>
-              <a:t>(a founder of </a:t>
-            </a:r>
-            <a:r>
-              <a:rPr lang="en-US" b="0" i="0" u="none" strike="noStrike" dirty="0">
-                <a:solidFill>
-                  <a:srgbClr val="0645AD"/>
-                </a:solidFill>
-                <a:effectLst/>
-                <a:latin typeface="Arial" panose="020B0604020202020204" pitchFamily="34" charset="0"/>
-                <a:hlinkClick r:id="rId6" tooltip="Information theory"/>
-              </a:rPr>
-              <a:t>information theory</a:t>
-            </a:r>
-            <a:r>
-              <a:rPr lang="en-US" b="0" i="0" u="none" strike="noStrike" dirty="0">
-                <a:solidFill>
-                  <a:srgbClr val="0645AD"/>
-                </a:solidFill>
-                <a:effectLst/>
-                <a:latin typeface="Arial" panose="020B0604020202020204" pitchFamily="34" charset="0"/>
-              </a:rPr>
-              <a:t>)</a:t>
-            </a:r>
-            <a:r>
-              <a:rPr lang="en-US" b="0" i="0" dirty="0">
-                <a:solidFill>
-                  <a:srgbClr val="202122"/>
-                </a:solidFill>
-                <a:effectLst/>
-                <a:latin typeface="Arial" panose="020B0604020202020204" pitchFamily="34" charset="0"/>
-              </a:rPr>
-              <a:t> met with Robert Morison, Director of Biological and Medical Research to discuss the idea and possible funding, though Morison was unsure whether money would be made available for such a visionary project.</a:t>
-            </a:r>
-            <a:endParaRPr lang="en-US" b="0" i="0" u="none" strike="noStrike" baseline="30000" dirty="0">
-              <a:solidFill>
-                <a:srgbClr val="0645AD"/>
-              </a:solidFill>
-              <a:effectLst/>
-              <a:latin typeface="Arial" panose="020B0604020202020204" pitchFamily="34" charset="0"/>
-            </a:endParaRPr>
-          </a:p>
-          <a:p>
-            <a:pPr algn="l"/>
-            <a:endParaRPr lang="en-US" b="0" i="0" dirty="0">
-              <a:solidFill>
-                <a:srgbClr val="202122"/>
-              </a:solidFill>
-              <a:effectLst/>
-              <a:latin typeface="Arial" panose="020B0604020202020204" pitchFamily="34" charset="0"/>
-            </a:endParaRPr>
-          </a:p>
-          <a:p>
-            <a:pPr algn="l"/>
-            <a:r>
-              <a:rPr lang="en-US" b="0" i="0" dirty="0">
-                <a:solidFill>
-                  <a:srgbClr val="202122"/>
-                </a:solidFill>
-                <a:effectLst/>
-                <a:latin typeface="Arial" panose="020B0604020202020204" pitchFamily="34" charset="0"/>
-              </a:rPr>
-              <a:t>On September 2, 1955, John McCarthy, </a:t>
-            </a:r>
-            <a:r>
-              <a:rPr lang="en-US" b="0" i="0" u="none" strike="noStrike" dirty="0">
-                <a:solidFill>
-                  <a:srgbClr val="0645AD"/>
-                </a:solidFill>
-                <a:effectLst/>
-                <a:latin typeface="Arial" panose="020B0604020202020204" pitchFamily="34" charset="0"/>
-                <a:hlinkClick r:id="rId7" tooltip="Marvin Minsky"/>
-              </a:rPr>
-              <a:t>Marvin Minsky</a:t>
-            </a:r>
-            <a:r>
-              <a:rPr lang="en-US" b="0" i="0" dirty="0">
-                <a:solidFill>
-                  <a:srgbClr val="202122"/>
-                </a:solidFill>
-                <a:effectLst/>
-                <a:latin typeface="Arial" panose="020B0604020202020204" pitchFamily="34" charset="0"/>
-              </a:rPr>
-              <a:t>, </a:t>
-            </a:r>
-            <a:r>
-              <a:rPr lang="en-US" b="0" i="0" u="none" strike="noStrike" dirty="0">
-                <a:solidFill>
-                  <a:srgbClr val="0645AD"/>
-                </a:solidFill>
-                <a:effectLst/>
-                <a:latin typeface="Arial" panose="020B0604020202020204" pitchFamily="34" charset="0"/>
-                <a:hlinkClick r:id="rId8" tooltip="Nathaniel Rochester (computer scientist)"/>
-              </a:rPr>
-              <a:t>Nathaniel Rochester</a:t>
-            </a:r>
-            <a:r>
-              <a:rPr lang="en-US" b="0" i="0" dirty="0">
-                <a:solidFill>
-                  <a:srgbClr val="202122"/>
-                </a:solidFill>
-                <a:effectLst/>
-                <a:latin typeface="Arial" panose="020B0604020202020204" pitchFamily="34" charset="0"/>
-              </a:rPr>
-              <a:t> and </a:t>
-            </a:r>
-            <a:r>
-              <a:rPr lang="en-US" b="0" i="0" u="none" strike="noStrike" dirty="0">
-                <a:solidFill>
-                  <a:srgbClr val="0645AD"/>
-                </a:solidFill>
-                <a:effectLst/>
-                <a:latin typeface="Arial" panose="020B0604020202020204" pitchFamily="34" charset="0"/>
-                <a:hlinkClick r:id="rId5" tooltip="Claude Shannon"/>
-              </a:rPr>
-              <a:t>Claude Shannon</a:t>
-            </a:r>
-            <a:r>
-              <a:rPr lang="en-US" b="0" i="0" u="none" strike="noStrike" dirty="0">
-                <a:solidFill>
-                  <a:srgbClr val="0645AD"/>
-                </a:solidFill>
-                <a:effectLst/>
-                <a:latin typeface="Arial" panose="020B0604020202020204" pitchFamily="34" charset="0"/>
-              </a:rPr>
-              <a:t> submitted the proposal to the foundation.  Today, it </a:t>
-            </a:r>
-            <a:r>
-              <a:rPr lang="en-US" b="0" i="0" dirty="0">
-                <a:solidFill>
-                  <a:srgbClr val="202122"/>
-                </a:solidFill>
-                <a:effectLst/>
-                <a:latin typeface="Arial" panose="020B0604020202020204" pitchFamily="34" charset="0"/>
-              </a:rPr>
-              <a:t>is credited with introducing the term 'artificial intelligence’.  Fortunately, the Rockefeller Foundation funded the proposal and the rest, as they say, “is history…”</a:t>
-            </a:r>
-          </a:p>
-          <a:p>
-            <a:endParaRPr lang="en-US" dirty="0"/>
           </a:p>
         </p:txBody>
       </p:sp>
     </p:spTree>
     <p:extLst>
       <p:ext uri="{BB962C8B-B14F-4D97-AF65-F5344CB8AC3E}">
-        <p14:creationId xmlns:p14="http://schemas.microsoft.com/office/powerpoint/2010/main" val="2400027281"/>
+        <p14:creationId xmlns:p14="http://schemas.microsoft.com/office/powerpoint/2010/main" val="1011519860"/>
       </p:ext>
     </p:extLst>
   </p:cSld>
@@ -1555,9 +1526,20 @@
           <a:bodyPr/>
           <a:lstStyle/>
           <a:p>
+            <a:endParaRPr lang="en-US" sz="1200" b="0" i="0" kern="1200" dirty="0">
+              <a:solidFill>
+                <a:schemeClr val="tx1"/>
+              </a:solidFill>
+              <a:effectLst/>
+              <a:latin typeface="+mn-lt"/>
+              <a:ea typeface="+mn-ea"/>
+              <a:cs typeface="+mn-cs"/>
+            </a:endParaRPr>
+          </a:p>
+          <a:p>
             <a:r>
               <a:rPr lang="en-US" dirty="0"/>
-              <a:t>With that history in place, let’s consider some definitions – starting with the one advanced in the Dartmouth Proposal…</a:t>
+              <a:t>… and some more definitions to consider.</a:t>
             </a:r>
           </a:p>
         </p:txBody>
@@ -1579,7 +1561,7 @@
           <a:p>
             <a:fld id="{3148858F-F1DB-4027-9C85-CCA6849540DD}" type="slidenum">
               <a:rPr lang="en-US" smtClean="0"/>
-              <a:t>14</a:t>
+              <a:t>15</a:t>
             </a:fld>
             <a:endParaRPr lang="en-US"/>
           </a:p>
@@ -1588,7 +1570,7 @@
     </p:spTree>
     <p:extLst>
       <p:ext uri="{BB962C8B-B14F-4D97-AF65-F5344CB8AC3E}">
-        <p14:creationId xmlns:p14="http://schemas.microsoft.com/office/powerpoint/2010/main" val="1011519860"/>
+        <p14:creationId xmlns:p14="http://schemas.microsoft.com/office/powerpoint/2010/main" val="4028108833"/>
       </p:ext>
     </p:extLst>
   </p:cSld>
@@ -1642,20 +1624,90 @@
           <a:bodyPr/>
           <a:lstStyle/>
           <a:p>
-            <a:endParaRPr lang="en-US" sz="1200" b="0" i="0" kern="1200" dirty="0">
-              <a:solidFill>
-                <a:schemeClr val="tx1"/>
-              </a:solidFill>
-              <a:effectLst/>
-              <a:latin typeface="+mn-lt"/>
-              <a:ea typeface="+mn-ea"/>
-              <a:cs typeface="+mn-cs"/>
+            <a:pPr marL="0" marR="0" lvl="0" indent="0" algn="l" defTabSz="914400" rtl="0" eaLnBrk="1" fontAlgn="auto" latinLnBrk="0" hangingPunct="1">
+              <a:lnSpc>
+                <a:spcPct val="100000"/>
+              </a:lnSpc>
+              <a:spcBef>
+                <a:spcPts val="0"/>
+              </a:spcBef>
+              <a:spcAft>
+                <a:spcPts val="0"/>
+              </a:spcAft>
+              <a:buClrTx/>
+              <a:buSzTx/>
+              <a:buFontTx/>
+              <a:buNone/>
+              <a:tabLst/>
+              <a:defRPr/>
+            </a:pPr>
+            <a:r>
+              <a:rPr lang="en-US" sz="1200" b="0" i="0" u="none" strike="noStrike" kern="1200" cap="none" dirty="0">
+                <a:ln>
+                  <a:noFill/>
+                </a:ln>
+                <a:latin typeface="Arial" pitchFamily="34"/>
+                <a:ea typeface="Arial" pitchFamily="34"/>
+                <a:cs typeface="Arial" pitchFamily="34"/>
+              </a:rPr>
+              <a:t>Okay – given these definitions and your reading for this week – has your initial definition of A.I. changed?  </a:t>
+            </a:r>
+          </a:p>
+          <a:p>
+            <a:pPr marL="0" marR="0" lvl="0" indent="0" algn="l" defTabSz="914400" rtl="0" eaLnBrk="1" fontAlgn="auto" latinLnBrk="0" hangingPunct="1">
+              <a:lnSpc>
+                <a:spcPct val="100000"/>
+              </a:lnSpc>
+              <a:spcBef>
+                <a:spcPts val="0"/>
+              </a:spcBef>
+              <a:spcAft>
+                <a:spcPts val="0"/>
+              </a:spcAft>
+              <a:buClrTx/>
+              <a:buSzTx/>
+              <a:buFontTx/>
+              <a:buNone/>
+              <a:tabLst/>
+              <a:defRPr/>
+            </a:pPr>
+            <a:endParaRPr lang="en-US" sz="1200" b="0" i="0" u="none" strike="noStrike" kern="1200" cap="none" dirty="0">
+              <a:ln>
+                <a:noFill/>
+              </a:ln>
+              <a:latin typeface="Arial" pitchFamily="34"/>
+              <a:ea typeface="Arial" pitchFamily="34"/>
+              <a:cs typeface="Arial" pitchFamily="34"/>
             </a:endParaRPr>
           </a:p>
           <a:p>
-            <a:r>
-              <a:rPr lang="en-US" dirty="0"/>
-              <a:t>… and some more definitions to consider.</a:t>
+            <a:pPr marL="0" marR="0" lvl="0" indent="0" algn="l" defTabSz="914400" rtl="0" eaLnBrk="1" fontAlgn="auto" latinLnBrk="0" hangingPunct="1">
+              <a:lnSpc>
+                <a:spcPct val="100000"/>
+              </a:lnSpc>
+              <a:spcBef>
+                <a:spcPts val="0"/>
+              </a:spcBef>
+              <a:spcAft>
+                <a:spcPts val="0"/>
+              </a:spcAft>
+              <a:buClrTx/>
+              <a:buSzTx/>
+              <a:buFontTx/>
+              <a:buNone/>
+              <a:tabLst/>
+              <a:defRPr/>
+            </a:pPr>
+            <a:r>
+              <a:rPr lang="en-US" sz="1200" b="0" i="0" u="none" strike="noStrike" kern="1200" cap="none" dirty="0">
+                <a:ln>
+                  <a:noFill/>
+                </a:ln>
+                <a:latin typeface="Arial" pitchFamily="34"/>
+                <a:ea typeface="Arial" pitchFamily="34"/>
+                <a:cs typeface="Arial" pitchFamily="34"/>
+              </a:rPr>
+              <a:t>Let’s discuss these questions in the breakout rooms. </a:t>
             </a:r>
           </a:p>
         </p:txBody>
@@ -1677,7 +1729,7 @@
           <a:p>
             <a:fld id="{3148858F-F1DB-4027-9C85-CCA6849540DD}" type="slidenum">
               <a:rPr lang="en-US" smtClean="0"/>
-              <a:t>15</a:t>
+              <a:t>16</a:t>
             </a:fld>
             <a:endParaRPr lang="en-US"/>
           </a:p>
@@ -1686,7 +1738,7 @@
     </p:spTree>
     <p:extLst>
       <p:ext uri="{BB962C8B-B14F-4D97-AF65-F5344CB8AC3E}">
-        <p14:creationId xmlns:p14="http://schemas.microsoft.com/office/powerpoint/2010/main" val="4028108833"/>
+        <p14:creationId xmlns:p14="http://schemas.microsoft.com/office/powerpoint/2010/main" val="1284256817"/>
       </p:ext>
     </p:extLst>
   </p:cSld>
@@ -1740,90 +1792,100 @@
           <a:bodyPr/>
           <a:lstStyle/>
           <a:p>
-            <a:pPr marL="0" marR="0" lvl="0" indent="0" algn="l" defTabSz="914400" rtl="0" eaLnBrk="1" fontAlgn="auto" latinLnBrk="0" hangingPunct="1">
-              <a:lnSpc>
-                <a:spcPct val="100000"/>
-              </a:lnSpc>
-              <a:spcBef>
-                <a:spcPts val="0"/>
-              </a:spcBef>
-              <a:spcAft>
-                <a:spcPts val="0"/>
-              </a:spcAft>
-              <a:buClrTx/>
-              <a:buSzTx/>
-              <a:buFontTx/>
+            <a:pPr marL="0" indent="0">
               <a:buNone/>
-              <a:tabLst/>
-              <a:defRPr/>
             </a:pPr>
             <a:r>
               <a:rPr lang="en-US" sz="1200" b="0" i="0" u="none" strike="noStrike" kern="1200" cap="none" dirty="0">
                 <a:ln>
                   <a:noFill/>
                 </a:ln>
-                <a:latin typeface="Arial" pitchFamily="34"/>
+                <a:latin typeface="Arial" pitchFamily="18"/>
                 <a:ea typeface="Arial" pitchFamily="34"/>
                 <a:cs typeface="Arial" pitchFamily="34"/>
               </a:rPr>
-              <a:t>Okay – given these definitions and your reading for this week – has your initial definition of A.I. changed?  </a:t>
-            </a:r>
-          </a:p>
-          <a:p>
-            <a:pPr marL="0" marR="0" lvl="0" indent="0" algn="l" defTabSz="914400" rtl="0" eaLnBrk="1" fontAlgn="auto" latinLnBrk="0" hangingPunct="1">
-              <a:lnSpc>
-                <a:spcPct val="100000"/>
-              </a:lnSpc>
-              <a:spcBef>
-                <a:spcPts val="0"/>
-              </a:spcBef>
-              <a:spcAft>
-                <a:spcPts val="0"/>
-              </a:spcAft>
-              <a:buClrTx/>
-              <a:buSzTx/>
-              <a:buFontTx/>
+              <a:t>This week’s reading introduced you to Alan Turing and the foundational work he did in the field of artificial intelligence.  The Turing test of intelligence was first proposed in 1950, in an article entitled, </a:t>
+            </a:r>
+            <a:r>
+              <a:rPr lang="en-US" sz="1200" b="0" i="1" u="none" strike="noStrike" kern="1200" cap="none" dirty="0">
+                <a:ln>
+                  <a:noFill/>
+                </a:ln>
+                <a:latin typeface="Arial" pitchFamily="18"/>
+                <a:ea typeface="Arial" pitchFamily="34"/>
+                <a:cs typeface="Arial" pitchFamily="34"/>
+              </a:rPr>
+              <a:t>Computing Machinery and Intelligence.  </a:t>
+            </a:r>
+            <a:r>
+              <a:rPr lang="en-US" sz="1200" b="0" i="0" u="none" strike="noStrike" kern="1200" cap="none" dirty="0">
+                <a:ln>
+                  <a:noFill/>
+                </a:ln>
+                <a:latin typeface="Arial" pitchFamily="18"/>
+                <a:ea typeface="Arial" pitchFamily="34"/>
+                <a:cs typeface="Arial" pitchFamily="34"/>
+              </a:rPr>
+              <a:t>This is a foundational document…  Let’s review that part of the reading…</a:t>
+            </a:r>
+            <a:endParaRPr lang="en-US" sz="1200" b="0" i="1" u="none" strike="noStrike" kern="1200" cap="none" dirty="0">
+              <a:ln>
+                <a:noFill/>
+              </a:ln>
+              <a:latin typeface="Arial" pitchFamily="18"/>
+              <a:ea typeface="Arial" pitchFamily="34"/>
+              <a:cs typeface="Arial" pitchFamily="34"/>
+            </a:endParaRPr>
+          </a:p>
+          <a:p>
+            <a:pPr marL="0" indent="0">
               <a:buNone/>
-              <a:tabLst/>
-              <a:defRPr/>
             </a:pPr>
             <a:endParaRPr lang="en-US" sz="1200" b="0" i="0" u="none" strike="noStrike" kern="1200" cap="none" dirty="0">
               <a:ln>
                 <a:noFill/>
               </a:ln>
-              <a:latin typeface="Arial" pitchFamily="34"/>
+              <a:latin typeface="Arial" pitchFamily="18"/>
               <a:ea typeface="Arial" pitchFamily="34"/>
               <a:cs typeface="Arial" pitchFamily="34"/>
             </a:endParaRPr>
           </a:p>
           <a:p>
-            <a:pPr marL="0" marR="0" lvl="0" indent="0" algn="l" defTabSz="914400" rtl="0" eaLnBrk="1" fontAlgn="auto" latinLnBrk="0" hangingPunct="1">
-              <a:lnSpc>
-                <a:spcPct val="100000"/>
-              </a:lnSpc>
-              <a:spcBef>
-                <a:spcPts val="0"/>
-              </a:spcBef>
-              <a:spcAft>
-                <a:spcPts val="0"/>
-              </a:spcAft>
-              <a:buClrTx/>
-              <a:buSzTx/>
-              <a:buFontTx/>
+            <a:pPr marL="0" indent="0">
               <a:buNone/>
-              <a:tabLst/>
-              <a:defRPr/>
             </a:pPr>
             <a:r>
               <a:rPr lang="en-US" sz="1200" b="0" i="0" u="none" strike="noStrike" kern="1200" cap="none" dirty="0">
                 <a:ln>
                   <a:noFill/>
                 </a:ln>
-                <a:latin typeface="Arial" pitchFamily="34"/>
+                <a:latin typeface="Arial" pitchFamily="18"/>
                 <a:ea typeface="Arial" pitchFamily="34"/>
                 <a:cs typeface="Arial" pitchFamily="34"/>
               </a:rPr>
-              <a:t>Let’s discuss these questions in the breakout rooms. </a:t>
+              <a:t>Turing, AM (1950) Computing Machinery and Intelligence. </a:t>
+            </a:r>
+            <a:r>
+              <a:rPr lang="en-US" sz="1200" b="0" i="1" u="none" strike="noStrike" kern="1200" cap="none" dirty="0">
+                <a:ln>
+                  <a:noFill/>
+                </a:ln>
+                <a:latin typeface="Arial" pitchFamily="18"/>
+                <a:ea typeface="Arial" pitchFamily="34"/>
+                <a:cs typeface="Arial" pitchFamily="34"/>
+              </a:rPr>
+              <a:t>Mind</a:t>
+            </a:r>
+            <a:r>
+              <a:rPr lang="en-US" sz="1200" b="0" i="0" u="none" strike="noStrike" kern="1200" cap="none" dirty="0">
+                <a:ln>
+                  <a:noFill/>
+                </a:ln>
+                <a:latin typeface="Arial" pitchFamily="18"/>
+                <a:ea typeface="Arial" pitchFamily="34"/>
+                <a:cs typeface="Arial" pitchFamily="34"/>
+              </a:rPr>
+              <a:t>: 54</a:t>
             </a:r>
           </a:p>
         </p:txBody>
@@ -1845,7 +1907,7 @@
           <a:p>
             <a:fld id="{3148858F-F1DB-4027-9C85-CCA6849540DD}" type="slidenum">
               <a:rPr lang="en-US" smtClean="0"/>
-              <a:t>16</a:t>
+              <a:t>17</a:t>
             </a:fld>
             <a:endParaRPr lang="en-US"/>
           </a:p>
@@ -1854,7 +1916,7 @@
     </p:spTree>
     <p:extLst>
       <p:ext uri="{BB962C8B-B14F-4D97-AF65-F5344CB8AC3E}">
-        <p14:creationId xmlns:p14="http://schemas.microsoft.com/office/powerpoint/2010/main" val="1284256817"/>
+        <p14:creationId xmlns:p14="http://schemas.microsoft.com/office/powerpoint/2010/main" val="1860523921"/>
       </p:ext>
     </p:extLst>
   </p:cSld>
@@ -1908,100 +1970,59 @@
           <a:bodyPr/>
           <a:lstStyle/>
           <a:p>
-            <a:pPr marL="0" indent="0">
-              <a:buNone/>
+            <a:r>
+              <a:rPr lang="en-US" dirty="0"/>
+              <a:t>At the heart of our reading this week is the Turing test.  This test has been hugely influential since Turing first described it in 1950.  </a:t>
+            </a:r>
+          </a:p>
+          <a:p>
+            <a:endParaRPr lang="en-US" dirty="0"/>
+          </a:p>
+          <a:p>
+            <a:pPr marL="228600" indent="-228600">
+              <a:buAutoNum type="arabicPeriod"/>
             </a:pPr>
             <a:r>
-              <a:rPr lang="en-US" sz="1200" b="0" i="0" u="none" strike="noStrike" kern="1200" cap="none" dirty="0">
-                <a:ln>
-                  <a:noFill/>
-                </a:ln>
-                <a:latin typeface="Arial" pitchFamily="18"/>
-                <a:ea typeface="Arial" pitchFamily="34"/>
-                <a:cs typeface="Arial" pitchFamily="34"/>
-              </a:rPr>
-              <a:t>This week’s reading introduced you to Alan Turing and the foundational work he did in the field of artificial intelligence.  The Turing test of intelligence was first proposed in 1950, in an article entitled, </a:t>
-            </a:r>
-            <a:r>
-              <a:rPr lang="en-US" sz="1200" b="0" i="1" u="none" strike="noStrike" kern="1200" cap="none" dirty="0">
-                <a:ln>
-                  <a:noFill/>
-                </a:ln>
-                <a:latin typeface="Arial" pitchFamily="18"/>
-                <a:ea typeface="Arial" pitchFamily="34"/>
-                <a:cs typeface="Arial" pitchFamily="34"/>
-              </a:rPr>
-              <a:t>Computing Machinery and Intelligence.  </a:t>
-            </a:r>
-            <a:r>
-              <a:rPr lang="en-US" sz="1200" b="0" i="0" u="none" strike="noStrike" kern="1200" cap="none" dirty="0">
-                <a:ln>
-                  <a:noFill/>
-                </a:ln>
-                <a:latin typeface="Arial" pitchFamily="18"/>
-                <a:ea typeface="Arial" pitchFamily="34"/>
-                <a:cs typeface="Arial" pitchFamily="34"/>
-              </a:rPr>
-              <a:t>This is a foundational document…  Let’s review that part of the reading…</a:t>
-            </a:r>
-            <a:endParaRPr lang="en-US" sz="1200" b="0" i="1" u="none" strike="noStrike" kern="1200" cap="none" dirty="0">
-              <a:ln>
-                <a:noFill/>
-              </a:ln>
-              <a:latin typeface="Arial" pitchFamily="18"/>
-              <a:ea typeface="Arial" pitchFamily="34"/>
-              <a:cs typeface="Arial" pitchFamily="34"/>
-            </a:endParaRPr>
-          </a:p>
-          <a:p>
-            <a:pPr marL="0" indent="0">
-              <a:buNone/>
+              <a:rPr lang="en-US" dirty="0"/>
+              <a:t>Turing got the idea from a Victorian parlor game where a man and a woman sat in a separate room.  The other players then passed a series of written questions to them and would try to guess the sex of the respondent by the answers they gave.</a:t>
+            </a:r>
+          </a:p>
+          <a:p>
+            <a:pPr marL="228600" indent="-228600">
+              <a:buAutoNum type="arabicPeriod"/>
             </a:pPr>
-            <a:endParaRPr lang="en-US" sz="1200" b="0" i="0" u="none" strike="noStrike" kern="1200" cap="none" dirty="0">
-              <a:ln>
-                <a:noFill/>
-              </a:ln>
-              <a:latin typeface="Arial" pitchFamily="18"/>
-              <a:ea typeface="Arial" pitchFamily="34"/>
-              <a:cs typeface="Arial" pitchFamily="34"/>
-            </a:endParaRPr>
-          </a:p>
-          <a:p>
-            <a:pPr marL="0" indent="0">
-              <a:buNone/>
+            <a:r>
+              <a:rPr lang="en-US" dirty="0"/>
+              <a:t>The Turing Test is a computer version of that game.  In the image here, we see a Human questioner in the middle, sending questions to both a computer and another human.  The interaction is purely in the form of text and answers: the human questioner types a question, and a response is displayed.  Now the task of that person is to determine whether the thing being interrogated is a person or a computer program.</a:t>
+            </a:r>
+          </a:p>
+          <a:p>
+            <a:pPr marL="228600" indent="-228600">
+              <a:buAutoNum type="arabicPeriod"/>
             </a:pPr>
             <a:r>
-              <a:rPr lang="en-US" sz="1200" b="0" i="0" u="none" strike="noStrike" kern="1200" cap="none" dirty="0">
-                <a:ln>
-                  <a:noFill/>
-                </a:ln>
-                <a:latin typeface="Arial" pitchFamily="18"/>
-                <a:ea typeface="Arial" pitchFamily="34"/>
-                <a:cs typeface="Arial" pitchFamily="34"/>
-              </a:rPr>
-              <a:t>Turing, AM (1950) Computing Machinery and Intelligence. </a:t>
-            </a:r>
-            <a:r>
-              <a:rPr lang="en-US" sz="1200" b="0" i="1" u="none" strike="noStrike" kern="1200" cap="none" dirty="0">
-                <a:ln>
-                  <a:noFill/>
-                </a:ln>
-                <a:latin typeface="Arial" pitchFamily="18"/>
-                <a:ea typeface="Arial" pitchFamily="34"/>
-                <a:cs typeface="Arial" pitchFamily="34"/>
-              </a:rPr>
-              <a:t>Mind</a:t>
-            </a:r>
-            <a:r>
-              <a:rPr lang="en-US" sz="1200" b="0" i="0" u="none" strike="noStrike" kern="1200" cap="none" dirty="0">
-                <a:ln>
-                  <a:noFill/>
-                </a:ln>
-                <a:latin typeface="Arial" pitchFamily="18"/>
-                <a:ea typeface="Arial" pitchFamily="34"/>
-                <a:cs typeface="Arial" pitchFamily="34"/>
-              </a:rPr>
-              <a:t>: 54</a:t>
+              <a:rPr lang="en-US" dirty="0"/>
+              <a:t>Now, suppose that the thing being interrogated is indeed a computer program, but after some reasonable amount of time, the questioners cannot reliably tell whether they are interacting with a program or a person.  Then surely, Turing argued, you should accept that the program has some sort of human level intelligence because the system is doing something that makes it </a:t>
+            </a:r>
+            <a:r>
+              <a:rPr lang="en-US" b="1" dirty="0"/>
+              <a:t>indistinguishable </a:t>
+            </a:r>
+            <a:r>
+              <a:rPr lang="en-US" b="0" dirty="0"/>
+              <a:t>from the real thing.  The key word here is indistinguishable…</a:t>
+            </a:r>
+          </a:p>
+          <a:p>
+            <a:pPr marL="228600" indent="-228600">
+              <a:buAutoNum type="arabicPeriod"/>
+            </a:pPr>
+            <a:endParaRPr lang="en-US" b="0" dirty="0"/>
+          </a:p>
+          <a:p>
+            <a:r>
+              <a:rPr lang="en-US" dirty="0"/>
+              <a:t>https://searchenterpriseai.techtarget.com/definition/Turing-test</a:t>
             </a:r>
           </a:p>
         </p:txBody>
@@ -2023,7 +2044,7 @@
           <a:p>
             <a:fld id="{3148858F-F1DB-4027-9C85-CCA6849540DD}" type="slidenum">
               <a:rPr lang="en-US" smtClean="0"/>
-              <a:t>17</a:t>
+              <a:t>18</a:t>
             </a:fld>
             <a:endParaRPr lang="en-US"/>
           </a:p>
@@ -2032,7 +2053,7 @@
     </p:spTree>
     <p:extLst>
       <p:ext uri="{BB962C8B-B14F-4D97-AF65-F5344CB8AC3E}">
-        <p14:creationId xmlns:p14="http://schemas.microsoft.com/office/powerpoint/2010/main" val="1860523921"/>
+        <p14:creationId xmlns:p14="http://schemas.microsoft.com/office/powerpoint/2010/main" val="2968338234"/>
       </p:ext>
     </p:extLst>
   </p:cSld>
@@ -2087,58 +2108,35 @@
           <a:lstStyle/>
           <a:p>
             <a:r>
-              <a:rPr lang="en-US" dirty="0"/>
-              <a:t>At the heart of our reading this week is the Turing test.  This test has been hugely influential since Turing first described it in 1950.  </a:t>
-            </a:r>
-          </a:p>
-          <a:p>
-            <a:endParaRPr lang="en-US" dirty="0"/>
-          </a:p>
-          <a:p>
-            <a:pPr marL="228600" indent="-228600">
-              <a:buAutoNum type="arabicPeriod"/>
-            </a:pPr>
-            <a:r>
-              <a:rPr lang="en-US" dirty="0"/>
-              <a:t>Turing got the idea from a Victorian parlor game where a man and a woman sat in a separate room.  The other players then passed a series of written questions to them and would try to guess the sex of the respondent by the answers they gave.</a:t>
-            </a:r>
-          </a:p>
-          <a:p>
-            <a:pPr marL="228600" indent="-228600">
-              <a:buAutoNum type="arabicPeriod"/>
-            </a:pPr>
-            <a:r>
-              <a:rPr lang="en-US" dirty="0"/>
-              <a:t>The Turing Test is a computer version of that game.  In the image here, we see a Human questioner in the middle, sending questions to both a computer and another human.  The interaction is purely in the form of text and answers: the human questioner types a question, and a response is displayed.  Now the task of that person is to determine whether the thing being interrogated is a person or a computer program.</a:t>
-            </a:r>
-          </a:p>
-          <a:p>
-            <a:pPr marL="228600" indent="-228600">
-              <a:buAutoNum type="arabicPeriod"/>
-            </a:pPr>
-            <a:r>
-              <a:rPr lang="en-US" dirty="0"/>
-              <a:t>Now, suppose that the thing being interrogated is indeed a computer program, but after some reasonable amount of time, the questioners cannot reliably tell whether they are interacting with a program or a person.  Then surely, Turing argued, you should accept that the program has some sort of human level intelligence because the system is doing something that makes it </a:t>
-            </a:r>
-            <a:r>
-              <a:rPr lang="en-US" b="1" dirty="0"/>
-              <a:t>indistinguishable </a:t>
-            </a:r>
-            <a:r>
               <a:rPr lang="en-US" b="0" dirty="0"/>
-              <a:t>from the real thing.  The key word here is indistinguishable…</a:t>
-            </a:r>
-          </a:p>
-          <a:p>
-            <a:pPr marL="228600" indent="-228600">
-              <a:buAutoNum type="arabicPeriod"/>
-            </a:pPr>
+              <a:t>Michael Woolridge discusses ELIZA, a computer program written in the 1960’s by the German MIT computer scientist Joseph Weizenbaum.  Eliza takes the role of a psychiatrist talking to a patient to get the interviewee to contemplate themselves.  Strangely, they discovered that many humans preferred Eliza over </a:t>
+            </a:r>
+          </a:p>
+          <a:p>
             <a:endParaRPr lang="en-US" b="0" dirty="0"/>
           </a:p>
           <a:p>
             <a:r>
-              <a:rPr lang="en-US" dirty="0"/>
-              <a:t>https://searchenterpriseai.techtarget.com/definition/Turing-test</a:t>
+              <a:rPr lang="en-US" b="0" dirty="0"/>
+              <a:t>ELIZA’s legacy lives on to this day, in the form of the annual Loebner Prize competition.  It is unclear whether Turing imagined that anyone would ever actually try out his test for real, but in 1990 that is precisely what American millionaire inventory Hugh Loebner decided to do.  Every year, the Loebner Prize invites the submission of computer programs to engage in the Turing test, attempting to convince a panel of judges that they are in fact people.  </a:t>
+            </a:r>
+          </a:p>
+          <a:p>
+            <a:endParaRPr lang="en-US" b="0" dirty="0"/>
+          </a:p>
+          <a:p>
+            <a:r>
+              <a:rPr lang="en-US" b="0" dirty="0"/>
+              <a:t>We’re going to give you time to chat with this year’s winner of the Loebner prize.  Her name is Kuki…</a:t>
+            </a:r>
+          </a:p>
+          <a:p>
+            <a:endParaRPr lang="en-US" b="0" dirty="0"/>
+          </a:p>
+          <a:p>
+            <a:r>
+              <a:rPr lang="en-US" b="0" dirty="0"/>
+              <a:t>Woolridge concludes, “ELIZA is the direct ancestor of a phenomenon that makes AI researchers groan whenever it is mentioned: the internet chatbot.</a:t>
             </a:r>
           </a:p>
         </p:txBody>
@@ -2160,7 +2158,7 @@
           <a:p>
             <a:fld id="{3148858F-F1DB-4027-9C85-CCA6849540DD}" type="slidenum">
               <a:rPr lang="en-US" smtClean="0"/>
-              <a:t>18</a:t>
+              <a:t>19</a:t>
             </a:fld>
             <a:endParaRPr lang="en-US"/>
           </a:p>
@@ -2169,7 +2167,7 @@
     </p:spTree>
     <p:extLst>
       <p:ext uri="{BB962C8B-B14F-4D97-AF65-F5344CB8AC3E}">
-        <p14:creationId xmlns:p14="http://schemas.microsoft.com/office/powerpoint/2010/main" val="2968338234"/>
+        <p14:creationId xmlns:p14="http://schemas.microsoft.com/office/powerpoint/2010/main" val="4034031462"/>
       </p:ext>
     </p:extLst>
   </p:cSld>
@@ -2223,36 +2221,57 @@
           <a:bodyPr/>
           <a:lstStyle/>
           <a:p>
-            <a:r>
-              <a:rPr lang="en-US" b="0" dirty="0"/>
-              <a:t>Michael Woolridge discusses ELIZA, a computer program written in the 1960’s by the German MIT computer scientist Joseph Weizenbaum.  Eliza takes the role of a psychiatrist talking to a patient to get the interviewee to contemplate themselves.  Strangely, they discovered that many humans preferred Eliza over </a:t>
-            </a:r>
-          </a:p>
-          <a:p>
-            <a:endParaRPr lang="en-US" b="0" dirty="0"/>
-          </a:p>
-          <a:p>
-            <a:r>
-              <a:rPr lang="en-US" b="0" dirty="0"/>
-              <a:t>ELIZA’s legacy lives on to this day, in the form of the annual Loebner Prize competition.  It is unclear whether Turing imagined that anyone would ever actually try out his test for real, but in 1990 that is precisely what American millionaire inventory Hugh Loebner decided to do.  Every year, the Loebner Prize invites the submission of computer programs to engage in the Turing test, attempting to convince a panel of judges that they are in fact people.  </a:t>
-            </a:r>
-          </a:p>
-          <a:p>
-            <a:endParaRPr lang="en-US" b="0" dirty="0"/>
-          </a:p>
-          <a:p>
-            <a:r>
-              <a:rPr lang="en-US" b="0" dirty="0"/>
-              <a:t>We’re going to give you time to chat with this year’s winner of the Loebner prize.  Her name is Kuki…</a:t>
-            </a:r>
-          </a:p>
-          <a:p>
-            <a:endParaRPr lang="en-US" b="0" dirty="0"/>
-          </a:p>
-          <a:p>
-            <a:r>
-              <a:rPr lang="en-US" b="0" dirty="0"/>
-              <a:t>Woolridge concludes, “ELIZA is the direct ancestor of a phenomenon that makes AI researchers groan whenever it is mentioned: the internet chatbot.</a:t>
+            <a:pPr marL="0" marR="0" indent="0">
+              <a:spcBef>
+                <a:spcPts val="0"/>
+              </a:spcBef>
+              <a:spcAft>
+                <a:spcPts val="0"/>
+              </a:spcAft>
+              <a:buNone/>
+            </a:pPr>
+            <a:r>
+              <a:rPr lang="en-US" sz="1200" dirty="0">
+                <a:effectLst/>
+                <a:latin typeface="Palatino Linotype" panose="02040502050505030304" pitchFamily="18" charset="0"/>
+                <a:ea typeface="Calibri" panose="020F0502020204030204" pitchFamily="34" charset="0"/>
+              </a:rPr>
+              <a:t>Breakout conversations – Is Kuki exhibiting intelligent behavior, is this intelligence? (Yes/No)</a:t>
+            </a:r>
+          </a:p>
+          <a:p>
+            <a:pPr marL="0" marR="0" indent="0">
+              <a:spcBef>
+                <a:spcPts val="0"/>
+              </a:spcBef>
+              <a:spcAft>
+                <a:spcPts val="0"/>
+              </a:spcAft>
+              <a:buNone/>
+            </a:pPr>
+            <a:endParaRPr lang="en-US" sz="1200" dirty="0">
+              <a:effectLst/>
+              <a:latin typeface="Palatino Linotype" panose="02040502050505030304" pitchFamily="18" charset="0"/>
+              <a:ea typeface="Calibri" panose="020F0502020204030204" pitchFamily="34" charset="0"/>
+            </a:endParaRPr>
+          </a:p>
+          <a:p>
+            <a:pPr marL="0" marR="0" indent="0">
+              <a:spcBef>
+                <a:spcPts val="0"/>
+              </a:spcBef>
+              <a:spcAft>
+                <a:spcPts val="0"/>
+              </a:spcAft>
+              <a:buNone/>
+            </a:pPr>
+            <a:r>
+              <a:rPr lang="en-US" sz="1200" dirty="0">
+                <a:effectLst/>
+                <a:latin typeface="Palatino Linotype" panose="02040502050505030304" pitchFamily="18" charset="0"/>
+                <a:ea typeface="Calibri" panose="020F0502020204030204" pitchFamily="34" charset="0"/>
+              </a:rPr>
+              <a:t>Team debate </a:t>
             </a:r>
           </a:p>
         </p:txBody>
@@ -2274,7 +2293,7 @@
           <a:p>
             <a:fld id="{3148858F-F1DB-4027-9C85-CCA6849540DD}" type="slidenum">
               <a:rPr lang="en-US" smtClean="0"/>
-              <a:t>19</a:t>
+              <a:t>20</a:t>
             </a:fld>
             <a:endParaRPr lang="en-US"/>
           </a:p>
@@ -2283,7 +2302,7 @@
     </p:spTree>
     <p:extLst>
       <p:ext uri="{BB962C8B-B14F-4D97-AF65-F5344CB8AC3E}">
-        <p14:creationId xmlns:p14="http://schemas.microsoft.com/office/powerpoint/2010/main" val="4034031462"/>
+        <p14:creationId xmlns:p14="http://schemas.microsoft.com/office/powerpoint/2010/main" val="1066522800"/>
       </p:ext>
     </p:extLst>
   </p:cSld>
@@ -2337,7 +2356,7 @@
           <a:bodyPr/>
           <a:lstStyle/>
           <a:p>
-            <a:pPr marL="0" marR="0" lvl="0" indent="0" algn="l" hangingPunct="0">
+            <a:pPr marL="0" marR="0" lvl="0" indent="0" algn="l" defTabSz="914400" rtl="0" eaLnBrk="1" fontAlgn="auto" latinLnBrk="0" hangingPunct="1">
               <a:lnSpc>
                 <a:spcPct val="100000"/>
               </a:lnSpc>
@@ -2345,301 +2364,27 @@
                 <a:spcPts val="0"/>
               </a:spcBef>
               <a:spcAft>
-                <a:spcPts val="1440"/>
+                <a:spcPts val="0"/>
               </a:spcAft>
-              <a:buSzPct val="45000"/>
-              <a:buFont typeface="StarSymbol"/>
+              <a:buClrTx/>
+              <a:buSzTx/>
+              <a:buFontTx/>
               <a:buNone/>
               <a:tabLst/>
+              <a:defRPr/>
             </a:pPr>
-            <a:endParaRPr lang="en-US" sz="1200" b="0" i="0" u="none" strike="noStrike" kern="1200" cap="none" dirty="0">
-              <a:ln>
-                <a:noFill/>
-              </a:ln>
-              <a:latin typeface="Palatino Linotype" panose="02040502050505030304" pitchFamily="18" charset="0"/>
-              <a:ea typeface="Arial" pitchFamily="34"/>
-              <a:cs typeface="Arial" pitchFamily="34"/>
-            </a:endParaRPr>
-          </a:p>
-          <a:p>
-            <a:pPr marL="0" marR="0" lvl="0" indent="0" algn="l" hangingPunct="0">
-              <a:lnSpc>
-                <a:spcPct val="100000"/>
-              </a:lnSpc>
-              <a:spcBef>
-                <a:spcPts val="0"/>
-              </a:spcBef>
-              <a:spcAft>
-                <a:spcPts val="1440"/>
-              </a:spcAft>
-              <a:buSzPct val="45000"/>
-              <a:buFont typeface="StarSymbol"/>
-              <a:buNone/>
-              <a:tabLst/>
-            </a:pPr>
-            <a:r>
-              <a:rPr lang="en-US" sz="1200" b="0" i="0" u="none" strike="noStrike" kern="1200" cap="none" dirty="0">
-                <a:ln>
-                  <a:noFill/>
-                </a:ln>
-                <a:latin typeface="Palatino Linotype" panose="02040502050505030304" pitchFamily="18" charset="0"/>
-                <a:ea typeface="Arial" pitchFamily="34"/>
-                <a:cs typeface="Arial" pitchFamily="34"/>
-              </a:rPr>
-              <a:t>=====</a:t>
-            </a:r>
-          </a:p>
-          <a:p>
-            <a:pPr marL="0" marR="0" lvl="0" indent="0" algn="l" hangingPunct="0">
-              <a:lnSpc>
-                <a:spcPct val="100000"/>
-              </a:lnSpc>
-              <a:spcBef>
-                <a:spcPts val="0"/>
-              </a:spcBef>
-              <a:spcAft>
-                <a:spcPts val="1440"/>
-              </a:spcAft>
-              <a:buSzPct val="45000"/>
-              <a:buFont typeface="StarSymbol"/>
-              <a:buNone/>
-              <a:tabLst/>
-            </a:pPr>
-            <a:r>
-              <a:rPr lang="en-US" sz="1200" b="0" i="0" u="none" strike="noStrike" kern="1200" cap="none" dirty="0">
-                <a:ln>
-                  <a:noFill/>
-                </a:ln>
-                <a:latin typeface="Palatino Linotype" panose="02040502050505030304" pitchFamily="18" charset="0"/>
-                <a:ea typeface="Arial" pitchFamily="34"/>
-                <a:cs typeface="Arial" pitchFamily="34"/>
-              </a:rPr>
-              <a:t>Bullet points for the Frontiers of AI class</a:t>
-            </a:r>
-          </a:p>
-          <a:p>
-            <a:pPr marL="0" marR="0" lvl="0" indent="0" algn="l" hangingPunct="0">
-              <a:lnSpc>
-                <a:spcPct val="100000"/>
-              </a:lnSpc>
-              <a:spcBef>
-                <a:spcPts val="0"/>
-              </a:spcBef>
-              <a:spcAft>
-                <a:spcPts val="1440"/>
-              </a:spcAft>
-              <a:buSzPct val="45000"/>
-              <a:buFont typeface="StarSymbol"/>
-              <a:buNone/>
-              <a:tabLst/>
-            </a:pPr>
-            <a:endParaRPr lang="en-US" sz="1200" b="0" i="0" u="none" strike="noStrike" kern="1200" cap="none" dirty="0">
-              <a:ln>
-                <a:noFill/>
-              </a:ln>
-              <a:latin typeface="Palatino Linotype" panose="02040502050505030304" pitchFamily="18" charset="0"/>
-              <a:ea typeface="Arial" pitchFamily="34"/>
-              <a:cs typeface="Arial" pitchFamily="34"/>
-            </a:endParaRPr>
-          </a:p>
-          <a:p>
-            <a:pPr marL="0" marR="0" lvl="0" indent="0" algn="l" hangingPunct="0">
-              <a:lnSpc>
-                <a:spcPct val="100000"/>
-              </a:lnSpc>
-              <a:spcBef>
-                <a:spcPts val="0"/>
-              </a:spcBef>
-              <a:spcAft>
-                <a:spcPts val="1440"/>
-              </a:spcAft>
-              <a:buSzPct val="45000"/>
-              <a:buFont typeface="StarSymbol"/>
-              <a:buChar char="●"/>
-              <a:tabLst/>
-            </a:pPr>
-            <a:r>
-              <a:rPr lang="en-US" sz="1200" b="0" i="0" u="none" strike="noStrike" kern="1200" cap="none" dirty="0">
-                <a:ln>
-                  <a:noFill/>
-                </a:ln>
-                <a:latin typeface="Palatino Linotype" panose="02040502050505030304" pitchFamily="18" charset="0"/>
-                <a:ea typeface="Arial" pitchFamily="34"/>
-                <a:cs typeface="Arial" pitchFamily="34"/>
-              </a:rPr>
-              <a:t> What is artificial intelligence? (What is it </a:t>
-            </a:r>
-            <a:r>
-              <a:rPr lang="en-US" sz="1200" b="0" i="1" u="none" strike="noStrike" kern="1200" cap="none" dirty="0">
-                <a:ln>
-                  <a:noFill/>
-                </a:ln>
-                <a:latin typeface="Palatino Linotype" panose="02040502050505030304" pitchFamily="18" charset="0"/>
-                <a:ea typeface="Arial" pitchFamily="34"/>
-                <a:cs typeface="Arial" pitchFamily="34"/>
-              </a:rPr>
-              <a:t>not</a:t>
-            </a:r>
-            <a:r>
-              <a:rPr lang="en-US" sz="1200" b="0" i="0" u="none" strike="noStrike" kern="1200" cap="none" dirty="0">
-                <a:ln>
-                  <a:noFill/>
-                </a:ln>
-                <a:latin typeface="Palatino Linotype" panose="02040502050505030304" pitchFamily="18" charset="0"/>
-                <a:ea typeface="Arial" pitchFamily="34"/>
-                <a:cs typeface="Arial" pitchFamily="34"/>
-              </a:rPr>
-              <a:t>?)</a:t>
-            </a:r>
-          </a:p>
-          <a:p>
-            <a:pPr marL="0" marR="0" lvl="0" indent="0" algn="l" hangingPunct="0">
-              <a:lnSpc>
-                <a:spcPct val="100000"/>
-              </a:lnSpc>
-              <a:spcBef>
-                <a:spcPts val="0"/>
-              </a:spcBef>
-              <a:spcAft>
-                <a:spcPts val="1440"/>
-              </a:spcAft>
-              <a:buSzPct val="45000"/>
-              <a:buFont typeface="StarSymbol"/>
-              <a:buChar char="●"/>
-              <a:tabLst/>
-            </a:pPr>
-            <a:r>
-              <a:rPr lang="en-US" sz="1200" b="0" i="0" u="none" strike="noStrike" kern="1200" cap="none" dirty="0">
-                <a:ln>
-                  <a:noFill/>
-                </a:ln>
-                <a:latin typeface="Palatino Linotype" panose="02040502050505030304" pitchFamily="18" charset="0"/>
-                <a:ea typeface="Arial" pitchFamily="34"/>
-                <a:cs typeface="Arial" pitchFamily="34"/>
-              </a:rPr>
-              <a:t> What are the main approaches to AI and how do they work?</a:t>
-            </a:r>
-          </a:p>
-          <a:p>
-            <a:pPr marL="0" marR="0" lvl="0" indent="0" algn="l" hangingPunct="0">
-              <a:lnSpc>
-                <a:spcPct val="100000"/>
-              </a:lnSpc>
-              <a:spcBef>
-                <a:spcPts val="0"/>
-              </a:spcBef>
-              <a:spcAft>
-                <a:spcPts val="1440"/>
-              </a:spcAft>
-              <a:buSzPct val="45000"/>
-              <a:buFont typeface="StarSymbol"/>
-              <a:buChar char="●"/>
-              <a:tabLst/>
-            </a:pPr>
-            <a:r>
-              <a:rPr lang="en-US" sz="1200" b="0" i="0" u="none" strike="noStrike" kern="1200" cap="none" dirty="0">
-                <a:ln>
-                  <a:noFill/>
-                </a:ln>
-                <a:latin typeface="Palatino Linotype" panose="02040502050505030304" pitchFamily="18" charset="0"/>
-                <a:ea typeface="Arial" pitchFamily="34"/>
-                <a:cs typeface="Arial" pitchFamily="34"/>
-              </a:rPr>
-              <a:t> How is AI applied to real-world problems?</a:t>
-            </a:r>
-          </a:p>
-          <a:p>
-            <a:pPr marL="0" marR="0" lvl="0" indent="0" algn="l" hangingPunct="0">
-              <a:lnSpc>
-                <a:spcPct val="100000"/>
-              </a:lnSpc>
-              <a:spcBef>
-                <a:spcPts val="0"/>
-              </a:spcBef>
-              <a:spcAft>
-                <a:spcPts val="1440"/>
-              </a:spcAft>
-              <a:buSzPct val="45000"/>
-              <a:buFont typeface="StarSymbol"/>
-              <a:buChar char="●"/>
-              <a:tabLst/>
-            </a:pPr>
-            <a:r>
-              <a:rPr lang="en-US" sz="1200" b="0" i="0" u="none" strike="noStrike" kern="1200" cap="none" dirty="0">
-                <a:ln>
-                  <a:noFill/>
-                </a:ln>
-                <a:latin typeface="Palatino Linotype" panose="02040502050505030304" pitchFamily="18" charset="0"/>
-                <a:ea typeface="Arial" pitchFamily="34"/>
-                <a:cs typeface="Arial" pitchFamily="34"/>
-              </a:rPr>
-              <a:t> How are AI systems evaluated?</a:t>
-            </a:r>
-          </a:p>
-          <a:p>
-            <a:pPr marL="0" marR="0" lvl="0" indent="0" algn="l" hangingPunct="0">
-              <a:lnSpc>
-                <a:spcPct val="100000"/>
-              </a:lnSpc>
-              <a:spcBef>
-                <a:spcPts val="0"/>
-              </a:spcBef>
-              <a:spcAft>
-                <a:spcPts val="1440"/>
-              </a:spcAft>
-              <a:buSzPct val="45000"/>
-              <a:buFont typeface="StarSymbol"/>
-              <a:buChar char="●"/>
-              <a:tabLst/>
-            </a:pPr>
-            <a:r>
-              <a:rPr lang="en-US" sz="1200" b="0" i="0" u="none" strike="noStrike" kern="1200" cap="none" dirty="0">
-                <a:ln>
-                  <a:noFill/>
-                </a:ln>
-                <a:latin typeface="Palatino Linotype" panose="02040502050505030304" pitchFamily="18" charset="0"/>
-                <a:ea typeface="Arial" pitchFamily="34"/>
-                <a:cs typeface="Arial" pitchFamily="34"/>
-              </a:rPr>
-              <a:t> How can we ensure that AI systems are fair and equitable?</a:t>
-            </a:r>
-          </a:p>
-          <a:p>
-            <a:pPr marL="0" marR="0" lvl="0" indent="0" algn="l" hangingPunct="0">
-              <a:lnSpc>
-                <a:spcPct val="100000"/>
-              </a:lnSpc>
-              <a:spcBef>
-                <a:spcPts val="0"/>
-              </a:spcBef>
-              <a:spcAft>
-                <a:spcPts val="1440"/>
-              </a:spcAft>
-              <a:buSzPct val="45000"/>
-              <a:buFont typeface="StarSymbol"/>
-              <a:buChar char="●"/>
-              <a:tabLst/>
-            </a:pPr>
-            <a:r>
-              <a:rPr lang="en-US" sz="1200" b="0" i="0" u="none" strike="noStrike" kern="1200" cap="none" dirty="0">
-                <a:ln>
-                  <a:noFill/>
-                </a:ln>
-                <a:latin typeface="Palatino Linotype" panose="02040502050505030304" pitchFamily="18" charset="0"/>
-                <a:ea typeface="Arial" pitchFamily="34"/>
-                <a:cs typeface="Arial" pitchFamily="34"/>
-              </a:rPr>
-              <a:t> Equip you to think about how AI might be applied in your own areas of interest!</a:t>
-            </a:r>
-            <a:endParaRPr lang="en-US" sz="1200" b="0" i="0" kern="1200" dirty="0">
-              <a:solidFill>
-                <a:schemeClr val="tx1"/>
-              </a:solidFill>
-              <a:effectLst/>
-              <a:latin typeface="+mn-lt"/>
-              <a:ea typeface="+mn-ea"/>
-              <a:cs typeface="+mn-cs"/>
-            </a:endParaRPr>
+            <a:r>
+              <a:rPr lang="en-US" sz="1200" b="0" i="0" kern="1200" dirty="0">
+                <a:solidFill>
+                  <a:schemeClr val="tx1"/>
+                </a:solidFill>
+                <a:effectLst/>
+                <a:latin typeface="+mn-lt"/>
+                <a:ea typeface="+mn-ea"/>
+                <a:cs typeface="+mn-cs"/>
+              </a:rPr>
+              <a:t>Here’s the question we will focus on in our first set of presentations.  What are we talking about?</a:t>
+            </a:r>
           </a:p>
           <a:p>
             <a:endParaRPr lang="en-US" dirty="0"/>
@@ -2663,7 +2408,7 @@
           <a:p>
             <a:fld id="{3148858F-F1DB-4027-9C85-CCA6849540DD}" type="slidenum">
               <a:rPr lang="en-US" smtClean="0"/>
-              <a:t>2</a:t>
+              <a:t>3</a:t>
             </a:fld>
             <a:endParaRPr lang="en-US"/>
           </a:p>
@@ -2672,142 +2417,7 @@
     </p:spTree>
     <p:extLst>
       <p:ext uri="{BB962C8B-B14F-4D97-AF65-F5344CB8AC3E}">
-        <p14:creationId xmlns:p14="http://schemas.microsoft.com/office/powerpoint/2010/main" val="7792111"/>
-      </p:ext>
-    </p:extLst>
-  </p:cSld>
-  <p:clrMapOvr>
-    <a:masterClrMapping/>
-  </p:clrMapOvr>
-</p:notes>
-</file>
-
-<file path=ppt/notesSlides/notesSlide20.xml><?xml version="1.0" encoding="utf-8"?>
-<p:notes xmlns:a="http://schemas.openxmlformats.org/drawingml/2006/main" xmlns:r="http://schemas.openxmlformats.org/officeDocument/2006/relationships" xmlns:p="http://schemas.openxmlformats.org/presentationml/2006/main">
-  <p:cSld>
-    <p:spTree>
-      <p:nvGrpSpPr>
-        <p:cNvPr id="1" name=""/>
-        <p:cNvGrpSpPr/>
-        <p:nvPr/>
-      </p:nvGrpSpPr>
-      <p:grpSpPr>
-        <a:xfrm>
-          <a:off x="0" y="0"/>
-          <a:ext cx="0" cy="0"/>
-          <a:chOff x="0" y="0"/>
-          <a:chExt cx="0" cy="0"/>
-        </a:xfrm>
-      </p:grpSpPr>
-      <p:sp>
-        <p:nvSpPr>
-          <p:cNvPr id="2" name="Slide Image Placeholder 1"/>
-          <p:cNvSpPr>
-            <a:spLocks noGrp="1" noRot="1" noChangeAspect="1"/>
-          </p:cNvSpPr>
-          <p:nvPr>
-            <p:ph type="sldImg"/>
-          </p:nvPr>
-        </p:nvSpPr>
-        <p:spPr/>
-      </p:sp>
-      <p:sp>
-        <p:nvSpPr>
-          <p:cNvPr id="3" name="Notes Placeholder 2"/>
-          <p:cNvSpPr>
-            <a:spLocks noGrp="1"/>
-          </p:cNvSpPr>
-          <p:nvPr>
-            <p:ph type="body" idx="1"/>
-          </p:nvPr>
-        </p:nvSpPr>
-        <p:spPr/>
-        <p:txBody>
-          <a:bodyPr/>
-          <a:lstStyle/>
-          <a:p>
-            <a:pPr marL="0" marR="0" indent="0">
-              <a:spcBef>
-                <a:spcPts val="0"/>
-              </a:spcBef>
-              <a:spcAft>
-                <a:spcPts val="0"/>
-              </a:spcAft>
-              <a:buNone/>
-            </a:pPr>
-            <a:r>
-              <a:rPr lang="en-US" sz="1200" dirty="0">
-                <a:effectLst/>
-                <a:latin typeface="Palatino Linotype" panose="02040502050505030304" pitchFamily="18" charset="0"/>
-                <a:ea typeface="Calibri" panose="020F0502020204030204" pitchFamily="34" charset="0"/>
-              </a:rPr>
-              <a:t>Breakout conversations – Is Kuki exhibiting intelligent behavior, is this intelligence? (Yes/No)</a:t>
-            </a:r>
-          </a:p>
-          <a:p>
-            <a:pPr marL="0" marR="0" indent="0">
-              <a:spcBef>
-                <a:spcPts val="0"/>
-              </a:spcBef>
-              <a:spcAft>
-                <a:spcPts val="0"/>
-              </a:spcAft>
-              <a:buNone/>
-            </a:pPr>
-            <a:endParaRPr lang="en-US" sz="1200" dirty="0">
-              <a:effectLst/>
-              <a:latin typeface="Palatino Linotype" panose="02040502050505030304" pitchFamily="18" charset="0"/>
-              <a:ea typeface="Calibri" panose="020F0502020204030204" pitchFamily="34" charset="0"/>
-            </a:endParaRPr>
-          </a:p>
-          <a:p>
-            <a:pPr marL="0" marR="0" indent="0">
-              <a:spcBef>
-                <a:spcPts val="0"/>
-              </a:spcBef>
-              <a:spcAft>
-                <a:spcPts val="0"/>
-              </a:spcAft>
-              <a:buNone/>
-            </a:pPr>
-            <a:r>
-              <a:rPr lang="en-US" sz="1200" dirty="0">
-                <a:effectLst/>
-                <a:latin typeface="Palatino Linotype" panose="02040502050505030304" pitchFamily="18" charset="0"/>
-                <a:ea typeface="Calibri" panose="020F0502020204030204" pitchFamily="34" charset="0"/>
-              </a:rPr>
-              <a:t>Team debate </a:t>
-            </a:r>
-          </a:p>
-        </p:txBody>
-      </p:sp>
-      <p:sp>
-        <p:nvSpPr>
-          <p:cNvPr id="4" name="Slide Number Placeholder 3"/>
-          <p:cNvSpPr>
-            <a:spLocks noGrp="1"/>
-          </p:cNvSpPr>
-          <p:nvPr>
-            <p:ph type="sldNum" sz="quarter" idx="5"/>
-          </p:nvPr>
-        </p:nvSpPr>
-        <p:spPr/>
-        <p:txBody>
-          <a:bodyPr/>
-          <a:lstStyle/>
-          <a:p>
-            <a:fld id="{3148858F-F1DB-4027-9C85-CCA6849540DD}" type="slidenum">
-              <a:rPr lang="en-US" smtClean="0"/>
-              <a:t>20</a:t>
-            </a:fld>
-            <a:endParaRPr lang="en-US"/>
-          </a:p>
-        </p:txBody>
-      </p:sp>
-    </p:spTree>
-    <p:extLst>
-      <p:ext uri="{BB962C8B-B14F-4D97-AF65-F5344CB8AC3E}">
-        <p14:creationId xmlns:p14="http://schemas.microsoft.com/office/powerpoint/2010/main" val="1066522800"/>
+        <p14:creationId xmlns:p14="http://schemas.microsoft.com/office/powerpoint/2010/main" val="1955762856"/>
       </p:ext>
     </p:extLst>
   </p:cSld>
@@ -2861,22 +2471,8 @@
           <a:bodyPr/>
           <a:lstStyle/>
           <a:p>
-            <a:pPr marL="0" marR="0" lvl="0" indent="0" algn="l" defTabSz="914400" rtl="0" eaLnBrk="1" fontAlgn="auto" latinLnBrk="0" hangingPunct="1">
-              <a:lnSpc>
-                <a:spcPct val="100000"/>
-              </a:lnSpc>
-              <a:spcBef>
-                <a:spcPts val="0"/>
-              </a:spcBef>
-              <a:spcAft>
-                <a:spcPts val="0"/>
-              </a:spcAft>
-              <a:buClrTx/>
-              <a:buSzTx/>
-              <a:buFontTx/>
-              <a:buNone/>
-              <a:tabLst/>
-              <a:defRPr/>
+            <a:pPr marL="228600" indent="-228600">
+              <a:buAutoNum type="arabicPeriod"/>
             </a:pPr>
             <a:r>
               <a:rPr lang="en-US" sz="1200" b="0" i="0" kern="1200" dirty="0">
@@ -2888,8 +2484,197 @@
                 <a:ea typeface="+mn-ea"/>
                 <a:cs typeface="+mn-cs"/>
               </a:rPr>
-              <a:t>Here’s the question we will focus on in our first set of presentations.  What are we talking about?</a:t>
-            </a:r>
+              <a:t>Expansive AI</a:t>
+            </a:r>
+          </a:p>
+          <a:p>
+            <a:pPr marL="685800" lvl="1" indent="-228600">
+              <a:buAutoNum type="arabicPeriod"/>
+            </a:pPr>
+            <a:r>
+              <a:rPr lang="en-US" sz="1200" b="0" i="0" kern="1200" dirty="0">
+                <a:solidFill>
+                  <a:schemeClr val="tx1"/>
+                </a:solidFill>
+                <a:effectLst/>
+                <a:latin typeface="+mn-lt"/>
+                <a:ea typeface="+mn-ea"/>
+                <a:cs typeface="+mn-cs"/>
+              </a:rPr>
+              <a:t>AI encompasses ML and DL</a:t>
+            </a:r>
+          </a:p>
+          <a:p>
+            <a:pPr marL="685800" lvl="1" indent="-228600">
+              <a:buAutoNum type="arabicPeriod"/>
+            </a:pPr>
+            <a:r>
+              <a:rPr lang="en-US" sz="1200" b="0" i="0" kern="1200" dirty="0">
+                <a:solidFill>
+                  <a:schemeClr val="tx1"/>
+                </a:solidFill>
+                <a:effectLst/>
+                <a:latin typeface="+mn-lt"/>
+                <a:ea typeface="+mn-ea"/>
+                <a:cs typeface="+mn-cs"/>
+              </a:rPr>
+              <a:t>Distinct domains</a:t>
+            </a:r>
+          </a:p>
+          <a:p>
+            <a:pPr marL="228600" indent="-228600">
+              <a:buAutoNum type="arabicPeriod"/>
+            </a:pPr>
+            <a:r>
+              <a:rPr lang="en-US" sz="1200" b="0" i="0" kern="1200" dirty="0">
+                <a:solidFill>
+                  <a:schemeClr val="tx1"/>
+                </a:solidFill>
+                <a:effectLst/>
+                <a:latin typeface="+mn-lt"/>
+                <a:ea typeface="+mn-ea"/>
+                <a:cs typeface="+mn-cs"/>
+              </a:rPr>
+              <a:t>Uneven progress since the 1950’s, with multiple ‘winters’ where interest and funding dried up</a:t>
+            </a:r>
+          </a:p>
+          <a:p>
+            <a:pPr marL="228600" lvl="0" indent="-228600">
+              <a:buAutoNum type="arabicPeriod"/>
+            </a:pPr>
+            <a:r>
+              <a:rPr lang="en-US" b="0" i="0" kern="1200" dirty="0">
+                <a:solidFill>
+                  <a:schemeClr val="tx1"/>
+                </a:solidFill>
+                <a:effectLst/>
+                <a:latin typeface="+mn-lt"/>
+                <a:ea typeface="+mn-ea"/>
+                <a:cs typeface="+mn-cs"/>
+              </a:rPr>
+              <a:t>Let’s take a closer look at the history of AI</a:t>
+            </a:r>
+            <a:endParaRPr lang="en-US" b="0" i="0" dirty="0">
+              <a:solidFill>
+                <a:srgbClr val="202122"/>
+              </a:solidFill>
+              <a:effectLst/>
+              <a:latin typeface="Arial" panose="020B0604020202020204" pitchFamily="34" charset="0"/>
+            </a:endParaRPr>
+          </a:p>
+          <a:p>
+            <a:pPr marL="228600" indent="-228600">
+              <a:buAutoNum type="arabicPeriod"/>
+            </a:pPr>
+            <a:endParaRPr lang="en-US" sz="1200" b="0" i="0" kern="1200" dirty="0">
+              <a:solidFill>
+                <a:schemeClr val="tx1"/>
+              </a:solidFill>
+              <a:effectLst/>
+              <a:latin typeface="+mn-lt"/>
+              <a:ea typeface="+mn-ea"/>
+              <a:cs typeface="+mn-cs"/>
+            </a:endParaRPr>
+          </a:p>
+          <a:p>
+            <a:r>
+              <a:rPr lang="en-US" sz="1200" b="0" i="0" kern="1200" dirty="0">
+                <a:solidFill>
+                  <a:schemeClr val="tx1"/>
+                </a:solidFill>
+                <a:effectLst/>
+                <a:latin typeface="+mn-lt"/>
+                <a:ea typeface="+mn-ea"/>
+                <a:cs typeface="+mn-cs"/>
+              </a:rPr>
+              <a:t>=====</a:t>
+            </a:r>
+          </a:p>
+          <a:p>
+            <a:r>
+              <a:rPr lang="en-US" sz="1200" b="0" i="0" kern="1200" dirty="0">
+                <a:solidFill>
+                  <a:schemeClr val="tx1"/>
+                </a:solidFill>
+                <a:effectLst/>
+                <a:latin typeface="+mn-lt"/>
+                <a:ea typeface="+mn-ea"/>
+                <a:cs typeface="+mn-cs"/>
+              </a:rPr>
+              <a:t>The field of AI is expansive…</a:t>
+            </a:r>
+          </a:p>
+          <a:p>
+            <a:endParaRPr lang="en-US" sz="1200" b="0" i="0" kern="1200" dirty="0">
+              <a:solidFill>
+                <a:schemeClr val="tx1"/>
+              </a:solidFill>
+              <a:effectLst/>
+              <a:latin typeface="+mn-lt"/>
+              <a:ea typeface="+mn-ea"/>
+              <a:cs typeface="+mn-cs"/>
+            </a:endParaRPr>
+          </a:p>
+          <a:p>
+            <a:r>
+              <a:rPr lang="en-US" sz="1200" b="0" i="0" kern="1200" dirty="0">
+                <a:solidFill>
+                  <a:schemeClr val="tx1"/>
+                </a:solidFill>
+                <a:effectLst/>
+                <a:latin typeface="+mn-lt"/>
+                <a:ea typeface="+mn-ea"/>
+                <a:cs typeface="+mn-cs"/>
+              </a:rPr>
+              <a:t>Often, the terms AI, Machine Learning, and Deep Learning are used interchangeably.  But as pictured here, they are distinct domains, with AI encompassing the other two.  Indeed, AI has a long and distinguished history.  In fact, a lot of interesting AI research happened in the 1950s.  </a:t>
+            </a:r>
+          </a:p>
+          <a:p>
+            <a:endParaRPr lang="en-US" sz="1200" b="0" i="0" kern="1200" dirty="0">
+              <a:solidFill>
+                <a:schemeClr val="tx1"/>
+              </a:solidFill>
+              <a:effectLst/>
+              <a:latin typeface="+mn-lt"/>
+              <a:ea typeface="+mn-ea"/>
+              <a:cs typeface="+mn-cs"/>
+            </a:endParaRPr>
+          </a:p>
+          <a:p>
+            <a:r>
+              <a:rPr lang="en-US" sz="1200" b="0" i="0" kern="1200" dirty="0">
+                <a:solidFill>
+                  <a:schemeClr val="tx1"/>
+                </a:solidFill>
+                <a:effectLst/>
+                <a:latin typeface="+mn-lt"/>
+                <a:ea typeface="+mn-ea"/>
+                <a:cs typeface="+mn-cs"/>
+              </a:rPr>
+              <a:t>Let’s consider a couple definitions…</a:t>
+            </a:r>
+          </a:p>
+          <a:p>
+            <a:endParaRPr lang="en-US" sz="1200" b="0" i="0" kern="1200" dirty="0">
+              <a:solidFill>
+                <a:schemeClr val="tx1"/>
+              </a:solidFill>
+              <a:effectLst/>
+              <a:latin typeface="+mn-lt"/>
+              <a:ea typeface="+mn-ea"/>
+              <a:cs typeface="+mn-cs"/>
+            </a:endParaRPr>
+          </a:p>
+          <a:p>
+            <a:endParaRPr lang="en-US" sz="1200" b="0" i="0" kern="1200" dirty="0">
+              <a:solidFill>
+                <a:schemeClr val="tx1"/>
+              </a:solidFill>
+              <a:effectLst/>
+              <a:latin typeface="+mn-lt"/>
+              <a:ea typeface="+mn-ea"/>
+              <a:cs typeface="+mn-cs"/>
+            </a:endParaRPr>
           </a:p>
           <a:p>
             <a:endParaRPr lang="en-US" dirty="0"/>
@@ -2913,7 +2698,7 @@
           <a:p>
             <a:fld id="{3148858F-F1DB-4027-9C85-CCA6849540DD}" type="slidenum">
               <a:rPr lang="en-US" smtClean="0"/>
-              <a:t>3</a:t>
+              <a:t>4</a:t>
             </a:fld>
             <a:endParaRPr lang="en-US"/>
           </a:p>
@@ -2922,7 +2707,7 @@
     </p:spTree>
     <p:extLst>
       <p:ext uri="{BB962C8B-B14F-4D97-AF65-F5344CB8AC3E}">
-        <p14:creationId xmlns:p14="http://schemas.microsoft.com/office/powerpoint/2010/main" val="1955762856"/>
+        <p14:creationId xmlns:p14="http://schemas.microsoft.com/office/powerpoint/2010/main" val="7792111"/>
       </p:ext>
     </p:extLst>
   </p:cSld>
@@ -2976,9 +2761,6 @@
           <a:bodyPr/>
           <a:lstStyle/>
           <a:p>
-            <a:pPr marL="228600" indent="-228600">
-              <a:buAutoNum type="arabicPeriod"/>
-            </a:pPr>
             <a:r>
               <a:rPr lang="en-US" sz="1200" b="0" i="0" kern="1200" dirty="0">
                 <a:solidFill>
@@ -2989,88 +2771,10 @@
                 <a:ea typeface="+mn-ea"/>
                 <a:cs typeface="+mn-cs"/>
               </a:rPr>
-              <a:t>Expansive AI</a:t>
-            </a:r>
-          </a:p>
-          <a:p>
-            <a:pPr marL="685800" lvl="1" indent="-228600">
-              <a:buAutoNum type="arabicPeriod"/>
-            </a:pPr>
-            <a:r>
-              <a:rPr lang="en-US" sz="1200" b="0" i="0" kern="1200" dirty="0">
-                <a:solidFill>
-                  <a:schemeClr val="tx1"/>
-                </a:solidFill>
-                <a:effectLst/>
-                <a:latin typeface="+mn-lt"/>
-                <a:ea typeface="+mn-ea"/>
-                <a:cs typeface="+mn-cs"/>
-              </a:rPr>
-              <a:t>AI encompasses ML and DL</a:t>
-            </a:r>
-          </a:p>
-          <a:p>
-            <a:pPr marL="685800" lvl="1" indent="-228600">
-              <a:buAutoNum type="arabicPeriod"/>
-            </a:pPr>
-            <a:r>
-              <a:rPr lang="en-US" sz="1200" b="0" i="0" kern="1200" dirty="0">
-                <a:solidFill>
-                  <a:schemeClr val="tx1"/>
-                </a:solidFill>
-                <a:effectLst/>
-                <a:latin typeface="+mn-lt"/>
-                <a:ea typeface="+mn-ea"/>
-                <a:cs typeface="+mn-cs"/>
-              </a:rPr>
-              <a:t>Distinct domains</a:t>
-            </a:r>
-          </a:p>
-          <a:p>
-            <a:pPr marL="228600" indent="-228600">
-              <a:buAutoNum type="arabicPeriod"/>
-            </a:pPr>
-            <a:r>
-              <a:rPr lang="en-US" sz="1200" b="0" i="0" kern="1200" dirty="0">
-                <a:solidFill>
-                  <a:schemeClr val="tx1"/>
-                </a:solidFill>
-                <a:effectLst/>
-                <a:latin typeface="+mn-lt"/>
-                <a:ea typeface="+mn-ea"/>
-                <a:cs typeface="+mn-cs"/>
-              </a:rPr>
-              <a:t>Uneven progress since the 1950’s, with multiple ‘winters’ where interest and funding dried up</a:t>
-            </a:r>
-          </a:p>
-          <a:p>
-            <a:pPr marL="228600" lvl="0" indent="-228600">
-              <a:buAutoNum type="arabicPeriod"/>
-            </a:pPr>
-            <a:r>
-              <a:rPr lang="en-US" b="0" i="0" kern="1200" dirty="0">
-                <a:solidFill>
-                  <a:schemeClr val="tx1"/>
-                </a:solidFill>
-                <a:effectLst/>
-                <a:latin typeface="+mn-lt"/>
-                <a:ea typeface="+mn-ea"/>
-                <a:cs typeface="+mn-cs"/>
-              </a:rPr>
-              <a:t>Let’s take a closer look at the history of AI</a:t>
-            </a:r>
-            <a:endParaRPr lang="en-US" b="0" i="0" dirty="0">
-              <a:solidFill>
-                <a:srgbClr val="202122"/>
-              </a:solidFill>
-              <a:effectLst/>
-              <a:latin typeface="Arial" panose="020B0604020202020204" pitchFamily="34" charset="0"/>
-            </a:endParaRPr>
-          </a:p>
-          <a:p>
-            <a:pPr marL="228600" indent="-228600">
-              <a:buAutoNum type="arabicPeriod"/>
-            </a:pPr>
+              <a:t>In the past, AI has experienced multiple “winters.”</a:t>
+            </a:r>
+          </a:p>
+          <a:p>
             <a:endParaRPr lang="en-US" sz="1200" b="0" i="0" kern="1200" dirty="0">
               <a:solidFill>
                 <a:schemeClr val="tx1"/>
@@ -3082,6 +2786,9 @@
             </a:endParaRPr>
           </a:p>
           <a:p>
+            <a:pPr marL="228600" lvl="0" indent="-228600">
+              <a:buAutoNum type="arabicPeriod"/>
+            </a:pPr>
             <a:r>
               <a:rPr lang="en-US" sz="1200" b="0" i="0" kern="1200" dirty="0">
                 <a:solidFill>
@@ -3092,12 +2799,10 @@
                 <a:ea typeface="+mn-ea"/>
                 <a:cs typeface="+mn-cs"/>
               </a:rPr>
-              <a:t>=====</a:t>
-            </a:r>
-          </a:p>
-          <a:p>
-            <a:r>
-              <a:rPr lang="en-US" sz="1200" b="0" i="0" kern="1200" dirty="0">
+              <a:t>1</a:t>
+            </a:r>
+            <a:r>
+              <a:rPr lang="en-US" sz="1200" b="0" i="0" kern="1200" baseline="30000" dirty="0">
                 <a:solidFill>
                   <a:schemeClr val="tx1"/>
                 </a:solidFill>
@@ -3106,7 +2811,84 @@
                 <a:ea typeface="+mn-ea"/>
                 <a:cs typeface="+mn-cs"/>
               </a:rPr>
-              <a:t>The field of AI is expansive…</a:t>
+              <a:t>st</a:t>
+            </a:r>
+            <a:r>
+              <a:rPr lang="en-US" sz="1200" b="0" i="0" kern="1200" dirty="0">
+                <a:solidFill>
+                  <a:schemeClr val="tx1"/>
+                </a:solidFill>
+                <a:effectLst/>
+                <a:latin typeface="+mn-lt"/>
+                <a:ea typeface="+mn-ea"/>
+                <a:cs typeface="+mn-cs"/>
+              </a:rPr>
+              <a:t> AI winter: mid-1970’s – neural network research abandoned after Minsky &amp; Papert argue in their book </a:t>
+            </a:r>
+            <a:r>
+              <a:rPr lang="en-US" sz="1200" b="0" i="1" kern="1200" dirty="0">
+                <a:solidFill>
+                  <a:schemeClr val="tx1"/>
+                </a:solidFill>
+                <a:effectLst/>
+                <a:latin typeface="+mn-lt"/>
+                <a:ea typeface="+mn-ea"/>
+                <a:cs typeface="+mn-cs"/>
+              </a:rPr>
+              <a:t>(Perceptron) </a:t>
+            </a:r>
+            <a:r>
+              <a:rPr lang="en-US" sz="1200" b="0" i="0" kern="1200" dirty="0">
+                <a:solidFill>
+                  <a:schemeClr val="tx1"/>
+                </a:solidFill>
+                <a:effectLst/>
+                <a:latin typeface="+mn-lt"/>
+                <a:ea typeface="+mn-ea"/>
+                <a:cs typeface="+mn-cs"/>
+              </a:rPr>
+              <a:t>that neural networks are a dead-end.</a:t>
+            </a:r>
+          </a:p>
+          <a:p>
+            <a:pPr marL="228600" lvl="0" indent="-228600">
+              <a:buAutoNum type="arabicPeriod"/>
+            </a:pPr>
+            <a:r>
+              <a:rPr lang="en-US" sz="1200" b="0" i="0" kern="1200" dirty="0">
+                <a:solidFill>
+                  <a:schemeClr val="tx1"/>
+                </a:solidFill>
+                <a:effectLst/>
+                <a:latin typeface="+mn-lt"/>
+                <a:ea typeface="+mn-ea"/>
+                <a:cs typeface="+mn-cs"/>
+              </a:rPr>
+              <a:t>2</a:t>
+            </a:r>
+            <a:r>
+              <a:rPr lang="en-US" sz="1200" b="0" i="0" kern="1200" baseline="30000" dirty="0">
+                <a:solidFill>
+                  <a:schemeClr val="tx1"/>
+                </a:solidFill>
+                <a:effectLst/>
+                <a:latin typeface="+mn-lt"/>
+                <a:ea typeface="+mn-ea"/>
+                <a:cs typeface="+mn-cs"/>
+              </a:rPr>
+              <a:t>nd</a:t>
+            </a:r>
+            <a:r>
+              <a:rPr lang="en-US" sz="1200" b="0" i="0" kern="1200" dirty="0">
+                <a:solidFill>
+                  <a:schemeClr val="tx1"/>
+                </a:solidFill>
+                <a:effectLst/>
+                <a:latin typeface="+mn-lt"/>
+                <a:ea typeface="+mn-ea"/>
+                <a:cs typeface="+mn-cs"/>
+              </a:rPr>
+              <a:t> AI winter: early-1990’s – expert systems fail – too difficult to construct and maintain</a:t>
             </a:r>
           </a:p>
           <a:p>
@@ -3131,7 +2913,7 @@
                 <a:ea typeface="+mn-ea"/>
                 <a:cs typeface="+mn-cs"/>
               </a:rPr>
-              <a:t>Often, the terms AI, Machine Learning, and Deep Learning are used interchangeably.  But as pictured here, they are distinct domains, with AI encompassing the other two.  Indeed, AI has a long and distinguished history.  In fact, a lot of interesting AI research happened in the 1950s.  </a:t>
+              <a:t>The problem is one of over-promising and under-delivering.  But here are some key points to keep in mind</a:t>
             </a:r>
           </a:p>
           <a:p>
@@ -3146,43 +2928,147 @@
             </a:endParaRPr>
           </a:p>
           <a:p>
-            <a:r>
-              <a:rPr lang="en-US" sz="1200" b="0" i="0" kern="1200" dirty="0">
-                <a:solidFill>
-                  <a:schemeClr val="tx1"/>
-                </a:solidFill>
-                <a:effectLst/>
-                <a:latin typeface="+mn-lt"/>
-                <a:ea typeface="+mn-ea"/>
-                <a:cs typeface="+mn-cs"/>
-              </a:rPr>
-              <a:t>Let’s consider a couple definitions…</a:t>
-            </a:r>
-          </a:p>
-          <a:p>
-            <a:endParaRPr lang="en-US" sz="1200" b="0" i="0" kern="1200" dirty="0">
-              <a:solidFill>
-                <a:schemeClr val="tx1"/>
-              </a:solidFill>
-              <a:effectLst/>
-              <a:latin typeface="+mn-lt"/>
-              <a:ea typeface="+mn-ea"/>
-              <a:cs typeface="+mn-cs"/>
+            <a:pPr marL="171450" marR="0" lvl="0" indent="-171450" algn="l" hangingPunct="0">
+              <a:lnSpc>
+                <a:spcPct val="100000"/>
+              </a:lnSpc>
+              <a:spcBef>
+                <a:spcPts val="0"/>
+              </a:spcBef>
+              <a:spcAft>
+                <a:spcPts val="1440"/>
+              </a:spcAft>
+              <a:buSzPct val="45000"/>
+              <a:buFont typeface="Courier New" panose="02070309020205020404" pitchFamily="49" charset="0"/>
+              <a:buChar char="o"/>
+              <a:tabLst/>
+            </a:pPr>
+            <a:r>
+              <a:rPr lang="en-US" sz="1200" b="0" i="0" u="none" strike="noStrike" kern="1200" cap="none" dirty="0">
+                <a:ln>
+                  <a:noFill/>
+                </a:ln>
+                <a:latin typeface="Arial" pitchFamily="34"/>
+                <a:ea typeface="Arial" pitchFamily="34"/>
+                <a:cs typeface="Arial" pitchFamily="34"/>
+              </a:rPr>
+              <a:t> AI researchers have been making steady progress since the 1950s.</a:t>
+            </a:r>
+          </a:p>
+          <a:p>
+            <a:pPr marL="171450" marR="0" lvl="0" indent="-171450" algn="l" hangingPunct="0">
+              <a:lnSpc>
+                <a:spcPct val="100000"/>
+              </a:lnSpc>
+              <a:spcBef>
+                <a:spcPts val="0"/>
+              </a:spcBef>
+              <a:spcAft>
+                <a:spcPts val="1440"/>
+              </a:spcAft>
+              <a:buSzPct val="45000"/>
+              <a:buFont typeface="Courier New" panose="02070309020205020404" pitchFamily="49" charset="0"/>
+              <a:buChar char="o"/>
+              <a:tabLst/>
+            </a:pPr>
+            <a:r>
+              <a:rPr lang="en-US" sz="1200" b="0" i="0" u="none" strike="noStrike" kern="1200" cap="none" dirty="0">
+                <a:ln>
+                  <a:noFill/>
+                </a:ln>
+                <a:latin typeface="Arial" pitchFamily="34"/>
+                <a:ea typeface="Arial" pitchFamily="34"/>
+                <a:cs typeface="Arial" pitchFamily="34"/>
+              </a:rPr>
+              <a:t> AI is seductive.</a:t>
+            </a:r>
+          </a:p>
+          <a:p>
+            <a:pPr marL="171450" marR="0" lvl="0" indent="-171450" algn="l" hangingPunct="0">
+              <a:lnSpc>
+                <a:spcPct val="100000"/>
+              </a:lnSpc>
+              <a:spcBef>
+                <a:spcPts val="0"/>
+              </a:spcBef>
+              <a:spcAft>
+                <a:spcPts val="1440"/>
+              </a:spcAft>
+              <a:buSzPct val="45000"/>
+              <a:buFont typeface="Courier New" panose="02070309020205020404" pitchFamily="49" charset="0"/>
+              <a:buChar char="o"/>
+              <a:tabLst/>
+            </a:pPr>
+            <a:r>
+              <a:rPr lang="en-US" sz="1200" b="0" i="0" u="none" strike="noStrike" kern="1200" cap="none" dirty="0">
+                <a:ln>
+                  <a:noFill/>
+                </a:ln>
+                <a:latin typeface="Arial" pitchFamily="34"/>
+                <a:ea typeface="Arial" pitchFamily="34"/>
+                <a:cs typeface="Arial" pitchFamily="34"/>
+              </a:rPr>
+              <a:t> AI winters were mostly about over-hyped commercial and government interest and expectations.</a:t>
+            </a:r>
+          </a:p>
+          <a:p>
+            <a:pPr marL="171450" marR="0" lvl="0" indent="-171450" algn="l" hangingPunct="0">
+              <a:lnSpc>
+                <a:spcPct val="100000"/>
+              </a:lnSpc>
+              <a:spcBef>
+                <a:spcPts val="0"/>
+              </a:spcBef>
+              <a:spcAft>
+                <a:spcPts val="1440"/>
+              </a:spcAft>
+              <a:buSzPct val="45000"/>
+              <a:buFont typeface="Courier New" panose="02070309020205020404" pitchFamily="49" charset="0"/>
+              <a:buChar char="o"/>
+              <a:tabLst/>
+            </a:pPr>
+            <a:r>
+              <a:rPr lang="en-US" sz="1200" b="0" i="0" u="none" strike="noStrike" kern="1200" cap="none" dirty="0">
+                <a:ln>
+                  <a:noFill/>
+                </a:ln>
+                <a:latin typeface="Arial" pitchFamily="34"/>
+                <a:ea typeface="Arial" pitchFamily="34"/>
+                <a:cs typeface="Arial" pitchFamily="34"/>
+              </a:rPr>
+              <a:t> AI winters weren't really about failures of AI. AI technologies, including many “failures” are relevant and widely useful today.</a:t>
+            </a:r>
+          </a:p>
+          <a:p>
+            <a:pPr marL="0" marR="0" lvl="0" indent="0" algn="l" hangingPunct="0">
+              <a:lnSpc>
+                <a:spcPct val="100000"/>
+              </a:lnSpc>
+              <a:spcBef>
+                <a:spcPts val="0"/>
+              </a:spcBef>
+              <a:spcAft>
+                <a:spcPts val="1440"/>
+              </a:spcAft>
+              <a:buSzPct val="45000"/>
+              <a:buFont typeface="StarSymbol"/>
+              <a:buNone/>
+              <a:tabLst/>
+            </a:pPr>
+            <a:endParaRPr lang="en-US" sz="1200" b="0" i="0" u="none" strike="noStrike" kern="1200" cap="none" dirty="0">
+              <a:ln>
+                <a:noFill/>
+              </a:ln>
+              <a:latin typeface="Arial" pitchFamily="34"/>
+              <a:ea typeface="Arial" pitchFamily="34"/>
+              <a:cs typeface="Arial" pitchFamily="34"/>
             </a:endParaRPr>
           </a:p>
           <a:p>
-            <a:endParaRPr lang="en-US" sz="1200" b="0" i="0" kern="1200" dirty="0">
-              <a:solidFill>
-                <a:schemeClr val="tx1"/>
-              </a:solidFill>
-              <a:effectLst/>
-              <a:latin typeface="+mn-lt"/>
-              <a:ea typeface="+mn-ea"/>
-              <a:cs typeface="+mn-cs"/>
-            </a:endParaRPr>
-          </a:p>
-          <a:p>
-            <a:endParaRPr lang="en-US" dirty="0"/>
+            <a:r>
+              <a:rPr lang="en-US" dirty="0"/>
+              <a:t>Now for definitions…</a:t>
+            </a:r>
           </a:p>
         </p:txBody>
       </p:sp>
@@ -3203,7 +3089,7 @@
           <a:p>
             <a:fld id="{3148858F-F1DB-4027-9C85-CCA6849540DD}" type="slidenum">
               <a:rPr lang="en-US" smtClean="0"/>
-              <a:t>4</a:t>
+              <a:t>5</a:t>
             </a:fld>
             <a:endParaRPr lang="en-US"/>
           </a:p>
@@ -3212,7 +3098,7 @@
     </p:spTree>
     <p:extLst>
       <p:ext uri="{BB962C8B-B14F-4D97-AF65-F5344CB8AC3E}">
-        <p14:creationId xmlns:p14="http://schemas.microsoft.com/office/powerpoint/2010/main" val="7792111"/>
+        <p14:creationId xmlns:p14="http://schemas.microsoft.com/office/powerpoint/2010/main" val="1181104308"/>
       </p:ext>
     </p:extLst>
   </p:cSld>
@@ -3266,17 +3152,159 @@
           <a:bodyPr/>
           <a:lstStyle/>
           <a:p>
-            <a:r>
-              <a:rPr lang="en-US" sz="1200" b="0" i="0" kern="1200" dirty="0">
-                <a:solidFill>
-                  <a:schemeClr val="tx1"/>
+            <a:pPr marL="228600" marR="0" lvl="0" indent="-228600" algn="l" defTabSz="914400" rtl="0" eaLnBrk="1" fontAlgn="auto" latinLnBrk="0" hangingPunct="1">
+              <a:lnSpc>
+                <a:spcPct val="100000"/>
+              </a:lnSpc>
+              <a:spcBef>
+                <a:spcPts val="0"/>
+              </a:spcBef>
+              <a:spcAft>
+                <a:spcPts val="0"/>
+              </a:spcAft>
+              <a:buClrTx/>
+              <a:buSzTx/>
+              <a:buFontTx/>
+              <a:buAutoNum type="arabicPeriod"/>
+              <a:tabLst/>
+              <a:defRPr/>
+            </a:pPr>
+            <a:r>
+              <a:rPr lang="en-US" b="0" i="0" dirty="0">
+                <a:solidFill>
+                  <a:srgbClr val="202122"/>
                 </a:solidFill>
                 <a:effectLst/>
-                <a:latin typeface="+mn-lt"/>
-                <a:ea typeface="+mn-ea"/>
-                <a:cs typeface="+mn-cs"/>
-              </a:rPr>
-              <a:t>In the past, AI has experienced multiple “winters.”</a:t>
+                <a:latin typeface="Arial" panose="020B0604020202020204" pitchFamily="34" charset="0"/>
+              </a:rPr>
+              <a:t>Leading AI textbooks define the field of Artificial Intelligence as the study of “intelligent or rational agents” – any system that perceives its environment and takes actions that maximize its chance of achieving its goals.</a:t>
+            </a:r>
+          </a:p>
+          <a:p>
+            <a:pPr marL="228600" marR="0" lvl="0" indent="-228600" algn="l" defTabSz="914400" rtl="0" eaLnBrk="1" fontAlgn="auto" latinLnBrk="0" hangingPunct="1">
+              <a:lnSpc>
+                <a:spcPct val="100000"/>
+              </a:lnSpc>
+              <a:spcBef>
+                <a:spcPts val="0"/>
+              </a:spcBef>
+              <a:spcAft>
+                <a:spcPts val="0"/>
+              </a:spcAft>
+              <a:buClrTx/>
+              <a:buSzTx/>
+              <a:buFontTx/>
+              <a:buAutoNum type="arabicPeriod"/>
+              <a:tabLst/>
+              <a:defRPr/>
+            </a:pPr>
+            <a:r>
+              <a:rPr lang="en-US" b="0" i="0" dirty="0">
+                <a:solidFill>
+                  <a:srgbClr val="202122"/>
+                </a:solidFill>
+                <a:effectLst/>
+                <a:latin typeface="Arial" panose="020B0604020202020204" pitchFamily="34" charset="0"/>
+              </a:rPr>
+              <a:t>Restatement of Russell &amp; Norvig’s definition – </a:t>
+            </a:r>
+            <a:r>
+              <a:rPr lang="en-US" b="0" i="1" dirty="0">
+                <a:solidFill>
+                  <a:srgbClr val="202122"/>
+                </a:solidFill>
+                <a:effectLst/>
+                <a:latin typeface="Arial" panose="020B0604020202020204" pitchFamily="34" charset="0"/>
+              </a:rPr>
+              <a:t>Artificial Intelligence: A Modern Approach</a:t>
+            </a:r>
+            <a:r>
+              <a:rPr lang="en-US" b="0" i="0" dirty="0">
+                <a:solidFill>
+                  <a:srgbClr val="202122"/>
+                </a:solidFill>
+                <a:effectLst/>
+                <a:latin typeface="Arial" panose="020B0604020202020204" pitchFamily="34" charset="0"/>
+              </a:rPr>
+              <a:t>, 2</a:t>
+            </a:r>
+            <a:r>
+              <a:rPr lang="en-US" b="0" i="0" baseline="30000" dirty="0">
+                <a:solidFill>
+                  <a:srgbClr val="202122"/>
+                </a:solidFill>
+                <a:effectLst/>
+                <a:latin typeface="Arial" panose="020B0604020202020204" pitchFamily="34" charset="0"/>
+              </a:rPr>
+              <a:t>nd</a:t>
+            </a:r>
+            <a:r>
+              <a:rPr lang="en-US" b="0" i="0" dirty="0">
+                <a:solidFill>
+                  <a:srgbClr val="202122"/>
+                </a:solidFill>
+                <a:effectLst/>
+                <a:latin typeface="Arial" panose="020B0604020202020204" pitchFamily="34" charset="0"/>
+              </a:rPr>
+              <a:t> edition – most widely used introductory text.</a:t>
+            </a:r>
+          </a:p>
+          <a:p>
+            <a:pPr marL="228600" marR="0" lvl="0" indent="-228600" algn="l" defTabSz="914400" rtl="0" eaLnBrk="1" fontAlgn="auto" latinLnBrk="0" hangingPunct="1">
+              <a:lnSpc>
+                <a:spcPct val="100000"/>
+              </a:lnSpc>
+              <a:spcBef>
+                <a:spcPts val="0"/>
+              </a:spcBef>
+              <a:spcAft>
+                <a:spcPts val="0"/>
+              </a:spcAft>
+              <a:buClrTx/>
+              <a:buSzTx/>
+              <a:buFontTx/>
+              <a:buAutoNum type="arabicPeriod"/>
+              <a:tabLst/>
+              <a:defRPr/>
+            </a:pPr>
+            <a:r>
+              <a:rPr lang="en-US" b="0" i="0" dirty="0">
+                <a:solidFill>
+                  <a:srgbClr val="202122"/>
+                </a:solidFill>
+                <a:effectLst/>
+                <a:latin typeface="Arial" panose="020B0604020202020204" pitchFamily="34" charset="0"/>
+              </a:rPr>
+              <a:t>AI system performance = humans in many cases.  </a:t>
+            </a:r>
+          </a:p>
+          <a:p>
+            <a:pPr marL="228600" marR="0" lvl="0" indent="-228600" algn="l" defTabSz="914400" rtl="0" eaLnBrk="1" fontAlgn="auto" latinLnBrk="0" hangingPunct="1">
+              <a:lnSpc>
+                <a:spcPct val="100000"/>
+              </a:lnSpc>
+              <a:spcBef>
+                <a:spcPts val="0"/>
+              </a:spcBef>
+              <a:spcAft>
+                <a:spcPts val="0"/>
+              </a:spcAft>
+              <a:buClrTx/>
+              <a:buSzTx/>
+              <a:buFontTx/>
+              <a:buAutoNum type="arabicPeriod"/>
+              <a:tabLst/>
+              <a:defRPr/>
+            </a:pPr>
+            <a:r>
+              <a:rPr lang="en-US" b="0" i="0" dirty="0">
+                <a:solidFill>
+                  <a:srgbClr val="202122"/>
+                </a:solidFill>
+                <a:effectLst/>
+                <a:latin typeface="Arial" panose="020B0604020202020204" pitchFamily="34" charset="0"/>
+              </a:rPr>
+              <a:t>Broad array of applications.</a:t>
             </a:r>
           </a:p>
           <a:p>
@@ -3291,9 +3319,6 @@
             </a:endParaRPr>
           </a:p>
           <a:p>
-            <a:pPr marL="228600" lvl="0" indent="-228600">
-              <a:buAutoNum type="arabicPeriod"/>
-            </a:pPr>
             <a:r>
               <a:rPr lang="en-US" sz="1200" b="0" i="0" kern="1200" dirty="0">
                 <a:solidFill>
@@ -3304,10 +3329,39 @@
                 <a:ea typeface="+mn-ea"/>
                 <a:cs typeface="+mn-cs"/>
               </a:rPr>
-              <a:t>1</a:t>
-            </a:r>
-            <a:r>
-              <a:rPr lang="en-US" sz="1200" b="0" i="0" kern="1200" baseline="30000" dirty="0">
+              <a:t>=====</a:t>
+            </a:r>
+          </a:p>
+          <a:p>
+            <a:pPr marL="0" marR="0" lvl="0" indent="0" algn="l" defTabSz="914400" rtl="0" eaLnBrk="1" fontAlgn="auto" latinLnBrk="0" hangingPunct="1">
+              <a:lnSpc>
+                <a:spcPct val="100000"/>
+              </a:lnSpc>
+              <a:spcBef>
+                <a:spcPts val="0"/>
+              </a:spcBef>
+              <a:spcAft>
+                <a:spcPts val="0"/>
+              </a:spcAft>
+              <a:buClrTx/>
+              <a:buSzTx/>
+              <a:buFontTx/>
+              <a:buNone/>
+              <a:tabLst/>
+              <a:defRPr/>
+            </a:pPr>
+            <a:r>
+              <a:rPr lang="en-US" b="0" i="0" dirty="0">
+                <a:solidFill>
+                  <a:srgbClr val="202122"/>
+                </a:solidFill>
+                <a:effectLst/>
+                <a:latin typeface="Arial" panose="020B0604020202020204" pitchFamily="34" charset="0"/>
+              </a:rPr>
+              <a:t>Leading AI textbooks define the field of Artificial Intelligence as the study of “intelligent agents”: any system that perceives its environment and takes actions that maximize its chance of achieving its goals.  Such systems are now able to perform tasks humans are good at; </a:t>
+            </a:r>
+            <a:r>
+              <a:rPr lang="en-US" sz="1200" b="0" i="0" kern="1200" dirty="0">
                 <a:solidFill>
                   <a:schemeClr val="tx1"/>
                 </a:solidFill>
@@ -3316,87 +3370,12 @@
                 <a:ea typeface="+mn-ea"/>
                 <a:cs typeface="+mn-cs"/>
               </a:rPr>
-              <a:t>st</a:t>
-            </a:r>
-            <a:r>
-              <a:rPr lang="en-US" sz="1200" b="0" i="0" kern="1200" dirty="0">
-                <a:solidFill>
-                  <a:schemeClr val="tx1"/>
-                </a:solidFill>
-                <a:effectLst/>
-                <a:latin typeface="+mn-lt"/>
-                <a:ea typeface="+mn-ea"/>
-                <a:cs typeface="+mn-cs"/>
-              </a:rPr>
-              <a:t> AI winter: mid-1970’s – neural network research abandoned after Minsky &amp; Papert argue in their book </a:t>
-            </a:r>
-            <a:r>
-              <a:rPr lang="en-US" sz="1200" b="0" i="1" kern="1200" dirty="0">
-                <a:solidFill>
-                  <a:schemeClr val="tx1"/>
-                </a:solidFill>
-                <a:effectLst/>
-                <a:latin typeface="+mn-lt"/>
-                <a:ea typeface="+mn-ea"/>
-                <a:cs typeface="+mn-cs"/>
-              </a:rPr>
-              <a:t>(Perceptron) </a:t>
-            </a:r>
-            <a:r>
-              <a:rPr lang="en-US" sz="1200" b="0" i="0" kern="1200" dirty="0">
-                <a:solidFill>
-                  <a:schemeClr val="tx1"/>
-                </a:solidFill>
-                <a:effectLst/>
-                <a:latin typeface="+mn-lt"/>
-                <a:ea typeface="+mn-ea"/>
-                <a:cs typeface="+mn-cs"/>
-              </a:rPr>
-              <a:t>that neural networks are a dead-end.</a:t>
-            </a:r>
-          </a:p>
-          <a:p>
-            <a:pPr marL="228600" lvl="0" indent="-228600">
-              <a:buAutoNum type="arabicPeriod"/>
-            </a:pPr>
-            <a:r>
-              <a:rPr lang="en-US" sz="1200" b="0" i="0" kern="1200" dirty="0">
-                <a:solidFill>
-                  <a:schemeClr val="tx1"/>
-                </a:solidFill>
-                <a:effectLst/>
-                <a:latin typeface="+mn-lt"/>
-                <a:ea typeface="+mn-ea"/>
-                <a:cs typeface="+mn-cs"/>
-              </a:rPr>
-              <a:t>2</a:t>
-            </a:r>
-            <a:r>
-              <a:rPr lang="en-US" sz="1200" b="0" i="0" kern="1200" baseline="30000" dirty="0">
-                <a:solidFill>
-                  <a:schemeClr val="tx1"/>
-                </a:solidFill>
-                <a:effectLst/>
-                <a:latin typeface="+mn-lt"/>
-                <a:ea typeface="+mn-ea"/>
-                <a:cs typeface="+mn-cs"/>
-              </a:rPr>
-              <a:t>nd</a:t>
-            </a:r>
-            <a:r>
-              <a:rPr lang="en-US" sz="1200" b="0" i="0" kern="1200" dirty="0">
-                <a:solidFill>
-                  <a:schemeClr val="tx1"/>
-                </a:solidFill>
-                <a:effectLst/>
-                <a:latin typeface="+mn-lt"/>
-                <a:ea typeface="+mn-ea"/>
-                <a:cs typeface="+mn-cs"/>
-              </a:rPr>
-              <a:t> AI winter: early-1990’s – expert systems fail – too difficult to construct and maintain</a:t>
-            </a:r>
-          </a:p>
-          <a:p>
+              <a:t>for example, recognizing objects, making sense of speech, and decision making in a constrained environment.  A</a:t>
+            </a:r>
+            <a:r>
+              <a:rPr lang="en-US" dirty="0"/>
+              <a:t>s our computer programs have become more sophisticated, our ideas of which tasks require human intelligence have evolved. Thus, AI is now used in a wide variety of tasks.</a:t>
+            </a:r>
             <a:endParaRPr lang="en-US" sz="1200" b="0" i="0" kern="1200" dirty="0">
               <a:solidFill>
                 <a:schemeClr val="tx1"/>
@@ -3408,20 +3387,6 @@
             </a:endParaRPr>
           </a:p>
           <a:p>
-            <a:r>
-              <a:rPr lang="en-US" sz="1200" b="0" i="0" kern="1200" dirty="0">
-                <a:solidFill>
-                  <a:schemeClr val="tx1"/>
-                </a:solidFill>
-                <a:effectLst/>
-                <a:latin typeface="+mn-lt"/>
-                <a:ea typeface="+mn-ea"/>
-                <a:cs typeface="+mn-cs"/>
-              </a:rPr>
-              <a:t>The problem is one of over-promising and under-delivering.  But here are some key points to keep in mind</a:t>
-            </a:r>
-          </a:p>
-          <a:p>
             <a:endParaRPr lang="en-US" sz="1200" b="0" i="0" kern="1200" dirty="0">
               <a:solidFill>
                 <a:schemeClr val="tx1"/>
@@ -3432,149 +3397,6 @@
               <a:cs typeface="+mn-cs"/>
             </a:endParaRPr>
           </a:p>
-          <a:p>
-            <a:pPr marL="171450" marR="0" lvl="0" indent="-171450" algn="l" hangingPunct="0">
-              <a:lnSpc>
-                <a:spcPct val="100000"/>
-              </a:lnSpc>
-              <a:spcBef>
-                <a:spcPts val="0"/>
-              </a:spcBef>
-              <a:spcAft>
-                <a:spcPts val="1440"/>
-              </a:spcAft>
-              <a:buSzPct val="45000"/>
-              <a:buFont typeface="Courier New" panose="02070309020205020404" pitchFamily="49" charset="0"/>
-              <a:buChar char="o"/>
-              <a:tabLst/>
-            </a:pPr>
-            <a:r>
-              <a:rPr lang="en-US" sz="1200" b="0" i="0" u="none" strike="noStrike" kern="1200" cap="none" dirty="0">
-                <a:ln>
-                  <a:noFill/>
-                </a:ln>
-                <a:latin typeface="Arial" pitchFamily="34"/>
-                <a:ea typeface="Arial" pitchFamily="34"/>
-                <a:cs typeface="Arial" pitchFamily="34"/>
-              </a:rPr>
-              <a:t> AI researchers have been making steady progress since the 1950s.</a:t>
-            </a:r>
-          </a:p>
-          <a:p>
-            <a:pPr marL="171450" marR="0" lvl="0" indent="-171450" algn="l" hangingPunct="0">
-              <a:lnSpc>
-                <a:spcPct val="100000"/>
-              </a:lnSpc>
-              <a:spcBef>
-                <a:spcPts val="0"/>
-              </a:spcBef>
-              <a:spcAft>
-                <a:spcPts val="1440"/>
-              </a:spcAft>
-              <a:buSzPct val="45000"/>
-              <a:buFont typeface="Courier New" panose="02070309020205020404" pitchFamily="49" charset="0"/>
-              <a:buChar char="o"/>
-              <a:tabLst/>
-            </a:pPr>
-            <a:r>
-              <a:rPr lang="en-US" sz="1200" b="0" i="0" u="none" strike="noStrike" kern="1200" cap="none" dirty="0">
-                <a:ln>
-                  <a:noFill/>
-                </a:ln>
-                <a:latin typeface="Arial" pitchFamily="34"/>
-                <a:ea typeface="Arial" pitchFamily="34"/>
-                <a:cs typeface="Arial" pitchFamily="34"/>
-              </a:rPr>
-              <a:t> AI is seductive.</a:t>
-            </a:r>
-          </a:p>
-          <a:p>
-            <a:pPr marL="171450" marR="0" lvl="0" indent="-171450" algn="l" hangingPunct="0">
-              <a:lnSpc>
-                <a:spcPct val="100000"/>
-              </a:lnSpc>
-              <a:spcBef>
-                <a:spcPts val="0"/>
-              </a:spcBef>
-              <a:spcAft>
-                <a:spcPts val="1440"/>
-              </a:spcAft>
-              <a:buSzPct val="45000"/>
-              <a:buFont typeface="Courier New" panose="02070309020205020404" pitchFamily="49" charset="0"/>
-              <a:buChar char="o"/>
-              <a:tabLst/>
-            </a:pPr>
-            <a:r>
-              <a:rPr lang="en-US" sz="1200" b="0" i="0" u="none" strike="noStrike" kern="1200" cap="none" dirty="0">
-                <a:ln>
-                  <a:noFill/>
-                </a:ln>
-                <a:latin typeface="Arial" pitchFamily="34"/>
-                <a:ea typeface="Arial" pitchFamily="34"/>
-                <a:cs typeface="Arial" pitchFamily="34"/>
-              </a:rPr>
-              <a:t> AI winters were mostly about over-hyped commercial and government interest and expectations.</a:t>
-            </a:r>
-          </a:p>
-          <a:p>
-            <a:pPr marL="171450" marR="0" lvl="0" indent="-171450" algn="l" hangingPunct="0">
-              <a:lnSpc>
-                <a:spcPct val="100000"/>
-              </a:lnSpc>
-              <a:spcBef>
-                <a:spcPts val="0"/>
-              </a:spcBef>
-              <a:spcAft>
-                <a:spcPts val="1440"/>
-              </a:spcAft>
-              <a:buSzPct val="45000"/>
-              <a:buFont typeface="Courier New" panose="02070309020205020404" pitchFamily="49" charset="0"/>
-              <a:buChar char="o"/>
-              <a:tabLst/>
-            </a:pPr>
-            <a:r>
-              <a:rPr lang="en-US" sz="1200" b="0" i="0" u="none" strike="noStrike" kern="1200" cap="none" dirty="0">
-                <a:ln>
-                  <a:noFill/>
-                </a:ln>
-                <a:latin typeface="Arial" pitchFamily="34"/>
-                <a:ea typeface="Arial" pitchFamily="34"/>
-                <a:cs typeface="Arial" pitchFamily="34"/>
-              </a:rPr>
-              <a:t> AI winters weren't really about failures of AI. AI technologies, including many “failures” are relevant and widely useful today.</a:t>
-            </a:r>
-          </a:p>
-          <a:p>
-            <a:pPr marL="0" marR="0" lvl="0" indent="0" algn="l" hangingPunct="0">
-              <a:lnSpc>
-                <a:spcPct val="100000"/>
-              </a:lnSpc>
-              <a:spcBef>
-                <a:spcPts val="0"/>
-              </a:spcBef>
-              <a:spcAft>
-                <a:spcPts val="1440"/>
-              </a:spcAft>
-              <a:buSzPct val="45000"/>
-              <a:buFont typeface="StarSymbol"/>
-              <a:buNone/>
-              <a:tabLst/>
-            </a:pPr>
-            <a:endParaRPr lang="en-US" sz="1200" b="0" i="0" u="none" strike="noStrike" kern="1200" cap="none" dirty="0">
-              <a:ln>
-                <a:noFill/>
-              </a:ln>
-              <a:latin typeface="Arial" pitchFamily="34"/>
-              <a:ea typeface="Arial" pitchFamily="34"/>
-              <a:cs typeface="Arial" pitchFamily="34"/>
-            </a:endParaRPr>
-          </a:p>
-          <a:p>
-            <a:r>
-              <a:rPr lang="en-US" dirty="0"/>
-              <a:t>Now for definitions…</a:t>
-            </a:r>
-          </a:p>
         </p:txBody>
       </p:sp>
       <p:sp>
@@ -3594,7 +3416,7 @@
           <a:p>
             <a:fld id="{3148858F-F1DB-4027-9C85-CCA6849540DD}" type="slidenum">
               <a:rPr lang="en-US" smtClean="0"/>
-              <a:t>5</a:t>
+              <a:t>6</a:t>
             </a:fld>
             <a:endParaRPr lang="en-US"/>
           </a:p>
@@ -3603,7 +3425,7 @@
     </p:spTree>
     <p:extLst>
       <p:ext uri="{BB962C8B-B14F-4D97-AF65-F5344CB8AC3E}">
-        <p14:creationId xmlns:p14="http://schemas.microsoft.com/office/powerpoint/2010/main" val="1181104308"/>
+        <p14:creationId xmlns:p14="http://schemas.microsoft.com/office/powerpoint/2010/main" val="4120710171"/>
       </p:ext>
     </p:extLst>
   </p:cSld>
@@ -3657,159 +3479,90 @@
           <a:bodyPr/>
           <a:lstStyle/>
           <a:p>
-            <a:pPr marL="228600" marR="0" lvl="0" indent="-228600" algn="l" defTabSz="914400" rtl="0" eaLnBrk="1" fontAlgn="auto" latinLnBrk="0" hangingPunct="1">
-              <a:lnSpc>
-                <a:spcPct val="100000"/>
-              </a:lnSpc>
-              <a:spcBef>
-                <a:spcPts val="0"/>
-              </a:spcBef>
-              <a:spcAft>
-                <a:spcPts val="0"/>
-              </a:spcAft>
-              <a:buClrTx/>
-              <a:buSzTx/>
-              <a:buFontTx/>
-              <a:buAutoNum type="arabicPeriod"/>
-              <a:tabLst/>
-              <a:defRPr/>
-            </a:pPr>
-            <a:r>
-              <a:rPr lang="en-US" b="0" i="0" dirty="0">
-                <a:solidFill>
-                  <a:srgbClr val="202122"/>
+            <a:r>
+              <a:rPr lang="en-US" sz="1200" b="0" i="0" kern="1200" dirty="0">
+                <a:solidFill>
+                  <a:schemeClr val="tx1"/>
                 </a:solidFill>
                 <a:effectLst/>
-                <a:latin typeface="Arial" panose="020B0604020202020204" pitchFamily="34" charset="0"/>
-              </a:rPr>
-              <a:t>Leading AI textbooks define the field of Artificial Intelligence as the study of “intelligent or rational agents” – any system that perceives its environment and takes actions that maximize its chance of achieving its goals.</a:t>
-            </a:r>
-          </a:p>
-          <a:p>
-            <a:pPr marL="228600" marR="0" lvl="0" indent="-228600" algn="l" defTabSz="914400" rtl="0" eaLnBrk="1" fontAlgn="auto" latinLnBrk="0" hangingPunct="1">
-              <a:lnSpc>
-                <a:spcPct val="100000"/>
-              </a:lnSpc>
-              <a:spcBef>
-                <a:spcPts val="0"/>
-              </a:spcBef>
-              <a:spcAft>
-                <a:spcPts val="0"/>
-              </a:spcAft>
-              <a:buClrTx/>
-              <a:buSzTx/>
-              <a:buFontTx/>
-              <a:buAutoNum type="arabicPeriod"/>
-              <a:tabLst/>
-              <a:defRPr/>
-            </a:pPr>
-            <a:r>
-              <a:rPr lang="en-US" b="0" i="0" dirty="0">
-                <a:solidFill>
-                  <a:srgbClr val="202122"/>
+                <a:latin typeface="+mn-lt"/>
+                <a:ea typeface="+mn-ea"/>
+                <a:cs typeface="+mn-cs"/>
+              </a:rPr>
+              <a:t>… and here’s a definition of machine learning coined by Arthur Samuel in 1959.  This is concise and one of my personal favorites.  However, I also like this second definition: </a:t>
+            </a:r>
+            <a:r>
+              <a:rPr lang="en-US" sz="1200" b="0" i="1" kern="1200" dirty="0">
+                <a:solidFill>
+                  <a:schemeClr val="tx1"/>
                 </a:solidFill>
                 <a:effectLst/>
-                <a:latin typeface="Arial" panose="020B0604020202020204" pitchFamily="34" charset="0"/>
-              </a:rPr>
-              <a:t>Restatement of Russell &amp; Norvig’s definition – </a:t>
-            </a:r>
-            <a:r>
-              <a:rPr lang="en-US" b="0" i="1" dirty="0">
-                <a:solidFill>
-                  <a:srgbClr val="202122"/>
+                <a:latin typeface="+mn-lt"/>
+                <a:ea typeface="+mn-ea"/>
+                <a:cs typeface="+mn-cs"/>
+              </a:rPr>
+              <a:t>Machine learning is the science (and art) of programming computers so they can learn from data</a:t>
+            </a:r>
+            <a:r>
+              <a:rPr lang="en-US" sz="1200" b="0" i="0" kern="1200" dirty="0">
+                <a:solidFill>
+                  <a:schemeClr val="tx1"/>
                 </a:solidFill>
                 <a:effectLst/>
-                <a:latin typeface="Arial" panose="020B0604020202020204" pitchFamily="34" charset="0"/>
-              </a:rPr>
-              <a:t>Artificial Intelligence: A Modern Approach</a:t>
-            </a:r>
-            <a:r>
-              <a:rPr lang="en-US" b="0" i="0" dirty="0">
-                <a:solidFill>
-                  <a:srgbClr val="202122"/>
+                <a:latin typeface="+mn-lt"/>
+                <a:ea typeface="+mn-ea"/>
+                <a:cs typeface="+mn-cs"/>
+              </a:rPr>
+              <a:t>.  </a:t>
+            </a:r>
+          </a:p>
+          <a:p>
+            <a:endParaRPr lang="en-US" sz="1200" b="0" i="0" kern="1200" dirty="0">
+              <a:solidFill>
+                <a:schemeClr val="tx1"/>
+              </a:solidFill>
+              <a:effectLst/>
+              <a:latin typeface="+mn-lt"/>
+              <a:ea typeface="+mn-ea"/>
+              <a:cs typeface="+mn-cs"/>
+            </a:endParaRPr>
+          </a:p>
+          <a:p>
+            <a:r>
+              <a:rPr lang="en-US" sz="1200" b="0" i="0" kern="1200" dirty="0">
+                <a:solidFill>
+                  <a:schemeClr val="tx1"/>
                 </a:solidFill>
                 <a:effectLst/>
-                <a:latin typeface="Arial" panose="020B0604020202020204" pitchFamily="34" charset="0"/>
-              </a:rPr>
-              <a:t>, 2</a:t>
-            </a:r>
-            <a:r>
-              <a:rPr lang="en-US" b="0" i="0" baseline="30000" dirty="0">
-                <a:solidFill>
-                  <a:srgbClr val="202122"/>
+                <a:latin typeface="+mn-lt"/>
+                <a:ea typeface="+mn-ea"/>
+                <a:cs typeface="+mn-cs"/>
+              </a:rPr>
+              <a:t>Now, the key word in that second definition is </a:t>
+            </a:r>
+            <a:r>
+              <a:rPr lang="en-US" sz="1200" b="1" i="0" kern="1200" dirty="0">
+                <a:solidFill>
+                  <a:schemeClr val="tx1"/>
                 </a:solidFill>
                 <a:effectLst/>
-                <a:latin typeface="Arial" panose="020B0604020202020204" pitchFamily="34" charset="0"/>
-              </a:rPr>
-              <a:t>nd</a:t>
-            </a:r>
-            <a:r>
-              <a:rPr lang="en-US" b="0" i="0" dirty="0">
-                <a:solidFill>
-                  <a:srgbClr val="202122"/>
+                <a:latin typeface="+mn-lt"/>
+                <a:ea typeface="+mn-ea"/>
+                <a:cs typeface="+mn-cs"/>
+              </a:rPr>
+              <a:t>data</a:t>
+            </a:r>
+            <a:r>
+              <a:rPr lang="en-US" sz="1200" b="0" i="0" kern="1200" dirty="0">
+                <a:solidFill>
+                  <a:schemeClr val="tx1"/>
                 </a:solidFill>
                 <a:effectLst/>
-                <a:latin typeface="Arial" panose="020B0604020202020204" pitchFamily="34" charset="0"/>
-              </a:rPr>
-              <a:t> edition – most widely used introductory text.</a:t>
-            </a:r>
-          </a:p>
-          <a:p>
-            <a:pPr marL="228600" marR="0" lvl="0" indent="-228600" algn="l" defTabSz="914400" rtl="0" eaLnBrk="1" fontAlgn="auto" latinLnBrk="0" hangingPunct="1">
-              <a:lnSpc>
-                <a:spcPct val="100000"/>
-              </a:lnSpc>
-              <a:spcBef>
-                <a:spcPts val="0"/>
-              </a:spcBef>
-              <a:spcAft>
-                <a:spcPts val="0"/>
-              </a:spcAft>
-              <a:buClrTx/>
-              <a:buSzTx/>
-              <a:buFontTx/>
-              <a:buAutoNum type="arabicPeriod"/>
-              <a:tabLst/>
-              <a:defRPr/>
-            </a:pPr>
-            <a:r>
-              <a:rPr lang="en-US" b="0" i="0" dirty="0">
-                <a:solidFill>
-                  <a:srgbClr val="202122"/>
-                </a:solidFill>
-                <a:effectLst/>
-                <a:latin typeface="Arial" panose="020B0604020202020204" pitchFamily="34" charset="0"/>
-              </a:rPr>
-              <a:t>AI system performance = humans in many cases.  </a:t>
-            </a:r>
-          </a:p>
-          <a:p>
-            <a:pPr marL="228600" marR="0" lvl="0" indent="-228600" algn="l" defTabSz="914400" rtl="0" eaLnBrk="1" fontAlgn="auto" latinLnBrk="0" hangingPunct="1">
-              <a:lnSpc>
-                <a:spcPct val="100000"/>
-              </a:lnSpc>
-              <a:spcBef>
-                <a:spcPts val="0"/>
-              </a:spcBef>
-              <a:spcAft>
-                <a:spcPts val="0"/>
-              </a:spcAft>
-              <a:buClrTx/>
-              <a:buSzTx/>
-              <a:buFontTx/>
-              <a:buAutoNum type="arabicPeriod"/>
-              <a:tabLst/>
-              <a:defRPr/>
-            </a:pPr>
-            <a:r>
-              <a:rPr lang="en-US" b="0" i="0" dirty="0">
-                <a:solidFill>
-                  <a:srgbClr val="202122"/>
-                </a:solidFill>
-                <a:effectLst/>
-                <a:latin typeface="Arial" panose="020B0604020202020204" pitchFamily="34" charset="0"/>
-              </a:rPr>
-              <a:t>Broad array of applications.</a:t>
+                <a:latin typeface="+mn-lt"/>
+                <a:ea typeface="+mn-ea"/>
+                <a:cs typeface="+mn-cs"/>
+              </a:rPr>
+              <a:t>.  In fact, deep learning is not possible without data.  In the second half of today’s presentation, we will talk about the various types of data and the AI techniques used on them.  But first, let’s dive into the details of our Practicum AI workshop program.</a:t>
             </a:r>
           </a:p>
           <a:p>
@@ -3863,24 +3616,20 @@
                 <a:effectLst/>
                 <a:latin typeface="Arial" panose="020B0604020202020204" pitchFamily="34" charset="0"/>
               </a:rPr>
-              <a:t>Leading AI textbooks define the field of Artificial Intelligence as the study of “intelligent agents”: any system that perceives its environment and takes actions that maximize its chance of achieving its goals.  Such systems are now able to perform tasks humans are good at; </a:t>
-            </a:r>
-            <a:r>
-              <a:rPr lang="en-US" sz="1200" b="0" i="0" kern="1200" dirty="0">
-                <a:solidFill>
-                  <a:schemeClr val="tx1"/>
+              <a:t>Machine Learning </a:t>
+            </a:r>
+            <a:r>
+              <a:rPr lang="en-US" b="0" i="0" dirty="0">
+                <a:solidFill>
+                  <a:srgbClr val="000000"/>
                 </a:solidFill>
                 <a:effectLst/>
-                <a:latin typeface="+mn-lt"/>
-                <a:ea typeface="+mn-ea"/>
-                <a:cs typeface="+mn-cs"/>
-              </a:rPr>
-              <a:t>for example, recognizing objects, making sense of speech, and decision making in a constrained environment.  A</a:t>
-            </a:r>
-            <a:r>
-              <a:rPr lang="en-US" dirty="0"/>
-              <a:t>s our computer programs have become more sophisticated, our ideas of which tasks require human intelligence have evolved. Thus, AI is now used in a wide variety of tasks.</a:t>
-            </a:r>
+                <a:latin typeface="DINPro"/>
+              </a:rPr>
+              <a:t>algorithms parse data, learn from it, and then make a prediction about something in the world. So rather than hand-coding software routines with a specific set of instructions to accomplish a particular task, the machine is “trained” using large amounts of data and algorithms that give it the ability to learn how to perform the task.</a:t>
+            </a:r>
+          </a:p>
+          <a:p>
             <a:endParaRPr lang="en-US" sz="1200" b="0" i="0" kern="1200" dirty="0">
               <a:solidFill>
                 <a:schemeClr val="tx1"/>
@@ -3921,7 +3670,7 @@
           <a:p>
             <a:fld id="{3148858F-F1DB-4027-9C85-CCA6849540DD}" type="slidenum">
               <a:rPr lang="en-US" smtClean="0"/>
-              <a:t>6</a:t>
+              <a:t>7</a:t>
             </a:fld>
             <a:endParaRPr lang="en-US"/>
           </a:p>
@@ -3930,7 +3679,7 @@
     </p:spTree>
     <p:extLst>
       <p:ext uri="{BB962C8B-B14F-4D97-AF65-F5344CB8AC3E}">
-        <p14:creationId xmlns:p14="http://schemas.microsoft.com/office/powerpoint/2010/main" val="4120710171"/>
+        <p14:creationId xmlns:p14="http://schemas.microsoft.com/office/powerpoint/2010/main" val="2710535571"/>
       </p:ext>
     </p:extLst>
   </p:cSld>
@@ -3984,6 +3733,9 @@
           <a:bodyPr/>
           <a:lstStyle/>
           <a:p>
+            <a:pPr marL="228600" indent="-228600">
+              <a:buAutoNum type="arabicPeriod"/>
+            </a:pPr>
             <a:r>
               <a:rPr lang="en-US" sz="1200" b="0" i="0" kern="1200" dirty="0">
                 <a:solidFill>
@@ -3994,10 +3746,10 @@
                 <a:ea typeface="+mn-ea"/>
                 <a:cs typeface="+mn-cs"/>
               </a:rPr>
-              <a:t>… and here’s a definition of machine learning coined by Arthur Samuel in 1959.  This is concise and one of my personal favorites.  However, I also like this second definition: </a:t>
-            </a:r>
-            <a:r>
-              <a:rPr lang="en-US" sz="1200" b="0" i="1" kern="1200" dirty="0">
+              <a:t>Deep learning is a subfield of machine learning with a focus on </a:t>
+            </a:r>
+            <a:r>
+              <a:rPr lang="en-US" sz="1200" b="1" i="0" kern="1200" dirty="0">
                 <a:solidFill>
                   <a:schemeClr val="tx1"/>
                 </a:solidFill>
@@ -4006,8 +3758,13 @@
                 <a:ea typeface="+mn-ea"/>
                 <a:cs typeface="+mn-cs"/>
               </a:rPr>
-              <a:t>Machine learning is the science (and art) of programming computers so they can learn from data</a:t>
-            </a:r>
+              <a:t>neural networks</a:t>
+            </a:r>
+          </a:p>
+          <a:p>
+            <a:pPr marL="228600" indent="-228600">
+              <a:buAutoNum type="arabicPeriod"/>
+            </a:pPr>
             <a:r>
               <a:rPr lang="en-US" sz="1200" b="0" i="0" kern="1200" dirty="0">
                 <a:solidFill>
@@ -4018,10 +3775,98 @@
                 <a:ea typeface="+mn-ea"/>
                 <a:cs typeface="+mn-cs"/>
               </a:rPr>
-              <a:t>.  </a:t>
-            </a:r>
-          </a:p>
-          <a:p>
+              <a:t>A neural network is a special type of learning algorithm, inspired by the billions of interconnected neurons in the human brain.</a:t>
+            </a:r>
+          </a:p>
+          <a:p>
+            <a:pPr marL="228600" indent="-228600">
+              <a:buAutoNum type="arabicPeriod"/>
+            </a:pPr>
+            <a:r>
+              <a:rPr lang="en-US" sz="1200" b="0" i="0" kern="1200" dirty="0">
+                <a:solidFill>
+                  <a:schemeClr val="tx1"/>
+                </a:solidFill>
+                <a:effectLst/>
+                <a:latin typeface="+mn-lt"/>
+                <a:ea typeface="+mn-ea"/>
+                <a:cs typeface="+mn-cs"/>
+              </a:rPr>
+              <a:t>In a NN, neurons grouped together in layers – image of a multi-layered cake – if you have many layers, the cake is “deep” when viewed from above.</a:t>
+            </a:r>
+          </a:p>
+          <a:p>
+            <a:pPr marL="228600" indent="-228600">
+              <a:buAutoNum type="arabicPeriod"/>
+            </a:pPr>
+            <a:r>
+              <a:rPr lang="en-US" sz="1200" b="0" i="0" kern="1200" dirty="0">
+                <a:solidFill>
+                  <a:schemeClr val="tx1"/>
+                </a:solidFill>
+                <a:effectLst/>
+                <a:latin typeface="+mn-lt"/>
+                <a:ea typeface="+mn-ea"/>
+                <a:cs typeface="+mn-cs"/>
+              </a:rPr>
+              <a:t>Since 2010, deep learning became possible because:</a:t>
+            </a:r>
+          </a:p>
+          <a:p>
+            <a:pPr marL="685800" lvl="1" indent="-228600">
+              <a:buAutoNum type="arabicPeriod"/>
+            </a:pPr>
+            <a:r>
+              <a:rPr lang="en-US" sz="1200" b="0" i="0" kern="1200" dirty="0">
+                <a:solidFill>
+                  <a:schemeClr val="tx1"/>
+                </a:solidFill>
+                <a:effectLst/>
+                <a:latin typeface="+mn-lt"/>
+                <a:ea typeface="+mn-ea"/>
+                <a:cs typeface="+mn-cs"/>
+              </a:rPr>
+              <a:t>Enhanced hardware – GPUs from Nvidia and other suppliers</a:t>
+            </a:r>
+          </a:p>
+          <a:p>
+            <a:pPr marL="685800" lvl="1" indent="-228600">
+              <a:buAutoNum type="arabicPeriod"/>
+            </a:pPr>
+            <a:r>
+              <a:rPr lang="en-US" sz="1200" b="0" i="0" kern="1200" dirty="0">
+                <a:solidFill>
+                  <a:schemeClr val="tx1"/>
+                </a:solidFill>
+                <a:effectLst/>
+                <a:latin typeface="+mn-lt"/>
+                <a:ea typeface="+mn-ea"/>
+                <a:cs typeface="+mn-cs"/>
+              </a:rPr>
+              <a:t>Open AI software frameworks – Tensorflow, Pytorch, Keras, etc…</a:t>
+            </a:r>
+          </a:p>
+          <a:p>
+            <a:pPr marL="685800" lvl="1" indent="-228600">
+              <a:buAutoNum type="arabicPeriod"/>
+            </a:pPr>
+            <a:r>
+              <a:rPr lang="en-US" sz="1200" b="0" i="0" kern="1200" dirty="0">
+                <a:solidFill>
+                  <a:schemeClr val="tx1"/>
+                </a:solidFill>
+                <a:effectLst/>
+                <a:latin typeface="+mn-lt"/>
+                <a:ea typeface="+mn-ea"/>
+                <a:cs typeface="+mn-cs"/>
+              </a:rPr>
+              <a:t>Big Data</a:t>
+            </a:r>
+          </a:p>
+          <a:p>
+            <a:pPr marL="228600" indent="-228600">
+              <a:buAutoNum type="arabicPeriod"/>
+            </a:pPr>
             <a:endParaRPr lang="en-US" sz="1200" b="0" i="0" kern="1200" dirty="0">
               <a:solidFill>
                 <a:schemeClr val="tx1"/>
@@ -4033,44 +3878,6 @@
             </a:endParaRPr>
           </a:p>
           <a:p>
-            <a:r>
-              <a:rPr lang="en-US" sz="1200" b="0" i="0" kern="1200" dirty="0">
-                <a:solidFill>
-                  <a:schemeClr val="tx1"/>
-                </a:solidFill>
-                <a:effectLst/>
-                <a:latin typeface="+mn-lt"/>
-                <a:ea typeface="+mn-ea"/>
-                <a:cs typeface="+mn-cs"/>
-              </a:rPr>
-              <a:t>Now, the key word in that second definition is </a:t>
-            </a:r>
-            <a:r>
-              <a:rPr lang="en-US" sz="1200" b="1" i="0" kern="1200" dirty="0">
-                <a:solidFill>
-                  <a:schemeClr val="tx1"/>
-                </a:solidFill>
-                <a:effectLst/>
-                <a:latin typeface="+mn-lt"/>
-                <a:ea typeface="+mn-ea"/>
-                <a:cs typeface="+mn-cs"/>
-              </a:rPr>
-              <a:t>data</a:t>
-            </a:r>
-            <a:r>
-              <a:rPr lang="en-US" sz="1200" b="0" i="0" kern="1200" dirty="0">
-                <a:solidFill>
-                  <a:schemeClr val="tx1"/>
-                </a:solidFill>
-                <a:effectLst/>
-                <a:latin typeface="+mn-lt"/>
-                <a:ea typeface="+mn-ea"/>
-                <a:cs typeface="+mn-cs"/>
-              </a:rPr>
-              <a:t>.  In fact, deep learning is not possible without data.  In the second half of today’s presentation, we will talk about the various types of data and the AI techniques used on them.  But first, let’s dive into the details of our Practicum AI workshop program.</a:t>
-            </a:r>
-          </a:p>
-          <a:p>
             <a:endParaRPr lang="en-US" sz="1200" b="0" i="0" kern="1200" dirty="0">
               <a:solidFill>
                 <a:schemeClr val="tx1"/>
@@ -4082,59 +3889,6 @@
             </a:endParaRPr>
           </a:p>
           <a:p>
-            <a:r>
-              <a:rPr lang="en-US" sz="1200" b="0" i="0" kern="1200" dirty="0">
-                <a:solidFill>
-                  <a:schemeClr val="tx1"/>
-                </a:solidFill>
-                <a:effectLst/>
-                <a:latin typeface="+mn-lt"/>
-                <a:ea typeface="+mn-ea"/>
-                <a:cs typeface="+mn-cs"/>
-              </a:rPr>
-              <a:t>=====</a:t>
-            </a:r>
-          </a:p>
-          <a:p>
-            <a:pPr marL="0" marR="0" lvl="0" indent="0" algn="l" defTabSz="914400" rtl="0" eaLnBrk="1" fontAlgn="auto" latinLnBrk="0" hangingPunct="1">
-              <a:lnSpc>
-                <a:spcPct val="100000"/>
-              </a:lnSpc>
-              <a:spcBef>
-                <a:spcPts val="0"/>
-              </a:spcBef>
-              <a:spcAft>
-                <a:spcPts val="0"/>
-              </a:spcAft>
-              <a:buClrTx/>
-              <a:buSzTx/>
-              <a:buFontTx/>
-              <a:buNone/>
-              <a:tabLst/>
-              <a:defRPr/>
-            </a:pPr>
-            <a:r>
-              <a:rPr lang="en-US" b="0" i="0" dirty="0">
-                <a:solidFill>
-                  <a:srgbClr val="202122"/>
-                </a:solidFill>
-                <a:effectLst/>
-                <a:latin typeface="Arial" panose="020B0604020202020204" pitchFamily="34" charset="0"/>
-              </a:rPr>
-              <a:t>Machine Learning </a:t>
-            </a:r>
-            <a:r>
-              <a:rPr lang="en-US" b="0" i="0" dirty="0">
-                <a:solidFill>
-                  <a:srgbClr val="000000"/>
-                </a:solidFill>
-                <a:effectLst/>
-                <a:latin typeface="DINPro"/>
-              </a:rPr>
-              <a:t>algorithms parse data, learn from it, and then make a prediction about something in the world. So rather than hand-coding software routines with a specific set of instructions to accomplish a particular task, the machine is “trained” using large amounts of data and algorithms that give it the ability to learn how to perform the task.</a:t>
-            </a:r>
-          </a:p>
-          <a:p>
             <a:endParaRPr lang="en-US" sz="1200" b="0" i="0" kern="1200" dirty="0">
               <a:solidFill>
                 <a:schemeClr val="tx1"/>
@@ -4175,7 +3929,7 @@
           <a:p>
             <a:fld id="{3148858F-F1DB-4027-9C85-CCA6849540DD}" type="slidenum">
               <a:rPr lang="en-US" smtClean="0"/>
-              <a:t>7</a:t>
+              <a:t>8</a:t>
             </a:fld>
             <a:endParaRPr lang="en-US"/>
           </a:p>
@@ -4184,7 +3938,7 @@
     </p:spTree>
     <p:extLst>
       <p:ext uri="{BB962C8B-B14F-4D97-AF65-F5344CB8AC3E}">
-        <p14:creationId xmlns:p14="http://schemas.microsoft.com/office/powerpoint/2010/main" val="2710535571"/>
+        <p14:creationId xmlns:p14="http://schemas.microsoft.com/office/powerpoint/2010/main" val="658380389"/>
       </p:ext>
     </p:extLst>
   </p:cSld>
@@ -4238,140 +3992,6 @@
           <a:bodyPr/>
           <a:lstStyle/>
           <a:p>
-            <a:pPr marL="228600" indent="-228600">
-              <a:buAutoNum type="arabicPeriod"/>
-            </a:pPr>
-            <a:r>
-              <a:rPr lang="en-US" sz="1200" b="0" i="0" kern="1200" dirty="0">
-                <a:solidFill>
-                  <a:schemeClr val="tx1"/>
-                </a:solidFill>
-                <a:effectLst/>
-                <a:latin typeface="+mn-lt"/>
-                <a:ea typeface="+mn-ea"/>
-                <a:cs typeface="+mn-cs"/>
-              </a:rPr>
-              <a:t>Deep learning is a subfield of machine learning with a focus on </a:t>
-            </a:r>
-            <a:r>
-              <a:rPr lang="en-US" sz="1200" b="1" i="0" kern="1200" dirty="0">
-                <a:solidFill>
-                  <a:schemeClr val="tx1"/>
-                </a:solidFill>
-                <a:effectLst/>
-                <a:latin typeface="+mn-lt"/>
-                <a:ea typeface="+mn-ea"/>
-                <a:cs typeface="+mn-cs"/>
-              </a:rPr>
-              <a:t>neural networks</a:t>
-            </a:r>
-          </a:p>
-          <a:p>
-            <a:pPr marL="228600" indent="-228600">
-              <a:buAutoNum type="arabicPeriod"/>
-            </a:pPr>
-            <a:r>
-              <a:rPr lang="en-US" sz="1200" b="0" i="0" kern="1200" dirty="0">
-                <a:solidFill>
-                  <a:schemeClr val="tx1"/>
-                </a:solidFill>
-                <a:effectLst/>
-                <a:latin typeface="+mn-lt"/>
-                <a:ea typeface="+mn-ea"/>
-                <a:cs typeface="+mn-cs"/>
-              </a:rPr>
-              <a:t>A neural network is a special type of learning algorithm, inspired by the billions of interconnected neurons in the human brain.</a:t>
-            </a:r>
-          </a:p>
-          <a:p>
-            <a:pPr marL="228600" indent="-228600">
-              <a:buAutoNum type="arabicPeriod"/>
-            </a:pPr>
-            <a:r>
-              <a:rPr lang="en-US" sz="1200" b="0" i="0" kern="1200" dirty="0">
-                <a:solidFill>
-                  <a:schemeClr val="tx1"/>
-                </a:solidFill>
-                <a:effectLst/>
-                <a:latin typeface="+mn-lt"/>
-                <a:ea typeface="+mn-ea"/>
-                <a:cs typeface="+mn-cs"/>
-              </a:rPr>
-              <a:t>In a NN, neurons grouped together in layers – image of a multi-layered cake – if you have many layers, the cake is “deep” when viewed from above.</a:t>
-            </a:r>
-          </a:p>
-          <a:p>
-            <a:pPr marL="228600" indent="-228600">
-              <a:buAutoNum type="arabicPeriod"/>
-            </a:pPr>
-            <a:r>
-              <a:rPr lang="en-US" sz="1200" b="0" i="0" kern="1200" dirty="0">
-                <a:solidFill>
-                  <a:schemeClr val="tx1"/>
-                </a:solidFill>
-                <a:effectLst/>
-                <a:latin typeface="+mn-lt"/>
-                <a:ea typeface="+mn-ea"/>
-                <a:cs typeface="+mn-cs"/>
-              </a:rPr>
-              <a:t>Since 2010, deep learning became possible because:</a:t>
-            </a:r>
-          </a:p>
-          <a:p>
-            <a:pPr marL="685800" lvl="1" indent="-228600">
-              <a:buAutoNum type="arabicPeriod"/>
-            </a:pPr>
-            <a:r>
-              <a:rPr lang="en-US" sz="1200" b="0" i="0" kern="1200" dirty="0">
-                <a:solidFill>
-                  <a:schemeClr val="tx1"/>
-                </a:solidFill>
-                <a:effectLst/>
-                <a:latin typeface="+mn-lt"/>
-                <a:ea typeface="+mn-ea"/>
-                <a:cs typeface="+mn-cs"/>
-              </a:rPr>
-              <a:t>Enhanced hardware – GPUs from Nvidia and other suppliers</a:t>
-            </a:r>
-          </a:p>
-          <a:p>
-            <a:pPr marL="685800" lvl="1" indent="-228600">
-              <a:buAutoNum type="arabicPeriod"/>
-            </a:pPr>
-            <a:r>
-              <a:rPr lang="en-US" sz="1200" b="0" i="0" kern="1200" dirty="0">
-                <a:solidFill>
-                  <a:schemeClr val="tx1"/>
-                </a:solidFill>
-                <a:effectLst/>
-                <a:latin typeface="+mn-lt"/>
-                <a:ea typeface="+mn-ea"/>
-                <a:cs typeface="+mn-cs"/>
-              </a:rPr>
-              <a:t>Open AI software frameworks – Tensorflow, Pytorch, Keras, etc…</a:t>
-            </a:r>
-          </a:p>
-          <a:p>
-            <a:pPr marL="685800" lvl="1" indent="-228600">
-              <a:buAutoNum type="arabicPeriod"/>
-            </a:pPr>
-            <a:r>
-              <a:rPr lang="en-US" sz="1200" b="0" i="0" kern="1200" dirty="0">
-                <a:solidFill>
-                  <a:schemeClr val="tx1"/>
-                </a:solidFill>
-                <a:effectLst/>
-                <a:latin typeface="+mn-lt"/>
-                <a:ea typeface="+mn-ea"/>
-                <a:cs typeface="+mn-cs"/>
-              </a:rPr>
-              <a:t>Big Data</a:t>
-            </a:r>
-          </a:p>
-          <a:p>
-            <a:pPr marL="228600" indent="-228600">
-              <a:buAutoNum type="arabicPeriod"/>
-            </a:pPr>
             <a:endParaRPr lang="en-US" sz="1200" b="0" i="0" kern="1200" dirty="0">
               <a:solidFill>
                 <a:schemeClr val="tx1"/>
@@ -4382,39 +4002,6 @@
               <a:cs typeface="+mn-cs"/>
             </a:endParaRPr>
           </a:p>
-          <a:p>
-            <a:endParaRPr lang="en-US" sz="1200" b="0" i="0" kern="1200" dirty="0">
-              <a:solidFill>
-                <a:schemeClr val="tx1"/>
-              </a:solidFill>
-              <a:effectLst/>
-              <a:latin typeface="+mn-lt"/>
-              <a:ea typeface="+mn-ea"/>
-              <a:cs typeface="+mn-cs"/>
-            </a:endParaRPr>
-          </a:p>
-          <a:p>
-            <a:endParaRPr lang="en-US" sz="1200" b="0" i="0" kern="1200" dirty="0">
-              <a:solidFill>
-                <a:schemeClr val="tx1"/>
-              </a:solidFill>
-              <a:effectLst/>
-              <a:latin typeface="+mn-lt"/>
-              <a:ea typeface="+mn-ea"/>
-              <a:cs typeface="+mn-cs"/>
-            </a:endParaRPr>
-          </a:p>
-          <a:p>
-            <a:endParaRPr lang="en-US" sz="1200" b="0" i="0" kern="1200" dirty="0">
-              <a:solidFill>
-                <a:schemeClr val="tx1"/>
-              </a:solidFill>
-              <a:effectLst/>
-              <a:latin typeface="+mn-lt"/>
-              <a:ea typeface="+mn-ea"/>
-              <a:cs typeface="+mn-cs"/>
-            </a:endParaRPr>
-          </a:p>
         </p:txBody>
       </p:sp>
       <p:sp>
@@ -4434,7 +4021,7 @@
           <a:p>
             <a:fld id="{3148858F-F1DB-4027-9C85-CCA6849540DD}" type="slidenum">
               <a:rPr lang="en-US" smtClean="0"/>
-              <a:t>8</a:t>
+              <a:t>9</a:t>
             </a:fld>
             <a:endParaRPr lang="en-US"/>
           </a:p>
@@ -4443,7 +4030,7 @@
     </p:spTree>
     <p:extLst>
       <p:ext uri="{BB962C8B-B14F-4D97-AF65-F5344CB8AC3E}">
-        <p14:creationId xmlns:p14="http://schemas.microsoft.com/office/powerpoint/2010/main" val="658380389"/>
+        <p14:creationId xmlns:p14="http://schemas.microsoft.com/office/powerpoint/2010/main" val="3621801251"/>
       </p:ext>
     </p:extLst>
   </p:cSld>
@@ -4497,14 +4084,38 @@
           <a:bodyPr/>
           <a:lstStyle/>
           <a:p>
-            <a:endParaRPr lang="en-US" sz="1200" b="0" i="0" kern="1200" dirty="0">
-              <a:solidFill>
-                <a:schemeClr val="tx1"/>
-              </a:solidFill>
-              <a:effectLst/>
-              <a:latin typeface="+mn-lt"/>
-              <a:ea typeface="+mn-ea"/>
-              <a:cs typeface="+mn-cs"/>
+            <a:pPr marL="0" marR="0" lvl="0" indent="0" algn="l" defTabSz="914400" rtl="0" eaLnBrk="1" fontAlgn="auto" latinLnBrk="0" hangingPunct="1">
+              <a:lnSpc>
+                <a:spcPct val="100000"/>
+              </a:lnSpc>
+              <a:spcBef>
+                <a:spcPts val="0"/>
+              </a:spcBef>
+              <a:spcAft>
+                <a:spcPts val="0"/>
+              </a:spcAft>
+              <a:buClrTx/>
+              <a:buSzTx/>
+              <a:buFontTx/>
+              <a:buNone/>
+              <a:tabLst/>
+              <a:defRPr/>
+            </a:pPr>
+            <a:r>
+              <a:rPr lang="en-US" dirty="0">
+                <a:latin typeface="Palatino Linotype" panose="02040502050505030304" pitchFamily="18" charset="0"/>
+              </a:rPr>
+              <a:t>Hello and welcome to our class (Frontiers of AI).  So, let’s start with Course goals…</a:t>
+            </a:r>
+          </a:p>
+          <a:p>
+            <a:endParaRPr lang="en-US" dirty="0">
+              <a:latin typeface="Palatino Linotype" panose="02040502050505030304" pitchFamily="18" charset="0"/>
+            </a:endParaRPr>
+          </a:p>
+          <a:p>
+            <a:endParaRPr lang="en-US" dirty="0">
+              <a:latin typeface="Palatino Linotype" panose="02040502050505030304" pitchFamily="18" charset="0"/>
             </a:endParaRPr>
           </a:p>
         </p:txBody>
@@ -4526,7 +4137,7 @@
           <a:p>
             <a:fld id="{3148858F-F1DB-4027-9C85-CCA6849540DD}" type="slidenum">
               <a:rPr lang="en-US" smtClean="0"/>
-              <a:t>9</a:t>
+              <a:t>10</a:t>
             </a:fld>
             <a:endParaRPr lang="en-US"/>
           </a:p>
@@ -4535,7 +4146,7 @@
     </p:spTree>
     <p:extLst>
       <p:ext uri="{BB962C8B-B14F-4D97-AF65-F5344CB8AC3E}">
-        <p14:creationId xmlns:p14="http://schemas.microsoft.com/office/powerpoint/2010/main" val="3621801251"/>
+        <p14:creationId xmlns:p14="http://schemas.microsoft.com/office/powerpoint/2010/main" val="246808038"/>
       </p:ext>
     </p:extLst>
   </p:cSld>
@@ -4692,7 +4303,7 @@
           <a:p>
             <a:fld id="{C3F78080-8D0A-4BE8-A5B4-CB115102D524}" type="datetimeFigureOut">
               <a:rPr lang="en-US" smtClean="0"/>
-              <a:t>7/8/2022</a:t>
+              <a:t>8/31/2022</a:t>
             </a:fld>
             <a:endParaRPr lang="en-US"/>
           </a:p>
@@ -4890,7 +4501,7 @@
           <a:p>
             <a:fld id="{C3F78080-8D0A-4BE8-A5B4-CB115102D524}" type="datetimeFigureOut">
               <a:rPr lang="en-US" smtClean="0"/>
-              <a:t>7/8/2022</a:t>
+              <a:t>8/31/2022</a:t>
             </a:fld>
             <a:endParaRPr lang="en-US"/>
           </a:p>
@@ -5098,7 +4709,7 @@
           <a:p>
             <a:fld id="{C3F78080-8D0A-4BE8-A5B4-CB115102D524}" type="datetimeFigureOut">
               <a:rPr lang="en-US" smtClean="0"/>
-              <a:t>7/8/2022</a:t>
+              <a:t>8/31/2022</a:t>
             </a:fld>
             <a:endParaRPr lang="en-US"/>
           </a:p>
@@ -5296,7 +4907,7 @@
           <a:p>
             <a:fld id="{C3F78080-8D0A-4BE8-A5B4-CB115102D524}" type="datetimeFigureOut">
               <a:rPr lang="en-US" smtClean="0"/>
-              <a:t>7/8/2022</a:t>
+              <a:t>8/31/2022</a:t>
             </a:fld>
             <a:endParaRPr lang="en-US"/>
           </a:p>
@@ -5571,7 +5182,7 @@
           <a:p>
             <a:fld id="{C3F78080-8D0A-4BE8-A5B4-CB115102D524}" type="datetimeFigureOut">
               <a:rPr lang="en-US" smtClean="0"/>
-              <a:t>7/8/2022</a:t>
+              <a:t>8/31/2022</a:t>
             </a:fld>
             <a:endParaRPr lang="en-US"/>
           </a:p>
@@ -5836,7 +5447,7 @@
           <a:p>
             <a:fld id="{C3F78080-8D0A-4BE8-A5B4-CB115102D524}" type="datetimeFigureOut">
               <a:rPr lang="en-US" smtClean="0"/>
-              <a:t>7/8/2022</a:t>
+              <a:t>8/31/2022</a:t>
             </a:fld>
             <a:endParaRPr lang="en-US"/>
           </a:p>
@@ -6248,7 +5859,7 @@
           <a:p>
             <a:fld id="{C3F78080-8D0A-4BE8-A5B4-CB115102D524}" type="datetimeFigureOut">
               <a:rPr lang="en-US" smtClean="0"/>
-              <a:t>7/8/2022</a:t>
+              <a:t>8/31/2022</a:t>
             </a:fld>
             <a:endParaRPr lang="en-US"/>
           </a:p>
@@ -6389,7 +6000,7 @@
           <a:p>
             <a:fld id="{C3F78080-8D0A-4BE8-A5B4-CB115102D524}" type="datetimeFigureOut">
               <a:rPr lang="en-US" smtClean="0"/>
-              <a:t>7/8/2022</a:t>
+              <a:t>8/31/2022</a:t>
             </a:fld>
             <a:endParaRPr lang="en-US"/>
           </a:p>
@@ -6502,7 +6113,7 @@
           <a:p>
             <a:fld id="{C3F78080-8D0A-4BE8-A5B4-CB115102D524}" type="datetimeFigureOut">
               <a:rPr lang="en-US" smtClean="0"/>
-              <a:t>7/8/2022</a:t>
+              <a:t>8/31/2022</a:t>
             </a:fld>
             <a:endParaRPr lang="en-US"/>
           </a:p>
@@ -6813,7 +6424,7 @@
           <a:p>
             <a:fld id="{C3F78080-8D0A-4BE8-A5B4-CB115102D524}" type="datetimeFigureOut">
               <a:rPr lang="en-US" smtClean="0"/>
-              <a:t>7/8/2022</a:t>
+              <a:t>8/31/2022</a:t>
             </a:fld>
             <a:endParaRPr lang="en-US"/>
           </a:p>
@@ -7101,7 +6712,7 @@
           <a:p>
             <a:fld id="{C3F78080-8D0A-4BE8-A5B4-CB115102D524}" type="datetimeFigureOut">
               <a:rPr lang="en-US" smtClean="0"/>
-              <a:t>7/8/2022</a:t>
+              <a:t>8/31/2022</a:t>
             </a:fld>
             <a:endParaRPr lang="en-US"/>
           </a:p>
@@ -7342,7 +6953,7 @@
           <a:p>
             <a:fld id="{C3F78080-8D0A-4BE8-A5B4-CB115102D524}" type="datetimeFigureOut">
               <a:rPr lang="en-US" smtClean="0"/>
-              <a:t>7/8/2022</a:t>
+              <a:t>8/31/2022</a:t>
             </a:fld>
             <a:endParaRPr lang="en-US"/>
           </a:p>
@@ -10213,154 +9824,292 @@
       </p:grpSpPr>
       <p:sp>
         <p:nvSpPr>
-          <p:cNvPr id="8" name="TextBox 7">
+          <p:cNvPr id="2" name="Title 1">
             <a:extLst>
               <a:ext uri="{FF2B5EF4-FFF2-40B4-BE49-F238E27FC236}">
-                <a16:creationId xmlns:a16="http://schemas.microsoft.com/office/drawing/2014/main" id="{71EC0258-69B2-43EE-B364-B0398E9D538A}"/>
+                <a16:creationId xmlns:a16="http://schemas.microsoft.com/office/drawing/2014/main" id="{0E138177-E2EE-ACAC-A57C-F03FA29EC836}"/>
               </a:ext>
             </a:extLst>
           </p:cNvPr>
-          <p:cNvSpPr txBox="1"/>
-          <p:nvPr/>
+          <p:cNvSpPr>
+            <a:spLocks noGrp="1"/>
+          </p:cNvSpPr>
+          <p:nvPr>
+            <p:ph type="title"/>
+          </p:nvPr>
+        </p:nvSpPr>
+        <p:spPr/>
+        <p:txBody>
+          <a:bodyPr/>
+          <a:lstStyle/>
+          <a:p>
+            <a:r>
+              <a:rPr lang="en-US" dirty="0">
+                <a:solidFill>
+                  <a:schemeClr val="tx1">
+                    <a:lumMod val="75000"/>
+                    <a:lumOff val="25000"/>
+                  </a:schemeClr>
+                </a:solidFill>
+                <a:latin typeface="Palatino Linotype" panose="02040502050505030304" pitchFamily="18" charset="0"/>
+              </a:rPr>
+              <a:t>Lesson Overview</a:t>
+            </a:r>
+          </a:p>
+        </p:txBody>
+      </p:sp>
+      <p:sp>
+        <p:nvSpPr>
+          <p:cNvPr id="3" name="Content Placeholder 2">
+            <a:extLst>
+              <a:ext uri="{FF2B5EF4-FFF2-40B4-BE49-F238E27FC236}">
+                <a16:creationId xmlns:a16="http://schemas.microsoft.com/office/drawing/2014/main" id="{8626DB86-54B4-A1E2-6C25-C049F364ED25}"/>
+              </a:ext>
+            </a:extLst>
+          </p:cNvPr>
+          <p:cNvSpPr>
+            <a:spLocks noGrp="1"/>
+          </p:cNvSpPr>
+          <p:nvPr>
+            <p:ph idx="1"/>
+          </p:nvPr>
         </p:nvSpPr>
         <p:spPr>
           <a:xfrm>
-            <a:off x="0" y="2878550"/>
-            <a:ext cx="12192000" cy="1695677"/>
+            <a:off x="1013564" y="1825626"/>
+            <a:ext cx="10515600" cy="504215"/>
+          </a:xfrm>
+        </p:spPr>
+        <p:txBody>
+          <a:bodyPr/>
+          <a:lstStyle/>
+          <a:p>
+            <a:pPr>
+              <a:buFont typeface="Wingdings" panose="05000000000000000000" pitchFamily="2" charset="2"/>
+              <a:buChar char="Ø"/>
+            </a:pPr>
+            <a:r>
+              <a:rPr lang="en-US" dirty="0">
+                <a:solidFill>
+                  <a:schemeClr val="tx1">
+                    <a:lumMod val="75000"/>
+                    <a:lumOff val="25000"/>
+                  </a:schemeClr>
+                </a:solidFill>
+              </a:rPr>
+              <a:t> </a:t>
+            </a:r>
+            <a:r>
+              <a:rPr lang="en-US" dirty="0">
+                <a:solidFill>
+                  <a:schemeClr val="tx1">
+                    <a:lumMod val="75000"/>
+                    <a:lumOff val="25000"/>
+                  </a:schemeClr>
+                </a:solidFill>
+                <a:latin typeface="Palatino Linotype" panose="02040502050505030304" pitchFamily="18" charset="0"/>
+              </a:rPr>
+              <a:t>Define Artificial Intelligence</a:t>
+            </a:r>
+          </a:p>
+        </p:txBody>
+      </p:sp>
+      <p:sp>
+        <p:nvSpPr>
+          <p:cNvPr id="5" name="Content Placeholder 2">
+            <a:extLst>
+              <a:ext uri="{FF2B5EF4-FFF2-40B4-BE49-F238E27FC236}">
+                <a16:creationId xmlns:a16="http://schemas.microsoft.com/office/drawing/2014/main" id="{7070644F-62DF-8674-4A8A-C2FA1554028E}"/>
+              </a:ext>
+            </a:extLst>
+          </p:cNvPr>
+          <p:cNvSpPr txBox="1">
+            <a:spLocks/>
+          </p:cNvSpPr>
+          <p:nvPr/>
+        </p:nvSpPr>
+        <p:spPr>
+          <a:xfrm>
+            <a:off x="1013564" y="2464778"/>
+            <a:ext cx="10515600" cy="504215"/>
           </a:xfrm>
           <a:prstGeom prst="rect">
             <a:avLst/>
           </a:prstGeom>
-          <a:noFill/>
-          <a:ln>
-            <a:noFill/>
-          </a:ln>
         </p:spPr>
         <p:txBody>
-          <a:bodyPr wrap="square" lIns="90000" tIns="45000" rIns="90000" bIns="45000" anchorCtr="0" compatLnSpc="0">
-            <a:spAutoFit/>
+          <a:bodyPr vert="horz" lIns="91440" tIns="45720" rIns="91440" bIns="45720" rtlCol="0">
+            <a:normAutofit/>
           </a:bodyPr>
-          <a:lstStyle/>
-          <a:p>
-            <a:pPr marL="0" marR="0" lvl="0" indent="0" algn="ctr" hangingPunct="0">
+          <a:lstStyle>
+            <a:lvl1pPr marL="228600" indent="-228600" algn="l" defTabSz="914400" rtl="0" eaLnBrk="1" latinLnBrk="0" hangingPunct="1">
               <a:lnSpc>
-                <a:spcPct val="100000"/>
+                <a:spcPct val="90000"/>
               </a:lnSpc>
               <a:spcBef>
-                <a:spcPts val="0"/>
+                <a:spcPts val="1000"/>
               </a:spcBef>
-              <a:spcAft>
-                <a:spcPts val="1440"/>
-              </a:spcAft>
-              <a:buSzPct val="45000"/>
-              <a:tabLst/>
-            </a:pPr>
-            <a:r>
-              <a:rPr lang="en-US" sz="2400" dirty="0">
-                <a:latin typeface="Palatino Linotype" panose="02040502050505030304" pitchFamily="18" charset="0"/>
-                <a:ea typeface="Arial" pitchFamily="34"/>
-                <a:cs typeface="Arial" pitchFamily="34"/>
-              </a:rPr>
-              <a:t>Artificial Intelligence Defined</a:t>
-            </a:r>
-            <a:endParaRPr lang="en-US" sz="2400" b="0" i="0" u="none" strike="noStrike" kern="1200" cap="none" dirty="0">
-              <a:ln>
-                <a:noFill/>
-              </a:ln>
-              <a:latin typeface="Palatino Linotype" panose="02040502050505030304" pitchFamily="18" charset="0"/>
-              <a:ea typeface="Arial" pitchFamily="34"/>
-              <a:cs typeface="Arial" pitchFamily="34"/>
-            </a:endParaRPr>
-          </a:p>
-          <a:p>
-            <a:pPr marL="0" marR="0" lvl="0" indent="0" algn="ctr" hangingPunct="0">
+              <a:buFont typeface="Arial" panose="020B0604020202020204" pitchFamily="34" charset="0"/>
+              <a:buChar char="•"/>
+              <a:defRPr sz="2800" kern="1200">
+                <a:solidFill>
+                  <a:schemeClr val="tx1"/>
+                </a:solidFill>
+                <a:latin typeface="+mn-lt"/>
+                <a:ea typeface="+mn-ea"/>
+                <a:cs typeface="+mn-cs"/>
+              </a:defRPr>
+            </a:lvl1pPr>
+            <a:lvl2pPr marL="685800" indent="-228600" algn="l" defTabSz="914400" rtl="0" eaLnBrk="1" latinLnBrk="0" hangingPunct="1">
               <a:lnSpc>
-                <a:spcPct val="100000"/>
+                <a:spcPct val="90000"/>
               </a:lnSpc>
               <a:spcBef>
-                <a:spcPts val="0"/>
+                <a:spcPts val="500"/>
               </a:spcBef>
-              <a:spcAft>
-                <a:spcPts val="1440"/>
-              </a:spcAft>
-              <a:buSzPct val="45000"/>
-              <a:tabLst/>
-            </a:pPr>
-            <a:r>
-              <a:rPr lang="en-US" sz="2400" b="0" i="0" u="none" strike="noStrike" kern="1200" cap="none" dirty="0">
-                <a:ln>
-                  <a:noFill/>
-                </a:ln>
-                <a:latin typeface="Palatino Linotype" panose="02040502050505030304" pitchFamily="18" charset="0"/>
-                <a:ea typeface="Arial" pitchFamily="34"/>
-                <a:cs typeface="Arial" pitchFamily="34"/>
-              </a:rPr>
-              <a:t>How do Machines Learn</a:t>
-            </a:r>
-          </a:p>
-          <a:p>
-            <a:pPr marL="0" marR="0" lvl="0" indent="0" algn="ctr" hangingPunct="0">
+              <a:buFont typeface="Arial" panose="020B0604020202020204" pitchFamily="34" charset="0"/>
+              <a:buChar char="•"/>
+              <a:defRPr sz="2400" kern="1200">
+                <a:solidFill>
+                  <a:schemeClr val="tx1"/>
+                </a:solidFill>
+                <a:latin typeface="+mn-lt"/>
+                <a:ea typeface="+mn-ea"/>
+                <a:cs typeface="+mn-cs"/>
+              </a:defRPr>
+            </a:lvl2pPr>
+            <a:lvl3pPr marL="1143000" indent="-228600" algn="l" defTabSz="914400" rtl="0" eaLnBrk="1" latinLnBrk="0" hangingPunct="1">
               <a:lnSpc>
-                <a:spcPct val="100000"/>
+                <a:spcPct val="90000"/>
               </a:lnSpc>
               <a:spcBef>
-                <a:spcPts val="0"/>
+                <a:spcPts val="500"/>
               </a:spcBef>
-              <a:spcAft>
-                <a:spcPts val="1440"/>
-              </a:spcAft>
-              <a:buSzPct val="45000"/>
-              <a:tabLst/>
+              <a:buFont typeface="Arial" panose="020B0604020202020204" pitchFamily="34" charset="0"/>
+              <a:buChar char="•"/>
+              <a:defRPr sz="2000" kern="1200">
+                <a:solidFill>
+                  <a:schemeClr val="tx1"/>
+                </a:solidFill>
+                <a:latin typeface="+mn-lt"/>
+                <a:ea typeface="+mn-ea"/>
+                <a:cs typeface="+mn-cs"/>
+              </a:defRPr>
+            </a:lvl3pPr>
+            <a:lvl4pPr marL="1600200" indent="-228600" algn="l" defTabSz="914400" rtl="0" eaLnBrk="1" latinLnBrk="0" hangingPunct="1">
+              <a:lnSpc>
+                <a:spcPct val="90000"/>
+              </a:lnSpc>
+              <a:spcBef>
+                <a:spcPts val="500"/>
+              </a:spcBef>
+              <a:buFont typeface="Arial" panose="020B0604020202020204" pitchFamily="34" charset="0"/>
+              <a:buChar char="•"/>
+              <a:defRPr sz="1800" kern="1200">
+                <a:solidFill>
+                  <a:schemeClr val="tx1"/>
+                </a:solidFill>
+                <a:latin typeface="+mn-lt"/>
+                <a:ea typeface="+mn-ea"/>
+                <a:cs typeface="+mn-cs"/>
+              </a:defRPr>
+            </a:lvl4pPr>
+            <a:lvl5pPr marL="2057400" indent="-228600" algn="l" defTabSz="914400" rtl="0" eaLnBrk="1" latinLnBrk="0" hangingPunct="1">
+              <a:lnSpc>
+                <a:spcPct val="90000"/>
+              </a:lnSpc>
+              <a:spcBef>
+                <a:spcPts val="500"/>
+              </a:spcBef>
+              <a:buFont typeface="Arial" panose="020B0604020202020204" pitchFamily="34" charset="0"/>
+              <a:buChar char="•"/>
+              <a:defRPr sz="1800" kern="1200">
+                <a:solidFill>
+                  <a:schemeClr val="tx1"/>
+                </a:solidFill>
+                <a:latin typeface="+mn-lt"/>
+                <a:ea typeface="+mn-ea"/>
+                <a:cs typeface="+mn-cs"/>
+              </a:defRPr>
+            </a:lvl5pPr>
+            <a:lvl6pPr marL="2514600" indent="-228600" algn="l" defTabSz="914400" rtl="0" eaLnBrk="1" latinLnBrk="0" hangingPunct="1">
+              <a:lnSpc>
+                <a:spcPct val="90000"/>
+              </a:lnSpc>
+              <a:spcBef>
+                <a:spcPts val="500"/>
+              </a:spcBef>
+              <a:buFont typeface="Arial" panose="020B0604020202020204" pitchFamily="34" charset="0"/>
+              <a:buChar char="•"/>
+              <a:defRPr sz="1800" kern="1200">
+                <a:solidFill>
+                  <a:schemeClr val="tx1"/>
+                </a:solidFill>
+                <a:latin typeface="+mn-lt"/>
+                <a:ea typeface="+mn-ea"/>
+                <a:cs typeface="+mn-cs"/>
+              </a:defRPr>
+            </a:lvl6pPr>
+            <a:lvl7pPr marL="2971800" indent="-228600" algn="l" defTabSz="914400" rtl="0" eaLnBrk="1" latinLnBrk="0" hangingPunct="1">
+              <a:lnSpc>
+                <a:spcPct val="90000"/>
+              </a:lnSpc>
+              <a:spcBef>
+                <a:spcPts val="500"/>
+              </a:spcBef>
+              <a:buFont typeface="Arial" panose="020B0604020202020204" pitchFamily="34" charset="0"/>
+              <a:buChar char="•"/>
+              <a:defRPr sz="1800" kern="1200">
+                <a:solidFill>
+                  <a:schemeClr val="tx1"/>
+                </a:solidFill>
+                <a:latin typeface="+mn-lt"/>
+                <a:ea typeface="+mn-ea"/>
+                <a:cs typeface="+mn-cs"/>
+              </a:defRPr>
+            </a:lvl7pPr>
+            <a:lvl8pPr marL="3429000" indent="-228600" algn="l" defTabSz="914400" rtl="0" eaLnBrk="1" latinLnBrk="0" hangingPunct="1">
+              <a:lnSpc>
+                <a:spcPct val="90000"/>
+              </a:lnSpc>
+              <a:spcBef>
+                <a:spcPts val="500"/>
+              </a:spcBef>
+              <a:buFont typeface="Arial" panose="020B0604020202020204" pitchFamily="34" charset="0"/>
+              <a:buChar char="•"/>
+              <a:defRPr sz="1800" kern="1200">
+                <a:solidFill>
+                  <a:schemeClr val="tx1"/>
+                </a:solidFill>
+                <a:latin typeface="+mn-lt"/>
+                <a:ea typeface="+mn-ea"/>
+                <a:cs typeface="+mn-cs"/>
+              </a:defRPr>
+            </a:lvl8pPr>
+            <a:lvl9pPr marL="3886200" indent="-228600" algn="l" defTabSz="914400" rtl="0" eaLnBrk="1" latinLnBrk="0" hangingPunct="1">
+              <a:lnSpc>
+                <a:spcPct val="90000"/>
+              </a:lnSpc>
+              <a:spcBef>
+                <a:spcPts val="500"/>
+              </a:spcBef>
+              <a:buFont typeface="Arial" panose="020B0604020202020204" pitchFamily="34" charset="0"/>
+              <a:buChar char="•"/>
+              <a:defRPr sz="1800" kern="1200">
+                <a:solidFill>
+                  <a:schemeClr val="tx1"/>
+                </a:solidFill>
+                <a:latin typeface="+mn-lt"/>
+                <a:ea typeface="+mn-ea"/>
+                <a:cs typeface="+mn-cs"/>
+              </a:defRPr>
+            </a:lvl9pPr>
+          </a:lstStyle>
+          <a:p>
+            <a:pPr>
+              <a:buFont typeface="Wingdings" panose="05000000000000000000" pitchFamily="2" charset="2"/>
+              <a:buChar char="Ø"/>
             </a:pPr>
-            <a:r>
-              <a:rPr lang="en-US" sz="2400" dirty="0">
-                <a:latin typeface="Palatino Linotype" panose="02040502050505030304" pitchFamily="18" charset="0"/>
-                <a:ea typeface="Arial" pitchFamily="34"/>
-                <a:cs typeface="Arial" pitchFamily="34"/>
-              </a:rPr>
-              <a:t>Google Teachable Machine</a:t>
-            </a:r>
-            <a:endParaRPr lang="en-US" sz="2400" b="0" i="0" u="none" strike="noStrike" kern="1200" cap="none" dirty="0">
-              <a:ln>
-                <a:noFill/>
-              </a:ln>
-              <a:latin typeface="Palatino Linotype" panose="02040502050505030304" pitchFamily="18" charset="0"/>
-              <a:ea typeface="Arial" pitchFamily="34"/>
-              <a:cs typeface="Arial" pitchFamily="34"/>
-            </a:endParaRPr>
-          </a:p>
-        </p:txBody>
-      </p:sp>
-      <p:sp>
-        <p:nvSpPr>
-          <p:cNvPr id="9" name="Title 1">
-            <a:extLst>
-              <a:ext uri="{FF2B5EF4-FFF2-40B4-BE49-F238E27FC236}">
-                <a16:creationId xmlns:a16="http://schemas.microsoft.com/office/drawing/2014/main" id="{42D73CB9-F53A-41D3-8938-9B80A08BC0F9}"/>
-              </a:ext>
-            </a:extLst>
-          </p:cNvPr>
-          <p:cNvSpPr>
-            <a:spLocks noGrp="1"/>
-          </p:cNvSpPr>
-          <p:nvPr>
-            <p:ph type="title"/>
-          </p:nvPr>
-        </p:nvSpPr>
-        <p:spPr>
-          <a:xfrm>
-            <a:off x="838200" y="194837"/>
-            <a:ext cx="10515600" cy="1500188"/>
-          </a:xfrm>
-          <a:noFill/>
-        </p:spPr>
-        <p:txBody>
-          <a:bodyPr>
-            <a:normAutofit/>
-          </a:bodyPr>
-          <a:lstStyle/>
-          <a:p>
-            <a:pPr algn="ctr"/>
             <a:r>
               <a:rPr lang="en-US" dirty="0">
                 <a:solidFill>
@@ -10369,10 +10118,242 @@
                     <a:lumOff val="25000"/>
                   </a:schemeClr>
                 </a:solidFill>
+              </a:rPr>
+              <a:t> </a:t>
+            </a:r>
+            <a:r>
+              <a:rPr lang="en-US" dirty="0">
+                <a:solidFill>
+                  <a:schemeClr val="tx1">
+                    <a:lumMod val="75000"/>
+                    <a:lumOff val="25000"/>
+                  </a:schemeClr>
+                </a:solidFill>
                 <a:latin typeface="Palatino Linotype" panose="02040502050505030304" pitchFamily="18" charset="0"/>
-                <a:cs typeface="Segoe UI Light" panose="020B0502040204020203" pitchFamily="34" charset="0"/>
-              </a:rPr>
-              <a:t>Agenda</a:t>
+              </a:rPr>
+              <a:t>How do Machines Learn</a:t>
+            </a:r>
+          </a:p>
+        </p:txBody>
+      </p:sp>
+      <p:sp>
+        <p:nvSpPr>
+          <p:cNvPr id="6" name="Content Placeholder 2">
+            <a:extLst>
+              <a:ext uri="{FF2B5EF4-FFF2-40B4-BE49-F238E27FC236}">
+                <a16:creationId xmlns:a16="http://schemas.microsoft.com/office/drawing/2014/main" id="{FF2490E1-D7A0-7027-6DCC-60BB6819CD9E}"/>
+              </a:ext>
+            </a:extLst>
+          </p:cNvPr>
+          <p:cNvSpPr txBox="1">
+            <a:spLocks/>
+          </p:cNvSpPr>
+          <p:nvPr/>
+        </p:nvSpPr>
+        <p:spPr>
+          <a:xfrm>
+            <a:off x="1013564" y="3103930"/>
+            <a:ext cx="10515600" cy="504215"/>
+          </a:xfrm>
+          <a:prstGeom prst="rect">
+            <a:avLst/>
+          </a:prstGeom>
+        </p:spPr>
+        <p:txBody>
+          <a:bodyPr vert="horz" lIns="91440" tIns="45720" rIns="91440" bIns="45720" rtlCol="0">
+            <a:normAutofit/>
+          </a:bodyPr>
+          <a:lstStyle>
+            <a:lvl1pPr marL="228600" indent="-228600" algn="l" defTabSz="914400" rtl="0" eaLnBrk="1" latinLnBrk="0" hangingPunct="1">
+              <a:lnSpc>
+                <a:spcPct val="90000"/>
+              </a:lnSpc>
+              <a:spcBef>
+                <a:spcPts val="1000"/>
+              </a:spcBef>
+              <a:buFont typeface="Arial" panose="020B0604020202020204" pitchFamily="34" charset="0"/>
+              <a:buChar char="•"/>
+              <a:defRPr sz="2800" kern="1200">
+                <a:solidFill>
+                  <a:schemeClr val="tx1"/>
+                </a:solidFill>
+                <a:latin typeface="+mn-lt"/>
+                <a:ea typeface="+mn-ea"/>
+                <a:cs typeface="+mn-cs"/>
+              </a:defRPr>
+            </a:lvl1pPr>
+            <a:lvl2pPr marL="685800" indent="-228600" algn="l" defTabSz="914400" rtl="0" eaLnBrk="1" latinLnBrk="0" hangingPunct="1">
+              <a:lnSpc>
+                <a:spcPct val="90000"/>
+              </a:lnSpc>
+              <a:spcBef>
+                <a:spcPts val="500"/>
+              </a:spcBef>
+              <a:buFont typeface="Arial" panose="020B0604020202020204" pitchFamily="34" charset="0"/>
+              <a:buChar char="•"/>
+              <a:defRPr sz="2400" kern="1200">
+                <a:solidFill>
+                  <a:schemeClr val="tx1"/>
+                </a:solidFill>
+                <a:latin typeface="+mn-lt"/>
+                <a:ea typeface="+mn-ea"/>
+                <a:cs typeface="+mn-cs"/>
+              </a:defRPr>
+            </a:lvl2pPr>
+            <a:lvl3pPr marL="1143000" indent="-228600" algn="l" defTabSz="914400" rtl="0" eaLnBrk="1" latinLnBrk="0" hangingPunct="1">
+              <a:lnSpc>
+                <a:spcPct val="90000"/>
+              </a:lnSpc>
+              <a:spcBef>
+                <a:spcPts val="500"/>
+              </a:spcBef>
+              <a:buFont typeface="Arial" panose="020B0604020202020204" pitchFamily="34" charset="0"/>
+              <a:buChar char="•"/>
+              <a:defRPr sz="2000" kern="1200">
+                <a:solidFill>
+                  <a:schemeClr val="tx1"/>
+                </a:solidFill>
+                <a:latin typeface="+mn-lt"/>
+                <a:ea typeface="+mn-ea"/>
+                <a:cs typeface="+mn-cs"/>
+              </a:defRPr>
+            </a:lvl3pPr>
+            <a:lvl4pPr marL="1600200" indent="-228600" algn="l" defTabSz="914400" rtl="0" eaLnBrk="1" latinLnBrk="0" hangingPunct="1">
+              <a:lnSpc>
+                <a:spcPct val="90000"/>
+              </a:lnSpc>
+              <a:spcBef>
+                <a:spcPts val="500"/>
+              </a:spcBef>
+              <a:buFont typeface="Arial" panose="020B0604020202020204" pitchFamily="34" charset="0"/>
+              <a:buChar char="•"/>
+              <a:defRPr sz="1800" kern="1200">
+                <a:solidFill>
+                  <a:schemeClr val="tx1"/>
+                </a:solidFill>
+                <a:latin typeface="+mn-lt"/>
+                <a:ea typeface="+mn-ea"/>
+                <a:cs typeface="+mn-cs"/>
+              </a:defRPr>
+            </a:lvl4pPr>
+            <a:lvl5pPr marL="2057400" indent="-228600" algn="l" defTabSz="914400" rtl="0" eaLnBrk="1" latinLnBrk="0" hangingPunct="1">
+              <a:lnSpc>
+                <a:spcPct val="90000"/>
+              </a:lnSpc>
+              <a:spcBef>
+                <a:spcPts val="500"/>
+              </a:spcBef>
+              <a:buFont typeface="Arial" panose="020B0604020202020204" pitchFamily="34" charset="0"/>
+              <a:buChar char="•"/>
+              <a:defRPr sz="1800" kern="1200">
+                <a:solidFill>
+                  <a:schemeClr val="tx1"/>
+                </a:solidFill>
+                <a:latin typeface="+mn-lt"/>
+                <a:ea typeface="+mn-ea"/>
+                <a:cs typeface="+mn-cs"/>
+              </a:defRPr>
+            </a:lvl5pPr>
+            <a:lvl6pPr marL="2514600" indent="-228600" algn="l" defTabSz="914400" rtl="0" eaLnBrk="1" latinLnBrk="0" hangingPunct="1">
+              <a:lnSpc>
+                <a:spcPct val="90000"/>
+              </a:lnSpc>
+              <a:spcBef>
+                <a:spcPts val="500"/>
+              </a:spcBef>
+              <a:buFont typeface="Arial" panose="020B0604020202020204" pitchFamily="34" charset="0"/>
+              <a:buChar char="•"/>
+              <a:defRPr sz="1800" kern="1200">
+                <a:solidFill>
+                  <a:schemeClr val="tx1"/>
+                </a:solidFill>
+                <a:latin typeface="+mn-lt"/>
+                <a:ea typeface="+mn-ea"/>
+                <a:cs typeface="+mn-cs"/>
+              </a:defRPr>
+            </a:lvl6pPr>
+            <a:lvl7pPr marL="2971800" indent="-228600" algn="l" defTabSz="914400" rtl="0" eaLnBrk="1" latinLnBrk="0" hangingPunct="1">
+              <a:lnSpc>
+                <a:spcPct val="90000"/>
+              </a:lnSpc>
+              <a:spcBef>
+                <a:spcPts val="500"/>
+              </a:spcBef>
+              <a:buFont typeface="Arial" panose="020B0604020202020204" pitchFamily="34" charset="0"/>
+              <a:buChar char="•"/>
+              <a:defRPr sz="1800" kern="1200">
+                <a:solidFill>
+                  <a:schemeClr val="tx1"/>
+                </a:solidFill>
+                <a:latin typeface="+mn-lt"/>
+                <a:ea typeface="+mn-ea"/>
+                <a:cs typeface="+mn-cs"/>
+              </a:defRPr>
+            </a:lvl7pPr>
+            <a:lvl8pPr marL="3429000" indent="-228600" algn="l" defTabSz="914400" rtl="0" eaLnBrk="1" latinLnBrk="0" hangingPunct="1">
+              <a:lnSpc>
+                <a:spcPct val="90000"/>
+              </a:lnSpc>
+              <a:spcBef>
+                <a:spcPts val="500"/>
+              </a:spcBef>
+              <a:buFont typeface="Arial" panose="020B0604020202020204" pitchFamily="34" charset="0"/>
+              <a:buChar char="•"/>
+              <a:defRPr sz="1800" kern="1200">
+                <a:solidFill>
+                  <a:schemeClr val="tx1"/>
+                </a:solidFill>
+                <a:latin typeface="+mn-lt"/>
+                <a:ea typeface="+mn-ea"/>
+                <a:cs typeface="+mn-cs"/>
+              </a:defRPr>
+            </a:lvl8pPr>
+            <a:lvl9pPr marL="3886200" indent="-228600" algn="l" defTabSz="914400" rtl="0" eaLnBrk="1" latinLnBrk="0" hangingPunct="1">
+              <a:lnSpc>
+                <a:spcPct val="90000"/>
+              </a:lnSpc>
+              <a:spcBef>
+                <a:spcPts val="500"/>
+              </a:spcBef>
+              <a:buFont typeface="Arial" panose="020B0604020202020204" pitchFamily="34" charset="0"/>
+              <a:buChar char="•"/>
+              <a:defRPr sz="1800" kern="1200">
+                <a:solidFill>
+                  <a:schemeClr val="tx1"/>
+                </a:solidFill>
+                <a:latin typeface="+mn-lt"/>
+                <a:ea typeface="+mn-ea"/>
+                <a:cs typeface="+mn-cs"/>
+              </a:defRPr>
+            </a:lvl9pPr>
+          </a:lstStyle>
+          <a:p>
+            <a:pPr>
+              <a:buFont typeface="Wingdings" panose="05000000000000000000" pitchFamily="2" charset="2"/>
+              <a:buChar char="Ø"/>
+            </a:pPr>
+            <a:r>
+              <a:rPr lang="en-US" dirty="0">
+                <a:solidFill>
+                  <a:schemeClr val="tx1">
+                    <a:lumMod val="75000"/>
+                    <a:lumOff val="25000"/>
+                  </a:schemeClr>
+                </a:solidFill>
+              </a:rPr>
+              <a:t> </a:t>
+            </a:r>
+            <a:r>
+              <a:rPr lang="en-US" dirty="0">
+                <a:solidFill>
+                  <a:schemeClr val="tx1">
+                    <a:lumMod val="75000"/>
+                    <a:lumOff val="25000"/>
+                  </a:schemeClr>
+                </a:solidFill>
+                <a:latin typeface="Palatino Linotype" panose="02040502050505030304" pitchFamily="18" charset="0"/>
+              </a:rPr>
+              <a:t>Google Teachable Machine</a:t>
             </a:r>
           </a:p>
         </p:txBody>
@@ -10380,25 +10361,13 @@
     </p:spTree>
     <p:extLst>
       <p:ext uri="{BB962C8B-B14F-4D97-AF65-F5344CB8AC3E}">
-        <p14:creationId xmlns:p14="http://schemas.microsoft.com/office/powerpoint/2010/main" val="3332743636"/>
+        <p14:creationId xmlns:p14="http://schemas.microsoft.com/office/powerpoint/2010/main" val="1416141381"/>
       </p:ext>
     </p:extLst>
   </p:cSld>
   <p:clrMapOvr>
     <a:masterClrMapping/>
   </p:clrMapOvr>
-  <mc:AlternateContent xmlns:mc="http://schemas.openxmlformats.org/markup-compatibility/2006" xmlns:p14="http://schemas.microsoft.com/office/powerpoint/2010/main">
-    <mc:Choice Requires="p14">
-      <p:transition spd="med" p14:dur="700">
-        <p:fade/>
-      </p:transition>
-    </mc:Choice>
-    <mc:Fallback xmlns="">
-      <p:transition spd="med">
-        <p:fade/>
-      </p:transition>
-    </mc:Fallback>
-  </mc:AlternateContent>
 </p:sld>
 </file>
 
@@ -11841,53 +11810,6 @@
           </a:p>
         </p:txBody>
       </p:sp>
-      <p:pic>
-        <p:nvPicPr>
-          <p:cNvPr id="4" name="Picture 6">
-            <a:extLst>
-              <a:ext uri="{FF2B5EF4-FFF2-40B4-BE49-F238E27FC236}">
-                <a16:creationId xmlns:a16="http://schemas.microsoft.com/office/drawing/2014/main" id="{1CEFEF10-D6B0-460E-8333-8C8F56AFAEA5}"/>
-              </a:ext>
-            </a:extLst>
-          </p:cNvPr>
-          <p:cNvPicPr>
-            <a:picLocks noChangeAspect="1" noChangeArrowheads="1"/>
-          </p:cNvPicPr>
-          <p:nvPr/>
-        </p:nvPicPr>
-        <p:blipFill>
-          <a:blip r:embed="rId3">
-            <a:extLst>
-              <a:ext uri="{28A0092B-C50C-407E-A947-70E740481C1C}">
-                <a14:useLocalDpi xmlns:a14="http://schemas.microsoft.com/office/drawing/2010/main" val="0"/>
-              </a:ext>
-            </a:extLst>
-          </a:blip>
-          <a:srcRect/>
-          <a:stretch>
-            <a:fillRect/>
-          </a:stretch>
-        </p:blipFill>
-        <p:spPr bwMode="auto">
-          <a:xfrm>
-            <a:off x="2134429" y="3429000"/>
-            <a:ext cx="2402237" cy="2402237"/>
-          </a:xfrm>
-          <a:prstGeom prst="rect">
-            <a:avLst/>
-          </a:prstGeom>
-          <a:noFill/>
-          <a:extLst>
-            <a:ext uri="{909E8E84-426E-40DD-AFC4-6F175D3DCCD1}">
-              <a14:hiddenFill xmlns:a14="http://schemas.microsoft.com/office/drawing/2010/main">
-                <a:solidFill>
-                  <a:srgbClr val="FFFFFF"/>
-                </a:solidFill>
-              </a14:hiddenFill>
-            </a:ext>
-          </a:extLst>
-        </p:spPr>
-      </p:pic>
     </p:spTree>
     <p:extLst>
       <p:ext uri="{BB962C8B-B14F-4D97-AF65-F5344CB8AC3E}">

--- a/presentations/02.1_ai_intro.pptx
+++ b/presentations/02.1_ai_intro.pptx
@@ -12,13 +12,13 @@
     <p:sldId id="352" r:id="rId3"/>
     <p:sldId id="332" r:id="rId4"/>
     <p:sldId id="324" r:id="rId5"/>
-    <p:sldId id="336" r:id="rId6"/>
-    <p:sldId id="334" r:id="rId7"/>
-    <p:sldId id="335" r:id="rId8"/>
-    <p:sldId id="281" r:id="rId9"/>
-    <p:sldId id="301" r:id="rId10"/>
-    <p:sldId id="323" r:id="rId11"/>
-    <p:sldId id="316" r:id="rId12"/>
+    <p:sldId id="337" r:id="rId6"/>
+    <p:sldId id="336" r:id="rId7"/>
+    <p:sldId id="334" r:id="rId8"/>
+    <p:sldId id="335" r:id="rId9"/>
+    <p:sldId id="281" r:id="rId10"/>
+    <p:sldId id="353" r:id="rId11"/>
+    <p:sldId id="323" r:id="rId12"/>
     <p:sldId id="310" r:id="rId13"/>
     <p:sldId id="307" r:id="rId14"/>
     <p:sldId id="308" r:id="rId15"/>
@@ -30,7 +30,7 @@
     <p:sldId id="304" r:id="rId21"/>
   </p:sldIdLst>
   <p:sldSz cx="12192000" cy="6858000"/>
-  <p:notesSz cx="6858000" cy="9144000"/>
+  <p:notesSz cx="7023100" cy="9309100"/>
   <p:defaultTextStyle>
     <a:defPPr>
       <a:defRPr lang="en-US"/>
@@ -180,14 +180,14 @@
         <p:spPr>
           <a:xfrm>
             <a:off x="0" y="0"/>
-            <a:ext cx="2971800" cy="458788"/>
+            <a:ext cx="3043343" cy="467072"/>
           </a:xfrm>
           <a:prstGeom prst="rect">
             <a:avLst/>
           </a:prstGeom>
         </p:spPr>
         <p:txBody>
-          <a:bodyPr vert="horz" lIns="91440" tIns="45720" rIns="91440" bIns="45720" rtlCol="0"/>
+          <a:bodyPr vert="horz" lIns="93324" tIns="46662" rIns="93324" bIns="46662" rtlCol="0"/>
           <a:lstStyle>
             <a:lvl1pPr algn="l">
               <a:defRPr sz="1200"/>
@@ -210,15 +210,15 @@
         </p:nvSpPr>
         <p:spPr>
           <a:xfrm>
-            <a:off x="3884613" y="0"/>
-            <a:ext cx="2971800" cy="458788"/>
+            <a:off x="3978132" y="0"/>
+            <a:ext cx="3043343" cy="467072"/>
           </a:xfrm>
           <a:prstGeom prst="rect">
             <a:avLst/>
           </a:prstGeom>
         </p:spPr>
         <p:txBody>
-          <a:bodyPr vert="horz" lIns="91440" tIns="45720" rIns="91440" bIns="45720" rtlCol="0"/>
+          <a:bodyPr vert="horz" lIns="93324" tIns="46662" rIns="93324" bIns="46662" rtlCol="0"/>
           <a:lstStyle>
             <a:lvl1pPr algn="r">
               <a:defRPr sz="1200"/>
@@ -227,7 +227,7 @@
           <a:p>
             <a:fld id="{FD93C9B2-20F6-4DB1-B471-224337D0AC79}" type="datetimeFigureOut">
               <a:rPr lang="en-US" smtClean="0"/>
-              <a:t>8/31/2022</a:t>
+              <a:t>9/13/2022</a:t>
             </a:fld>
             <a:endParaRPr lang="en-US"/>
           </a:p>
@@ -245,8 +245,8 @@
         </p:nvSpPr>
         <p:spPr>
           <a:xfrm>
-            <a:off x="685800" y="1143000"/>
-            <a:ext cx="5486400" cy="3086100"/>
+            <a:off x="719138" y="1163638"/>
+            <a:ext cx="5584825" cy="3141662"/>
           </a:xfrm>
           <a:prstGeom prst="rect">
             <a:avLst/>
@@ -259,7 +259,7 @@
           </a:ln>
         </p:spPr>
         <p:txBody>
-          <a:bodyPr vert="horz" lIns="91440" tIns="45720" rIns="91440" bIns="45720" rtlCol="0" anchor="ctr"/>
+          <a:bodyPr vert="horz" lIns="93324" tIns="46662" rIns="93324" bIns="46662" rtlCol="0" anchor="ctr"/>
           <a:lstStyle/>
           <a:p>
             <a:endParaRPr lang="en-US"/>
@@ -278,15 +278,15 @@
         </p:nvSpPr>
         <p:spPr>
           <a:xfrm>
-            <a:off x="685800" y="4400550"/>
-            <a:ext cx="5486400" cy="3600450"/>
+            <a:off x="702310" y="4480004"/>
+            <a:ext cx="5618480" cy="3665458"/>
           </a:xfrm>
           <a:prstGeom prst="rect">
             <a:avLst/>
           </a:prstGeom>
         </p:spPr>
         <p:txBody>
-          <a:bodyPr vert="horz" lIns="91440" tIns="45720" rIns="91440" bIns="45720" rtlCol="0"/>
+          <a:bodyPr vert="horz" lIns="93324" tIns="46662" rIns="93324" bIns="46662" rtlCol="0"/>
           <a:lstStyle/>
           <a:p>
             <a:pPr lvl="0"/>
@@ -337,15 +337,15 @@
         </p:nvSpPr>
         <p:spPr>
           <a:xfrm>
-            <a:off x="0" y="8685213"/>
-            <a:ext cx="2971800" cy="458787"/>
+            <a:off x="0" y="8842030"/>
+            <a:ext cx="3043343" cy="467071"/>
           </a:xfrm>
           <a:prstGeom prst="rect">
             <a:avLst/>
           </a:prstGeom>
         </p:spPr>
         <p:txBody>
-          <a:bodyPr vert="horz" lIns="91440" tIns="45720" rIns="91440" bIns="45720" rtlCol="0" anchor="b"/>
+          <a:bodyPr vert="horz" lIns="93324" tIns="46662" rIns="93324" bIns="46662" rtlCol="0" anchor="b"/>
           <a:lstStyle>
             <a:lvl1pPr algn="l">
               <a:defRPr sz="1200"/>
@@ -368,15 +368,15 @@
         </p:nvSpPr>
         <p:spPr>
           <a:xfrm>
-            <a:off x="3884613" y="8685213"/>
-            <a:ext cx="2971800" cy="458787"/>
+            <a:off x="3978132" y="8842030"/>
+            <a:ext cx="3043343" cy="467071"/>
           </a:xfrm>
           <a:prstGeom prst="rect">
             <a:avLst/>
           </a:prstGeom>
         </p:spPr>
         <p:txBody>
-          <a:bodyPr vert="horz" lIns="91440" tIns="45720" rIns="91440" bIns="45720" rtlCol="0" anchor="b"/>
+          <a:bodyPr vert="horz" lIns="93324" tIns="46662" rIns="93324" bIns="46662" rtlCol="0" anchor="b"/>
           <a:lstStyle>
             <a:lvl1pPr algn="r">
               <a:defRPr sz="1200"/>
@@ -538,21 +538,7 @@
           <a:bodyPr/>
           <a:lstStyle/>
           <a:p>
-            <a:pPr marL="0" marR="0" lvl="0" indent="0" algn="l" defTabSz="914400" rtl="0" eaLnBrk="1" fontAlgn="auto" latinLnBrk="0" hangingPunct="1">
-              <a:lnSpc>
-                <a:spcPct val="100000"/>
-              </a:lnSpc>
-              <a:spcBef>
-                <a:spcPts val="0"/>
-              </a:spcBef>
-              <a:spcAft>
-                <a:spcPts val="0"/>
-              </a:spcAft>
-              <a:buClrTx/>
-              <a:buSzTx/>
-              <a:buFontTx/>
-              <a:buNone/>
-              <a:tabLst/>
+            <a:pPr defTabSz="933237">
               <a:defRPr/>
             </a:pPr>
             <a:r>
@@ -654,18 +640,30 @@
           <a:bodyPr/>
           <a:lstStyle/>
           <a:p>
-            <a:r>
-              <a:rPr lang="en-US" sz="1200" b="0" i="0" kern="1200" dirty="0">
-                <a:solidFill>
-                  <a:schemeClr val="tx1"/>
-                </a:solidFill>
-                <a:effectLst/>
-                <a:latin typeface="+mn-lt"/>
-                <a:ea typeface="+mn-ea"/>
-                <a:cs typeface="+mn-cs"/>
-              </a:rPr>
-              <a:t>Interestingly, AI now enables auto-grading in a significant number of educational packages.  For example, Perusall – the popular social e-reader – uses an AI algorithm to grade the quality of written posts.  How would you like to have your posts graded by an algorithm?  It’s largely a black box, though the software does allow the instructors to adjust multiple settings.</a:t>
-            </a:r>
+            <a:pPr marL="0" marR="0" lvl="0" indent="0" algn="l" defTabSz="914400" rtl="0" eaLnBrk="1" fontAlgn="auto" latinLnBrk="0" hangingPunct="1">
+              <a:lnSpc>
+                <a:spcPct val="100000"/>
+              </a:lnSpc>
+              <a:spcBef>
+                <a:spcPts val="0"/>
+              </a:spcBef>
+              <a:spcAft>
+                <a:spcPts val="0"/>
+              </a:spcAft>
+              <a:buClrTx/>
+              <a:buSzTx/>
+              <a:buFontTx/>
+              <a:buNone/>
+              <a:tabLst/>
+              <a:defRPr/>
+            </a:pPr>
+            <a:r>
+              <a:rPr lang="en-US" dirty="0"/>
+              <a:t>https://app.wooclap.com/PRACTICUMAI?from=event-page</a:t>
+            </a:r>
+          </a:p>
+          <a:p>
+            <a:endParaRPr lang="en-US" dirty="0"/>
           </a:p>
         </p:txBody>
       </p:sp>
@@ -686,7 +684,7 @@
           <a:p>
             <a:fld id="{3148858F-F1DB-4027-9C85-CCA6849540DD}" type="slidenum">
               <a:rPr lang="en-US" smtClean="0"/>
-              <a:t>11</a:t>
+              <a:t>10</a:t>
             </a:fld>
             <a:endParaRPr lang="en-US"/>
           </a:p>
@@ -695,7 +693,7 @@
     </p:spTree>
     <p:extLst>
       <p:ext uri="{BB962C8B-B14F-4D97-AF65-F5344CB8AC3E}">
-        <p14:creationId xmlns:p14="http://schemas.microsoft.com/office/powerpoint/2010/main" val="3220379977"/>
+        <p14:creationId xmlns:p14="http://schemas.microsoft.com/office/powerpoint/2010/main" val="2393870311"/>
       </p:ext>
     </p:extLst>
   </p:cSld>
@@ -749,238 +747,25 @@
           <a:bodyPr/>
           <a:lstStyle/>
           <a:p>
-            <a:pPr marL="0" marR="0" lvl="0" indent="0" algn="l" defTabSz="914400" rtl="0" eaLnBrk="1" fontAlgn="auto" latinLnBrk="0" hangingPunct="1">
-              <a:lnSpc>
-                <a:spcPct val="100000"/>
-              </a:lnSpc>
-              <a:spcBef>
-                <a:spcPts val="0"/>
-              </a:spcBef>
-              <a:spcAft>
-                <a:spcPts val="0"/>
-              </a:spcAft>
-              <a:buClrTx/>
-              <a:buSzTx/>
-              <a:buFontTx/>
-              <a:buNone/>
-              <a:tabLst/>
+            <a:pPr defTabSz="933237">
               <a:defRPr/>
             </a:pPr>
             <a:r>
-              <a:rPr lang="en-US" sz="1200" b="0" i="0" u="none" strike="noStrike" kern="1200" cap="none" dirty="0">
-                <a:ln>
-                  <a:noFill/>
-                </a:ln>
-                <a:latin typeface="Arial" pitchFamily="34"/>
-                <a:ea typeface="Arial" pitchFamily="34"/>
-                <a:cs typeface="Arial" pitchFamily="34"/>
+              <a:rPr lang="en-US" dirty="0">
+                <a:latin typeface="Palatino Linotype" panose="02040502050505030304" pitchFamily="18" charset="0"/>
               </a:rPr>
-              <a:t>In last week’s class, we asked the question, “What is intelligence?  And what criteria would you use to assess whether an entity is intelligent?  This question is directly considered in a Star Trek: The Next Generation episode entitled “The Measure of a Man.” In this episode,  Data finds himself on trial for his life — not for a crime but simply for being.  Starfleet scientist Bruce Maddox wants to perform experiments on Data, but Data is worried he won't survive them. And when Maddox forces the issue, Data tries to resign his commission. Maddox argues Data is a machine – Starfleet property – and doesn't have the right to resign his commission, so Picard is forced to face-off against Riker in a legal proceeding to determine whether Data has sentience. He famously tells the judge, "Your Honor, Starfleet was founded to seek out new life." Then, pointing to Data, he says, "Well, there it sits.“   </a:t>
-            </a:r>
-          </a:p>
-          <a:p>
-            <a:pPr marL="0" marR="0" lvl="0" indent="0" algn="l" defTabSz="914400" rtl="0" eaLnBrk="1" fontAlgn="auto" latinLnBrk="0" hangingPunct="1">
-              <a:lnSpc>
-                <a:spcPct val="100000"/>
-              </a:lnSpc>
-              <a:spcBef>
-                <a:spcPts val="0"/>
-              </a:spcBef>
-              <a:spcAft>
-                <a:spcPts val="0"/>
-              </a:spcAft>
-              <a:buClrTx/>
-              <a:buSzTx/>
-              <a:buFontTx/>
-              <a:buNone/>
-              <a:tabLst/>
-              <a:defRPr/>
-            </a:pPr>
-            <a:endParaRPr lang="en-US" sz="1200" b="0" i="0" u="none" strike="noStrike" kern="1200" cap="none" dirty="0">
-              <a:ln>
-                <a:noFill/>
-              </a:ln>
-              <a:latin typeface="Arial" pitchFamily="34"/>
-              <a:ea typeface="Arial" pitchFamily="34"/>
-              <a:cs typeface="Arial" pitchFamily="34"/>
+              <a:t>Hello and welcome to our class (Frontiers of AI).  So, let’s start with Course goals…</a:t>
+            </a:r>
+          </a:p>
+          <a:p>
+            <a:endParaRPr lang="en-US" dirty="0">
+              <a:latin typeface="Palatino Linotype" panose="02040502050505030304" pitchFamily="18" charset="0"/>
             </a:endParaRPr>
           </a:p>
           <a:p>
-            <a:pPr marL="0" marR="0" lvl="0" indent="0" algn="l" defTabSz="914400" rtl="0" eaLnBrk="1" fontAlgn="auto" latinLnBrk="0" hangingPunct="1">
-              <a:lnSpc>
-                <a:spcPct val="100000"/>
-              </a:lnSpc>
-              <a:spcBef>
-                <a:spcPts val="0"/>
-              </a:spcBef>
-              <a:spcAft>
-                <a:spcPts val="0"/>
-              </a:spcAft>
-              <a:buClrTx/>
-              <a:buSzTx/>
-              <a:buFontTx/>
-              <a:buNone/>
-              <a:tabLst/>
-              <a:defRPr/>
-            </a:pPr>
-            <a:r>
-              <a:rPr lang="en-US" sz="1200" b="0" i="0" u="none" strike="noStrike" kern="1200" cap="none" dirty="0">
-                <a:ln>
-                  <a:noFill/>
-                </a:ln>
-                <a:latin typeface="Arial" pitchFamily="34"/>
-                <a:ea typeface="Arial" pitchFamily="34"/>
-                <a:cs typeface="Arial" pitchFamily="34"/>
-              </a:rPr>
-              <a:t>As you can see, the question of what constitutes intelligence is important, and it lies at the heart of this emerging field.  For without a clear definition, how do we know when we have succeeded?</a:t>
-            </a:r>
-          </a:p>
-          <a:p>
-            <a:pPr marL="0" marR="0" lvl="0" indent="0" algn="l" defTabSz="914400" rtl="0" eaLnBrk="1" fontAlgn="auto" latinLnBrk="0" hangingPunct="1">
-              <a:lnSpc>
-                <a:spcPct val="100000"/>
-              </a:lnSpc>
-              <a:spcBef>
-                <a:spcPts val="0"/>
-              </a:spcBef>
-              <a:spcAft>
-                <a:spcPts val="0"/>
-              </a:spcAft>
-              <a:buClrTx/>
-              <a:buSzTx/>
-              <a:buFontTx/>
-              <a:buNone/>
-              <a:tabLst/>
-              <a:defRPr/>
-            </a:pPr>
-            <a:endParaRPr lang="en-US" sz="1200" b="0" i="0" kern="1200" dirty="0">
-              <a:solidFill>
-                <a:schemeClr val="tx1"/>
-              </a:solidFill>
-              <a:effectLst/>
-              <a:latin typeface="+mn-lt"/>
-              <a:ea typeface="+mn-ea"/>
-              <a:cs typeface="+mn-cs"/>
+            <a:endParaRPr lang="en-US" dirty="0">
+              <a:latin typeface="Palatino Linotype" panose="02040502050505030304" pitchFamily="18" charset="0"/>
             </a:endParaRPr>
-          </a:p>
-          <a:p>
-            <a:pPr marL="0" marR="0" lvl="0" indent="0" algn="l" defTabSz="914400" rtl="0" eaLnBrk="1" fontAlgn="auto" latinLnBrk="0" hangingPunct="1">
-              <a:lnSpc>
-                <a:spcPct val="100000"/>
-              </a:lnSpc>
-              <a:spcBef>
-                <a:spcPts val="0"/>
-              </a:spcBef>
-              <a:spcAft>
-                <a:spcPts val="0"/>
-              </a:spcAft>
-              <a:buClrTx/>
-              <a:buSzTx/>
-              <a:buFontTx/>
-              <a:buNone/>
-              <a:tabLst/>
-              <a:defRPr/>
-            </a:pPr>
-            <a:r>
-              <a:rPr lang="en-US" sz="1200" b="0" i="0" kern="1200" dirty="0">
-                <a:solidFill>
-                  <a:schemeClr val="tx1"/>
-                </a:solidFill>
-                <a:effectLst/>
-                <a:latin typeface="+mn-lt"/>
-                <a:ea typeface="+mn-ea"/>
-                <a:cs typeface="+mn-cs"/>
-              </a:rPr>
-              <a:t>At this point, I’d like to jump back in time to the 1950’s and consider how the definition of intelligence in this field has evolved over time.</a:t>
-            </a:r>
-          </a:p>
-          <a:p>
-            <a:pPr marL="0" marR="0" lvl="0" indent="0" algn="l" defTabSz="914400" rtl="0" eaLnBrk="1" fontAlgn="auto" latinLnBrk="0" hangingPunct="1">
-              <a:lnSpc>
-                <a:spcPct val="100000"/>
-              </a:lnSpc>
-              <a:spcBef>
-                <a:spcPts val="0"/>
-              </a:spcBef>
-              <a:spcAft>
-                <a:spcPts val="0"/>
-              </a:spcAft>
-              <a:buClrTx/>
-              <a:buSzTx/>
-              <a:buFontTx/>
-              <a:buNone/>
-              <a:tabLst/>
-              <a:defRPr/>
-            </a:pPr>
-            <a:endParaRPr lang="en-US" sz="1200" b="0" i="0" kern="1200" dirty="0">
-              <a:solidFill>
-                <a:schemeClr val="tx1"/>
-              </a:solidFill>
-              <a:effectLst/>
-              <a:latin typeface="+mn-lt"/>
-              <a:ea typeface="+mn-ea"/>
-              <a:cs typeface="+mn-cs"/>
-            </a:endParaRPr>
-          </a:p>
-          <a:p>
-            <a:pPr marL="0" marR="0" lvl="0" indent="0" algn="l" defTabSz="914400" rtl="0" eaLnBrk="1" fontAlgn="auto" latinLnBrk="0" hangingPunct="1">
-              <a:lnSpc>
-                <a:spcPct val="100000"/>
-              </a:lnSpc>
-              <a:spcBef>
-                <a:spcPts val="0"/>
-              </a:spcBef>
-              <a:spcAft>
-                <a:spcPts val="0"/>
-              </a:spcAft>
-              <a:buClrTx/>
-              <a:buSzTx/>
-              <a:buFontTx/>
-              <a:buNone/>
-              <a:tabLst/>
-              <a:defRPr/>
-            </a:pPr>
-            <a:endParaRPr lang="en-US" sz="1200" b="0" i="0" u="none" strike="noStrike" kern="1200" cap="none" dirty="0">
-              <a:ln>
-                <a:noFill/>
-              </a:ln>
-              <a:latin typeface="Arial" pitchFamily="34"/>
-              <a:ea typeface="Arial" pitchFamily="34"/>
-              <a:cs typeface="Arial" pitchFamily="34"/>
-            </a:endParaRPr>
-          </a:p>
-          <a:p>
-            <a:pPr marL="0" marR="0" lvl="0" indent="0" algn="l" defTabSz="914400" rtl="0" eaLnBrk="1" fontAlgn="auto" latinLnBrk="0" hangingPunct="1">
-              <a:lnSpc>
-                <a:spcPct val="100000"/>
-              </a:lnSpc>
-              <a:spcBef>
-                <a:spcPts val="0"/>
-              </a:spcBef>
-              <a:spcAft>
-                <a:spcPts val="0"/>
-              </a:spcAft>
-              <a:buClrTx/>
-              <a:buSzTx/>
-              <a:buFontTx/>
-              <a:buNone/>
-              <a:tabLst/>
-              <a:defRPr/>
-            </a:pPr>
-            <a:r>
-              <a:rPr lang="en-US" sz="1200" b="0" i="0" u="none" strike="noStrike" kern="1200" cap="none" dirty="0">
-                <a:ln>
-                  <a:noFill/>
-                </a:ln>
-                <a:latin typeface="Arial" pitchFamily="34"/>
-                <a:ea typeface="Arial" pitchFamily="34"/>
-                <a:cs typeface="Arial" pitchFamily="34"/>
-              </a:rPr>
-              <a:t>https://fineartamerica.com/featured/lieutenant-commander-data-star-trek-tng-giulia-riva.html</a:t>
-            </a:r>
-          </a:p>
-          <a:p>
-            <a:endParaRPr lang="en-US" dirty="0"/>
           </a:p>
         </p:txBody>
       </p:sp>
@@ -1001,7 +786,7 @@
           <a:p>
             <a:fld id="{3148858F-F1DB-4027-9C85-CCA6849540DD}" type="slidenum">
               <a:rPr lang="en-US" smtClean="0"/>
-              <a:t>12</a:t>
+              <a:t>11</a:t>
             </a:fld>
             <a:endParaRPr lang="en-US"/>
           </a:p>
@@ -1010,7 +795,7 @@
     </p:spTree>
     <p:extLst>
       <p:ext uri="{BB962C8B-B14F-4D97-AF65-F5344CB8AC3E}">
-        <p14:creationId xmlns:p14="http://schemas.microsoft.com/office/powerpoint/2010/main" val="3136242698"/>
+        <p14:creationId xmlns:p14="http://schemas.microsoft.com/office/powerpoint/2010/main" val="246808038"/>
       </p:ext>
     </p:extLst>
   </p:cSld>
@@ -1039,353 +824,201 @@
       </p:grpSpPr>
       <p:sp>
         <p:nvSpPr>
-          <p:cNvPr id="7" name="Slide Number Placeholder 6">
-            <a:extLst>
-              <a:ext uri="{FF2B5EF4-FFF2-40B4-BE49-F238E27FC236}">
-                <a16:creationId xmlns:a16="http://schemas.microsoft.com/office/drawing/2014/main" id="{5B543A9C-E520-124D-A26C-727E7A91B5A6}"/>
-              </a:ext>
-            </a:extLst>
-          </p:cNvPr>
-          <p:cNvSpPr txBox="1">
+          <p:cNvPr id="2" name="Slide Image Placeholder 1"/>
+          <p:cNvSpPr>
+            <a:spLocks noGrp="1" noRot="1" noChangeAspect="1"/>
+          </p:cNvSpPr>
+          <p:nvPr>
+            <p:ph type="sldImg"/>
+          </p:nvPr>
+        </p:nvSpPr>
+        <p:spPr/>
+      </p:sp>
+      <p:sp>
+        <p:nvSpPr>
+          <p:cNvPr id="3" name="Notes Placeholder 2"/>
+          <p:cNvSpPr>
             <a:spLocks noGrp="1"/>
           </p:cNvSpPr>
           <p:nvPr>
+            <p:ph type="body" idx="1"/>
+          </p:nvPr>
+        </p:nvSpPr>
+        <p:spPr/>
+        <p:txBody>
+          <a:bodyPr/>
+          <a:lstStyle/>
+          <a:p>
+            <a:pPr defTabSz="933237">
+              <a:defRPr/>
+            </a:pPr>
+            <a:r>
+              <a:rPr lang="en-US" dirty="0">
+                <a:latin typeface="Arial" pitchFamily="34"/>
+                <a:ea typeface="Arial" pitchFamily="34"/>
+                <a:cs typeface="Arial" pitchFamily="34"/>
+              </a:rPr>
+              <a:t>Let’s continue our journey of exploring the question, “What is artificial intelligence?  </a:t>
+            </a:r>
+          </a:p>
+          <a:p>
+            <a:pPr defTabSz="933237">
+              <a:defRPr/>
+            </a:pPr>
+            <a:endParaRPr lang="en-US" dirty="0">
+              <a:latin typeface="Arial" pitchFamily="34"/>
+              <a:ea typeface="Arial" pitchFamily="34"/>
+              <a:cs typeface="Arial" pitchFamily="34"/>
+            </a:endParaRPr>
+          </a:p>
+          <a:p>
+            <a:pPr defTabSz="933237">
+              <a:defRPr/>
+            </a:pPr>
+            <a:r>
+              <a:rPr lang="en-US" dirty="0">
+                <a:latin typeface="Arial" pitchFamily="34"/>
+                <a:ea typeface="Arial" pitchFamily="34"/>
+                <a:cs typeface="Arial" pitchFamily="34"/>
+              </a:rPr>
+              <a:t>Meet Ai-Da, a creative robot named after Ada, the Countess of Lovelace who worked with Charles Babbage to create one of the world’s first computers (the Difference Engine) in the 19</a:t>
+            </a:r>
+            <a:r>
+              <a:rPr lang="en-US" baseline="30000" dirty="0">
+                <a:latin typeface="Arial" pitchFamily="34"/>
+                <a:ea typeface="Arial" pitchFamily="34"/>
+                <a:cs typeface="Arial" pitchFamily="34"/>
+              </a:rPr>
+              <a:t>th</a:t>
+            </a:r>
+            <a:r>
+              <a:rPr lang="en-US" dirty="0">
+                <a:latin typeface="Arial" pitchFamily="34"/>
+                <a:ea typeface="Arial" pitchFamily="34"/>
+                <a:cs typeface="Arial" pitchFamily="34"/>
+              </a:rPr>
+              <a:t> century.  Except for the arms, Ai-Da looks like a person.  Here she stands in front of one of her latest creations.  A couple questions. </a:t>
+            </a:r>
+          </a:p>
+          <a:p>
+            <a:pPr defTabSz="933237">
+              <a:defRPr/>
+            </a:pPr>
+            <a:endParaRPr lang="en-US" dirty="0">
+              <a:latin typeface="Arial" pitchFamily="34"/>
+              <a:ea typeface="Arial" pitchFamily="34"/>
+              <a:cs typeface="Arial" pitchFamily="34"/>
+            </a:endParaRPr>
+          </a:p>
+          <a:p>
+            <a:pPr marL="171450" indent="-171450" defTabSz="933237">
+              <a:buFont typeface="Courier New" panose="02070309020205020404" pitchFamily="49" charset="0"/>
+              <a:buChar char="o"/>
+              <a:defRPr/>
+            </a:pPr>
+            <a:r>
+              <a:rPr lang="en-US" dirty="0">
+                <a:latin typeface="Arial" pitchFamily="34"/>
+                <a:ea typeface="Arial" pitchFamily="34"/>
+                <a:cs typeface="Arial" pitchFamily="34"/>
+              </a:rPr>
+              <a:t>Is Ai-Da exhibiting intelligent / creative behavior?  </a:t>
+            </a:r>
+          </a:p>
+          <a:p>
+            <a:pPr marL="171450" indent="-171450" defTabSz="933237">
+              <a:buFont typeface="Courier New" panose="02070309020205020404" pitchFamily="49" charset="0"/>
+              <a:buChar char="o"/>
+              <a:defRPr/>
+            </a:pPr>
+            <a:r>
+              <a:rPr lang="en-US" dirty="0">
+                <a:latin typeface="Arial" pitchFamily="34"/>
+                <a:ea typeface="Arial" pitchFamily="34"/>
+                <a:cs typeface="Arial" pitchFamily="34"/>
+              </a:rPr>
+              <a:t>What criteria would you use to assess whether an entity is intelligent?</a:t>
+            </a:r>
+          </a:p>
+          <a:p>
+            <a:pPr marL="171450" indent="-171450" defTabSz="933237">
+              <a:buFont typeface="Courier New" panose="02070309020205020404" pitchFamily="49" charset="0"/>
+              <a:buChar char="o"/>
+              <a:defRPr/>
+            </a:pPr>
+            <a:r>
+              <a:rPr lang="en-US" dirty="0">
+                <a:latin typeface="Arial" pitchFamily="34"/>
+                <a:ea typeface="Arial" pitchFamily="34"/>
+                <a:cs typeface="Arial" pitchFamily="34"/>
+              </a:rPr>
+              <a:t>Is intelligence an emergent property of consciousness?   </a:t>
+            </a:r>
+          </a:p>
+          <a:p>
+            <a:pPr defTabSz="933237">
+              <a:defRPr/>
+            </a:pPr>
+            <a:endParaRPr lang="en-US" dirty="0">
+              <a:latin typeface="Arial" pitchFamily="34"/>
+              <a:ea typeface="Arial" pitchFamily="34"/>
+              <a:cs typeface="Arial" pitchFamily="34"/>
+            </a:endParaRPr>
+          </a:p>
+          <a:p>
+            <a:pPr defTabSz="933237">
+              <a:defRPr/>
+            </a:pPr>
+            <a:r>
+              <a:rPr lang="en-US" dirty="0">
+                <a:latin typeface="Arial" pitchFamily="34"/>
+                <a:ea typeface="Arial" pitchFamily="34"/>
+                <a:cs typeface="Arial" pitchFamily="34"/>
+              </a:rPr>
+              <a:t>The question of what constitutes intelligence is important.  It lies at the heart of AI.  For without a clear definition, how do we know when we have succeeded?  Over time, leading AI researchers have proposed different definitions.  Let’s start with the first one.  </a:t>
+            </a:r>
+          </a:p>
+          <a:p>
+            <a:pPr defTabSz="933237">
+              <a:defRPr/>
+            </a:pPr>
+            <a:endParaRPr lang="en-US" dirty="0">
+              <a:latin typeface="Arial" pitchFamily="34"/>
+              <a:cs typeface="Arial" pitchFamily="34"/>
+            </a:endParaRPr>
+          </a:p>
+          <a:p>
+            <a:endParaRPr lang="en-US" dirty="0"/>
+          </a:p>
+        </p:txBody>
+      </p:sp>
+      <p:sp>
+        <p:nvSpPr>
+          <p:cNvPr id="4" name="Slide Number Placeholder 3"/>
+          <p:cNvSpPr>
+            <a:spLocks noGrp="1"/>
+          </p:cNvSpPr>
+          <p:nvPr>
             <p:ph type="sldNum" sz="quarter" idx="5"/>
           </p:nvPr>
         </p:nvSpPr>
-        <p:spPr>
-          <a:ln/>
-        </p:spPr>
-        <p:txBody>
-          <a:bodyPr lIns="0" tIns="0" rIns="0" bIns="0" anchor="b" anchorCtr="0">
-            <a:noAutofit/>
-          </a:bodyPr>
-          <a:lstStyle/>
-          <a:p>
-            <a:pPr lvl="0"/>
-            <a:fld id="{F26ADB32-8A69-2C4E-BA54-385F30C1B140}" type="slidenum">
-              <a:t>13</a:t>
+        <p:spPr/>
+        <p:txBody>
+          <a:bodyPr/>
+          <a:lstStyle/>
+          <a:p>
+            <a:fld id="{3148858F-F1DB-4027-9C85-CCA6849540DD}" type="slidenum">
+              <a:rPr lang="en-US" smtClean="0"/>
+              <a:t>12</a:t>
             </a:fld>
             <a:endParaRPr lang="en-US"/>
-          </a:p>
-        </p:txBody>
-      </p:sp>
-      <p:sp>
-        <p:nvSpPr>
-          <p:cNvPr id="2" name="Slide Image Placeholder 1">
-            <a:extLst>
-              <a:ext uri="{FF2B5EF4-FFF2-40B4-BE49-F238E27FC236}">
-                <a16:creationId xmlns:a16="http://schemas.microsoft.com/office/drawing/2014/main" id="{A02321D2-BA00-8D41-B3B0-CF9117442E2A}"/>
-              </a:ext>
-            </a:extLst>
-          </p:cNvPr>
-          <p:cNvSpPr>
-            <a:spLocks noGrp="1" noRot="1" noChangeAspect="1" noResize="1"/>
-          </p:cNvSpPr>
-          <p:nvPr>
-            <p:ph type="sldImg"/>
-          </p:nvPr>
-        </p:nvSpPr>
-        <p:spPr>
-          <a:xfrm>
-            <a:off x="533400" y="763588"/>
-            <a:ext cx="6704013" cy="3771900"/>
-          </a:xfrm>
-          <a:solidFill>
-            <a:srgbClr val="729FCF"/>
-          </a:solidFill>
-          <a:ln w="25400">
-            <a:solidFill>
-              <a:srgbClr val="3465A4"/>
-            </a:solidFill>
-            <a:prstDash val="solid"/>
-          </a:ln>
-        </p:spPr>
-      </p:sp>
-      <p:sp>
-        <p:nvSpPr>
-          <p:cNvPr id="3" name="Notes Placeholder 2">
-            <a:extLst>
-              <a:ext uri="{FF2B5EF4-FFF2-40B4-BE49-F238E27FC236}">
-                <a16:creationId xmlns:a16="http://schemas.microsoft.com/office/drawing/2014/main" id="{A04CBDCA-B8FC-AE47-9EA8-9C1755746D8B}"/>
-              </a:ext>
-            </a:extLst>
-          </p:cNvPr>
-          <p:cNvSpPr txBox="1">
-            <a:spLocks noGrp="1"/>
-          </p:cNvSpPr>
-          <p:nvPr>
-            <p:ph type="body" sz="quarter" idx="1"/>
-          </p:nvPr>
-        </p:nvSpPr>
-        <p:spPr/>
-        <p:txBody>
-          <a:bodyPr>
-            <a:spAutoFit/>
-          </a:bodyPr>
-          <a:lstStyle/>
-          <a:p>
-            <a:pPr algn="l"/>
-            <a:r>
-              <a:rPr lang="en-US" b="0" i="0" dirty="0">
-                <a:solidFill>
-                  <a:srgbClr val="202122"/>
-                </a:solidFill>
-                <a:effectLst/>
-                <a:latin typeface="Arial" panose="020B0604020202020204" pitchFamily="34" charset="0"/>
-              </a:rPr>
-              <a:t>In 1955, </a:t>
-            </a:r>
-            <a:r>
-              <a:rPr lang="en-US" b="0" i="0" u="none" strike="noStrike" dirty="0">
-                <a:solidFill>
-                  <a:srgbClr val="0645AD"/>
-                </a:solidFill>
-                <a:effectLst/>
-                <a:latin typeface="Arial" panose="020B0604020202020204" pitchFamily="34" charset="0"/>
-                <a:hlinkClick r:id="rId3" tooltip="John McCarthy (computer scientist)"/>
-              </a:rPr>
-              <a:t>John McCarthy</a:t>
-            </a:r>
-            <a:r>
-              <a:rPr lang="en-US" b="0" i="0" u="none" strike="noStrike" dirty="0">
-                <a:solidFill>
-                  <a:srgbClr val="202122"/>
-                </a:solidFill>
-                <a:effectLst/>
-                <a:latin typeface="Arial" panose="020B0604020202020204" pitchFamily="34" charset="0"/>
-              </a:rPr>
-              <a:t> accepted a position as an Assistant Professor of Mathematics at Dartmouth College.  Soon after, he </a:t>
-            </a:r>
-            <a:r>
-              <a:rPr lang="en-US" b="0" i="0" dirty="0">
-                <a:solidFill>
-                  <a:srgbClr val="202122"/>
-                </a:solidFill>
-                <a:effectLst/>
-                <a:latin typeface="Arial" panose="020B0604020202020204" pitchFamily="34" charset="0"/>
-              </a:rPr>
-              <a:t>decided to organize a group to clarify and develop ideas about thinking machines.  McCarthy picked the name 'Artificial Intelligence' for the new field.  He chose it partly for its neutrality.  But he also wanted to avoid any phrase that might place him in conflict with Norbert Wiener, the assertive founder of cybernetics.</a:t>
-            </a:r>
-          </a:p>
-          <a:p>
-            <a:pPr algn="l"/>
-            <a:endParaRPr lang="en-US" b="0" i="0" dirty="0">
-              <a:solidFill>
-                <a:srgbClr val="202122"/>
-              </a:solidFill>
-              <a:effectLst/>
-              <a:latin typeface="Arial" panose="020B0604020202020204" pitchFamily="34" charset="0"/>
-            </a:endParaRPr>
-          </a:p>
-          <a:p>
-            <a:pPr algn="l"/>
-            <a:r>
-              <a:rPr lang="en-US" b="0" i="0" dirty="0">
-                <a:solidFill>
-                  <a:srgbClr val="202122"/>
-                </a:solidFill>
-                <a:effectLst/>
-                <a:latin typeface="Arial" panose="020B0604020202020204" pitchFamily="34" charset="0"/>
-              </a:rPr>
-              <a:t>Later that year, McCarthy approached the </a:t>
-            </a:r>
-            <a:r>
-              <a:rPr lang="en-US" b="0" i="0" u="none" strike="noStrike" dirty="0">
-                <a:solidFill>
-                  <a:srgbClr val="0645AD"/>
-                </a:solidFill>
-                <a:effectLst/>
-                <a:latin typeface="Arial" panose="020B0604020202020204" pitchFamily="34" charset="0"/>
-                <a:hlinkClick r:id="rId4" tooltip="Rockefeller Foundation"/>
-              </a:rPr>
-              <a:t>Rockefeller Foundation</a:t>
-            </a:r>
-            <a:r>
-              <a:rPr lang="en-US" b="0" i="0" dirty="0">
-                <a:solidFill>
-                  <a:srgbClr val="202122"/>
-                </a:solidFill>
-                <a:effectLst/>
-                <a:latin typeface="Arial" panose="020B0604020202020204" pitchFamily="34" charset="0"/>
-              </a:rPr>
-              <a:t> to request funding for a summer seminar at Dartmouth for about 10 participants. In June, he and </a:t>
-            </a:r>
-            <a:r>
-              <a:rPr lang="en-US" b="0" i="0" u="none" strike="noStrike" dirty="0">
-                <a:solidFill>
-                  <a:srgbClr val="0645AD"/>
-                </a:solidFill>
-                <a:effectLst/>
-                <a:latin typeface="Arial" panose="020B0604020202020204" pitchFamily="34" charset="0"/>
-                <a:hlinkClick r:id="rId5" tooltip="Claude Shannon"/>
-              </a:rPr>
-              <a:t>Claude Shannon</a:t>
-            </a:r>
-            <a:r>
-              <a:rPr lang="en-US" b="0" i="0" u="none" strike="noStrike" dirty="0">
-                <a:solidFill>
-                  <a:srgbClr val="202122"/>
-                </a:solidFill>
-                <a:effectLst/>
-                <a:latin typeface="Arial" panose="020B0604020202020204" pitchFamily="34" charset="0"/>
-              </a:rPr>
-              <a:t> </a:t>
-            </a:r>
-            <a:r>
-              <a:rPr lang="en-US" b="0" i="0" dirty="0">
-                <a:solidFill>
-                  <a:srgbClr val="202122"/>
-                </a:solidFill>
-                <a:effectLst/>
-                <a:latin typeface="Arial" panose="020B0604020202020204" pitchFamily="34" charset="0"/>
-              </a:rPr>
-              <a:t>(a founder of </a:t>
-            </a:r>
-            <a:r>
-              <a:rPr lang="en-US" b="0" i="0" u="none" strike="noStrike" dirty="0">
-                <a:solidFill>
-                  <a:srgbClr val="0645AD"/>
-                </a:solidFill>
-                <a:effectLst/>
-                <a:latin typeface="Arial" panose="020B0604020202020204" pitchFamily="34" charset="0"/>
-                <a:hlinkClick r:id="rId6" tooltip="Information theory"/>
-              </a:rPr>
-              <a:t>information theory</a:t>
-            </a:r>
-            <a:r>
-              <a:rPr lang="en-US" b="0" i="0" u="none" strike="noStrike" dirty="0">
-                <a:solidFill>
-                  <a:srgbClr val="0645AD"/>
-                </a:solidFill>
-                <a:effectLst/>
-                <a:latin typeface="Arial" panose="020B0604020202020204" pitchFamily="34" charset="0"/>
-              </a:rPr>
-              <a:t>)</a:t>
-            </a:r>
-            <a:r>
-              <a:rPr lang="en-US" b="0" i="0" dirty="0">
-                <a:solidFill>
-                  <a:srgbClr val="202122"/>
-                </a:solidFill>
-                <a:effectLst/>
-                <a:latin typeface="Arial" panose="020B0604020202020204" pitchFamily="34" charset="0"/>
-              </a:rPr>
-              <a:t> met with Robert Morison, Director of Biological and Medical Research to discuss the idea and possible funding, though Morison was unsure whether money would be made available for such a visionary project.</a:t>
-            </a:r>
-            <a:endParaRPr lang="en-US" b="0" i="0" u="none" strike="noStrike" baseline="30000" dirty="0">
-              <a:solidFill>
-                <a:srgbClr val="0645AD"/>
-              </a:solidFill>
-              <a:effectLst/>
-              <a:latin typeface="Arial" panose="020B0604020202020204" pitchFamily="34" charset="0"/>
-            </a:endParaRPr>
-          </a:p>
-          <a:p>
-            <a:pPr algn="l"/>
-            <a:endParaRPr lang="en-US" b="0" i="0" dirty="0">
-              <a:solidFill>
-                <a:srgbClr val="202122"/>
-              </a:solidFill>
-              <a:effectLst/>
-              <a:latin typeface="Arial" panose="020B0604020202020204" pitchFamily="34" charset="0"/>
-            </a:endParaRPr>
-          </a:p>
-          <a:p>
-            <a:pPr algn="l"/>
-            <a:r>
-              <a:rPr lang="en-US" b="0" i="0" dirty="0">
-                <a:solidFill>
-                  <a:srgbClr val="202122"/>
-                </a:solidFill>
-                <a:effectLst/>
-                <a:latin typeface="Arial" panose="020B0604020202020204" pitchFamily="34" charset="0"/>
-              </a:rPr>
-              <a:t>On September 2, 1955, John McCarthy, </a:t>
-            </a:r>
-            <a:r>
-              <a:rPr lang="en-US" b="0" i="0" u="none" strike="noStrike" dirty="0">
-                <a:solidFill>
-                  <a:srgbClr val="0645AD"/>
-                </a:solidFill>
-                <a:effectLst/>
-                <a:latin typeface="Arial" panose="020B0604020202020204" pitchFamily="34" charset="0"/>
-                <a:hlinkClick r:id="rId7" tooltip="Marvin Minsky"/>
-              </a:rPr>
-              <a:t>Marvin Minsky</a:t>
-            </a:r>
-            <a:r>
-              <a:rPr lang="en-US" b="0" i="0" dirty="0">
-                <a:solidFill>
-                  <a:srgbClr val="202122"/>
-                </a:solidFill>
-                <a:effectLst/>
-                <a:latin typeface="Arial" panose="020B0604020202020204" pitchFamily="34" charset="0"/>
-              </a:rPr>
-              <a:t>, </a:t>
-            </a:r>
-            <a:r>
-              <a:rPr lang="en-US" b="0" i="0" u="none" strike="noStrike" dirty="0">
-                <a:solidFill>
-                  <a:srgbClr val="0645AD"/>
-                </a:solidFill>
-                <a:effectLst/>
-                <a:latin typeface="Arial" panose="020B0604020202020204" pitchFamily="34" charset="0"/>
-                <a:hlinkClick r:id="rId8" tooltip="Nathaniel Rochester (computer scientist)"/>
-              </a:rPr>
-              <a:t>Nathaniel Rochester</a:t>
-            </a:r>
-            <a:r>
-              <a:rPr lang="en-US" b="0" i="0" dirty="0">
-                <a:solidFill>
-                  <a:srgbClr val="202122"/>
-                </a:solidFill>
-                <a:effectLst/>
-                <a:latin typeface="Arial" panose="020B0604020202020204" pitchFamily="34" charset="0"/>
-              </a:rPr>
-              <a:t> and </a:t>
-            </a:r>
-            <a:r>
-              <a:rPr lang="en-US" b="0" i="0" u="none" strike="noStrike" dirty="0">
-                <a:solidFill>
-                  <a:srgbClr val="0645AD"/>
-                </a:solidFill>
-                <a:effectLst/>
-                <a:latin typeface="Arial" panose="020B0604020202020204" pitchFamily="34" charset="0"/>
-                <a:hlinkClick r:id="rId5" tooltip="Claude Shannon"/>
-              </a:rPr>
-              <a:t>Claude Shannon</a:t>
-            </a:r>
-            <a:r>
-              <a:rPr lang="en-US" b="0" i="0" u="none" strike="noStrike" dirty="0">
-                <a:solidFill>
-                  <a:srgbClr val="0645AD"/>
-                </a:solidFill>
-                <a:effectLst/>
-                <a:latin typeface="Arial" panose="020B0604020202020204" pitchFamily="34" charset="0"/>
-              </a:rPr>
-              <a:t> submitted the proposal to the foundation.  Today, it </a:t>
-            </a:r>
-            <a:r>
-              <a:rPr lang="en-US" b="0" i="0" dirty="0">
-                <a:solidFill>
-                  <a:srgbClr val="202122"/>
-                </a:solidFill>
-                <a:effectLst/>
-                <a:latin typeface="Arial" panose="020B0604020202020204" pitchFamily="34" charset="0"/>
-              </a:rPr>
-              <a:t>is credited with introducing the term 'artificial intelligence’.  Fortunately, the Rockefeller Foundation funded the proposal and the rest, as they say, “is history…”</a:t>
-            </a:r>
-          </a:p>
-          <a:p>
-            <a:endParaRPr lang="en-US" dirty="0"/>
           </a:p>
         </p:txBody>
       </p:sp>
     </p:spTree>
     <p:extLst>
       <p:ext uri="{BB962C8B-B14F-4D97-AF65-F5344CB8AC3E}">
-        <p14:creationId xmlns:p14="http://schemas.microsoft.com/office/powerpoint/2010/main" val="2400027281"/>
+        <p14:creationId xmlns:p14="http://schemas.microsoft.com/office/powerpoint/2010/main" val="3136242698"/>
       </p:ext>
     </p:extLst>
   </p:cSld>
@@ -1414,65 +1047,271 @@
       </p:grpSpPr>
       <p:sp>
         <p:nvSpPr>
-          <p:cNvPr id="2" name="Slide Image Placeholder 1"/>
-          <p:cNvSpPr>
-            <a:spLocks noGrp="1" noRot="1" noChangeAspect="1"/>
-          </p:cNvSpPr>
-          <p:nvPr>
-            <p:ph type="sldImg"/>
-          </p:nvPr>
-        </p:nvSpPr>
-        <p:spPr/>
-      </p:sp>
-      <p:sp>
-        <p:nvSpPr>
-          <p:cNvPr id="3" name="Notes Placeholder 2"/>
-          <p:cNvSpPr>
+          <p:cNvPr id="7" name="Slide Number Placeholder 6">
+            <a:extLst>
+              <a:ext uri="{FF2B5EF4-FFF2-40B4-BE49-F238E27FC236}">
+                <a16:creationId xmlns:a16="http://schemas.microsoft.com/office/drawing/2014/main" id="{5B543A9C-E520-124D-A26C-727E7A91B5A6}"/>
+              </a:ext>
+            </a:extLst>
+          </p:cNvPr>
+          <p:cNvSpPr txBox="1">
             <a:spLocks noGrp="1"/>
           </p:cNvSpPr>
           <p:nvPr>
-            <p:ph type="body" idx="1"/>
-          </p:nvPr>
-        </p:nvSpPr>
-        <p:spPr/>
-        <p:txBody>
-          <a:bodyPr/>
-          <a:lstStyle/>
-          <a:p>
-            <a:r>
-              <a:rPr lang="en-US" dirty="0"/>
-              <a:t>With that history in place, let’s consider some definitions – starting with the one advanced in the Dartmouth Proposal…</a:t>
-            </a:r>
-          </a:p>
-        </p:txBody>
-      </p:sp>
-      <p:sp>
-        <p:nvSpPr>
-          <p:cNvPr id="4" name="Slide Number Placeholder 3"/>
-          <p:cNvSpPr>
-            <a:spLocks noGrp="1"/>
-          </p:cNvSpPr>
-          <p:nvPr>
             <p:ph type="sldNum" sz="quarter" idx="5"/>
           </p:nvPr>
         </p:nvSpPr>
-        <p:spPr/>
-        <p:txBody>
-          <a:bodyPr/>
-          <a:lstStyle/>
-          <a:p>
-            <a:fld id="{3148858F-F1DB-4027-9C85-CCA6849540DD}" type="slidenum">
-              <a:rPr lang="en-US" smtClean="0"/>
-              <a:t>14</a:t>
+        <p:spPr>
+          <a:ln/>
+        </p:spPr>
+        <p:txBody>
+          <a:bodyPr lIns="0" tIns="0" rIns="0" bIns="0" anchor="b" anchorCtr="0">
+            <a:noAutofit/>
+          </a:bodyPr>
+          <a:lstStyle/>
+          <a:p>
+            <a:pPr lvl="0"/>
+            <a:fld id="{F26ADB32-8A69-2C4E-BA54-385F30C1B140}" type="slidenum">
+              <a:t>13</a:t>
             </a:fld>
             <a:endParaRPr lang="en-US"/>
+          </a:p>
+        </p:txBody>
+      </p:sp>
+      <p:sp>
+        <p:nvSpPr>
+          <p:cNvPr id="2" name="Slide Image Placeholder 1">
+            <a:extLst>
+              <a:ext uri="{FF2B5EF4-FFF2-40B4-BE49-F238E27FC236}">
+                <a16:creationId xmlns:a16="http://schemas.microsoft.com/office/drawing/2014/main" id="{A02321D2-BA00-8D41-B3B0-CF9117442E2A}"/>
+              </a:ext>
+            </a:extLst>
+          </p:cNvPr>
+          <p:cNvSpPr>
+            <a:spLocks noGrp="1" noRot="1" noChangeAspect="1" noResize="1"/>
+          </p:cNvSpPr>
+          <p:nvPr>
+            <p:ph type="sldImg"/>
+          </p:nvPr>
+        </p:nvSpPr>
+        <p:spPr>
+          <a:xfrm>
+            <a:off x="565150" y="777875"/>
+            <a:ext cx="6827838" cy="3840163"/>
+          </a:xfrm>
+          <a:solidFill>
+            <a:srgbClr val="729FCF"/>
+          </a:solidFill>
+          <a:ln w="25400">
+            <a:solidFill>
+              <a:srgbClr val="3465A4"/>
+            </a:solidFill>
+            <a:prstDash val="solid"/>
+          </a:ln>
+        </p:spPr>
+      </p:sp>
+      <p:sp>
+        <p:nvSpPr>
+          <p:cNvPr id="3" name="Notes Placeholder 2">
+            <a:extLst>
+              <a:ext uri="{FF2B5EF4-FFF2-40B4-BE49-F238E27FC236}">
+                <a16:creationId xmlns:a16="http://schemas.microsoft.com/office/drawing/2014/main" id="{A04CBDCA-B8FC-AE47-9EA8-9C1755746D8B}"/>
+              </a:ext>
+            </a:extLst>
+          </p:cNvPr>
+          <p:cNvSpPr txBox="1">
+            <a:spLocks noGrp="1"/>
+          </p:cNvSpPr>
+          <p:nvPr>
+            <p:ph type="body" sz="quarter" idx="1"/>
+          </p:nvPr>
+        </p:nvSpPr>
+        <p:spPr>
+          <a:xfrm>
+            <a:off x="702310" y="4480004"/>
+            <a:ext cx="5618480" cy="3787554"/>
+          </a:xfrm>
+        </p:spPr>
+        <p:txBody>
+          <a:bodyPr>
+            <a:spAutoFit/>
+          </a:bodyPr>
+          <a:lstStyle/>
+          <a:p>
+            <a:pPr algn="l"/>
+            <a:r>
+              <a:rPr lang="en-US" b="0" i="0" dirty="0">
+                <a:solidFill>
+                  <a:srgbClr val="202122"/>
+                </a:solidFill>
+                <a:effectLst/>
+                <a:latin typeface="Arial" panose="020B0604020202020204" pitchFamily="34" charset="0"/>
+              </a:rPr>
+              <a:t>In 1955, the first conference on “artificial intelligence” was held at Dartmouth College.  It was attended by the leading computer science researchers of the day – John McCarthy, Marvin Minsky, Nathanial Rochester, and Claude Shannon.  </a:t>
+            </a:r>
+          </a:p>
+          <a:p>
+            <a:pPr algn="l"/>
+            <a:endParaRPr lang="en-US" b="0" i="0" dirty="0">
+              <a:solidFill>
+                <a:srgbClr val="202122"/>
+              </a:solidFill>
+              <a:effectLst/>
+              <a:latin typeface="Arial" panose="020B0604020202020204" pitchFamily="34" charset="0"/>
+            </a:endParaRPr>
+          </a:p>
+          <a:p>
+            <a:pPr marL="228600" indent="-228600" algn="l">
+              <a:buAutoNum type="arabicPeriod"/>
+            </a:pPr>
+            <a:r>
+              <a:rPr lang="en-US" b="0" i="0" dirty="0">
+                <a:solidFill>
+                  <a:srgbClr val="202122"/>
+                </a:solidFill>
+                <a:effectLst/>
+                <a:latin typeface="Arial" panose="020B0604020202020204" pitchFamily="34" charset="0"/>
+              </a:rPr>
+              <a:t>McCarthy coined the phrase “artificial intelligence” when he wrote the funding proposal for the Rockefeller Foundation.   This is where modern AI began.</a:t>
+            </a:r>
+          </a:p>
+          <a:p>
+            <a:pPr marL="228600" indent="-228600" algn="l">
+              <a:buAutoNum type="arabicPeriod"/>
+            </a:pPr>
+            <a:r>
+              <a:rPr lang="en-US" b="0" i="0" dirty="0">
+                <a:solidFill>
+                  <a:srgbClr val="202122"/>
+                </a:solidFill>
+                <a:effectLst/>
+                <a:latin typeface="Arial" panose="020B0604020202020204" pitchFamily="34" charset="0"/>
+              </a:rPr>
+              <a:t>McCarthy also provided a short definition.</a:t>
+            </a:r>
+          </a:p>
+          <a:p>
+            <a:pPr algn="l"/>
+            <a:endParaRPr lang="en-US" b="0" i="0" dirty="0">
+              <a:solidFill>
+                <a:srgbClr val="202122"/>
+              </a:solidFill>
+              <a:effectLst/>
+              <a:latin typeface="Arial" panose="020B0604020202020204" pitchFamily="34" charset="0"/>
+            </a:endParaRPr>
+          </a:p>
+          <a:p>
+            <a:pPr algn="l"/>
+            <a:r>
+              <a:rPr lang="en-US" b="0" i="0" dirty="0">
+                <a:solidFill>
+                  <a:srgbClr val="202122"/>
+                </a:solidFill>
+                <a:effectLst/>
+                <a:latin typeface="Arial" panose="020B0604020202020204" pitchFamily="34" charset="0"/>
+              </a:rPr>
+              <a:t>=====</a:t>
+            </a:r>
+          </a:p>
+          <a:p>
+            <a:pPr algn="l"/>
+            <a:r>
+              <a:rPr lang="en-US" b="0" i="0" dirty="0">
+                <a:solidFill>
+                  <a:srgbClr val="202122"/>
+                </a:solidFill>
+                <a:effectLst/>
+                <a:latin typeface="Arial" panose="020B0604020202020204" pitchFamily="34" charset="0"/>
+              </a:rPr>
+              <a:t>In early 1955, John McCarthy </a:t>
+            </a:r>
+            <a:r>
+              <a:rPr lang="en-US" b="0" i="0" u="none" strike="noStrike" dirty="0">
+                <a:solidFill>
+                  <a:srgbClr val="202122"/>
+                </a:solidFill>
+                <a:effectLst/>
+                <a:latin typeface="Arial" panose="020B0604020202020204" pitchFamily="34" charset="0"/>
+              </a:rPr>
+              <a:t>accepted a position as an Assistant Professor of Mathematics at Dartmouth College.  Soon after, he </a:t>
+            </a:r>
+            <a:r>
+              <a:rPr lang="en-US" b="0" i="0" dirty="0">
+                <a:solidFill>
+                  <a:srgbClr val="202122"/>
+                </a:solidFill>
+                <a:effectLst/>
+                <a:latin typeface="Arial" panose="020B0604020202020204" pitchFamily="34" charset="0"/>
+              </a:rPr>
+              <a:t>organized a group to discuss the future of thinking machines.  In September, he, Marvin Minsky, Nathanial Rochester, and Claude Shannon </a:t>
+            </a:r>
+            <a:r>
+              <a:rPr lang="en-US" b="0" i="0" u="none" strike="noStrike" dirty="0">
+                <a:solidFill>
+                  <a:srgbClr val="0645AD"/>
+                </a:solidFill>
+                <a:effectLst/>
+                <a:latin typeface="Arial" panose="020B0604020202020204" pitchFamily="34" charset="0"/>
+              </a:rPr>
+              <a:t>submitted a proposal to the Rockefeller Foundation, requesting funds to host the </a:t>
+            </a:r>
+            <a:r>
+              <a:rPr lang="en-US" b="0" i="1" u="none" strike="noStrike" dirty="0">
+                <a:solidFill>
+                  <a:srgbClr val="0645AD"/>
+                </a:solidFill>
+                <a:effectLst/>
+                <a:latin typeface="Arial" panose="020B0604020202020204" pitchFamily="34" charset="0"/>
+              </a:rPr>
+              <a:t>Dartmouth Summer Research Project on Artificial Intelligence</a:t>
+            </a:r>
+            <a:r>
+              <a:rPr lang="en-US" b="0" i="0" u="none" strike="noStrike" dirty="0">
+                <a:solidFill>
+                  <a:srgbClr val="0645AD"/>
+                </a:solidFill>
+                <a:effectLst/>
+                <a:latin typeface="Arial" panose="020B0604020202020204" pitchFamily="34" charset="0"/>
+              </a:rPr>
+              <a:t>. </a:t>
+            </a:r>
+            <a:r>
+              <a:rPr lang="en-US" b="0" i="0" dirty="0">
+                <a:solidFill>
+                  <a:srgbClr val="202122"/>
+                </a:solidFill>
+                <a:effectLst/>
+                <a:latin typeface="Arial" panose="020B0604020202020204" pitchFamily="34" charset="0"/>
+              </a:rPr>
+              <a:t>Fortunately, the foundation funded the proposal.  And today, this conference is credited with introducing the term 'artificial intelligence’ to the world.</a:t>
+            </a:r>
+            <a:endParaRPr lang="en-US" b="0" i="0" u="none" strike="noStrike" dirty="0">
+              <a:solidFill>
+                <a:srgbClr val="0645AD"/>
+              </a:solidFill>
+              <a:effectLst/>
+              <a:latin typeface="Arial" panose="020B0604020202020204" pitchFamily="34" charset="0"/>
+            </a:endParaRPr>
+          </a:p>
+          <a:p>
+            <a:pPr algn="l"/>
+            <a:endParaRPr lang="en-US" b="0" i="0" u="none" strike="noStrike" dirty="0">
+              <a:solidFill>
+                <a:srgbClr val="0645AD"/>
+              </a:solidFill>
+              <a:effectLst/>
+              <a:latin typeface="Arial" panose="020B0604020202020204" pitchFamily="34" charset="0"/>
+            </a:endParaRPr>
+          </a:p>
+          <a:p>
+            <a:endParaRPr lang="en-US" dirty="0"/>
           </a:p>
         </p:txBody>
       </p:sp>
     </p:spTree>
     <p:extLst>
       <p:ext uri="{BB962C8B-B14F-4D97-AF65-F5344CB8AC3E}">
-        <p14:creationId xmlns:p14="http://schemas.microsoft.com/office/powerpoint/2010/main" val="1011519860"/>
+        <p14:creationId xmlns:p14="http://schemas.microsoft.com/office/powerpoint/2010/main" val="2400027281"/>
       </p:ext>
     </p:extLst>
   </p:cSld>
@@ -1526,20 +1365,9 @@
           <a:bodyPr/>
           <a:lstStyle/>
           <a:p>
-            <a:endParaRPr lang="en-US" sz="1200" b="0" i="0" kern="1200" dirty="0">
-              <a:solidFill>
-                <a:schemeClr val="tx1"/>
-              </a:solidFill>
-              <a:effectLst/>
-              <a:latin typeface="+mn-lt"/>
-              <a:ea typeface="+mn-ea"/>
-              <a:cs typeface="+mn-cs"/>
-            </a:endParaRPr>
-          </a:p>
-          <a:p>
             <a:r>
               <a:rPr lang="en-US" dirty="0"/>
-              <a:t>… and some more definitions to consider.</a:t>
+              <a:t>With that history in place, let’s consider some definitions – starting with the one advanced in the Dartmouth Proposal.  I like the Wallace Marshall definition…</a:t>
             </a:r>
           </a:p>
         </p:txBody>
@@ -1561,7 +1389,7 @@
           <a:p>
             <a:fld id="{3148858F-F1DB-4027-9C85-CCA6849540DD}" type="slidenum">
               <a:rPr lang="en-US" smtClean="0"/>
-              <a:t>15</a:t>
+              <a:t>14</a:t>
             </a:fld>
             <a:endParaRPr lang="en-US"/>
           </a:p>
@@ -1570,7 +1398,7 @@
     </p:spTree>
     <p:extLst>
       <p:ext uri="{BB962C8B-B14F-4D97-AF65-F5344CB8AC3E}">
-        <p14:creationId xmlns:p14="http://schemas.microsoft.com/office/powerpoint/2010/main" val="4028108833"/>
+        <p14:creationId xmlns:p14="http://schemas.microsoft.com/office/powerpoint/2010/main" val="1011519860"/>
       </p:ext>
     </p:extLst>
   </p:cSld>
@@ -1624,90 +1452,9 @@
           <a:bodyPr/>
           <a:lstStyle/>
           <a:p>
-            <a:pPr marL="0" marR="0" lvl="0" indent="0" algn="l" defTabSz="914400" rtl="0" eaLnBrk="1" fontAlgn="auto" latinLnBrk="0" hangingPunct="1">
-              <a:lnSpc>
-                <a:spcPct val="100000"/>
-              </a:lnSpc>
-              <a:spcBef>
-                <a:spcPts val="0"/>
-              </a:spcBef>
-              <a:spcAft>
-                <a:spcPts val="0"/>
-              </a:spcAft>
-              <a:buClrTx/>
-              <a:buSzTx/>
-              <a:buFontTx/>
-              <a:buNone/>
-              <a:tabLst/>
-              <a:defRPr/>
-            </a:pPr>
-            <a:r>
-              <a:rPr lang="en-US" sz="1200" b="0" i="0" u="none" strike="noStrike" kern="1200" cap="none" dirty="0">
-                <a:ln>
-                  <a:noFill/>
-                </a:ln>
-                <a:latin typeface="Arial" pitchFamily="34"/>
-                <a:ea typeface="Arial" pitchFamily="34"/>
-                <a:cs typeface="Arial" pitchFamily="34"/>
-              </a:rPr>
-              <a:t>Okay – given these definitions and your reading for this week – has your initial definition of A.I. changed?  </a:t>
-            </a:r>
-          </a:p>
-          <a:p>
-            <a:pPr marL="0" marR="0" lvl="0" indent="0" algn="l" defTabSz="914400" rtl="0" eaLnBrk="1" fontAlgn="auto" latinLnBrk="0" hangingPunct="1">
-              <a:lnSpc>
-                <a:spcPct val="100000"/>
-              </a:lnSpc>
-              <a:spcBef>
-                <a:spcPts val="0"/>
-              </a:spcBef>
-              <a:spcAft>
-                <a:spcPts val="0"/>
-              </a:spcAft>
-              <a:buClrTx/>
-              <a:buSzTx/>
-              <a:buFontTx/>
-              <a:buNone/>
-              <a:tabLst/>
-              <a:defRPr/>
-            </a:pPr>
-            <a:endParaRPr lang="en-US" sz="1200" b="0" i="0" u="none" strike="noStrike" kern="1200" cap="none" dirty="0">
-              <a:ln>
-                <a:noFill/>
-              </a:ln>
-              <a:latin typeface="Arial" pitchFamily="34"/>
-              <a:ea typeface="Arial" pitchFamily="34"/>
-              <a:cs typeface="Arial" pitchFamily="34"/>
-            </a:endParaRPr>
-          </a:p>
-          <a:p>
-            <a:pPr marL="0" marR="0" lvl="0" indent="0" algn="l" defTabSz="914400" rtl="0" eaLnBrk="1" fontAlgn="auto" latinLnBrk="0" hangingPunct="1">
-              <a:lnSpc>
-                <a:spcPct val="100000"/>
-              </a:lnSpc>
-              <a:spcBef>
-                <a:spcPts val="0"/>
-              </a:spcBef>
-              <a:spcAft>
-                <a:spcPts val="0"/>
-              </a:spcAft>
-              <a:buClrTx/>
-              <a:buSzTx/>
-              <a:buFontTx/>
-              <a:buNone/>
-              <a:tabLst/>
-              <a:defRPr/>
-            </a:pPr>
-            <a:r>
-              <a:rPr lang="en-US" sz="1200" b="0" i="0" u="none" strike="noStrike" kern="1200" cap="none" dirty="0">
-                <a:ln>
-                  <a:noFill/>
-                </a:ln>
-                <a:latin typeface="Arial" pitchFamily="34"/>
-                <a:ea typeface="Arial" pitchFamily="34"/>
-                <a:cs typeface="Arial" pitchFamily="34"/>
-              </a:rPr>
-              <a:t>Let’s discuss these questions in the breakout rooms. </a:t>
+            <a:r>
+              <a:rPr lang="en-US" dirty="0"/>
+              <a:t>… and a couple more definitions.  </a:t>
             </a:r>
           </a:p>
         </p:txBody>
@@ -1729,7 +1476,7 @@
           <a:p>
             <a:fld id="{3148858F-F1DB-4027-9C85-CCA6849540DD}" type="slidenum">
               <a:rPr lang="en-US" smtClean="0"/>
-              <a:t>16</a:t>
+              <a:t>15</a:t>
             </a:fld>
             <a:endParaRPr lang="en-US"/>
           </a:p>
@@ -1738,7 +1485,7 @@
     </p:spTree>
     <p:extLst>
       <p:ext uri="{BB962C8B-B14F-4D97-AF65-F5344CB8AC3E}">
-        <p14:creationId xmlns:p14="http://schemas.microsoft.com/office/powerpoint/2010/main" val="1284256817"/>
+        <p14:creationId xmlns:p14="http://schemas.microsoft.com/office/powerpoint/2010/main" val="4028108833"/>
       </p:ext>
     </p:extLst>
   </p:cSld>
@@ -1792,100 +1539,39 @@
           <a:bodyPr/>
           <a:lstStyle/>
           <a:p>
-            <a:pPr marL="0" indent="0">
-              <a:buNone/>
+            <a:pPr defTabSz="933237">
+              <a:defRPr/>
             </a:pPr>
             <a:r>
-              <a:rPr lang="en-US" sz="1200" b="0" i="0" u="none" strike="noStrike" kern="1200" cap="none" dirty="0">
-                <a:ln>
-                  <a:noFill/>
-                </a:ln>
-                <a:latin typeface="Arial" pitchFamily="18"/>
+              <a:rPr lang="en-US" dirty="0">
+                <a:latin typeface="Arial" pitchFamily="34"/>
                 <a:ea typeface="Arial" pitchFamily="34"/>
                 <a:cs typeface="Arial" pitchFamily="34"/>
               </a:rPr>
-              <a:t>This week’s reading introduced you to Alan Turing and the foundational work he did in the field of artificial intelligence.  The Turing test of intelligence was first proposed in 1950, in an article entitled, </a:t>
-            </a:r>
-            <a:r>
-              <a:rPr lang="en-US" sz="1200" b="0" i="1" u="none" strike="noStrike" kern="1200" cap="none" dirty="0">
-                <a:ln>
-                  <a:noFill/>
-                </a:ln>
-                <a:latin typeface="Arial" pitchFamily="18"/>
+              <a:t>Okay – given these definitions, has your definition of A.I. changed from your response in our first exercise?  </a:t>
+            </a:r>
+          </a:p>
+          <a:p>
+            <a:pPr defTabSz="933237">
+              <a:defRPr/>
+            </a:pPr>
+            <a:endParaRPr lang="en-US" dirty="0">
+              <a:latin typeface="Arial" pitchFamily="34"/>
+              <a:ea typeface="Arial" pitchFamily="34"/>
+              <a:cs typeface="Arial" pitchFamily="34"/>
+            </a:endParaRPr>
+          </a:p>
+          <a:p>
+            <a:pPr defTabSz="933237">
+              <a:defRPr/>
+            </a:pPr>
+            <a:r>
+              <a:rPr lang="en-US" dirty="0">
+                <a:latin typeface="Arial" pitchFamily="34"/>
                 <a:ea typeface="Arial" pitchFamily="34"/>
                 <a:cs typeface="Arial" pitchFamily="34"/>
               </a:rPr>
-              <a:t>Computing Machinery and Intelligence.  </a:t>
-            </a:r>
-            <a:r>
-              <a:rPr lang="en-US" sz="1200" b="0" i="0" u="none" strike="noStrike" kern="1200" cap="none" dirty="0">
-                <a:ln>
-                  <a:noFill/>
-                </a:ln>
-                <a:latin typeface="Arial" pitchFamily="18"/>
-                <a:ea typeface="Arial" pitchFamily="34"/>
-                <a:cs typeface="Arial" pitchFamily="34"/>
-              </a:rPr>
-              <a:t>This is a foundational document…  Let’s review that part of the reading…</a:t>
-            </a:r>
-            <a:endParaRPr lang="en-US" sz="1200" b="0" i="1" u="none" strike="noStrike" kern="1200" cap="none" dirty="0">
-              <a:ln>
-                <a:noFill/>
-              </a:ln>
-              <a:latin typeface="Arial" pitchFamily="18"/>
-              <a:ea typeface="Arial" pitchFamily="34"/>
-              <a:cs typeface="Arial" pitchFamily="34"/>
-            </a:endParaRPr>
-          </a:p>
-          <a:p>
-            <a:pPr marL="0" indent="0">
-              <a:buNone/>
-            </a:pPr>
-            <a:endParaRPr lang="en-US" sz="1200" b="0" i="0" u="none" strike="noStrike" kern="1200" cap="none" dirty="0">
-              <a:ln>
-                <a:noFill/>
-              </a:ln>
-              <a:latin typeface="Arial" pitchFamily="18"/>
-              <a:ea typeface="Arial" pitchFamily="34"/>
-              <a:cs typeface="Arial" pitchFamily="34"/>
-            </a:endParaRPr>
-          </a:p>
-          <a:p>
-            <a:pPr marL="0" indent="0">
-              <a:buNone/>
-            </a:pPr>
-            <a:r>
-              <a:rPr lang="en-US" sz="1200" b="0" i="0" u="none" strike="noStrike" kern="1200" cap="none" dirty="0">
-                <a:ln>
-                  <a:noFill/>
-                </a:ln>
-                <a:latin typeface="Arial" pitchFamily="18"/>
-                <a:ea typeface="Arial" pitchFamily="34"/>
-                <a:cs typeface="Arial" pitchFamily="34"/>
-              </a:rPr>
-              <a:t>Turing, AM (1950) Computing Machinery and Intelligence. </a:t>
-            </a:r>
-            <a:r>
-              <a:rPr lang="en-US" sz="1200" b="0" i="1" u="none" strike="noStrike" kern="1200" cap="none" dirty="0">
-                <a:ln>
-                  <a:noFill/>
-                </a:ln>
-                <a:latin typeface="Arial" pitchFamily="18"/>
-                <a:ea typeface="Arial" pitchFamily="34"/>
-                <a:cs typeface="Arial" pitchFamily="34"/>
-              </a:rPr>
-              <a:t>Mind</a:t>
-            </a:r>
-            <a:r>
-              <a:rPr lang="en-US" sz="1200" b="0" i="0" u="none" strike="noStrike" kern="1200" cap="none" dirty="0">
-                <a:ln>
-                  <a:noFill/>
-                </a:ln>
-                <a:latin typeface="Arial" pitchFamily="18"/>
-                <a:ea typeface="Arial" pitchFamily="34"/>
-                <a:cs typeface="Arial" pitchFamily="34"/>
-              </a:rPr>
-              <a:t>: 54</a:t>
+              <a:t>Let’s discuss these questions in the breakout rooms. </a:t>
             </a:r>
           </a:p>
         </p:txBody>
@@ -1907,7 +1593,7 @@
           <a:p>
             <a:fld id="{3148858F-F1DB-4027-9C85-CCA6849540DD}" type="slidenum">
               <a:rPr lang="en-US" smtClean="0"/>
-              <a:t>17</a:t>
+              <a:t>16</a:t>
             </a:fld>
             <a:endParaRPr lang="en-US"/>
           </a:p>
@@ -1916,7 +1602,7 @@
     </p:spTree>
     <p:extLst>
       <p:ext uri="{BB962C8B-B14F-4D97-AF65-F5344CB8AC3E}">
-        <p14:creationId xmlns:p14="http://schemas.microsoft.com/office/powerpoint/2010/main" val="1860523921"/>
+        <p14:creationId xmlns:p14="http://schemas.microsoft.com/office/powerpoint/2010/main" val="1284256817"/>
       </p:ext>
     </p:extLst>
   </p:cSld>
@@ -1971,58 +1657,61 @@
           <a:lstStyle/>
           <a:p>
             <a:r>
-              <a:rPr lang="en-US" dirty="0"/>
-              <a:t>At the heart of our reading this week is the Turing test.  This test has been hugely influential since Turing first described it in 1950.  </a:t>
-            </a:r>
-          </a:p>
-          <a:p>
-            <a:endParaRPr lang="en-US" dirty="0"/>
-          </a:p>
-          <a:p>
-            <a:pPr marL="228600" indent="-228600">
-              <a:buAutoNum type="arabicPeriod"/>
-            </a:pPr>
-            <a:r>
-              <a:rPr lang="en-US" dirty="0"/>
-              <a:t>Turing got the idea from a Victorian parlor game where a man and a woman sat in a separate room.  The other players then passed a series of written questions to them and would try to guess the sex of the respondent by the answers they gave.</a:t>
-            </a:r>
-          </a:p>
-          <a:p>
-            <a:pPr marL="228600" indent="-228600">
-              <a:buAutoNum type="arabicPeriod"/>
-            </a:pPr>
-            <a:r>
-              <a:rPr lang="en-US" dirty="0"/>
-              <a:t>The Turing Test is a computer version of that game.  In the image here, we see a Human questioner in the middle, sending questions to both a computer and another human.  The interaction is purely in the form of text and answers: the human questioner types a question, and a response is displayed.  Now the task of that person is to determine whether the thing being interrogated is a person or a computer program.</a:t>
-            </a:r>
-          </a:p>
-          <a:p>
-            <a:pPr marL="228600" indent="-228600">
-              <a:buAutoNum type="arabicPeriod"/>
-            </a:pPr>
-            <a:r>
-              <a:rPr lang="en-US" dirty="0"/>
-              <a:t>Now, suppose that the thing being interrogated is indeed a computer program, but after some reasonable amount of time, the questioners cannot reliably tell whether they are interacting with a program or a person.  Then surely, Turing argued, you should accept that the program has some sort of human level intelligence because the system is doing something that makes it </a:t>
-            </a:r>
-            <a:r>
-              <a:rPr lang="en-US" b="1" dirty="0"/>
-              <a:t>indistinguishable </a:t>
-            </a:r>
-            <a:r>
-              <a:rPr lang="en-US" b="0" dirty="0"/>
-              <a:t>from the real thing.  The key word here is indistinguishable…</a:t>
-            </a:r>
-          </a:p>
-          <a:p>
-            <a:pPr marL="228600" indent="-228600">
-              <a:buAutoNum type="arabicPeriod"/>
-            </a:pPr>
-            <a:endParaRPr lang="en-US" b="0" dirty="0"/>
-          </a:p>
-          <a:p>
-            <a:r>
-              <a:rPr lang="en-US" dirty="0"/>
-              <a:t>https://searchenterpriseai.techtarget.com/definition/Turing-test</a:t>
+              <a:rPr lang="en-US" dirty="0">
+                <a:latin typeface="Arial" pitchFamily="18"/>
+                <a:ea typeface="Arial" pitchFamily="34"/>
+                <a:cs typeface="Arial" pitchFamily="34"/>
+              </a:rPr>
+              <a:t>Another important name in AI is Alan Turing.  The Turing test of intelligence was first proposed by him in 1950, in an article entitled, </a:t>
+            </a:r>
+            <a:r>
+              <a:rPr lang="en-US" i="1" dirty="0">
+                <a:latin typeface="Arial" pitchFamily="18"/>
+                <a:ea typeface="Arial" pitchFamily="34"/>
+                <a:cs typeface="Arial" pitchFamily="34"/>
+              </a:rPr>
+              <a:t>Computing Machinery and Intelligence.  </a:t>
+            </a:r>
+            <a:r>
+              <a:rPr lang="en-US" dirty="0">
+                <a:latin typeface="Arial" pitchFamily="18"/>
+                <a:ea typeface="Arial" pitchFamily="34"/>
+                <a:cs typeface="Arial" pitchFamily="34"/>
+              </a:rPr>
+              <a:t>This is a foundational document in this field.</a:t>
+            </a:r>
+          </a:p>
+          <a:p>
+            <a:endParaRPr lang="en-US" dirty="0">
+              <a:latin typeface="Arial" pitchFamily="18"/>
+              <a:ea typeface="Arial" pitchFamily="34"/>
+              <a:cs typeface="Arial" pitchFamily="34"/>
+            </a:endParaRPr>
+          </a:p>
+          <a:p>
+            <a:r>
+              <a:rPr lang="en-US" dirty="0">
+                <a:latin typeface="Arial" pitchFamily="18"/>
+                <a:ea typeface="Arial" pitchFamily="34"/>
+                <a:cs typeface="Arial" pitchFamily="34"/>
+              </a:rPr>
+              <a:t>Turing, AM (1950) Computing Machinery and Intelligence. </a:t>
+            </a:r>
+            <a:r>
+              <a:rPr lang="en-US" i="1" dirty="0">
+                <a:latin typeface="Arial" pitchFamily="18"/>
+                <a:ea typeface="Arial" pitchFamily="34"/>
+                <a:cs typeface="Arial" pitchFamily="34"/>
+              </a:rPr>
+              <a:t>Mind</a:t>
+            </a:r>
+            <a:r>
+              <a:rPr lang="en-US" dirty="0">
+                <a:latin typeface="Arial" pitchFamily="18"/>
+                <a:ea typeface="Arial" pitchFamily="34"/>
+                <a:cs typeface="Arial" pitchFamily="34"/>
+              </a:rPr>
+              <a:t>: 54</a:t>
             </a:r>
           </a:p>
         </p:txBody>
@@ -2044,7 +1733,7 @@
           <a:p>
             <a:fld id="{3148858F-F1DB-4027-9C85-CCA6849540DD}" type="slidenum">
               <a:rPr lang="en-US" smtClean="0"/>
-              <a:t>18</a:t>
+              <a:t>17</a:t>
             </a:fld>
             <a:endParaRPr lang="en-US"/>
           </a:p>
@@ -2053,7 +1742,7 @@
     </p:spTree>
     <p:extLst>
       <p:ext uri="{BB962C8B-B14F-4D97-AF65-F5344CB8AC3E}">
-        <p14:creationId xmlns:p14="http://schemas.microsoft.com/office/powerpoint/2010/main" val="2968338234"/>
+        <p14:creationId xmlns:p14="http://schemas.microsoft.com/office/powerpoint/2010/main" val="1860523921"/>
       </p:ext>
     </p:extLst>
   </p:cSld>
@@ -2108,35 +1797,58 @@
           <a:lstStyle/>
           <a:p>
             <a:r>
+              <a:rPr lang="en-US" dirty="0"/>
+              <a:t>The Turing Test has been hugely influential since Turing first described it in 1950.  </a:t>
+            </a:r>
+          </a:p>
+          <a:p>
+            <a:endParaRPr lang="en-US" dirty="0"/>
+          </a:p>
+          <a:p>
+            <a:pPr marL="233309" indent="-233309">
+              <a:buAutoNum type="arabicPeriod"/>
+            </a:pPr>
+            <a:r>
+              <a:rPr lang="en-US" dirty="0"/>
+              <a:t>Turing got the idea from a Victorian parlor game where a man and a woman sat in a separate room.  The other players then passed a series of written questions to them and would try to guess the sex of the respondent by the answers they gave.</a:t>
+            </a:r>
+          </a:p>
+          <a:p>
+            <a:pPr marL="233309" indent="-233309">
+              <a:buAutoNum type="arabicPeriod"/>
+            </a:pPr>
+            <a:r>
+              <a:rPr lang="en-US" dirty="0"/>
+              <a:t>The Turing Test is a computer version of that game.  In the image here, we see a Human questioner in the middle, sending questions to both a computer and another human.  The interaction is purely in the form of text and answers: the human questioner types a question, and a response is displayed.  Now the task of that person is to determine whether the thing being interrogated is a person or a computer program.</a:t>
+            </a:r>
+          </a:p>
+          <a:p>
+            <a:pPr marL="233309" indent="-233309">
+              <a:buAutoNum type="arabicPeriod"/>
+            </a:pPr>
+            <a:r>
+              <a:rPr lang="en-US" dirty="0"/>
+              <a:t>Now, suppose that the thing being interrogated is indeed a computer program, but after some reasonable amount of time, the questioners cannot reliably tell whether they are interacting with a program or a person.  Then surely, Turing argued, you should accept that the program has some sort of human level intelligence because the system is doing something that makes it </a:t>
+            </a:r>
+            <a:r>
+              <a:rPr lang="en-US" b="1" dirty="0"/>
+              <a:t>indistinguishable </a:t>
+            </a:r>
+            <a:r>
               <a:rPr lang="en-US" b="0" dirty="0"/>
-              <a:t>Michael Woolridge discusses ELIZA, a computer program written in the 1960’s by the German MIT computer scientist Joseph Weizenbaum.  Eliza takes the role of a psychiatrist talking to a patient to get the interviewee to contemplate themselves.  Strangely, they discovered that many humans preferred Eliza over </a:t>
-            </a:r>
-          </a:p>
-          <a:p>
+              <a:t>from the real thing.  The key word here is indistinguishable…</a:t>
+            </a:r>
+          </a:p>
+          <a:p>
+            <a:pPr marL="233309" indent="-233309">
+              <a:buAutoNum type="arabicPeriod"/>
+            </a:pPr>
             <a:endParaRPr lang="en-US" b="0" dirty="0"/>
           </a:p>
           <a:p>
             <a:r>
-              <a:rPr lang="en-US" b="0" dirty="0"/>
-              <a:t>ELIZA’s legacy lives on to this day, in the form of the annual Loebner Prize competition.  It is unclear whether Turing imagined that anyone would ever actually try out his test for real, but in 1990 that is precisely what American millionaire inventory Hugh Loebner decided to do.  Every year, the Loebner Prize invites the submission of computer programs to engage in the Turing test, attempting to convince a panel of judges that they are in fact people.  </a:t>
-            </a:r>
-          </a:p>
-          <a:p>
-            <a:endParaRPr lang="en-US" b="0" dirty="0"/>
-          </a:p>
-          <a:p>
-            <a:r>
-              <a:rPr lang="en-US" b="0" dirty="0"/>
-              <a:t>We’re going to give you time to chat with this year’s winner of the Loebner prize.  Her name is Kuki…</a:t>
-            </a:r>
-          </a:p>
-          <a:p>
-            <a:endParaRPr lang="en-US" b="0" dirty="0"/>
-          </a:p>
-          <a:p>
-            <a:r>
-              <a:rPr lang="en-US" b="0" dirty="0"/>
-              <a:t>Woolridge concludes, “ELIZA is the direct ancestor of a phenomenon that makes AI researchers groan whenever it is mentioned: the internet chatbot.</a:t>
+              <a:rPr lang="en-US" dirty="0"/>
+              <a:t>https://searchenterpriseai.techtarget.com/definition/Turing-test</a:t>
             </a:r>
           </a:p>
         </p:txBody>
@@ -2158,7 +1870,7 @@
           <a:p>
             <a:fld id="{3148858F-F1DB-4027-9C85-CCA6849540DD}" type="slidenum">
               <a:rPr lang="en-US" smtClean="0"/>
-              <a:t>19</a:t>
+              <a:t>18</a:t>
             </a:fld>
             <a:endParaRPr lang="en-US"/>
           </a:p>
@@ -2167,7 +1879,7 @@
     </p:spTree>
     <p:extLst>
       <p:ext uri="{BB962C8B-B14F-4D97-AF65-F5344CB8AC3E}">
-        <p14:creationId xmlns:p14="http://schemas.microsoft.com/office/powerpoint/2010/main" val="4034031462"/>
+        <p14:creationId xmlns:p14="http://schemas.microsoft.com/office/powerpoint/2010/main" val="2968338234"/>
       </p:ext>
     </p:extLst>
   </p:cSld>
@@ -2221,57 +1933,59 @@
           <a:bodyPr/>
           <a:lstStyle/>
           <a:p>
-            <a:pPr marL="0" marR="0" indent="0">
+            <a:r>
+              <a:rPr lang="en-US" b="0" dirty="0"/>
+              <a:t>An early attempt at creating a conversational AI program was ELIZA.  ELIZA is a famous computer program written in the 1960’s by MIT computer scientist Joseph Weizenbaum.  The program mimics the role of a psychiatrist talking to a patient to get the interviewee to contemplate themselves.  Strangely, Weizenbaum discovered that many people preferred Eliza over a conversation with a real human-being.</a:t>
+            </a:r>
+          </a:p>
+          <a:p>
+            <a:endParaRPr lang="en-US" b="0" dirty="0"/>
+          </a:p>
+          <a:p>
+            <a:pPr marL="0" marR="0" lvl="0" indent="0" algn="l" defTabSz="914400" rtl="0" eaLnBrk="1" fontAlgn="auto" latinLnBrk="0" hangingPunct="1">
+              <a:lnSpc>
+                <a:spcPct val="100000"/>
+              </a:lnSpc>
               <a:spcBef>
                 <a:spcPts val="0"/>
               </a:spcBef>
               <a:spcAft>
                 <a:spcPts val="0"/>
               </a:spcAft>
+              <a:buClrTx/>
+              <a:buSzTx/>
+              <a:buFontTx/>
               <a:buNone/>
+              <a:tabLst/>
+              <a:defRPr/>
             </a:pPr>
             <a:r>
-              <a:rPr lang="en-US" sz="1200" dirty="0">
-                <a:effectLst/>
-                <a:latin typeface="Palatino Linotype" panose="02040502050505030304" pitchFamily="18" charset="0"/>
-                <a:ea typeface="Calibri" panose="020F0502020204030204" pitchFamily="34" charset="0"/>
-              </a:rPr>
-              <a:t>Breakout conversations – Is Kuki exhibiting intelligent behavior, is this intelligence? (Yes/No)</a:t>
-            </a:r>
-          </a:p>
-          <a:p>
-            <a:pPr marL="0" marR="0" indent="0">
-              <a:spcBef>
-                <a:spcPts val="0"/>
-              </a:spcBef>
-              <a:spcAft>
-                <a:spcPts val="0"/>
-              </a:spcAft>
-              <a:buNone/>
-            </a:pPr>
-            <a:endParaRPr lang="en-US" sz="1200" dirty="0">
-              <a:effectLst/>
-              <a:latin typeface="Palatino Linotype" panose="02040502050505030304" pitchFamily="18" charset="0"/>
-              <a:ea typeface="Calibri" panose="020F0502020204030204" pitchFamily="34" charset="0"/>
-            </a:endParaRPr>
-          </a:p>
-          <a:p>
-            <a:pPr marL="0" marR="0" indent="0">
-              <a:spcBef>
-                <a:spcPts val="0"/>
-              </a:spcBef>
-              <a:spcAft>
-                <a:spcPts val="0"/>
-              </a:spcAft>
-              <a:buNone/>
-            </a:pPr>
-            <a:r>
-              <a:rPr lang="en-US" sz="1200" dirty="0">
-                <a:effectLst/>
-                <a:latin typeface="Palatino Linotype" panose="02040502050505030304" pitchFamily="18" charset="0"/>
-                <a:ea typeface="Calibri" panose="020F0502020204030204" pitchFamily="34" charset="0"/>
-              </a:rPr>
-              <a:t>Team debate </a:t>
+              <a:rPr lang="en-US" b="0" dirty="0"/>
+              <a:t>ELIZA’s legacy lives on to this day.  In 1990, Hugh Loebner created the Loebner Prize.  Each year, the Loebner Prize invites the submission of computer programs to engage in the Turing test, attempting to convince a panel of judges that they are in fact people.  </a:t>
+            </a:r>
+          </a:p>
+          <a:p>
+            <a:endParaRPr lang="en-US" b="0" dirty="0"/>
+          </a:p>
+          <a:p>
+            <a:r>
+              <a:rPr lang="en-US" b="0" dirty="0"/>
+              <a:t>We’re going to give you time to chat with this year’s winner of the Loebner prize.  Her name is Kuki…</a:t>
+            </a:r>
+          </a:p>
+          <a:p>
+            <a:endParaRPr lang="en-US" b="0" dirty="0"/>
+          </a:p>
+          <a:p>
+            <a:r>
+              <a:rPr lang="en-US" b="0" dirty="0"/>
+              <a:t>=====</a:t>
+            </a:r>
+          </a:p>
+          <a:p>
+            <a:r>
+              <a:rPr lang="en-US" b="0" dirty="0"/>
+              <a:t>Woolridge concludes, “ELIZA is the direct ancestor of a phenomenon that makes AI researchers groan whenever it is mentioned: the internet chatbot.</a:t>
             </a:r>
           </a:p>
         </p:txBody>
@@ -2293,7 +2007,7 @@
           <a:p>
             <a:fld id="{3148858F-F1DB-4027-9C85-CCA6849540DD}" type="slidenum">
               <a:rPr lang="en-US" smtClean="0"/>
-              <a:t>20</a:t>
+              <a:t>19</a:t>
             </a:fld>
             <a:endParaRPr lang="en-US"/>
           </a:p>
@@ -2302,7 +2016,7 @@
     </p:spTree>
     <p:extLst>
       <p:ext uri="{BB962C8B-B14F-4D97-AF65-F5344CB8AC3E}">
-        <p14:creationId xmlns:p14="http://schemas.microsoft.com/office/powerpoint/2010/main" val="1066522800"/>
+        <p14:creationId xmlns:p14="http://schemas.microsoft.com/office/powerpoint/2010/main" val="4034031462"/>
       </p:ext>
     </p:extLst>
   </p:cSld>
@@ -2356,37 +2070,6 @@
           <a:bodyPr/>
           <a:lstStyle/>
           <a:p>
-            <a:pPr marL="0" marR="0" lvl="0" indent="0" algn="l" defTabSz="914400" rtl="0" eaLnBrk="1" fontAlgn="auto" latinLnBrk="0" hangingPunct="1">
-              <a:lnSpc>
-                <a:spcPct val="100000"/>
-              </a:lnSpc>
-              <a:spcBef>
-                <a:spcPts val="0"/>
-              </a:spcBef>
-              <a:spcAft>
-                <a:spcPts val="0"/>
-              </a:spcAft>
-              <a:buClrTx/>
-              <a:buSzTx/>
-              <a:buFontTx/>
-              <a:buNone/>
-              <a:tabLst/>
-              <a:defRPr/>
-            </a:pPr>
-            <a:r>
-              <a:rPr lang="en-US" sz="1200" b="0" i="0" kern="1200" dirty="0">
-                <a:solidFill>
-                  <a:schemeClr val="tx1"/>
-                </a:solidFill>
-                <a:effectLst/>
-                <a:latin typeface="+mn-lt"/>
-                <a:ea typeface="+mn-ea"/>
-                <a:cs typeface="+mn-cs"/>
-              </a:rPr>
-              <a:t>Here’s the question we will focus on in our first set of presentations.  What are we talking about?</a:t>
-            </a:r>
-          </a:p>
-          <a:p>
             <a:endParaRPr lang="en-US" dirty="0"/>
           </a:p>
         </p:txBody>
@@ -2408,7 +2091,7 @@
           <a:p>
             <a:fld id="{3148858F-F1DB-4027-9C85-CCA6849540DD}" type="slidenum">
               <a:rPr lang="en-US" smtClean="0"/>
-              <a:t>3</a:t>
+              <a:t>2</a:t>
             </a:fld>
             <a:endParaRPr lang="en-US"/>
           </a:p>
@@ -2417,7 +2100,108 @@
     </p:spTree>
     <p:extLst>
       <p:ext uri="{BB962C8B-B14F-4D97-AF65-F5344CB8AC3E}">
-        <p14:creationId xmlns:p14="http://schemas.microsoft.com/office/powerpoint/2010/main" val="1955762856"/>
+        <p14:creationId xmlns:p14="http://schemas.microsoft.com/office/powerpoint/2010/main" val="175420081"/>
+      </p:ext>
+    </p:extLst>
+  </p:cSld>
+  <p:clrMapOvr>
+    <a:masterClrMapping/>
+  </p:clrMapOvr>
+</p:notes>
+</file>
+
+<file path=ppt/notesSlides/notesSlide20.xml><?xml version="1.0" encoding="utf-8"?>
+<p:notes xmlns:a="http://schemas.openxmlformats.org/drawingml/2006/main" xmlns:r="http://schemas.openxmlformats.org/officeDocument/2006/relationships" xmlns:p="http://schemas.openxmlformats.org/presentationml/2006/main">
+  <p:cSld>
+    <p:spTree>
+      <p:nvGrpSpPr>
+        <p:cNvPr id="1" name=""/>
+        <p:cNvGrpSpPr/>
+        <p:nvPr/>
+      </p:nvGrpSpPr>
+      <p:grpSpPr>
+        <a:xfrm>
+          <a:off x="0" y="0"/>
+          <a:ext cx="0" cy="0"/>
+          <a:chOff x="0" y="0"/>
+          <a:chExt cx="0" cy="0"/>
+        </a:xfrm>
+      </p:grpSpPr>
+      <p:sp>
+        <p:nvSpPr>
+          <p:cNvPr id="2" name="Slide Image Placeholder 1"/>
+          <p:cNvSpPr>
+            <a:spLocks noGrp="1" noRot="1" noChangeAspect="1"/>
+          </p:cNvSpPr>
+          <p:nvPr>
+            <p:ph type="sldImg"/>
+          </p:nvPr>
+        </p:nvSpPr>
+        <p:spPr/>
+      </p:sp>
+      <p:sp>
+        <p:nvSpPr>
+          <p:cNvPr id="3" name="Notes Placeholder 2"/>
+          <p:cNvSpPr>
+            <a:spLocks noGrp="1"/>
+          </p:cNvSpPr>
+          <p:nvPr>
+            <p:ph type="body" idx="1"/>
+          </p:nvPr>
+        </p:nvSpPr>
+        <p:spPr/>
+        <p:txBody>
+          <a:bodyPr/>
+          <a:lstStyle/>
+          <a:p>
+            <a:r>
+              <a:rPr lang="en-US" dirty="0">
+                <a:latin typeface="Palatino Linotype" panose="02040502050505030304" pitchFamily="18" charset="0"/>
+                <a:ea typeface="Calibri" panose="020F0502020204030204" pitchFamily="34" charset="0"/>
+              </a:rPr>
+              <a:t>Breakout conversations – Is Kuki exhibiting intelligent behavior, is this intelligence? (Yes/</a:t>
+            </a:r>
+            <a:r>
+              <a:rPr lang="en-US">
+                <a:latin typeface="Palatino Linotype" panose="02040502050505030304" pitchFamily="18" charset="0"/>
+                <a:ea typeface="Calibri" panose="020F0502020204030204" pitchFamily="34" charset="0"/>
+              </a:rPr>
+              <a:t>No)</a:t>
+            </a:r>
+            <a:endParaRPr lang="en-US" dirty="0">
+              <a:latin typeface="Palatino Linotype" panose="02040502050505030304" pitchFamily="18" charset="0"/>
+              <a:ea typeface="Calibri" panose="020F0502020204030204" pitchFamily="34" charset="0"/>
+            </a:endParaRPr>
+          </a:p>
+        </p:txBody>
+      </p:sp>
+      <p:sp>
+        <p:nvSpPr>
+          <p:cNvPr id="4" name="Slide Number Placeholder 3"/>
+          <p:cNvSpPr>
+            <a:spLocks noGrp="1"/>
+          </p:cNvSpPr>
+          <p:nvPr>
+            <p:ph type="sldNum" sz="quarter" idx="5"/>
+          </p:nvPr>
+        </p:nvSpPr>
+        <p:spPr/>
+        <p:txBody>
+          <a:bodyPr/>
+          <a:lstStyle/>
+          <a:p>
+            <a:fld id="{3148858F-F1DB-4027-9C85-CCA6849540DD}" type="slidenum">
+              <a:rPr lang="en-US" smtClean="0"/>
+              <a:t>20</a:t>
+            </a:fld>
+            <a:endParaRPr lang="en-US"/>
+          </a:p>
+        </p:txBody>
+      </p:sp>
+    </p:spTree>
+    <p:extLst>
+      <p:ext uri="{BB962C8B-B14F-4D97-AF65-F5344CB8AC3E}">
+        <p14:creationId xmlns:p14="http://schemas.microsoft.com/office/powerpoint/2010/main" val="1066522800"/>
       </p:ext>
     </p:extLst>
   </p:cSld>
@@ -2471,210 +2255,13 @@
           <a:bodyPr/>
           <a:lstStyle/>
           <a:p>
-            <a:pPr marL="228600" indent="-228600">
-              <a:buAutoNum type="arabicPeriod"/>
+            <a:pPr defTabSz="933237">
+              <a:defRPr/>
             </a:pPr>
             <a:r>
-              <a:rPr lang="en-US" sz="1200" b="0" i="0" kern="1200" dirty="0">
-                <a:solidFill>
-                  <a:schemeClr val="tx1"/>
-                </a:solidFill>
-                <a:effectLst/>
-                <a:latin typeface="+mn-lt"/>
-                <a:ea typeface="+mn-ea"/>
-                <a:cs typeface="+mn-cs"/>
-              </a:rPr>
-              <a:t>Expansive AI</a:t>
-            </a:r>
-          </a:p>
-          <a:p>
-            <a:pPr marL="685800" lvl="1" indent="-228600">
-              <a:buAutoNum type="arabicPeriod"/>
-            </a:pPr>
-            <a:r>
-              <a:rPr lang="en-US" sz="1200" b="0" i="0" kern="1200" dirty="0">
-                <a:solidFill>
-                  <a:schemeClr val="tx1"/>
-                </a:solidFill>
-                <a:effectLst/>
-                <a:latin typeface="+mn-lt"/>
-                <a:ea typeface="+mn-ea"/>
-                <a:cs typeface="+mn-cs"/>
-              </a:rPr>
-              <a:t>AI encompasses ML and DL</a:t>
-            </a:r>
-          </a:p>
-          <a:p>
-            <a:pPr marL="685800" lvl="1" indent="-228600">
-              <a:buAutoNum type="arabicPeriod"/>
-            </a:pPr>
-            <a:r>
-              <a:rPr lang="en-US" sz="1200" b="0" i="0" kern="1200" dirty="0">
-                <a:solidFill>
-                  <a:schemeClr val="tx1"/>
-                </a:solidFill>
-                <a:effectLst/>
-                <a:latin typeface="+mn-lt"/>
-                <a:ea typeface="+mn-ea"/>
-                <a:cs typeface="+mn-cs"/>
-              </a:rPr>
-              <a:t>Distinct domains</a:t>
-            </a:r>
-          </a:p>
-          <a:p>
-            <a:pPr marL="228600" indent="-228600">
-              <a:buAutoNum type="arabicPeriod"/>
-            </a:pPr>
-            <a:r>
-              <a:rPr lang="en-US" sz="1200" b="0" i="0" kern="1200" dirty="0">
-                <a:solidFill>
-                  <a:schemeClr val="tx1"/>
-                </a:solidFill>
-                <a:effectLst/>
-                <a:latin typeface="+mn-lt"/>
-                <a:ea typeface="+mn-ea"/>
-                <a:cs typeface="+mn-cs"/>
-              </a:rPr>
-              <a:t>Uneven progress since the 1950’s, with multiple ‘winters’ where interest and funding dried up</a:t>
-            </a:r>
-          </a:p>
-          <a:p>
-            <a:pPr marL="228600" lvl="0" indent="-228600">
-              <a:buAutoNum type="arabicPeriod"/>
-            </a:pPr>
-            <a:r>
-              <a:rPr lang="en-US" b="0" i="0" kern="1200" dirty="0">
-                <a:solidFill>
-                  <a:schemeClr val="tx1"/>
-                </a:solidFill>
-                <a:effectLst/>
-                <a:latin typeface="+mn-lt"/>
-                <a:ea typeface="+mn-ea"/>
-                <a:cs typeface="+mn-cs"/>
-              </a:rPr>
-              <a:t>Let’s take a closer look at the history of AI</a:t>
-            </a:r>
-            <a:endParaRPr lang="en-US" b="0" i="0" dirty="0">
-              <a:solidFill>
-                <a:srgbClr val="202122"/>
-              </a:solidFill>
-              <a:effectLst/>
-              <a:latin typeface="Arial" panose="020B0604020202020204" pitchFamily="34" charset="0"/>
-            </a:endParaRPr>
-          </a:p>
-          <a:p>
-            <a:pPr marL="228600" indent="-228600">
-              <a:buAutoNum type="arabicPeriod"/>
-            </a:pPr>
-            <a:endParaRPr lang="en-US" sz="1200" b="0" i="0" kern="1200" dirty="0">
-              <a:solidFill>
-                <a:schemeClr val="tx1"/>
-              </a:solidFill>
-              <a:effectLst/>
-              <a:latin typeface="+mn-lt"/>
-              <a:ea typeface="+mn-ea"/>
-              <a:cs typeface="+mn-cs"/>
-            </a:endParaRPr>
-          </a:p>
-          <a:p>
-            <a:r>
-              <a:rPr lang="en-US" sz="1200" b="0" i="0" kern="1200" dirty="0">
-                <a:solidFill>
-                  <a:schemeClr val="tx1"/>
-                </a:solidFill>
-                <a:effectLst/>
-                <a:latin typeface="+mn-lt"/>
-                <a:ea typeface="+mn-ea"/>
-                <a:cs typeface="+mn-cs"/>
-              </a:rPr>
-              <a:t>=====</a:t>
-            </a:r>
-          </a:p>
-          <a:p>
-            <a:r>
-              <a:rPr lang="en-US" sz="1200" b="0" i="0" kern="1200" dirty="0">
-                <a:solidFill>
-                  <a:schemeClr val="tx1"/>
-                </a:solidFill>
-                <a:effectLst/>
-                <a:latin typeface="+mn-lt"/>
-                <a:ea typeface="+mn-ea"/>
-                <a:cs typeface="+mn-cs"/>
-              </a:rPr>
-              <a:t>The field of AI is expansive…</a:t>
-            </a:r>
-          </a:p>
-          <a:p>
-            <a:endParaRPr lang="en-US" sz="1200" b="0" i="0" kern="1200" dirty="0">
-              <a:solidFill>
-                <a:schemeClr val="tx1"/>
-              </a:solidFill>
-              <a:effectLst/>
-              <a:latin typeface="+mn-lt"/>
-              <a:ea typeface="+mn-ea"/>
-              <a:cs typeface="+mn-cs"/>
-            </a:endParaRPr>
-          </a:p>
-          <a:p>
-            <a:r>
-              <a:rPr lang="en-US" sz="1200" b="0" i="0" kern="1200" dirty="0">
-                <a:solidFill>
-                  <a:schemeClr val="tx1"/>
-                </a:solidFill>
-                <a:effectLst/>
-                <a:latin typeface="+mn-lt"/>
-                <a:ea typeface="+mn-ea"/>
-                <a:cs typeface="+mn-cs"/>
-              </a:rPr>
-              <a:t>Often, the terms AI, Machine Learning, and Deep Learning are used interchangeably.  But as pictured here, they are distinct domains, with AI encompassing the other two.  Indeed, AI has a long and distinguished history.  In fact, a lot of interesting AI research happened in the 1950s.  </a:t>
-            </a:r>
-          </a:p>
-          <a:p>
-            <a:endParaRPr lang="en-US" sz="1200" b="0" i="0" kern="1200" dirty="0">
-              <a:solidFill>
-                <a:schemeClr val="tx1"/>
-              </a:solidFill>
-              <a:effectLst/>
-              <a:latin typeface="+mn-lt"/>
-              <a:ea typeface="+mn-ea"/>
-              <a:cs typeface="+mn-cs"/>
-            </a:endParaRPr>
-          </a:p>
-          <a:p>
-            <a:r>
-              <a:rPr lang="en-US" sz="1200" b="0" i="0" kern="1200" dirty="0">
-                <a:solidFill>
-                  <a:schemeClr val="tx1"/>
-                </a:solidFill>
-                <a:effectLst/>
-                <a:latin typeface="+mn-lt"/>
-                <a:ea typeface="+mn-ea"/>
-                <a:cs typeface="+mn-cs"/>
-              </a:rPr>
-              <a:t>Let’s consider a couple definitions…</a:t>
-            </a:r>
-          </a:p>
-          <a:p>
-            <a:endParaRPr lang="en-US" sz="1200" b="0" i="0" kern="1200" dirty="0">
-              <a:solidFill>
-                <a:schemeClr val="tx1"/>
-              </a:solidFill>
-              <a:effectLst/>
-              <a:latin typeface="+mn-lt"/>
-              <a:ea typeface="+mn-ea"/>
-              <a:cs typeface="+mn-cs"/>
-            </a:endParaRPr>
-          </a:p>
-          <a:p>
-            <a:endParaRPr lang="en-US" sz="1200" b="0" i="0" kern="1200" dirty="0">
-              <a:solidFill>
-                <a:schemeClr val="tx1"/>
-              </a:solidFill>
-              <a:effectLst/>
-              <a:latin typeface="+mn-lt"/>
-              <a:ea typeface="+mn-ea"/>
-              <a:cs typeface="+mn-cs"/>
-            </a:endParaRPr>
+              <a:rPr lang="en-US" dirty="0"/>
+              <a:t>Here’s the question we will focus on in our first set of presentations.  What are we talking about?</a:t>
+            </a:r>
           </a:p>
           <a:p>
             <a:endParaRPr lang="en-US" dirty="0"/>
@@ -2698,7 +2285,7 @@
           <a:p>
             <a:fld id="{3148858F-F1DB-4027-9C85-CCA6849540DD}" type="slidenum">
               <a:rPr lang="en-US" smtClean="0"/>
-              <a:t>4</a:t>
+              <a:t>3</a:t>
             </a:fld>
             <a:endParaRPr lang="en-US"/>
           </a:p>
@@ -2707,7 +2294,7 @@
     </p:spTree>
     <p:extLst>
       <p:ext uri="{BB962C8B-B14F-4D97-AF65-F5344CB8AC3E}">
-        <p14:creationId xmlns:p14="http://schemas.microsoft.com/office/powerpoint/2010/main" val="7792111"/>
+        <p14:creationId xmlns:p14="http://schemas.microsoft.com/office/powerpoint/2010/main" val="1955762856"/>
       </p:ext>
     </p:extLst>
   </p:cSld>
@@ -2761,8 +2348,47 @@
           <a:bodyPr/>
           <a:lstStyle/>
           <a:p>
-            <a:r>
-              <a:rPr lang="en-US" sz="1200" b="0" i="0" kern="1200" dirty="0">
+            <a:pPr marL="233309" indent="-233309">
+              <a:buAutoNum type="arabicPeriod"/>
+            </a:pPr>
+            <a:r>
+              <a:rPr lang="en-US" dirty="0"/>
+              <a:t>Expansive AI</a:t>
+            </a:r>
+          </a:p>
+          <a:p>
+            <a:pPr marL="699927" lvl="1" indent="-233309">
+              <a:buAutoNum type="arabicPeriod"/>
+            </a:pPr>
+            <a:r>
+              <a:rPr lang="en-US" dirty="0"/>
+              <a:t>AI encompasses ML and DL</a:t>
+            </a:r>
+          </a:p>
+          <a:p>
+            <a:pPr marL="699927" lvl="1" indent="-233309">
+              <a:buAutoNum type="arabicPeriod"/>
+            </a:pPr>
+            <a:r>
+              <a:rPr lang="en-US" dirty="0"/>
+              <a:t>Distinct domains</a:t>
+            </a:r>
+          </a:p>
+          <a:p>
+            <a:pPr marL="233309" indent="-233309">
+              <a:buAutoNum type="arabicPeriod"/>
+            </a:pPr>
+            <a:r>
+              <a:rPr lang="en-US" dirty="0"/>
+              <a:t>Uneven progress since the 1950’s, with multiple ‘winters’ where interest and funding dried up</a:t>
+            </a:r>
+          </a:p>
+          <a:p>
+            <a:pPr marL="233309" indent="-233309">
+              <a:buAutoNum type="arabicPeriod"/>
+            </a:pPr>
+            <a:r>
+              <a:rPr lang="en-US" b="0" i="0" kern="1200" dirty="0">
                 <a:solidFill>
                   <a:schemeClr val="tx1"/>
                 </a:solidFill>
@@ -2771,304 +2397,60 @@
                 <a:ea typeface="+mn-ea"/>
                 <a:cs typeface="+mn-cs"/>
               </a:rPr>
-              <a:t>In the past, AI has experienced multiple “winters.”</a:t>
-            </a:r>
-          </a:p>
-          <a:p>
-            <a:endParaRPr lang="en-US" sz="1200" b="0" i="0" kern="1200" dirty="0">
+              <a:t>Let’s first examine the relationship between machine learning and deep learning.</a:t>
+            </a:r>
+            <a:endParaRPr lang="en-US" b="0" i="0" dirty="0">
               <a:solidFill>
-                <a:schemeClr val="tx1"/>
+                <a:srgbClr val="202122"/>
               </a:solidFill>
               <a:effectLst/>
-              <a:latin typeface="+mn-lt"/>
-              <a:ea typeface="+mn-ea"/>
-              <a:cs typeface="+mn-cs"/>
+              <a:latin typeface="Arial" panose="020B0604020202020204" pitchFamily="34" charset="0"/>
             </a:endParaRPr>
           </a:p>
           <a:p>
-            <a:pPr marL="228600" lvl="0" indent="-228600">
+            <a:pPr marL="233309" indent="-233309">
               <a:buAutoNum type="arabicPeriod"/>
             </a:pPr>
-            <a:r>
-              <a:rPr lang="en-US" sz="1200" b="0" i="0" kern="1200" dirty="0">
-                <a:solidFill>
-                  <a:schemeClr val="tx1"/>
-                </a:solidFill>
-                <a:effectLst/>
-                <a:latin typeface="+mn-lt"/>
-                <a:ea typeface="+mn-ea"/>
-                <a:cs typeface="+mn-cs"/>
-              </a:rPr>
-              <a:t>1</a:t>
-            </a:r>
-            <a:r>
-              <a:rPr lang="en-US" sz="1200" b="0" i="0" kern="1200" baseline="30000" dirty="0">
-                <a:solidFill>
-                  <a:schemeClr val="tx1"/>
-                </a:solidFill>
-                <a:effectLst/>
-                <a:latin typeface="+mn-lt"/>
-                <a:ea typeface="+mn-ea"/>
-                <a:cs typeface="+mn-cs"/>
-              </a:rPr>
-              <a:t>st</a:t>
-            </a:r>
-            <a:r>
-              <a:rPr lang="en-US" sz="1200" b="0" i="0" kern="1200" dirty="0">
-                <a:solidFill>
-                  <a:schemeClr val="tx1"/>
-                </a:solidFill>
-                <a:effectLst/>
-                <a:latin typeface="+mn-lt"/>
-                <a:ea typeface="+mn-ea"/>
-                <a:cs typeface="+mn-cs"/>
-              </a:rPr>
-              <a:t> AI winter: mid-1970’s – neural network research abandoned after Minsky &amp; Papert argue in their book </a:t>
-            </a:r>
-            <a:r>
-              <a:rPr lang="en-US" sz="1200" b="0" i="1" kern="1200" dirty="0">
-                <a:solidFill>
-                  <a:schemeClr val="tx1"/>
-                </a:solidFill>
-                <a:effectLst/>
-                <a:latin typeface="+mn-lt"/>
-                <a:ea typeface="+mn-ea"/>
-                <a:cs typeface="+mn-cs"/>
-              </a:rPr>
-              <a:t>(Perceptron) </a:t>
-            </a:r>
-            <a:r>
-              <a:rPr lang="en-US" sz="1200" b="0" i="0" kern="1200" dirty="0">
-                <a:solidFill>
-                  <a:schemeClr val="tx1"/>
-                </a:solidFill>
-                <a:effectLst/>
-                <a:latin typeface="+mn-lt"/>
-                <a:ea typeface="+mn-ea"/>
-                <a:cs typeface="+mn-cs"/>
-              </a:rPr>
-              <a:t>that neural networks are a dead-end.</a:t>
-            </a:r>
-          </a:p>
-          <a:p>
-            <a:pPr marL="228600" lvl="0" indent="-228600">
-              <a:buAutoNum type="arabicPeriod"/>
-            </a:pPr>
-            <a:r>
-              <a:rPr lang="en-US" sz="1200" b="0" i="0" kern="1200" dirty="0">
-                <a:solidFill>
-                  <a:schemeClr val="tx1"/>
-                </a:solidFill>
-                <a:effectLst/>
-                <a:latin typeface="+mn-lt"/>
-                <a:ea typeface="+mn-ea"/>
-                <a:cs typeface="+mn-cs"/>
-              </a:rPr>
-              <a:t>2</a:t>
-            </a:r>
-            <a:r>
-              <a:rPr lang="en-US" sz="1200" b="0" i="0" kern="1200" baseline="30000" dirty="0">
-                <a:solidFill>
-                  <a:schemeClr val="tx1"/>
-                </a:solidFill>
-                <a:effectLst/>
-                <a:latin typeface="+mn-lt"/>
-                <a:ea typeface="+mn-ea"/>
-                <a:cs typeface="+mn-cs"/>
-              </a:rPr>
-              <a:t>nd</a:t>
-            </a:r>
-            <a:r>
-              <a:rPr lang="en-US" sz="1200" b="0" i="0" kern="1200" dirty="0">
-                <a:solidFill>
-                  <a:schemeClr val="tx1"/>
-                </a:solidFill>
-                <a:effectLst/>
-                <a:latin typeface="+mn-lt"/>
-                <a:ea typeface="+mn-ea"/>
-                <a:cs typeface="+mn-cs"/>
-              </a:rPr>
-              <a:t> AI winter: early-1990’s – expert systems fail – too difficult to construct and maintain</a:t>
-            </a:r>
-          </a:p>
-          <a:p>
-            <a:endParaRPr lang="en-US" sz="1200" b="0" i="0" kern="1200" dirty="0">
-              <a:solidFill>
-                <a:schemeClr val="tx1"/>
-              </a:solidFill>
-              <a:effectLst/>
-              <a:latin typeface="+mn-lt"/>
-              <a:ea typeface="+mn-ea"/>
-              <a:cs typeface="+mn-cs"/>
-            </a:endParaRPr>
-          </a:p>
-          <a:p>
-            <a:r>
-              <a:rPr lang="en-US" sz="1200" b="0" i="0" kern="1200" dirty="0">
-                <a:solidFill>
-                  <a:schemeClr val="tx1"/>
-                </a:solidFill>
-                <a:effectLst/>
-                <a:latin typeface="+mn-lt"/>
-                <a:ea typeface="+mn-ea"/>
-                <a:cs typeface="+mn-cs"/>
-              </a:rPr>
-              <a:t>The problem is one of over-promising and under-delivering.  But here are some key points to keep in mind</a:t>
-            </a:r>
-          </a:p>
-          <a:p>
-            <a:endParaRPr lang="en-US" sz="1200" b="0" i="0" kern="1200" dirty="0">
-              <a:solidFill>
-                <a:schemeClr val="tx1"/>
-              </a:solidFill>
-              <a:effectLst/>
-              <a:latin typeface="+mn-lt"/>
-              <a:ea typeface="+mn-ea"/>
-              <a:cs typeface="+mn-cs"/>
-            </a:endParaRPr>
-          </a:p>
-          <a:p>
-            <a:pPr marL="171450" marR="0" lvl="0" indent="-171450" algn="l" hangingPunct="0">
-              <a:lnSpc>
-                <a:spcPct val="100000"/>
-              </a:lnSpc>
-              <a:spcBef>
-                <a:spcPts val="0"/>
-              </a:spcBef>
-              <a:spcAft>
-                <a:spcPts val="1440"/>
-              </a:spcAft>
-              <a:buSzPct val="45000"/>
-              <a:buFont typeface="Courier New" panose="02070309020205020404" pitchFamily="49" charset="0"/>
-              <a:buChar char="o"/>
-              <a:tabLst/>
-            </a:pPr>
-            <a:r>
-              <a:rPr lang="en-US" sz="1200" b="0" i="0" u="none" strike="noStrike" kern="1200" cap="none" dirty="0">
-                <a:ln>
-                  <a:noFill/>
-                </a:ln>
-                <a:latin typeface="Arial" pitchFamily="34"/>
-                <a:ea typeface="Arial" pitchFamily="34"/>
-                <a:cs typeface="Arial" pitchFamily="34"/>
-              </a:rPr>
-              <a:t> AI researchers have been making steady progress since the 1950s.</a:t>
-            </a:r>
-          </a:p>
-          <a:p>
-            <a:pPr marL="171450" marR="0" lvl="0" indent="-171450" algn="l" hangingPunct="0">
-              <a:lnSpc>
-                <a:spcPct val="100000"/>
-              </a:lnSpc>
-              <a:spcBef>
-                <a:spcPts val="0"/>
-              </a:spcBef>
-              <a:spcAft>
-                <a:spcPts val="1440"/>
-              </a:spcAft>
-              <a:buSzPct val="45000"/>
-              <a:buFont typeface="Courier New" panose="02070309020205020404" pitchFamily="49" charset="0"/>
-              <a:buChar char="o"/>
-              <a:tabLst/>
-            </a:pPr>
-            <a:r>
-              <a:rPr lang="en-US" sz="1200" b="0" i="0" u="none" strike="noStrike" kern="1200" cap="none" dirty="0">
-                <a:ln>
-                  <a:noFill/>
-                </a:ln>
-                <a:latin typeface="Arial" pitchFamily="34"/>
-                <a:ea typeface="Arial" pitchFamily="34"/>
-                <a:cs typeface="Arial" pitchFamily="34"/>
-              </a:rPr>
-              <a:t> AI is seductive.</a:t>
-            </a:r>
-          </a:p>
-          <a:p>
-            <a:pPr marL="171450" marR="0" lvl="0" indent="-171450" algn="l" hangingPunct="0">
-              <a:lnSpc>
-                <a:spcPct val="100000"/>
-              </a:lnSpc>
-              <a:spcBef>
-                <a:spcPts val="0"/>
-              </a:spcBef>
-              <a:spcAft>
-                <a:spcPts val="1440"/>
-              </a:spcAft>
-              <a:buSzPct val="45000"/>
-              <a:buFont typeface="Courier New" panose="02070309020205020404" pitchFamily="49" charset="0"/>
-              <a:buChar char="o"/>
-              <a:tabLst/>
-            </a:pPr>
-            <a:r>
-              <a:rPr lang="en-US" sz="1200" b="0" i="0" u="none" strike="noStrike" kern="1200" cap="none" dirty="0">
-                <a:ln>
-                  <a:noFill/>
-                </a:ln>
-                <a:latin typeface="Arial" pitchFamily="34"/>
-                <a:ea typeface="Arial" pitchFamily="34"/>
-                <a:cs typeface="Arial" pitchFamily="34"/>
-              </a:rPr>
-              <a:t> AI winters were mostly about over-hyped commercial and government interest and expectations.</a:t>
-            </a:r>
-          </a:p>
-          <a:p>
-            <a:pPr marL="171450" marR="0" lvl="0" indent="-171450" algn="l" hangingPunct="0">
-              <a:lnSpc>
-                <a:spcPct val="100000"/>
-              </a:lnSpc>
-              <a:spcBef>
-                <a:spcPts val="0"/>
-              </a:spcBef>
-              <a:spcAft>
-                <a:spcPts val="1440"/>
-              </a:spcAft>
-              <a:buSzPct val="45000"/>
-              <a:buFont typeface="Courier New" panose="02070309020205020404" pitchFamily="49" charset="0"/>
-              <a:buChar char="o"/>
-              <a:tabLst/>
-            </a:pPr>
-            <a:r>
-              <a:rPr lang="en-US" sz="1200" b="0" i="0" u="none" strike="noStrike" kern="1200" cap="none" dirty="0">
-                <a:ln>
-                  <a:noFill/>
-                </a:ln>
-                <a:latin typeface="Arial" pitchFamily="34"/>
-                <a:ea typeface="Arial" pitchFamily="34"/>
-                <a:cs typeface="Arial" pitchFamily="34"/>
-              </a:rPr>
-              <a:t> AI winters weren't really about failures of AI. AI technologies, including many “failures” are relevant and widely useful today.</a:t>
-            </a:r>
-          </a:p>
-          <a:p>
-            <a:pPr marL="0" marR="0" lvl="0" indent="0" algn="l" hangingPunct="0">
-              <a:lnSpc>
-                <a:spcPct val="100000"/>
-              </a:lnSpc>
-              <a:spcBef>
-                <a:spcPts val="0"/>
-              </a:spcBef>
-              <a:spcAft>
-                <a:spcPts val="1440"/>
-              </a:spcAft>
-              <a:buSzPct val="45000"/>
-              <a:buFont typeface="StarSymbol"/>
-              <a:buNone/>
-              <a:tabLst/>
-            </a:pPr>
-            <a:endParaRPr lang="en-US" sz="1200" b="0" i="0" u="none" strike="noStrike" kern="1200" cap="none" dirty="0">
-              <a:ln>
-                <a:noFill/>
-              </a:ln>
-              <a:latin typeface="Arial" pitchFamily="34"/>
-              <a:ea typeface="Arial" pitchFamily="34"/>
-              <a:cs typeface="Arial" pitchFamily="34"/>
-            </a:endParaRPr>
+            <a:endParaRPr lang="en-US" dirty="0"/>
           </a:p>
           <a:p>
             <a:r>
               <a:rPr lang="en-US" dirty="0"/>
-              <a:t>Now for definitions…</a:t>
-            </a:r>
+              <a:t>=====</a:t>
+            </a:r>
+          </a:p>
+          <a:p>
+            <a:r>
+              <a:rPr lang="en-US" dirty="0"/>
+              <a:t>The field of AI is expansive…</a:t>
+            </a:r>
+          </a:p>
+          <a:p>
+            <a:endParaRPr lang="en-US" dirty="0"/>
+          </a:p>
+          <a:p>
+            <a:r>
+              <a:rPr lang="en-US" dirty="0"/>
+              <a:t>Often, the terms AI, Machine Learning, and Deep Learning are used interchangeably.  But as pictured here, they are distinct domains, with AI encompassing the other two.  Indeed, AI has a long and distinguished history.  In fact, a lot of interesting AI research happened in the 1950s.  </a:t>
+            </a:r>
+          </a:p>
+          <a:p>
+            <a:endParaRPr lang="en-US" dirty="0"/>
+          </a:p>
+          <a:p>
+            <a:r>
+              <a:rPr lang="en-US" dirty="0"/>
+              <a:t>Let’s consider a couple definitions…</a:t>
+            </a:r>
+          </a:p>
+          <a:p>
+            <a:endParaRPr lang="en-US" dirty="0"/>
+          </a:p>
+          <a:p>
+            <a:endParaRPr lang="en-US" dirty="0"/>
+          </a:p>
+          <a:p>
+            <a:endParaRPr lang="en-US" dirty="0"/>
           </a:p>
         </p:txBody>
       </p:sp>
@@ -3089,7 +2471,7 @@
           <a:p>
             <a:fld id="{3148858F-F1DB-4027-9C85-CCA6849540DD}" type="slidenum">
               <a:rPr lang="en-US" smtClean="0"/>
-              <a:t>5</a:t>
+              <a:t>4</a:t>
             </a:fld>
             <a:endParaRPr lang="en-US"/>
           </a:p>
@@ -3098,7 +2480,7 @@
     </p:spTree>
     <p:extLst>
       <p:ext uri="{BB962C8B-B14F-4D97-AF65-F5344CB8AC3E}">
-        <p14:creationId xmlns:p14="http://schemas.microsoft.com/office/powerpoint/2010/main" val="1181104308"/>
+        <p14:creationId xmlns:p14="http://schemas.microsoft.com/office/powerpoint/2010/main" val="7792111"/>
       </p:ext>
     </p:extLst>
   </p:cSld>
@@ -3152,6 +2534,15 @@
           <a:bodyPr/>
           <a:lstStyle/>
           <a:p>
+            <a:r>
+              <a:rPr lang="en-US" dirty="0"/>
+              <a:t>Although deep learning is a subfield of machine learning, some broad differences exist between the two.  Let’s briefly consider a couple. </a:t>
+            </a:r>
+          </a:p>
+          <a:p>
+            <a:endParaRPr lang="en-US" dirty="0"/>
+          </a:p>
+          <a:p>
             <a:pPr marL="228600" marR="0" lvl="0" indent="-228600" algn="l" defTabSz="914400" rtl="0" eaLnBrk="1" fontAlgn="auto" latinLnBrk="0" hangingPunct="1">
               <a:lnSpc>
                 <a:spcPct val="100000"/>
@@ -3170,232 +2561,59 @@
               <a:defRPr/>
             </a:pPr>
             <a:r>
-              <a:rPr lang="en-US" b="0" i="0" dirty="0">
-                <a:solidFill>
-                  <a:srgbClr val="202122"/>
-                </a:solidFill>
-                <a:effectLst/>
-                <a:latin typeface="Arial" panose="020B0604020202020204" pitchFamily="34" charset="0"/>
-              </a:rPr>
-              <a:t>Leading AI textbooks define the field of Artificial Intelligence as the study of “intelligent or rational agents” – any system that perceives its environment and takes actions that maximize its chance of achieving its goals.</a:t>
-            </a:r>
-          </a:p>
-          <a:p>
-            <a:pPr marL="228600" marR="0" lvl="0" indent="-228600" algn="l" defTabSz="914400" rtl="0" eaLnBrk="1" fontAlgn="auto" latinLnBrk="0" hangingPunct="1">
-              <a:lnSpc>
-                <a:spcPct val="100000"/>
-              </a:lnSpc>
-              <a:spcBef>
-                <a:spcPts val="0"/>
-              </a:spcBef>
-              <a:spcAft>
-                <a:spcPts val="0"/>
-              </a:spcAft>
-              <a:buClrTx/>
-              <a:buSzTx/>
-              <a:buFontTx/>
+              <a:rPr lang="en-US" dirty="0"/>
+              <a:t>Deep learning came into its own shortly after 2010.  This deep learning revolution was powered by a) Graphic Processing Units (GPUs), b) plentiful data, and c) deep learning frameworks. ML algorithms, on the other hand, rose to prominence in the 1990’s, with advances in computer hardware.  </a:t>
+            </a:r>
+          </a:p>
+          <a:p>
+            <a:pPr marL="228600" indent="-228600">
               <a:buAutoNum type="arabicPeriod"/>
-              <a:tabLst/>
-              <a:defRPr/>
             </a:pPr>
             <a:r>
-              <a:rPr lang="en-US" b="0" i="0" dirty="0">
-                <a:solidFill>
-                  <a:srgbClr val="202122"/>
-                </a:solidFill>
-                <a:effectLst/>
-                <a:latin typeface="Arial" panose="020B0604020202020204" pitchFamily="34" charset="0"/>
-              </a:rPr>
-              <a:t>Restatement of Russell &amp; Norvig’s definition – </a:t>
-            </a:r>
-            <a:r>
-              <a:rPr lang="en-US" b="0" i="1" dirty="0">
-                <a:solidFill>
-                  <a:srgbClr val="202122"/>
-                </a:solidFill>
-                <a:effectLst/>
-                <a:latin typeface="Arial" panose="020B0604020202020204" pitchFamily="34" charset="0"/>
-              </a:rPr>
-              <a:t>Artificial Intelligence: A Modern Approach</a:t>
-            </a:r>
-            <a:r>
-              <a:rPr lang="en-US" b="0" i="0" dirty="0">
-                <a:solidFill>
-                  <a:srgbClr val="202122"/>
-                </a:solidFill>
-                <a:effectLst/>
-                <a:latin typeface="Arial" panose="020B0604020202020204" pitchFamily="34" charset="0"/>
-              </a:rPr>
-              <a:t>, 2</a:t>
-            </a:r>
-            <a:r>
-              <a:rPr lang="en-US" b="0" i="0" baseline="30000" dirty="0">
-                <a:solidFill>
-                  <a:srgbClr val="202122"/>
-                </a:solidFill>
-                <a:effectLst/>
-                <a:latin typeface="Arial" panose="020B0604020202020204" pitchFamily="34" charset="0"/>
-              </a:rPr>
-              <a:t>nd</a:t>
-            </a:r>
-            <a:r>
-              <a:rPr lang="en-US" b="0" i="0" dirty="0">
-                <a:solidFill>
-                  <a:srgbClr val="202122"/>
-                </a:solidFill>
-                <a:effectLst/>
-                <a:latin typeface="Arial" panose="020B0604020202020204" pitchFamily="34" charset="0"/>
-              </a:rPr>
-              <a:t> edition – most widely used introductory text.</a:t>
-            </a:r>
-          </a:p>
-          <a:p>
-            <a:pPr marL="228600" marR="0" lvl="0" indent="-228600" algn="l" defTabSz="914400" rtl="0" eaLnBrk="1" fontAlgn="auto" latinLnBrk="0" hangingPunct="1">
-              <a:lnSpc>
-                <a:spcPct val="100000"/>
-              </a:lnSpc>
-              <a:spcBef>
-                <a:spcPts val="0"/>
-              </a:spcBef>
-              <a:spcAft>
-                <a:spcPts val="0"/>
-              </a:spcAft>
-              <a:buClrTx/>
-              <a:buSzTx/>
-              <a:buFontTx/>
+              <a:rPr lang="en-US" dirty="0"/>
+              <a:t>The distinguishing feature of deep learning is the presence of artificial neurons arranged in layers.  Deep learning was inspired by the anatomy of the brain, specifically the neuron.  The inspiration for machine learning algorithms came from statistical and mathematical formulas. </a:t>
+            </a:r>
+          </a:p>
+          <a:p>
+            <a:pPr marL="228600" indent="-228600">
               <a:buAutoNum type="arabicPeriod"/>
-              <a:tabLst/>
-              <a:defRPr/>
             </a:pPr>
             <a:r>
-              <a:rPr lang="en-US" b="0" i="0" dirty="0">
-                <a:solidFill>
-                  <a:srgbClr val="202122"/>
-                </a:solidFill>
-                <a:effectLst/>
-                <a:latin typeface="Arial" panose="020B0604020202020204" pitchFamily="34" charset="0"/>
-              </a:rPr>
-              <a:t>AI system performance = humans in many cases.  </a:t>
-            </a:r>
-          </a:p>
-          <a:p>
-            <a:pPr marL="228600" marR="0" lvl="0" indent="-228600" algn="l" defTabSz="914400" rtl="0" eaLnBrk="1" fontAlgn="auto" latinLnBrk="0" hangingPunct="1">
-              <a:lnSpc>
-                <a:spcPct val="100000"/>
-              </a:lnSpc>
-              <a:spcBef>
-                <a:spcPts val="0"/>
-              </a:spcBef>
-              <a:spcAft>
-                <a:spcPts val="0"/>
-              </a:spcAft>
-              <a:buClrTx/>
-              <a:buSzTx/>
-              <a:buFontTx/>
-              <a:buAutoNum type="arabicPeriod"/>
-              <a:tabLst/>
-              <a:defRPr/>
-            </a:pPr>
-            <a:r>
-              <a:rPr lang="en-US" b="0" i="0" dirty="0">
-                <a:solidFill>
-                  <a:srgbClr val="202122"/>
-                </a:solidFill>
-                <a:effectLst/>
-                <a:latin typeface="Arial" panose="020B0604020202020204" pitchFamily="34" charset="0"/>
-              </a:rPr>
-              <a:t>Broad array of applications.</a:t>
-            </a:r>
-          </a:p>
-          <a:p>
-            <a:endParaRPr lang="en-US" sz="1200" b="0" i="0" kern="1200" dirty="0">
-              <a:solidFill>
-                <a:schemeClr val="tx1"/>
-              </a:solidFill>
-              <a:effectLst/>
-              <a:latin typeface="+mn-lt"/>
-              <a:ea typeface="+mn-ea"/>
-              <a:cs typeface="+mn-cs"/>
-            </a:endParaRPr>
-          </a:p>
-          <a:p>
-            <a:r>
-              <a:rPr lang="en-US" sz="1200" b="0" i="0" kern="1200" dirty="0">
-                <a:solidFill>
-                  <a:schemeClr val="tx1"/>
-                </a:solidFill>
-                <a:effectLst/>
-                <a:latin typeface="+mn-lt"/>
-                <a:ea typeface="+mn-ea"/>
-                <a:cs typeface="+mn-cs"/>
-              </a:rPr>
+              <a:rPr lang="en-US" dirty="0"/>
+              <a:t>The development environments are different too.  Tensorflow / Keras – Pytorch / FastAI on the deep learning side.  Sci-Kit Learn and RAPIDS on the machine learning side.   There are many libraries and software packages which provide some level of machine learning support.    </a:t>
+            </a:r>
+          </a:p>
+          <a:p>
+            <a:endParaRPr lang="en-US" dirty="0"/>
+          </a:p>
+          <a:p>
+            <a:r>
+              <a:rPr lang="en-US" dirty="0"/>
+              <a:t>As mentioned earlier, AI has experienced multiple winters…</a:t>
+            </a:r>
+          </a:p>
+          <a:p>
+            <a:endParaRPr lang="en-US" dirty="0"/>
+          </a:p>
+          <a:p>
+            <a:r>
+              <a:rPr lang="en-US" dirty="0"/>
               <a:t>=====</a:t>
             </a:r>
           </a:p>
           <a:p>
-            <a:pPr marL="0" marR="0" lvl="0" indent="0" algn="l" defTabSz="914400" rtl="0" eaLnBrk="1" fontAlgn="auto" latinLnBrk="0" hangingPunct="1">
-              <a:lnSpc>
-                <a:spcPct val="100000"/>
-              </a:lnSpc>
-              <a:spcBef>
-                <a:spcPts val="0"/>
-              </a:spcBef>
-              <a:spcAft>
-                <a:spcPts val="0"/>
-              </a:spcAft>
-              <a:buClrTx/>
-              <a:buSzTx/>
-              <a:buFontTx/>
-              <a:buNone/>
-              <a:tabLst/>
-              <a:defRPr/>
-            </a:pPr>
-            <a:r>
-              <a:rPr lang="en-US" b="0" i="0" dirty="0">
-                <a:solidFill>
-                  <a:srgbClr val="202122"/>
-                </a:solidFill>
-                <a:effectLst/>
-                <a:latin typeface="Arial" panose="020B0604020202020204" pitchFamily="34" charset="0"/>
-              </a:rPr>
-              <a:t>Leading AI textbooks define the field of Artificial Intelligence as the study of “intelligent agents”: any system that perceives its environment and takes actions that maximize its chance of achieving its goals.  Such systems are now able to perform tasks humans are good at; </a:t>
-            </a:r>
-            <a:r>
-              <a:rPr lang="en-US" sz="1200" b="0" i="0" kern="1200" dirty="0">
-                <a:solidFill>
-                  <a:schemeClr val="tx1"/>
-                </a:solidFill>
-                <a:effectLst/>
-                <a:latin typeface="+mn-lt"/>
-                <a:ea typeface="+mn-ea"/>
-                <a:cs typeface="+mn-cs"/>
-              </a:rPr>
-              <a:t>for example, recognizing objects, making sense of speech, and decision making in a constrained environment.  A</a:t>
-            </a:r>
             <a:r>
               <a:rPr lang="en-US" dirty="0"/>
-              <a:t>s our computer programs have become more sophisticated, our ideas of which tasks require human intelligence have evolved. Thus, AI is now used in a wide variety of tasks.</a:t>
-            </a:r>
-            <a:endParaRPr lang="en-US" sz="1200" b="0" i="0" kern="1200" dirty="0">
-              <a:solidFill>
-                <a:schemeClr val="tx1"/>
-              </a:solidFill>
-              <a:effectLst/>
-              <a:latin typeface="+mn-lt"/>
-              <a:ea typeface="+mn-ea"/>
-              <a:cs typeface="+mn-cs"/>
-            </a:endParaRPr>
-          </a:p>
-          <a:p>
-            <a:endParaRPr lang="en-US" sz="1200" b="0" i="0" kern="1200" dirty="0">
-              <a:solidFill>
-                <a:schemeClr val="tx1"/>
-              </a:solidFill>
-              <a:effectLst/>
-              <a:latin typeface="+mn-lt"/>
-              <a:ea typeface="+mn-ea"/>
-              <a:cs typeface="+mn-cs"/>
-            </a:endParaRPr>
+              <a:t>The </a:t>
+            </a:r>
+            <a:r>
+              <a:rPr lang="en-US" i="1" dirty="0"/>
+              <a:t>ImageNet Large Scale Visual Recognition Challenge</a:t>
+            </a:r>
+            <a:r>
+              <a:rPr lang="en-US" dirty="0"/>
+              <a:t> is the world’s premier ground for assessing the world’s state-of-the-art vision models.  AlexNet – a deep learning model – crushed the competition in 2012.  It was the only deep-learning competitor that year.  </a:t>
+            </a:r>
           </a:p>
         </p:txBody>
       </p:sp>
@@ -3416,7 +2634,7 @@
           <a:p>
             <a:fld id="{3148858F-F1DB-4027-9C85-CCA6849540DD}" type="slidenum">
               <a:rPr lang="en-US" smtClean="0"/>
-              <a:t>6</a:t>
+              <a:t>5</a:t>
             </a:fld>
             <a:endParaRPr lang="en-US"/>
           </a:p>
@@ -3425,7 +2643,7 @@
     </p:spTree>
     <p:extLst>
       <p:ext uri="{BB962C8B-B14F-4D97-AF65-F5344CB8AC3E}">
-        <p14:creationId xmlns:p14="http://schemas.microsoft.com/office/powerpoint/2010/main" val="4120710171"/>
+        <p14:creationId xmlns:p14="http://schemas.microsoft.com/office/powerpoint/2010/main" val="3009881722"/>
       </p:ext>
     </p:extLst>
   </p:cSld>
@@ -3479,177 +2697,131 @@
           <a:bodyPr/>
           <a:lstStyle/>
           <a:p>
-            <a:r>
-              <a:rPr lang="en-US" sz="1200" b="0" i="0" kern="1200" dirty="0">
-                <a:solidFill>
-                  <a:schemeClr val="tx1"/>
-                </a:solidFill>
-                <a:effectLst/>
-                <a:latin typeface="+mn-lt"/>
-                <a:ea typeface="+mn-ea"/>
-                <a:cs typeface="+mn-cs"/>
+            <a:pPr marL="233309" indent="-233309">
+              <a:buAutoNum type="arabicPeriod"/>
+            </a:pPr>
+            <a:r>
+              <a:rPr lang="en-US" dirty="0"/>
+              <a:t>1</a:t>
+            </a:r>
+            <a:r>
+              <a:rPr lang="en-US" baseline="30000" dirty="0"/>
+              <a:t>st</a:t>
+            </a:r>
+            <a:r>
+              <a:rPr lang="en-US" dirty="0"/>
+              <a:t> AI winter: mid-1970’s – Marvin Minsky &amp; Seymour Papert argue in their book </a:t>
+            </a:r>
+            <a:r>
+              <a:rPr lang="en-US" i="1" dirty="0"/>
+              <a:t>(Perceptron) </a:t>
+            </a:r>
+            <a:r>
+              <a:rPr lang="en-US" dirty="0"/>
+              <a:t>that neural networks are a dead-end.</a:t>
+            </a:r>
+          </a:p>
+          <a:p>
+            <a:pPr marL="233309" indent="-233309">
+              <a:buAutoNum type="arabicPeriod"/>
+            </a:pPr>
+            <a:r>
+              <a:rPr lang="en-US" dirty="0"/>
+              <a:t>2</a:t>
+            </a:r>
+            <a:r>
+              <a:rPr lang="en-US" baseline="30000" dirty="0"/>
+              <a:t>nd</a:t>
+            </a:r>
+            <a:r>
+              <a:rPr lang="en-US" dirty="0"/>
+              <a:t> AI winter: early-1990’s – expert systems fail – too difficult to construct and maintain</a:t>
+            </a:r>
+          </a:p>
+          <a:p>
+            <a:endParaRPr lang="en-US" dirty="0"/>
+          </a:p>
+          <a:p>
+            <a:r>
+              <a:rPr lang="en-US" dirty="0"/>
+              <a:t>Hype is the problem.  It’s about over-promising and under-delivering.  But here are some key points:</a:t>
+            </a:r>
+          </a:p>
+          <a:p>
+            <a:endParaRPr lang="en-US" dirty="0"/>
+          </a:p>
+          <a:p>
+            <a:pPr marL="174982" indent="-174982" hangingPunct="0">
+              <a:spcAft>
+                <a:spcPts val="1470"/>
+              </a:spcAft>
+              <a:buSzPct val="45000"/>
+              <a:buFont typeface="Courier New" panose="02070309020205020404" pitchFamily="49" charset="0"/>
+              <a:buChar char="o"/>
+            </a:pPr>
+            <a:r>
+              <a:rPr lang="en-US" dirty="0">
+                <a:latin typeface="Arial" pitchFamily="34"/>
+                <a:ea typeface="Arial" pitchFamily="34"/>
+                <a:cs typeface="Arial" pitchFamily="34"/>
               </a:rPr>
-              <a:t>… and here’s a definition of machine learning coined by Arthur Samuel in 1959.  This is concise and one of my personal favorites.  However, I also like this second definition: </a:t>
-            </a:r>
-            <a:r>
-              <a:rPr lang="en-US" sz="1200" b="0" i="1" kern="1200" dirty="0">
-                <a:solidFill>
-                  <a:schemeClr val="tx1"/>
-                </a:solidFill>
-                <a:effectLst/>
-                <a:latin typeface="+mn-lt"/>
-                <a:ea typeface="+mn-ea"/>
-                <a:cs typeface="+mn-cs"/>
+              <a:t> AI is seductive</a:t>
+            </a:r>
+          </a:p>
+          <a:p>
+            <a:pPr marL="174982" indent="-174982" hangingPunct="0">
+              <a:spcAft>
+                <a:spcPts val="1470"/>
+              </a:spcAft>
+              <a:buSzPct val="45000"/>
+              <a:buFont typeface="Courier New" panose="02070309020205020404" pitchFamily="49" charset="0"/>
+              <a:buChar char="o"/>
+            </a:pPr>
+            <a:r>
+              <a:rPr lang="en-US" dirty="0">
+                <a:latin typeface="Arial" pitchFamily="34"/>
+                <a:ea typeface="Arial" pitchFamily="34"/>
+                <a:cs typeface="Arial" pitchFamily="34"/>
               </a:rPr>
-              <a:t>Machine learning is the science (and art) of programming computers so they can learn from data</a:t>
-            </a:r>
-            <a:r>
-              <a:rPr lang="en-US" sz="1200" b="0" i="0" kern="1200" dirty="0">
-                <a:solidFill>
-                  <a:schemeClr val="tx1"/>
-                </a:solidFill>
-                <a:effectLst/>
-                <a:latin typeface="+mn-lt"/>
-                <a:ea typeface="+mn-ea"/>
-                <a:cs typeface="+mn-cs"/>
+              <a:t> AI researchers have been making steady progress since the 1950s.</a:t>
+            </a:r>
+          </a:p>
+          <a:p>
+            <a:pPr marL="174982" indent="-174982" hangingPunct="0">
+              <a:spcAft>
+                <a:spcPts val="1470"/>
+              </a:spcAft>
+              <a:buSzPct val="45000"/>
+              <a:buFont typeface="Courier New" panose="02070309020205020404" pitchFamily="49" charset="0"/>
+              <a:buChar char="o"/>
+            </a:pPr>
+            <a:r>
+              <a:rPr lang="en-US" dirty="0">
+                <a:latin typeface="Arial" pitchFamily="34"/>
+                <a:ea typeface="Arial" pitchFamily="34"/>
+                <a:cs typeface="Arial" pitchFamily="34"/>
               </a:rPr>
-              <a:t>.  </a:t>
-            </a:r>
-          </a:p>
-          <a:p>
-            <a:endParaRPr lang="en-US" sz="1200" b="0" i="0" kern="1200" dirty="0">
-              <a:solidFill>
-                <a:schemeClr val="tx1"/>
-              </a:solidFill>
-              <a:effectLst/>
-              <a:latin typeface="+mn-lt"/>
-              <a:ea typeface="+mn-ea"/>
-              <a:cs typeface="+mn-cs"/>
+              <a:t> AI winters aren’t really about AI failures per se.  AI technologies, including many “failures” are still widely used today.</a:t>
+            </a:r>
+          </a:p>
+          <a:p>
+            <a:pPr hangingPunct="0">
+              <a:spcAft>
+                <a:spcPts val="1470"/>
+              </a:spcAft>
+              <a:buSzPct val="45000"/>
+            </a:pPr>
+            <a:endParaRPr lang="en-US" dirty="0">
+              <a:latin typeface="Arial" pitchFamily="34"/>
+              <a:ea typeface="Arial" pitchFamily="34"/>
+              <a:cs typeface="Arial" pitchFamily="34"/>
             </a:endParaRPr>
           </a:p>
           <a:p>
             <a:r>
-              <a:rPr lang="en-US" sz="1200" b="0" i="0" kern="1200" dirty="0">
-                <a:solidFill>
-                  <a:schemeClr val="tx1"/>
-                </a:solidFill>
-                <a:effectLst/>
-                <a:latin typeface="+mn-lt"/>
-                <a:ea typeface="+mn-ea"/>
-                <a:cs typeface="+mn-cs"/>
-              </a:rPr>
-              <a:t>Now, the key word in that second definition is </a:t>
-            </a:r>
-            <a:r>
-              <a:rPr lang="en-US" sz="1200" b="1" i="0" kern="1200" dirty="0">
-                <a:solidFill>
-                  <a:schemeClr val="tx1"/>
-                </a:solidFill>
-                <a:effectLst/>
-                <a:latin typeface="+mn-lt"/>
-                <a:ea typeface="+mn-ea"/>
-                <a:cs typeface="+mn-cs"/>
-              </a:rPr>
-              <a:t>data</a:t>
-            </a:r>
-            <a:r>
-              <a:rPr lang="en-US" sz="1200" b="0" i="0" kern="1200" dirty="0">
-                <a:solidFill>
-                  <a:schemeClr val="tx1"/>
-                </a:solidFill>
-                <a:effectLst/>
-                <a:latin typeface="+mn-lt"/>
-                <a:ea typeface="+mn-ea"/>
-                <a:cs typeface="+mn-cs"/>
-              </a:rPr>
-              <a:t>.  In fact, deep learning is not possible without data.  In the second half of today’s presentation, we will talk about the various types of data and the AI techniques used on them.  But first, let’s dive into the details of our Practicum AI workshop program.</a:t>
-            </a:r>
-          </a:p>
-          <a:p>
-            <a:endParaRPr lang="en-US" sz="1200" b="0" i="0" kern="1200" dirty="0">
-              <a:solidFill>
-                <a:schemeClr val="tx1"/>
-              </a:solidFill>
-              <a:effectLst/>
-              <a:latin typeface="+mn-lt"/>
-              <a:ea typeface="+mn-ea"/>
-              <a:cs typeface="+mn-cs"/>
-            </a:endParaRPr>
-          </a:p>
-          <a:p>
-            <a:r>
-              <a:rPr lang="en-US" sz="1200" b="0" i="0" kern="1200" dirty="0">
-                <a:solidFill>
-                  <a:schemeClr val="tx1"/>
-                </a:solidFill>
-                <a:effectLst/>
-                <a:latin typeface="+mn-lt"/>
-                <a:ea typeface="+mn-ea"/>
-                <a:cs typeface="+mn-cs"/>
-              </a:rPr>
-              <a:t>=====</a:t>
-            </a:r>
-          </a:p>
-          <a:p>
-            <a:pPr marL="0" marR="0" lvl="0" indent="0" algn="l" defTabSz="914400" rtl="0" eaLnBrk="1" fontAlgn="auto" latinLnBrk="0" hangingPunct="1">
-              <a:lnSpc>
-                <a:spcPct val="100000"/>
-              </a:lnSpc>
-              <a:spcBef>
-                <a:spcPts val="0"/>
-              </a:spcBef>
-              <a:spcAft>
-                <a:spcPts val="0"/>
-              </a:spcAft>
-              <a:buClrTx/>
-              <a:buSzTx/>
-              <a:buFontTx/>
-              <a:buNone/>
-              <a:tabLst/>
-              <a:defRPr/>
-            </a:pPr>
-            <a:r>
-              <a:rPr lang="en-US" b="0" i="0" dirty="0">
-                <a:solidFill>
-                  <a:srgbClr val="202122"/>
-                </a:solidFill>
-                <a:effectLst/>
-                <a:latin typeface="Arial" panose="020B0604020202020204" pitchFamily="34" charset="0"/>
-              </a:rPr>
-              <a:t>Machine Learning </a:t>
-            </a:r>
-            <a:r>
-              <a:rPr lang="en-US" b="0" i="0" dirty="0">
-                <a:solidFill>
-                  <a:srgbClr val="000000"/>
-                </a:solidFill>
-                <a:effectLst/>
-                <a:latin typeface="DINPro"/>
-              </a:rPr>
-              <a:t>algorithms parse data, learn from it, and then make a prediction about something in the world. So rather than hand-coding software routines with a specific set of instructions to accomplish a particular task, the machine is “trained” using large amounts of data and algorithms that give it the ability to learn how to perform the task.</a:t>
-            </a:r>
-          </a:p>
-          <a:p>
-            <a:endParaRPr lang="en-US" sz="1200" b="0" i="0" kern="1200" dirty="0">
-              <a:solidFill>
-                <a:schemeClr val="tx1"/>
-              </a:solidFill>
-              <a:effectLst/>
-              <a:latin typeface="+mn-lt"/>
-              <a:ea typeface="+mn-ea"/>
-              <a:cs typeface="+mn-cs"/>
-            </a:endParaRPr>
-          </a:p>
-          <a:p>
-            <a:endParaRPr lang="en-US" sz="1200" b="0" i="0" kern="1200" dirty="0">
-              <a:solidFill>
-                <a:schemeClr val="tx1"/>
-              </a:solidFill>
-              <a:effectLst/>
-              <a:latin typeface="+mn-lt"/>
-              <a:ea typeface="+mn-ea"/>
-              <a:cs typeface="+mn-cs"/>
-            </a:endParaRPr>
+              <a:rPr lang="en-US" dirty="0"/>
+              <a:t>Now for definitions…</a:t>
+            </a:r>
           </a:p>
         </p:txBody>
       </p:sp>
@@ -3670,7 +2842,7 @@
           <a:p>
             <a:fld id="{3148858F-F1DB-4027-9C85-CCA6849540DD}" type="slidenum">
               <a:rPr lang="en-US" smtClean="0"/>
-              <a:t>7</a:t>
+              <a:t>6</a:t>
             </a:fld>
             <a:endParaRPr lang="en-US"/>
           </a:p>
@@ -3679,7 +2851,7 @@
     </p:spTree>
     <p:extLst>
       <p:ext uri="{BB962C8B-B14F-4D97-AF65-F5344CB8AC3E}">
-        <p14:creationId xmlns:p14="http://schemas.microsoft.com/office/powerpoint/2010/main" val="2710535571"/>
+        <p14:creationId xmlns:p14="http://schemas.microsoft.com/office/powerpoint/2010/main" val="1181104308"/>
       </p:ext>
     </p:extLst>
   </p:cSld>
@@ -3733,182 +2905,143 @@
           <a:bodyPr/>
           <a:lstStyle/>
           <a:p>
-            <a:pPr marL="228600" indent="-228600">
+            <a:pPr marL="233309" indent="-233309" defTabSz="933237">
+              <a:buFontTx/>
               <a:buAutoNum type="arabicPeriod"/>
+              <a:defRPr/>
             </a:pPr>
             <a:r>
-              <a:rPr lang="en-US" sz="1200" b="0" i="0" kern="1200" dirty="0">
+              <a:rPr lang="en-US" b="0" i="0" dirty="0">
                 <a:solidFill>
-                  <a:schemeClr val="tx1"/>
+                  <a:srgbClr val="202122"/>
                 </a:solidFill>
                 <a:effectLst/>
-                <a:latin typeface="+mn-lt"/>
-                <a:ea typeface="+mn-ea"/>
-                <a:cs typeface="+mn-cs"/>
+                <a:latin typeface="Arial" panose="020B0604020202020204" pitchFamily="34" charset="0"/>
               </a:rPr>
-              <a:t>Deep learning is a subfield of machine learning with a focus on </a:t>
-            </a:r>
-            <a:r>
-              <a:rPr lang="en-US" sz="1200" b="1" i="0" kern="1200" dirty="0">
+              <a:t>Leading AI textbooks define the field of Artificial Intelligence as the study of “intelligent or rational agents” – any system that perceives its environment and takes actions that maximize its chance of achieving its goals.</a:t>
+            </a:r>
+          </a:p>
+          <a:p>
+            <a:pPr marL="233309" indent="-233309" defTabSz="933237">
+              <a:buFontTx/>
+              <a:buAutoNum type="arabicPeriod"/>
+              <a:defRPr/>
+            </a:pPr>
+            <a:r>
+              <a:rPr lang="en-US" b="0" i="0" dirty="0">
                 <a:solidFill>
-                  <a:schemeClr val="tx1"/>
+                  <a:srgbClr val="202122"/>
                 </a:solidFill>
                 <a:effectLst/>
-                <a:latin typeface="+mn-lt"/>
-                <a:ea typeface="+mn-ea"/>
-                <a:cs typeface="+mn-cs"/>
+                <a:latin typeface="Arial" panose="020B0604020202020204" pitchFamily="34" charset="0"/>
               </a:rPr>
-              <a:t>neural networks</a:t>
-            </a:r>
-          </a:p>
-          <a:p>
-            <a:pPr marL="228600" indent="-228600">
-              <a:buAutoNum type="arabicPeriod"/>
-            </a:pPr>
-            <a:r>
-              <a:rPr lang="en-US" sz="1200" b="0" i="0" kern="1200" dirty="0">
+              <a:t>Restatement of Russell &amp; Norvig’s definition – </a:t>
+            </a:r>
+            <a:r>
+              <a:rPr lang="en-US" b="0" i="1" dirty="0">
                 <a:solidFill>
-                  <a:schemeClr val="tx1"/>
+                  <a:srgbClr val="202122"/>
                 </a:solidFill>
                 <a:effectLst/>
-                <a:latin typeface="+mn-lt"/>
-                <a:ea typeface="+mn-ea"/>
-                <a:cs typeface="+mn-cs"/>
+                <a:latin typeface="Arial" panose="020B0604020202020204" pitchFamily="34" charset="0"/>
               </a:rPr>
-              <a:t>A neural network is a special type of learning algorithm, inspired by the billions of interconnected neurons in the human brain.</a:t>
-            </a:r>
-          </a:p>
-          <a:p>
-            <a:pPr marL="228600" indent="-228600">
-              <a:buAutoNum type="arabicPeriod"/>
-            </a:pPr>
-            <a:r>
-              <a:rPr lang="en-US" sz="1200" b="0" i="0" kern="1200" dirty="0">
+              <a:t>Artificial Intelligence: A Modern Approach</a:t>
+            </a:r>
+            <a:r>
+              <a:rPr lang="en-US" b="0" i="0" dirty="0">
                 <a:solidFill>
-                  <a:schemeClr val="tx1"/>
+                  <a:srgbClr val="202122"/>
                 </a:solidFill>
                 <a:effectLst/>
-                <a:latin typeface="+mn-lt"/>
-                <a:ea typeface="+mn-ea"/>
-                <a:cs typeface="+mn-cs"/>
+                <a:latin typeface="Arial" panose="020B0604020202020204" pitchFamily="34" charset="0"/>
               </a:rPr>
-              <a:t>In a NN, neurons grouped together in layers – image of a multi-layered cake – if you have many layers, the cake is “deep” when viewed from above.</a:t>
-            </a:r>
-          </a:p>
-          <a:p>
-            <a:pPr marL="228600" indent="-228600">
-              <a:buAutoNum type="arabicPeriod"/>
-            </a:pPr>
-            <a:r>
-              <a:rPr lang="en-US" sz="1200" b="0" i="0" kern="1200" dirty="0">
+              <a:t>, 2</a:t>
+            </a:r>
+            <a:r>
+              <a:rPr lang="en-US" b="0" i="0" baseline="30000" dirty="0">
                 <a:solidFill>
-                  <a:schemeClr val="tx1"/>
+                  <a:srgbClr val="202122"/>
                 </a:solidFill>
                 <a:effectLst/>
-                <a:latin typeface="+mn-lt"/>
-                <a:ea typeface="+mn-ea"/>
-                <a:cs typeface="+mn-cs"/>
+                <a:latin typeface="Arial" panose="020B0604020202020204" pitchFamily="34" charset="0"/>
               </a:rPr>
-              <a:t>Since 2010, deep learning became possible because:</a:t>
-            </a:r>
-          </a:p>
-          <a:p>
-            <a:pPr marL="685800" lvl="1" indent="-228600">
-              <a:buAutoNum type="arabicPeriod"/>
-            </a:pPr>
-            <a:r>
-              <a:rPr lang="en-US" sz="1200" b="0" i="0" kern="1200" dirty="0">
+              <a:t>nd</a:t>
+            </a:r>
+            <a:r>
+              <a:rPr lang="en-US" b="0" i="0" dirty="0">
                 <a:solidFill>
-                  <a:schemeClr val="tx1"/>
+                  <a:srgbClr val="202122"/>
                 </a:solidFill>
                 <a:effectLst/>
-                <a:latin typeface="+mn-lt"/>
-                <a:ea typeface="+mn-ea"/>
-                <a:cs typeface="+mn-cs"/>
+                <a:latin typeface="Arial" panose="020B0604020202020204" pitchFamily="34" charset="0"/>
               </a:rPr>
-              <a:t>Enhanced hardware – GPUs from Nvidia and other suppliers</a:t>
-            </a:r>
-          </a:p>
-          <a:p>
-            <a:pPr marL="685800" lvl="1" indent="-228600">
+              <a:t> edition – most widely used introductory text.</a:t>
+            </a:r>
+          </a:p>
+          <a:p>
+            <a:pPr marL="233309" indent="-233309" defTabSz="933237">
+              <a:buFontTx/>
               <a:buAutoNum type="arabicPeriod"/>
+              <a:defRPr/>
             </a:pPr>
             <a:r>
-              <a:rPr lang="en-US" sz="1200" b="0" i="0" kern="1200" dirty="0">
+              <a:rPr lang="en-US" b="0" i="0" dirty="0">
                 <a:solidFill>
-                  <a:schemeClr val="tx1"/>
+                  <a:srgbClr val="202122"/>
                 </a:solidFill>
                 <a:effectLst/>
-                <a:latin typeface="+mn-lt"/>
-                <a:ea typeface="+mn-ea"/>
-                <a:cs typeface="+mn-cs"/>
+                <a:latin typeface="Arial" panose="020B0604020202020204" pitchFamily="34" charset="0"/>
               </a:rPr>
-              <a:t>Open AI software frameworks – Tensorflow, Pytorch, Keras, etc…</a:t>
-            </a:r>
-          </a:p>
-          <a:p>
-            <a:pPr marL="685800" lvl="1" indent="-228600">
+              <a:t>AI system performance = humans in many cases.  </a:t>
+            </a:r>
+          </a:p>
+          <a:p>
+            <a:pPr marL="233309" indent="-233309" defTabSz="933237">
+              <a:buFontTx/>
               <a:buAutoNum type="arabicPeriod"/>
+              <a:defRPr/>
             </a:pPr>
             <a:r>
-              <a:rPr lang="en-US" sz="1200" b="0" i="0" kern="1200" dirty="0">
+              <a:rPr lang="en-US" b="0" i="0" dirty="0">
                 <a:solidFill>
-                  <a:schemeClr val="tx1"/>
+                  <a:srgbClr val="202122"/>
                 </a:solidFill>
                 <a:effectLst/>
-                <a:latin typeface="+mn-lt"/>
-                <a:ea typeface="+mn-ea"/>
-                <a:cs typeface="+mn-cs"/>
+                <a:latin typeface="Arial" panose="020B0604020202020204" pitchFamily="34" charset="0"/>
               </a:rPr>
-              <a:t>Big Data</a:t>
-            </a:r>
-          </a:p>
-          <a:p>
-            <a:pPr marL="228600" indent="-228600">
-              <a:buAutoNum type="arabicPeriod"/>
+              <a:t>Broad array of applications.</a:t>
+            </a:r>
+          </a:p>
+          <a:p>
+            <a:endParaRPr lang="en-US" dirty="0"/>
+          </a:p>
+          <a:p>
+            <a:r>
+              <a:rPr lang="en-US" dirty="0"/>
+              <a:t>=====</a:t>
+            </a:r>
+          </a:p>
+          <a:p>
+            <a:pPr defTabSz="933237">
+              <a:defRPr/>
             </a:pPr>
-            <a:endParaRPr lang="en-US" sz="1200" b="0" i="0" kern="1200" dirty="0">
-              <a:solidFill>
-                <a:schemeClr val="tx1"/>
-              </a:solidFill>
-              <a:effectLst/>
-              <a:latin typeface="+mn-lt"/>
-              <a:ea typeface="+mn-ea"/>
-              <a:cs typeface="+mn-cs"/>
-            </a:endParaRPr>
-          </a:p>
-          <a:p>
-            <a:endParaRPr lang="en-US" sz="1200" b="0" i="0" kern="1200" dirty="0">
-              <a:solidFill>
-                <a:schemeClr val="tx1"/>
-              </a:solidFill>
-              <a:effectLst/>
-              <a:latin typeface="+mn-lt"/>
-              <a:ea typeface="+mn-ea"/>
-              <a:cs typeface="+mn-cs"/>
-            </a:endParaRPr>
-          </a:p>
-          <a:p>
-            <a:endParaRPr lang="en-US" sz="1200" b="0" i="0" kern="1200" dirty="0">
-              <a:solidFill>
-                <a:schemeClr val="tx1"/>
-              </a:solidFill>
-              <a:effectLst/>
-              <a:latin typeface="+mn-lt"/>
-              <a:ea typeface="+mn-ea"/>
-              <a:cs typeface="+mn-cs"/>
-            </a:endParaRPr>
-          </a:p>
-          <a:p>
-            <a:endParaRPr lang="en-US" sz="1200" b="0" i="0" kern="1200" dirty="0">
-              <a:solidFill>
-                <a:schemeClr val="tx1"/>
-              </a:solidFill>
-              <a:effectLst/>
-              <a:latin typeface="+mn-lt"/>
-              <a:ea typeface="+mn-ea"/>
-              <a:cs typeface="+mn-cs"/>
-            </a:endParaRPr>
+            <a:r>
+              <a:rPr lang="en-US" b="0" i="0" dirty="0">
+                <a:solidFill>
+                  <a:srgbClr val="202122"/>
+                </a:solidFill>
+                <a:effectLst/>
+                <a:latin typeface="Arial" panose="020B0604020202020204" pitchFamily="34" charset="0"/>
+              </a:rPr>
+              <a:t>Leading AI textbooks define the field of Artificial Intelligence as the study of “intelligent agents”: any system that perceives its environment and takes actions that maximize its chance of achieving its goals.  Such systems are now able to perform tasks humans are good at; </a:t>
+            </a:r>
+            <a:r>
+              <a:rPr lang="en-US" dirty="0"/>
+              <a:t>for example, recognizing objects, making sense of speech, and decision making in a constrained environment.  As our computer programs have become more sophisticated, our ideas of which tasks require human intelligence have evolved. Thus, AI is now used in a wide variety of tasks.</a:t>
+            </a:r>
+          </a:p>
+          <a:p>
+            <a:endParaRPr lang="en-US" dirty="0"/>
           </a:p>
         </p:txBody>
       </p:sp>
@@ -3929,7 +3062,7 @@
           <a:p>
             <a:fld id="{3148858F-F1DB-4027-9C85-CCA6849540DD}" type="slidenum">
               <a:rPr lang="en-US" smtClean="0"/>
-              <a:t>8</a:t>
+              <a:t>7</a:t>
             </a:fld>
             <a:endParaRPr lang="en-US"/>
           </a:p>
@@ -3938,7 +3071,7 @@
     </p:spTree>
     <p:extLst>
       <p:ext uri="{BB962C8B-B14F-4D97-AF65-F5344CB8AC3E}">
-        <p14:creationId xmlns:p14="http://schemas.microsoft.com/office/powerpoint/2010/main" val="658380389"/>
+        <p14:creationId xmlns:p14="http://schemas.microsoft.com/office/powerpoint/2010/main" val="4120710171"/>
       </p:ext>
     </p:extLst>
   </p:cSld>
@@ -3992,15 +3125,66 @@
           <a:bodyPr/>
           <a:lstStyle/>
           <a:p>
-            <a:endParaRPr lang="en-US" sz="1200" b="0" i="0" kern="1200" dirty="0">
-              <a:solidFill>
-                <a:schemeClr val="tx1"/>
-              </a:solidFill>
-              <a:effectLst/>
-              <a:latin typeface="+mn-lt"/>
-              <a:ea typeface="+mn-ea"/>
-              <a:cs typeface="+mn-cs"/>
-            </a:endParaRPr>
+            <a:r>
+              <a:rPr lang="en-US" dirty="0"/>
+              <a:t>… and here’s a definition of machine learning coined by Arthur Samuel in 1959.  This is concise and one of my personal favorites.  However, I also like this second definition: </a:t>
+            </a:r>
+            <a:r>
+              <a:rPr lang="en-US" i="1" dirty="0"/>
+              <a:t>Machine learning is the science (and art) of programming computers so they can learn from data</a:t>
+            </a:r>
+            <a:r>
+              <a:rPr lang="en-US" dirty="0"/>
+              <a:t>.  Now, the key word in that second definition is </a:t>
+            </a:r>
+            <a:r>
+              <a:rPr lang="en-US" b="1" dirty="0"/>
+              <a:t>data</a:t>
+            </a:r>
+            <a:r>
+              <a:rPr lang="en-US" dirty="0"/>
+              <a:t>.  In fact, deep learning is not possible without data.</a:t>
+            </a:r>
+          </a:p>
+          <a:p>
+            <a:endParaRPr lang="en-US" dirty="0"/>
+          </a:p>
+          <a:p>
+            <a:r>
+              <a:rPr lang="en-US" dirty="0"/>
+              <a:t>=====</a:t>
+            </a:r>
+          </a:p>
+          <a:p>
+            <a:pPr defTabSz="933237">
+              <a:defRPr/>
+            </a:pPr>
+            <a:r>
+              <a:rPr lang="en-US" b="0" i="0" dirty="0">
+                <a:solidFill>
+                  <a:srgbClr val="202122"/>
+                </a:solidFill>
+                <a:effectLst/>
+                <a:latin typeface="Arial" panose="020B0604020202020204" pitchFamily="34" charset="0"/>
+              </a:rPr>
+              <a:t>Machine Learning </a:t>
+            </a:r>
+            <a:r>
+              <a:rPr lang="en-US" b="0" i="0" dirty="0">
+                <a:solidFill>
+                  <a:srgbClr val="000000"/>
+                </a:solidFill>
+                <a:effectLst/>
+                <a:latin typeface="DINPro"/>
+              </a:rPr>
+              <a:t>algorithms parse data, learn from it, and then make a prediction about something in the world. So rather than hand-coding software routines with a specific set of instructions to accomplish a particular task, the machine is “trained” using large amounts of data and algorithms that give it the ability to learn how to perform the task.</a:t>
+            </a:r>
+          </a:p>
+          <a:p>
+            <a:endParaRPr lang="en-US" dirty="0"/>
+          </a:p>
+          <a:p>
+            <a:endParaRPr lang="en-US" dirty="0"/>
           </a:p>
         </p:txBody>
       </p:sp>
@@ -4021,7 +3205,7 @@
           <a:p>
             <a:fld id="{3148858F-F1DB-4027-9C85-CCA6849540DD}" type="slidenum">
               <a:rPr lang="en-US" smtClean="0"/>
-              <a:t>9</a:t>
+              <a:t>8</a:t>
             </a:fld>
             <a:endParaRPr lang="en-US"/>
           </a:p>
@@ -4030,7 +3214,7 @@
     </p:spTree>
     <p:extLst>
       <p:ext uri="{BB962C8B-B14F-4D97-AF65-F5344CB8AC3E}">
-        <p14:creationId xmlns:p14="http://schemas.microsoft.com/office/powerpoint/2010/main" val="3621801251"/>
+        <p14:creationId xmlns:p14="http://schemas.microsoft.com/office/powerpoint/2010/main" val="2710535571"/>
       </p:ext>
     </p:extLst>
   </p:cSld>
@@ -4084,39 +3268,101 @@
           <a:bodyPr/>
           <a:lstStyle/>
           <a:p>
-            <a:pPr marL="0" marR="0" lvl="0" indent="0" algn="l" defTabSz="914400" rtl="0" eaLnBrk="1" fontAlgn="auto" latinLnBrk="0" hangingPunct="1">
-              <a:lnSpc>
-                <a:spcPct val="100000"/>
-              </a:lnSpc>
-              <a:spcBef>
-                <a:spcPts val="0"/>
-              </a:spcBef>
-              <a:spcAft>
-                <a:spcPts val="0"/>
-              </a:spcAft>
-              <a:buClrTx/>
-              <a:buSzTx/>
-              <a:buFontTx/>
+            <a:pPr marL="233309" indent="-233309">
+              <a:buAutoNum type="arabicPeriod"/>
+            </a:pPr>
+            <a:r>
+              <a:rPr lang="en-US" dirty="0"/>
+              <a:t>Again, deep learning is a subfield of machine learning with a focus on </a:t>
+            </a:r>
+            <a:r>
+              <a:rPr lang="en-US" b="1" dirty="0"/>
+              <a:t>neural networks</a:t>
+            </a:r>
+          </a:p>
+          <a:p>
+            <a:pPr marL="233309" indent="-233309">
+              <a:buAutoNum type="arabicPeriod"/>
+            </a:pPr>
+            <a:r>
+              <a:rPr lang="en-US" dirty="0"/>
+              <a:t>A neural network is a special type of learning algorithm, inspired by the billions of interconnected neurons in the human brain.</a:t>
+            </a:r>
+          </a:p>
+          <a:p>
+            <a:pPr marL="233309" indent="-233309">
+              <a:buAutoNum type="arabicPeriod"/>
+            </a:pPr>
+            <a:r>
+              <a:rPr lang="en-US" dirty="0"/>
+              <a:t>In a NN, neurons are grouped together in layers – image of a multi-layered cake – if you have many layers, the cake is “deep” when viewed from above.</a:t>
+            </a:r>
+          </a:p>
+          <a:p>
+            <a:pPr marL="233309" indent="-233309">
+              <a:buAutoNum type="arabicPeriod"/>
+            </a:pPr>
+            <a:endParaRPr lang="en-US" dirty="0"/>
+          </a:p>
+          <a:p>
+            <a:pPr marL="0" indent="0">
               <a:buNone/>
-              <a:tabLst/>
-              <a:defRPr/>
             </a:pPr>
             <a:r>
-              <a:rPr lang="en-US" dirty="0">
-                <a:latin typeface="Palatino Linotype" panose="02040502050505030304" pitchFamily="18" charset="0"/>
-              </a:rPr>
-              <a:t>Hello and welcome to our class (Frontiers of AI).  So, let’s start with Course goals…</a:t>
-            </a:r>
-          </a:p>
-          <a:p>
-            <a:endParaRPr lang="en-US" dirty="0">
-              <a:latin typeface="Palatino Linotype" panose="02040502050505030304" pitchFamily="18" charset="0"/>
-            </a:endParaRPr>
-          </a:p>
-          <a:p>
-            <a:endParaRPr lang="en-US" dirty="0">
-              <a:latin typeface="Palatino Linotype" panose="02040502050505030304" pitchFamily="18" charset="0"/>
-            </a:endParaRPr>
+              <a:rPr lang="en-US" dirty="0"/>
+              <a:t>=====</a:t>
+            </a:r>
+          </a:p>
+          <a:p>
+            <a:pPr marL="0" indent="0">
+              <a:buNone/>
+            </a:pPr>
+            <a:r>
+              <a:rPr lang="en-US" dirty="0"/>
+              <a:t>Since 2010, deep learning became possible because:</a:t>
+            </a:r>
+          </a:p>
+          <a:p>
+            <a:pPr marL="699927" lvl="1" indent="-233309">
+              <a:buAutoNum type="arabicPeriod"/>
+            </a:pPr>
+            <a:r>
+              <a:rPr lang="en-US" dirty="0"/>
+              <a:t>Enhanced hardware – GPUs from Nvidia and other suppliers</a:t>
+            </a:r>
+          </a:p>
+          <a:p>
+            <a:pPr marL="699927" lvl="1" indent="-233309">
+              <a:buAutoNum type="arabicPeriod"/>
+            </a:pPr>
+            <a:r>
+              <a:rPr lang="en-US" dirty="0"/>
+              <a:t>Open AI software frameworks – Tensorflow, Pytorch, Keras, etc…</a:t>
+            </a:r>
+          </a:p>
+          <a:p>
+            <a:pPr marL="699927" lvl="1" indent="-233309">
+              <a:buAutoNum type="arabicPeriod"/>
+            </a:pPr>
+            <a:r>
+              <a:rPr lang="en-US" dirty="0"/>
+              <a:t>Big Data</a:t>
+            </a:r>
+          </a:p>
+          <a:p>
+            <a:pPr marL="233309" indent="-233309">
+              <a:buAutoNum type="arabicPeriod"/>
+            </a:pPr>
+            <a:endParaRPr lang="en-US" dirty="0"/>
+          </a:p>
+          <a:p>
+            <a:endParaRPr lang="en-US" dirty="0"/>
+          </a:p>
+          <a:p>
+            <a:endParaRPr lang="en-US" dirty="0"/>
+          </a:p>
+          <a:p>
+            <a:endParaRPr lang="en-US" dirty="0"/>
           </a:p>
         </p:txBody>
       </p:sp>
@@ -4137,7 +3383,7 @@
           <a:p>
             <a:fld id="{3148858F-F1DB-4027-9C85-CCA6849540DD}" type="slidenum">
               <a:rPr lang="en-US" smtClean="0"/>
-              <a:t>10</a:t>
+              <a:t>9</a:t>
             </a:fld>
             <a:endParaRPr lang="en-US"/>
           </a:p>
@@ -4146,7 +3392,7 @@
     </p:spTree>
     <p:extLst>
       <p:ext uri="{BB962C8B-B14F-4D97-AF65-F5344CB8AC3E}">
-        <p14:creationId xmlns:p14="http://schemas.microsoft.com/office/powerpoint/2010/main" val="246808038"/>
+        <p14:creationId xmlns:p14="http://schemas.microsoft.com/office/powerpoint/2010/main" val="658380389"/>
       </p:ext>
     </p:extLst>
   </p:cSld>
@@ -4303,7 +3549,7 @@
           <a:p>
             <a:fld id="{C3F78080-8D0A-4BE8-A5B4-CB115102D524}" type="datetimeFigureOut">
               <a:rPr lang="en-US" smtClean="0"/>
-              <a:t>8/31/2022</a:t>
+              <a:t>9/13/2022</a:t>
             </a:fld>
             <a:endParaRPr lang="en-US"/>
           </a:p>
@@ -4501,7 +3747,7 @@
           <a:p>
             <a:fld id="{C3F78080-8D0A-4BE8-A5B4-CB115102D524}" type="datetimeFigureOut">
               <a:rPr lang="en-US" smtClean="0"/>
-              <a:t>8/31/2022</a:t>
+              <a:t>9/13/2022</a:t>
             </a:fld>
             <a:endParaRPr lang="en-US"/>
           </a:p>
@@ -4709,7 +3955,7 @@
           <a:p>
             <a:fld id="{C3F78080-8D0A-4BE8-A5B4-CB115102D524}" type="datetimeFigureOut">
               <a:rPr lang="en-US" smtClean="0"/>
-              <a:t>8/31/2022</a:t>
+              <a:t>9/13/2022</a:t>
             </a:fld>
             <a:endParaRPr lang="en-US"/>
           </a:p>
@@ -4907,7 +4153,7 @@
           <a:p>
             <a:fld id="{C3F78080-8D0A-4BE8-A5B4-CB115102D524}" type="datetimeFigureOut">
               <a:rPr lang="en-US" smtClean="0"/>
-              <a:t>8/31/2022</a:t>
+              <a:t>9/13/2022</a:t>
             </a:fld>
             <a:endParaRPr lang="en-US"/>
           </a:p>
@@ -5182,7 +4428,7 @@
           <a:p>
             <a:fld id="{C3F78080-8D0A-4BE8-A5B4-CB115102D524}" type="datetimeFigureOut">
               <a:rPr lang="en-US" smtClean="0"/>
-              <a:t>8/31/2022</a:t>
+              <a:t>9/13/2022</a:t>
             </a:fld>
             <a:endParaRPr lang="en-US"/>
           </a:p>
@@ -5447,7 +4693,7 @@
           <a:p>
             <a:fld id="{C3F78080-8D0A-4BE8-A5B4-CB115102D524}" type="datetimeFigureOut">
               <a:rPr lang="en-US" smtClean="0"/>
-              <a:t>8/31/2022</a:t>
+              <a:t>9/13/2022</a:t>
             </a:fld>
             <a:endParaRPr lang="en-US"/>
           </a:p>
@@ -5859,7 +5105,7 @@
           <a:p>
             <a:fld id="{C3F78080-8D0A-4BE8-A5B4-CB115102D524}" type="datetimeFigureOut">
               <a:rPr lang="en-US" smtClean="0"/>
-              <a:t>8/31/2022</a:t>
+              <a:t>9/13/2022</a:t>
             </a:fld>
             <a:endParaRPr lang="en-US"/>
           </a:p>
@@ -6000,7 +5246,7 @@
           <a:p>
             <a:fld id="{C3F78080-8D0A-4BE8-A5B4-CB115102D524}" type="datetimeFigureOut">
               <a:rPr lang="en-US" smtClean="0"/>
-              <a:t>8/31/2022</a:t>
+              <a:t>9/13/2022</a:t>
             </a:fld>
             <a:endParaRPr lang="en-US"/>
           </a:p>
@@ -6113,7 +5359,7 @@
           <a:p>
             <a:fld id="{C3F78080-8D0A-4BE8-A5B4-CB115102D524}" type="datetimeFigureOut">
               <a:rPr lang="en-US" smtClean="0"/>
-              <a:t>8/31/2022</a:t>
+              <a:t>9/13/2022</a:t>
             </a:fld>
             <a:endParaRPr lang="en-US"/>
           </a:p>
@@ -6424,7 +5670,7 @@
           <a:p>
             <a:fld id="{C3F78080-8D0A-4BE8-A5B4-CB115102D524}" type="datetimeFigureOut">
               <a:rPr lang="en-US" smtClean="0"/>
-              <a:t>8/31/2022</a:t>
+              <a:t>9/13/2022</a:t>
             </a:fld>
             <a:endParaRPr lang="en-US"/>
           </a:p>
@@ -6712,7 +5958,7 @@
           <a:p>
             <a:fld id="{C3F78080-8D0A-4BE8-A5B4-CB115102D524}" type="datetimeFigureOut">
               <a:rPr lang="en-US" smtClean="0"/>
-              <a:t>8/31/2022</a:t>
+              <a:t>9/13/2022</a:t>
             </a:fld>
             <a:endParaRPr lang="en-US"/>
           </a:p>
@@ -6953,7 +6199,7 @@
           <a:p>
             <a:fld id="{C3F78080-8D0A-4BE8-A5B4-CB115102D524}" type="datetimeFigureOut">
               <a:rPr lang="en-US" smtClean="0"/>
-              <a:t>8/31/2022</a:t>
+              <a:t>9/13/2022</a:t>
             </a:fld>
             <a:endParaRPr lang="en-US"/>
           </a:p>
@@ -7484,6 +6730,143 @@
           <a:chExt cx="0" cy="0"/>
         </a:xfrm>
       </p:grpSpPr>
+      <p:pic>
+        <p:nvPicPr>
+          <p:cNvPr id="3" name="Picture 2">
+            <a:extLst>
+              <a:ext uri="{FF2B5EF4-FFF2-40B4-BE49-F238E27FC236}">
+                <a16:creationId xmlns:a16="http://schemas.microsoft.com/office/drawing/2014/main" id="{9971C45E-A7F0-7E69-6E98-0D6065187F00}"/>
+              </a:ext>
+            </a:extLst>
+          </p:cNvPr>
+          <p:cNvPicPr>
+            <a:picLocks noChangeAspect="1"/>
+          </p:cNvPicPr>
+          <p:nvPr/>
+        </p:nvPicPr>
+        <p:blipFill>
+          <a:blip r:embed="rId3">
+            <a:clrChange>
+              <a:clrFrom>
+                <a:srgbClr val="F5F7FA"/>
+              </a:clrFrom>
+              <a:clrTo>
+                <a:srgbClr val="F5F7FA">
+                  <a:alpha val="0"/>
+                </a:srgbClr>
+              </a:clrTo>
+            </a:clrChange>
+          </a:blip>
+          <a:stretch>
+            <a:fillRect/>
+          </a:stretch>
+        </p:blipFill>
+        <p:spPr>
+          <a:xfrm>
+            <a:off x="0" y="1768657"/>
+            <a:ext cx="12192000" cy="4609800"/>
+          </a:xfrm>
+          <a:prstGeom prst="rect">
+            <a:avLst/>
+          </a:prstGeom>
+        </p:spPr>
+      </p:pic>
+      <p:sp>
+        <p:nvSpPr>
+          <p:cNvPr id="4" name="TextBox 3">
+            <a:extLst>
+              <a:ext uri="{FF2B5EF4-FFF2-40B4-BE49-F238E27FC236}">
+                <a16:creationId xmlns:a16="http://schemas.microsoft.com/office/drawing/2014/main" id="{61EE0D7D-2547-6417-3058-FB22BE5FEC50}"/>
+              </a:ext>
+            </a:extLst>
+          </p:cNvPr>
+          <p:cNvSpPr txBox="1"/>
+          <p:nvPr/>
+        </p:nvSpPr>
+        <p:spPr>
+          <a:xfrm>
+            <a:off x="0" y="698999"/>
+            <a:ext cx="12192000" cy="644557"/>
+          </a:xfrm>
+          <a:prstGeom prst="rect">
+            <a:avLst/>
+          </a:prstGeom>
+          <a:noFill/>
+          <a:ln>
+            <a:noFill/>
+          </a:ln>
+        </p:spPr>
+        <p:txBody>
+          <a:bodyPr wrap="square" lIns="90000" tIns="45000" rIns="90000" bIns="45000" anchorCtr="0" compatLnSpc="0">
+            <a:spAutoFit/>
+          </a:bodyPr>
+          <a:lstStyle/>
+          <a:p>
+            <a:pPr marL="0" marR="0" lvl="0" indent="0" algn="ctr" hangingPunct="0">
+              <a:lnSpc>
+                <a:spcPct val="100000"/>
+              </a:lnSpc>
+              <a:spcBef>
+                <a:spcPts val="0"/>
+              </a:spcBef>
+              <a:spcAft>
+                <a:spcPts val="1440"/>
+              </a:spcAft>
+              <a:buNone/>
+              <a:tabLst/>
+            </a:pPr>
+            <a:r>
+              <a:rPr lang="en-US" sz="3200" dirty="0">
+                <a:latin typeface="Palatino Linotype" panose="02040502050505030304" pitchFamily="18" charset="0"/>
+                <a:ea typeface="Arial" pitchFamily="34"/>
+                <a:cs typeface="Arial" pitchFamily="34"/>
+              </a:rPr>
+              <a:t>In a word or two, define </a:t>
+            </a:r>
+            <a:r>
+              <a:rPr lang="en-US" sz="3200" b="0" i="0" u="none" strike="noStrike" kern="1200" cap="none" dirty="0">
+                <a:ln>
+                  <a:noFill/>
+                </a:ln>
+                <a:latin typeface="Palatino Linotype" panose="02040502050505030304" pitchFamily="18" charset="0"/>
+                <a:ea typeface="Arial" pitchFamily="34"/>
+                <a:cs typeface="Arial" pitchFamily="34"/>
+              </a:rPr>
+              <a:t>artificial intelligence</a:t>
+            </a:r>
+          </a:p>
+        </p:txBody>
+      </p:sp>
+    </p:spTree>
+    <p:extLst>
+      <p:ext uri="{BB962C8B-B14F-4D97-AF65-F5344CB8AC3E}">
+        <p14:creationId xmlns:p14="http://schemas.microsoft.com/office/powerpoint/2010/main" val="3975542935"/>
+      </p:ext>
+    </p:extLst>
+  </p:cSld>
+  <p:clrMapOvr>
+    <a:masterClrMapping/>
+  </p:clrMapOvr>
+</p:sld>
+</file>
+
+<file path=ppt/slides/slide11.xml><?xml version="1.0" encoding="utf-8"?>
+<p:sld xmlns:a="http://schemas.openxmlformats.org/drawingml/2006/main" xmlns:r="http://schemas.openxmlformats.org/officeDocument/2006/relationships" xmlns:p="http://schemas.openxmlformats.org/presentationml/2006/main">
+  <p:cSld>
+    <p:spTree>
+      <p:nvGrpSpPr>
+        <p:cNvPr id="1" name=""/>
+        <p:cNvGrpSpPr/>
+        <p:nvPr/>
+      </p:nvGrpSpPr>
+      <p:grpSpPr>
+        <a:xfrm>
+          <a:off x="0" y="0"/>
+          <a:ext cx="0" cy="0"/>
+          <a:chOff x="0" y="0"/>
+          <a:chExt cx="0" cy="0"/>
+        </a:xfrm>
+      </p:grpSpPr>
       <p:sp>
         <p:nvSpPr>
           <p:cNvPr id="3" name="Text Placeholder 2">
@@ -7581,95 +6964,6 @@
 </p:sld>
 </file>
 
-<file path=ppt/slides/slide11.xml><?xml version="1.0" encoding="utf-8"?>
-<p:sld xmlns:a="http://schemas.openxmlformats.org/drawingml/2006/main" xmlns:r="http://schemas.openxmlformats.org/officeDocument/2006/relationships" xmlns:p="http://schemas.openxmlformats.org/presentationml/2006/main">
-  <p:cSld>
-    <p:spTree>
-      <p:nvGrpSpPr>
-        <p:cNvPr id="1" name=""/>
-        <p:cNvGrpSpPr/>
-        <p:nvPr/>
-      </p:nvGrpSpPr>
-      <p:grpSpPr>
-        <a:xfrm>
-          <a:off x="0" y="0"/>
-          <a:ext cx="0" cy="0"/>
-          <a:chOff x="0" y="0"/>
-          <a:chExt cx="0" cy="0"/>
-        </a:xfrm>
-      </p:grpSpPr>
-      <p:pic>
-        <p:nvPicPr>
-          <p:cNvPr id="1028" name="Picture 4" descr="Perusall">
-            <a:extLst>
-              <a:ext uri="{FF2B5EF4-FFF2-40B4-BE49-F238E27FC236}">
-                <a16:creationId xmlns:a16="http://schemas.microsoft.com/office/drawing/2014/main" id="{C7495DC7-25F8-4987-AD6F-4B6C4C64757C}"/>
-              </a:ext>
-            </a:extLst>
-          </p:cNvPr>
-          <p:cNvPicPr>
-            <a:picLocks noChangeAspect="1" noChangeArrowheads="1"/>
-          </p:cNvPicPr>
-          <p:nvPr/>
-        </p:nvPicPr>
-        <p:blipFill>
-          <a:blip r:embed="rId3">
-            <a:extLst>
-              <a:ext uri="{28A0092B-C50C-407E-A947-70E740481C1C}">
-                <a14:useLocalDpi xmlns:a14="http://schemas.microsoft.com/office/drawing/2010/main" val="0"/>
-              </a:ext>
-            </a:extLst>
-          </a:blip>
-          <a:srcRect/>
-          <a:stretch>
-            <a:fillRect/>
-          </a:stretch>
-        </p:blipFill>
-        <p:spPr bwMode="auto">
-          <a:xfrm>
-            <a:off x="3940366" y="2082558"/>
-            <a:ext cx="4311267" cy="2692884"/>
-          </a:xfrm>
-          <a:prstGeom prst="rect">
-            <a:avLst/>
-          </a:prstGeom>
-          <a:noFill/>
-          <a:extLst>
-            <a:ext uri="{909E8E84-426E-40DD-AFC4-6F175D3DCCD1}">
-              <a14:hiddenFill xmlns:a14="http://schemas.microsoft.com/office/drawing/2010/main">
-                <a:solidFill>
-                  <a:srgbClr val="FFFFFF"/>
-                </a:solidFill>
-              </a14:hiddenFill>
-            </a:ext>
-          </a:extLst>
-        </p:spPr>
-      </p:pic>
-    </p:spTree>
-    <p:extLst>
-      <p:ext uri="{BB962C8B-B14F-4D97-AF65-F5344CB8AC3E}">
-        <p14:creationId xmlns:p14="http://schemas.microsoft.com/office/powerpoint/2010/main" val="3099461396"/>
-      </p:ext>
-    </p:extLst>
-  </p:cSld>
-  <p:clrMapOvr>
-    <a:masterClrMapping/>
-  </p:clrMapOvr>
-  <mc:AlternateContent xmlns:mc="http://schemas.openxmlformats.org/markup-compatibility/2006" xmlns:p14="http://schemas.microsoft.com/office/powerpoint/2010/main">
-    <mc:Choice Requires="p14">
-      <p:transition spd="med" p14:dur="700">
-        <p:fade/>
-      </p:transition>
-    </mc:Choice>
-    <mc:Fallback xmlns="">
-      <p:transition spd="med">
-        <p:fade/>
-      </p:transition>
-    </mc:Fallback>
-  </mc:AlternateContent>
-</p:sld>
-</file>
-
 <file path=ppt/slides/slide12.xml><?xml version="1.0" encoding="utf-8"?>
 <p:sld xmlns:a="http://schemas.openxmlformats.org/drawingml/2006/main" xmlns:r="http://schemas.openxmlformats.org/officeDocument/2006/relationships" xmlns:p="http://schemas.openxmlformats.org/presentationml/2006/main">
   <p:cSld>
@@ -7687,12 +6981,74 @@
           <a:chExt cx="0" cy="0"/>
         </a:xfrm>
       </p:grpSpPr>
+      <p:sp>
+        <p:nvSpPr>
+          <p:cNvPr id="3" name="TextBox 2">
+            <a:extLst>
+              <a:ext uri="{FF2B5EF4-FFF2-40B4-BE49-F238E27FC236}">
+                <a16:creationId xmlns:a16="http://schemas.microsoft.com/office/drawing/2014/main" id="{0607F1E6-C27B-4D7C-A37E-5749C6DA4221}"/>
+              </a:ext>
+            </a:extLst>
+          </p:cNvPr>
+          <p:cNvSpPr txBox="1"/>
+          <p:nvPr/>
+        </p:nvSpPr>
+        <p:spPr>
+          <a:xfrm>
+            <a:off x="0" y="6550223"/>
+            <a:ext cx="12192000" cy="307777"/>
+          </a:xfrm>
+          <a:prstGeom prst="rect">
+            <a:avLst/>
+          </a:prstGeom>
+          <a:noFill/>
+        </p:spPr>
+        <p:txBody>
+          <a:bodyPr wrap="square" rtlCol="0">
+            <a:spAutoFit/>
+          </a:bodyPr>
+          <a:lstStyle/>
+          <a:p>
+            <a:r>
+              <a:rPr lang="en-US" sz="1400" dirty="0">
+                <a:solidFill>
+                  <a:schemeClr val="tx1">
+                    <a:lumMod val="65000"/>
+                    <a:lumOff val="35000"/>
+                  </a:schemeClr>
+                </a:solidFill>
+                <a:latin typeface="+mj-lt"/>
+                <a:ea typeface="Verdana" panose="020B0604030504040204" pitchFamily="34" charset="0"/>
+              </a:rPr>
+              <a:t>Image Credit: </a:t>
+            </a:r>
+            <a:r>
+              <a:rPr lang="en-US" sz="1400" dirty="0">
+                <a:latin typeface="+mj-lt"/>
+                <a:ea typeface="Arial" pitchFamily="34"/>
+                <a:cs typeface="Arial" pitchFamily="34"/>
+              </a:rPr>
+              <a:t>Nicky Johnston</a:t>
+            </a:r>
+            <a:endParaRPr lang="en-US" sz="1400" dirty="0">
+              <a:solidFill>
+                <a:schemeClr val="tx1">
+                  <a:lumMod val="65000"/>
+                  <a:lumOff val="35000"/>
+                </a:schemeClr>
+              </a:solidFill>
+              <a:latin typeface="+mj-lt"/>
+              <a:ea typeface="Verdana" panose="020B0604030504040204" pitchFamily="34" charset="0"/>
+            </a:endParaRPr>
+          </a:p>
+        </p:txBody>
+      </p:sp>
       <p:pic>
         <p:nvPicPr>
-          <p:cNvPr id="1026" name="Picture 2" descr="Lieutenant Commander Data Star Trek TNG Painting by Giulia Riva">
+          <p:cNvPr id="1028" name="Picture 4" descr="Meet Ai-Da: the robot artist giving real painters a run for their money">
             <a:extLst>
               <a:ext uri="{FF2B5EF4-FFF2-40B4-BE49-F238E27FC236}">
-                <a16:creationId xmlns:a16="http://schemas.microsoft.com/office/drawing/2014/main" id="{45BE35C2-1ED3-4D78-A810-01C2B3D30A45}"/>
+                <a16:creationId xmlns:a16="http://schemas.microsoft.com/office/drawing/2014/main" id="{A61AD8A0-0912-8927-E3F0-9EB9B3B858AB}"/>
               </a:ext>
             </a:extLst>
           </p:cNvPr>
@@ -7716,21 +7072,13 @@
         </p:blipFill>
         <p:spPr bwMode="auto">
           <a:xfrm>
-            <a:off x="4258922" y="950494"/>
-            <a:ext cx="3674155" cy="4957011"/>
+            <a:off x="2936707" y="1454727"/>
+            <a:ext cx="6318586" cy="3948545"/>
           </a:xfrm>
           <a:prstGeom prst="rect">
             <a:avLst/>
           </a:prstGeom>
           <a:noFill/>
-          <a:ln w="6350">
-            <a:solidFill>
-              <a:schemeClr val="tx1">
-                <a:lumMod val="75000"/>
-                <a:lumOff val="25000"/>
-              </a:schemeClr>
-            </a:solidFill>
-          </a:ln>
           <a:effectLst>
             <a:outerShdw blurRad="50800" dist="38100" dir="2700000" algn="tl" rotWithShape="0">
               <a:prstClr val="black">
@@ -7749,80 +7097,6 @@
           </a:extLst>
         </p:spPr>
       </p:pic>
-      <p:sp>
-        <p:nvSpPr>
-          <p:cNvPr id="3" name="TextBox 2">
-            <a:extLst>
-              <a:ext uri="{FF2B5EF4-FFF2-40B4-BE49-F238E27FC236}">
-                <a16:creationId xmlns:a16="http://schemas.microsoft.com/office/drawing/2014/main" id="{0607F1E6-C27B-4D7C-A37E-5749C6DA4221}"/>
-              </a:ext>
-            </a:extLst>
-          </p:cNvPr>
-          <p:cNvSpPr txBox="1"/>
-          <p:nvPr/>
-        </p:nvSpPr>
-        <p:spPr>
-          <a:xfrm>
-            <a:off x="0" y="6550223"/>
-            <a:ext cx="12192000" cy="307777"/>
-          </a:xfrm>
-          <a:prstGeom prst="rect">
-            <a:avLst/>
-          </a:prstGeom>
-          <a:noFill/>
-        </p:spPr>
-        <p:txBody>
-          <a:bodyPr wrap="square" rtlCol="0">
-            <a:spAutoFit/>
-          </a:bodyPr>
-          <a:lstStyle/>
-          <a:p>
-            <a:r>
-              <a:rPr lang="en-US" sz="1400" dirty="0">
-                <a:solidFill>
-                  <a:schemeClr val="tx1">
-                    <a:lumMod val="65000"/>
-                    <a:lumOff val="35000"/>
-                  </a:schemeClr>
-                </a:solidFill>
-                <a:latin typeface="+mj-lt"/>
-                <a:ea typeface="Verdana" panose="020B0604030504040204" pitchFamily="34" charset="0"/>
-              </a:rPr>
-              <a:t>Image Credit: </a:t>
-            </a:r>
-            <a:r>
-              <a:rPr lang="en-US" sz="1400" b="0" i="0" u="none" strike="noStrike" kern="1200" cap="none" dirty="0">
-                <a:ln>
-                  <a:noFill/>
-                </a:ln>
-                <a:solidFill>
-                  <a:schemeClr val="tx1">
-                    <a:lumMod val="65000"/>
-                    <a:lumOff val="35000"/>
-                  </a:schemeClr>
-                </a:solidFill>
-                <a:latin typeface="+mj-lt"/>
-                <a:ea typeface="Arial" pitchFamily="34"/>
-                <a:cs typeface="Arial" pitchFamily="34"/>
-              </a:rPr>
-              <a:t>https://fineartamerica.com/featured/lieutenant-commander-data-star-trek-tng-giulia-riva.html</a:t>
-            </a:r>
-            <a:r>
-              <a:rPr lang="en-US" sz="1400" dirty="0">
-                <a:solidFill>
-                  <a:schemeClr val="tx1">
-                    <a:lumMod val="65000"/>
-                    <a:lumOff val="35000"/>
-                  </a:schemeClr>
-                </a:solidFill>
-                <a:latin typeface="+mj-lt"/>
-                <a:ea typeface="Verdana" panose="020B0604030504040204" pitchFamily="34" charset="0"/>
-              </a:rPr>
-              <a:t> </a:t>
-            </a:r>
-          </a:p>
-        </p:txBody>
-      </p:sp>
     </p:spTree>
     <p:extLst>
       <p:ext uri="{BB962C8B-B14F-4D97-AF65-F5344CB8AC3E}">
@@ -8917,8 +8191,8 @@
         </p:nvSpPr>
         <p:spPr>
           <a:xfrm>
-            <a:off x="1107743" y="905232"/>
-            <a:ext cx="9976513" cy="4134465"/>
+            <a:off x="1107743" y="2095301"/>
+            <a:ext cx="9976513" cy="2667397"/>
           </a:xfrm>
           <a:prstGeom prst="rect">
             <a:avLst/>
@@ -8956,7 +8230,7 @@
                 <a:ea typeface="Arial" pitchFamily="34"/>
                 <a:cs typeface="Arial" pitchFamily="34"/>
               </a:rPr>
-              <a:t>McCarthy</a:t>
+              <a:t>Allen Newell</a:t>
             </a:r>
             <a:r>
               <a:rPr lang="en-US" sz="1800" b="0" i="0" u="none" strike="noStrike" kern="1200" cap="none" dirty="0">
@@ -8981,7 +8255,7 @@
                 <a:ea typeface="Arial" pitchFamily="34"/>
                 <a:cs typeface="Arial" pitchFamily="34"/>
               </a:rPr>
-              <a:t>(2007): “Intelligence is the computational part of the ability to achieve goals in the world. Varying kinds and degrees of intelligence occur in people, many animals and some machines.”</a:t>
+              <a:t>(1990): An intelligent system “operates in real-time; exploits vast amounts of knowledge; tolerates erroneous, unexpected, and possibly unknown inputs; uses symbols and abstractions; communicates using some form of natural language; learns from the environment; and exhibits adaptive goal-oriented behavior.”</a:t>
             </a:r>
           </a:p>
           <a:p>
@@ -9033,84 +8307,7 @@
                 <a:ea typeface="Arial" pitchFamily="34"/>
                 <a:cs typeface="Arial" pitchFamily="34"/>
               </a:rPr>
-              <a:t>Allen Newell</a:t>
-            </a:r>
-            <a:r>
-              <a:rPr lang="en-US" sz="1800" b="0" i="0" u="none" strike="noStrike" kern="1200" cap="none" dirty="0">
-                <a:ln>
-                  <a:noFill/>
-                </a:ln>
-                <a:solidFill>
-                  <a:srgbClr val="4B83B5"/>
-                </a:solidFill>
-                <a:latin typeface="Arial" pitchFamily="34"/>
-                <a:ea typeface="Arial" pitchFamily="34"/>
-                <a:cs typeface="Arial" pitchFamily="34"/>
-              </a:rPr>
-              <a:t> </a:t>
-            </a:r>
-            <a:r>
-              <a:rPr lang="en-US" sz="1800" b="0" i="0" u="none" strike="noStrike" kern="1200" cap="none" dirty="0">
-                <a:ln>
-                  <a:noFill/>
-                </a:ln>
-                <a:latin typeface="Arial" pitchFamily="34"/>
-                <a:ea typeface="Arial" pitchFamily="34"/>
-                <a:cs typeface="Arial" pitchFamily="34"/>
-              </a:rPr>
-              <a:t>(1990): An intelligent system “operates in real-time; exploits vast amounts of knowledge; tolerates erroneous, unexpected, and possibly unknown inputs; uses symbols and abstractions; communicates using some form of natural language; learns from the environment; and exhibits adaptive goal-oriented behavior.”</a:t>
-            </a:r>
-          </a:p>
-          <a:p>
-            <a:pPr marL="0" marR="0" lvl="0" indent="0" algn="l" hangingPunct="0">
-              <a:lnSpc>
-                <a:spcPct val="100000"/>
-              </a:lnSpc>
-              <a:spcBef>
-                <a:spcPts val="0"/>
-              </a:spcBef>
-              <a:spcAft>
-                <a:spcPts val="1440"/>
-              </a:spcAft>
-              <a:buSzPct val="45000"/>
-              <a:tabLst/>
-            </a:pPr>
-            <a:endParaRPr lang="en-US" sz="1800" b="0" i="0" u="none" strike="noStrike" kern="1200" cap="none" dirty="0">
-              <a:ln>
-                <a:noFill/>
-              </a:ln>
-              <a:latin typeface="Arial" pitchFamily="34"/>
-              <a:ea typeface="Arial" pitchFamily="34"/>
-              <a:cs typeface="Arial" pitchFamily="34"/>
-            </a:endParaRPr>
-          </a:p>
-          <a:p>
-            <a:pPr marL="0" marR="0" lvl="0" indent="0" algn="l" hangingPunct="0">
-              <a:lnSpc>
-                <a:spcPct val="100000"/>
-              </a:lnSpc>
-              <a:spcBef>
-                <a:spcPts val="0"/>
-              </a:spcBef>
-              <a:spcAft>
-                <a:spcPts val="1440"/>
-              </a:spcAft>
-              <a:buSzPct val="45000"/>
-              <a:tabLst/>
-            </a:pPr>
-            <a:r>
-              <a:rPr lang="en-US" sz="1800" b="1" i="0" u="none" strike="noStrike" kern="1200" cap="none" dirty="0">
-                <a:ln>
-                  <a:noFill/>
-                </a:ln>
-                <a:solidFill>
-                  <a:srgbClr val="4B83B5"/>
-                </a:solidFill>
-                <a:latin typeface="Arial" pitchFamily="34"/>
-                <a:ea typeface="Arial" pitchFamily="34"/>
-                <a:cs typeface="Arial" pitchFamily="34"/>
-              </a:rPr>
-              <a:t>Kurzweil</a:t>
+              <a:t>Ray Kurzweil</a:t>
             </a:r>
             <a:r>
               <a:rPr lang="en-US" sz="1800" b="0" i="0" u="none" strike="noStrike" kern="1200" cap="none" dirty="0">
@@ -9508,6 +8705,41 @@
           </a:p>
         </p:txBody>
       </p:sp>
+      <p:sp>
+        <p:nvSpPr>
+          <p:cNvPr id="4" name="TextBox 3">
+            <a:extLst>
+              <a:ext uri="{FF2B5EF4-FFF2-40B4-BE49-F238E27FC236}">
+                <a16:creationId xmlns:a16="http://schemas.microsoft.com/office/drawing/2014/main" id="{7CC0C968-FC43-5749-D5CC-A1728B3AC5C8}"/>
+              </a:ext>
+            </a:extLst>
+          </p:cNvPr>
+          <p:cNvSpPr txBox="1"/>
+          <p:nvPr/>
+        </p:nvSpPr>
+        <p:spPr>
+          <a:xfrm>
+            <a:off x="5395962" y="5515347"/>
+            <a:ext cx="1686764" cy="473423"/>
+          </a:xfrm>
+          <a:prstGeom prst="rect">
+            <a:avLst/>
+          </a:prstGeom>
+          <a:noFill/>
+        </p:spPr>
+        <p:txBody>
+          <a:bodyPr wrap="square" rtlCol="0">
+            <a:spAutoFit/>
+          </a:bodyPr>
+          <a:lstStyle/>
+          <a:p>
+            <a:r>
+              <a:rPr lang="en-US" sz="2400" dirty="0"/>
+              <a:t>Alan Turing</a:t>
+            </a:r>
+          </a:p>
+        </p:txBody>
+      </p:sp>
     </p:spTree>
     <p:extLst>
       <p:ext uri="{BB962C8B-B14F-4D97-AF65-F5344CB8AC3E}">
@@ -9745,7 +8977,7 @@
             <a:r>
               <a:rPr lang="en-US" sz="5400" dirty="0">
                 <a:solidFill>
-                  <a:srgbClr val="4B83B5"/>
+                  <a:srgbClr val="30335C"/>
                 </a:solidFill>
                 <a:latin typeface="Palatino Linotype" panose="02040502050505030304" pitchFamily="18" charset="0"/>
                 <a:cs typeface="Segoe UI Light" panose="020B0502040204020203" pitchFamily="34" charset="0"/>
@@ -9897,7 +9129,7 @@
                   </a:schemeClr>
                 </a:solidFill>
               </a:rPr>
-              <a:t> </a:t>
+              <a:t> What is </a:t>
             </a:r>
             <a:r>
               <a:rPr lang="en-US" dirty="0">
@@ -9909,7 +9141,7 @@
                 </a:solidFill>
                 <a:latin typeface="Palatino Linotype" panose="02040502050505030304" pitchFamily="18" charset="0"/>
               </a:rPr>
-              <a:t>Define Artificial Intelligence</a:t>
+              <a:t>Artificial Intelligence?</a:t>
             </a:r>
           </a:p>
         </p:txBody>
@@ -10502,7 +9734,7 @@
             <a:r>
               <a:rPr lang="en-US" sz="5400" dirty="0">
                 <a:solidFill>
-                  <a:srgbClr val="4B83B5"/>
+                  <a:srgbClr val="30335E"/>
                 </a:solidFill>
                 <a:latin typeface="Palatino Linotype" panose="02040502050505030304" pitchFamily="18" charset="0"/>
                 <a:cs typeface="Segoe UI Light" panose="020B0502040204020203" pitchFamily="34" charset="0"/>
@@ -11045,6 +10277,768 @@
           <a:chExt cx="0" cy="0"/>
         </a:xfrm>
       </p:grpSpPr>
+      <p:sp>
+        <p:nvSpPr>
+          <p:cNvPr id="4" name="Title 1">
+            <a:extLst>
+              <a:ext uri="{FF2B5EF4-FFF2-40B4-BE49-F238E27FC236}">
+                <a16:creationId xmlns:a16="http://schemas.microsoft.com/office/drawing/2014/main" id="{484B8318-5A79-FFC5-A7EC-F23C2C0E7FA9}"/>
+              </a:ext>
+            </a:extLst>
+          </p:cNvPr>
+          <p:cNvSpPr txBox="1">
+            <a:spLocks/>
+          </p:cNvSpPr>
+          <p:nvPr/>
+        </p:nvSpPr>
+        <p:spPr>
+          <a:xfrm>
+            <a:off x="0" y="440190"/>
+            <a:ext cx="12192000" cy="834428"/>
+          </a:xfrm>
+          <a:prstGeom prst="rect">
+            <a:avLst/>
+          </a:prstGeom>
+        </p:spPr>
+        <p:txBody>
+          <a:bodyPr>
+            <a:normAutofit/>
+          </a:bodyPr>
+          <a:lstStyle>
+            <a:lvl1pPr algn="l" defTabSz="914400" rtl="0" eaLnBrk="1" latinLnBrk="0" hangingPunct="1">
+              <a:lnSpc>
+                <a:spcPct val="90000"/>
+              </a:lnSpc>
+              <a:spcBef>
+                <a:spcPct val="0"/>
+              </a:spcBef>
+              <a:buNone/>
+              <a:defRPr sz="4400" kern="1200">
+                <a:solidFill>
+                  <a:schemeClr val="tx1"/>
+                </a:solidFill>
+                <a:latin typeface="+mj-lt"/>
+                <a:ea typeface="+mj-ea"/>
+                <a:cs typeface="+mj-cs"/>
+              </a:defRPr>
+            </a:lvl1pPr>
+          </a:lstStyle>
+          <a:p>
+            <a:pPr algn="ctr"/>
+            <a:r>
+              <a:rPr lang="en-US" sz="4000" dirty="0">
+                <a:solidFill>
+                  <a:schemeClr val="tx1">
+                    <a:lumMod val="75000"/>
+                    <a:lumOff val="25000"/>
+                  </a:schemeClr>
+                </a:solidFill>
+                <a:latin typeface="Palatino Linotype" panose="02040502050505030304" pitchFamily="18" charset="0"/>
+                <a:cs typeface="Segoe UI Light" panose="020B0502040204020203" pitchFamily="34" charset="0"/>
+              </a:rPr>
+              <a:t>DL / ML Comparison</a:t>
+            </a:r>
+          </a:p>
+        </p:txBody>
+      </p:sp>
+      <p:sp>
+        <p:nvSpPr>
+          <p:cNvPr id="2" name="TextBox 1">
+            <a:extLst>
+              <a:ext uri="{FF2B5EF4-FFF2-40B4-BE49-F238E27FC236}">
+                <a16:creationId xmlns:a16="http://schemas.microsoft.com/office/drawing/2014/main" id="{35E27E46-BED5-10BD-B13F-D5554168D1A9}"/>
+              </a:ext>
+            </a:extLst>
+          </p:cNvPr>
+          <p:cNvSpPr txBox="1"/>
+          <p:nvPr/>
+        </p:nvSpPr>
+        <p:spPr>
+          <a:xfrm>
+            <a:off x="6845092" y="1601708"/>
+            <a:ext cx="3673097" cy="646331"/>
+          </a:xfrm>
+          <a:prstGeom prst="rect">
+            <a:avLst/>
+          </a:prstGeom>
+          <a:noFill/>
+        </p:spPr>
+        <p:txBody>
+          <a:bodyPr wrap="square" rtlCol="0">
+            <a:spAutoFit/>
+          </a:bodyPr>
+          <a:lstStyle/>
+          <a:p>
+            <a:r>
+              <a:rPr lang="en-US" sz="3600" dirty="0">
+                <a:solidFill>
+                  <a:srgbClr val="60BA7B"/>
+                </a:solidFill>
+              </a:rPr>
+              <a:t>Machine Learning</a:t>
+            </a:r>
+          </a:p>
+        </p:txBody>
+      </p:sp>
+      <p:sp>
+        <p:nvSpPr>
+          <p:cNvPr id="7" name="TextBox 6">
+            <a:extLst>
+              <a:ext uri="{FF2B5EF4-FFF2-40B4-BE49-F238E27FC236}">
+                <a16:creationId xmlns:a16="http://schemas.microsoft.com/office/drawing/2014/main" id="{B770B2F5-EC06-08DC-B43D-E009D04C0885}"/>
+              </a:ext>
+            </a:extLst>
+          </p:cNvPr>
+          <p:cNvSpPr txBox="1"/>
+          <p:nvPr/>
+        </p:nvSpPr>
+        <p:spPr>
+          <a:xfrm>
+            <a:off x="1084888" y="1601708"/>
+            <a:ext cx="3673097" cy="646331"/>
+          </a:xfrm>
+          <a:prstGeom prst="rect">
+            <a:avLst/>
+          </a:prstGeom>
+          <a:noFill/>
+        </p:spPr>
+        <p:txBody>
+          <a:bodyPr wrap="square" rtlCol="0">
+            <a:spAutoFit/>
+          </a:bodyPr>
+          <a:lstStyle/>
+          <a:p>
+            <a:r>
+              <a:rPr lang="en-US" sz="3600" dirty="0">
+                <a:solidFill>
+                  <a:srgbClr val="60BA7B"/>
+                </a:solidFill>
+              </a:rPr>
+              <a:t>Deep Learning</a:t>
+            </a:r>
+          </a:p>
+        </p:txBody>
+      </p:sp>
+      <p:sp>
+        <p:nvSpPr>
+          <p:cNvPr id="10" name="TextBox 9">
+            <a:extLst>
+              <a:ext uri="{FF2B5EF4-FFF2-40B4-BE49-F238E27FC236}">
+                <a16:creationId xmlns:a16="http://schemas.microsoft.com/office/drawing/2014/main" id="{3C6FE791-D333-1FA3-9BF4-AAD2FB94A0E2}"/>
+              </a:ext>
+            </a:extLst>
+          </p:cNvPr>
+          <p:cNvSpPr txBox="1"/>
+          <p:nvPr/>
+        </p:nvSpPr>
+        <p:spPr>
+          <a:xfrm>
+            <a:off x="1084888" y="2282742"/>
+            <a:ext cx="3797084" cy="584775"/>
+          </a:xfrm>
+          <a:prstGeom prst="rect">
+            <a:avLst/>
+          </a:prstGeom>
+          <a:noFill/>
+        </p:spPr>
+        <p:txBody>
+          <a:bodyPr wrap="square" rtlCol="0">
+            <a:spAutoFit/>
+          </a:bodyPr>
+          <a:lstStyle/>
+          <a:p>
+            <a:pPr marL="571500" indent="-571500">
+              <a:buFont typeface="Courier New" panose="02070309020205020404" pitchFamily="49" charset="0"/>
+              <a:buChar char="o"/>
+            </a:pPr>
+            <a:r>
+              <a:rPr lang="en-US" sz="3200" dirty="0">
+                <a:solidFill>
+                  <a:schemeClr val="tx1">
+                    <a:lumMod val="65000"/>
+                    <a:lumOff val="35000"/>
+                  </a:schemeClr>
+                </a:solidFill>
+              </a:rPr>
+              <a:t>2010 - Present  </a:t>
+            </a:r>
+          </a:p>
+        </p:txBody>
+      </p:sp>
+      <p:sp>
+        <p:nvSpPr>
+          <p:cNvPr id="11" name="TextBox 10">
+            <a:extLst>
+              <a:ext uri="{FF2B5EF4-FFF2-40B4-BE49-F238E27FC236}">
+                <a16:creationId xmlns:a16="http://schemas.microsoft.com/office/drawing/2014/main" id="{99FD96A0-93DC-1C5D-AE6E-25EDA092E7E8}"/>
+              </a:ext>
+            </a:extLst>
+          </p:cNvPr>
+          <p:cNvSpPr txBox="1"/>
+          <p:nvPr/>
+        </p:nvSpPr>
+        <p:spPr>
+          <a:xfrm>
+            <a:off x="6845092" y="2248039"/>
+            <a:ext cx="3797084" cy="584775"/>
+          </a:xfrm>
+          <a:prstGeom prst="rect">
+            <a:avLst/>
+          </a:prstGeom>
+          <a:noFill/>
+        </p:spPr>
+        <p:txBody>
+          <a:bodyPr wrap="square" rtlCol="0">
+            <a:spAutoFit/>
+          </a:bodyPr>
+          <a:lstStyle/>
+          <a:p>
+            <a:pPr marL="571500" indent="-571500">
+              <a:buFont typeface="Courier New" panose="02070309020205020404" pitchFamily="49" charset="0"/>
+              <a:buChar char="o"/>
+            </a:pPr>
+            <a:r>
+              <a:rPr lang="en-US" sz="3200" dirty="0">
+                <a:solidFill>
+                  <a:schemeClr val="tx1">
+                    <a:lumMod val="65000"/>
+                    <a:lumOff val="35000"/>
+                  </a:schemeClr>
+                </a:solidFill>
+              </a:rPr>
+              <a:t>1990’s - Present  </a:t>
+            </a:r>
+          </a:p>
+        </p:txBody>
+      </p:sp>
+      <p:sp>
+        <p:nvSpPr>
+          <p:cNvPr id="12" name="TextBox 11">
+            <a:extLst>
+              <a:ext uri="{FF2B5EF4-FFF2-40B4-BE49-F238E27FC236}">
+                <a16:creationId xmlns:a16="http://schemas.microsoft.com/office/drawing/2014/main" id="{A996FD60-D986-B9CF-171E-122EB02C9405}"/>
+              </a:ext>
+            </a:extLst>
+          </p:cNvPr>
+          <p:cNvSpPr txBox="1"/>
+          <p:nvPr/>
+        </p:nvSpPr>
+        <p:spPr>
+          <a:xfrm>
+            <a:off x="1084887" y="2929072"/>
+            <a:ext cx="4262033" cy="584775"/>
+          </a:xfrm>
+          <a:prstGeom prst="rect">
+            <a:avLst/>
+          </a:prstGeom>
+          <a:noFill/>
+        </p:spPr>
+        <p:txBody>
+          <a:bodyPr wrap="square" rtlCol="0">
+            <a:spAutoFit/>
+          </a:bodyPr>
+          <a:lstStyle/>
+          <a:p>
+            <a:pPr marL="571500" indent="-571500">
+              <a:buFont typeface="Courier New" panose="02070309020205020404" pitchFamily="49" charset="0"/>
+              <a:buChar char="o"/>
+            </a:pPr>
+            <a:r>
+              <a:rPr lang="en-US" sz="3200" dirty="0">
+                <a:solidFill>
+                  <a:schemeClr val="tx1">
+                    <a:lumMod val="65000"/>
+                    <a:lumOff val="35000"/>
+                  </a:schemeClr>
+                </a:solidFill>
+              </a:rPr>
+              <a:t>Artificial Neuron</a:t>
+            </a:r>
+          </a:p>
+        </p:txBody>
+      </p:sp>
+      <p:sp>
+        <p:nvSpPr>
+          <p:cNvPr id="13" name="TextBox 12">
+            <a:extLst>
+              <a:ext uri="{FF2B5EF4-FFF2-40B4-BE49-F238E27FC236}">
+                <a16:creationId xmlns:a16="http://schemas.microsoft.com/office/drawing/2014/main" id="{94E68DDC-AAF2-B795-C88F-1E5F89BDFB65}"/>
+              </a:ext>
+            </a:extLst>
+          </p:cNvPr>
+          <p:cNvSpPr txBox="1"/>
+          <p:nvPr/>
+        </p:nvSpPr>
+        <p:spPr>
+          <a:xfrm>
+            <a:off x="6845092" y="2929072"/>
+            <a:ext cx="3797084" cy="584775"/>
+          </a:xfrm>
+          <a:prstGeom prst="rect">
+            <a:avLst/>
+          </a:prstGeom>
+          <a:noFill/>
+        </p:spPr>
+        <p:txBody>
+          <a:bodyPr wrap="square" rtlCol="0">
+            <a:spAutoFit/>
+          </a:bodyPr>
+          <a:lstStyle/>
+          <a:p>
+            <a:pPr marL="571500" indent="-571500">
+              <a:buFont typeface="Courier New" panose="02070309020205020404" pitchFamily="49" charset="0"/>
+              <a:buChar char="o"/>
+            </a:pPr>
+            <a:r>
+              <a:rPr lang="en-US" sz="3200" dirty="0">
+                <a:solidFill>
+                  <a:schemeClr val="tx1">
+                    <a:lumMod val="65000"/>
+                    <a:lumOff val="35000"/>
+                  </a:schemeClr>
+                </a:solidFill>
+              </a:rPr>
+              <a:t>Statistics &amp; Math</a:t>
+            </a:r>
+          </a:p>
+        </p:txBody>
+      </p:sp>
+      <p:sp>
+        <p:nvSpPr>
+          <p:cNvPr id="14" name="TextBox 13">
+            <a:extLst>
+              <a:ext uri="{FF2B5EF4-FFF2-40B4-BE49-F238E27FC236}">
+                <a16:creationId xmlns:a16="http://schemas.microsoft.com/office/drawing/2014/main" id="{FB31385E-4DA1-A62F-DCE3-A6027A4444A6}"/>
+              </a:ext>
+            </a:extLst>
+          </p:cNvPr>
+          <p:cNvSpPr txBox="1"/>
+          <p:nvPr/>
+        </p:nvSpPr>
+        <p:spPr>
+          <a:xfrm>
+            <a:off x="1084887" y="3582692"/>
+            <a:ext cx="4262033" cy="584775"/>
+          </a:xfrm>
+          <a:prstGeom prst="rect">
+            <a:avLst/>
+          </a:prstGeom>
+          <a:noFill/>
+        </p:spPr>
+        <p:txBody>
+          <a:bodyPr wrap="square" rtlCol="0">
+            <a:spAutoFit/>
+          </a:bodyPr>
+          <a:lstStyle/>
+          <a:p>
+            <a:pPr marL="571500" indent="-571500">
+              <a:buFont typeface="Courier New" panose="02070309020205020404" pitchFamily="49" charset="0"/>
+              <a:buChar char="o"/>
+            </a:pPr>
+            <a:r>
+              <a:rPr lang="en-US" sz="3200" dirty="0">
+                <a:solidFill>
+                  <a:schemeClr val="tx1">
+                    <a:lumMod val="65000"/>
+                    <a:lumOff val="35000"/>
+                  </a:schemeClr>
+                </a:solidFill>
+              </a:rPr>
+              <a:t>Tensorflow / Pytorch</a:t>
+            </a:r>
+          </a:p>
+        </p:txBody>
+      </p:sp>
+      <p:sp>
+        <p:nvSpPr>
+          <p:cNvPr id="15" name="TextBox 14">
+            <a:extLst>
+              <a:ext uri="{FF2B5EF4-FFF2-40B4-BE49-F238E27FC236}">
+                <a16:creationId xmlns:a16="http://schemas.microsoft.com/office/drawing/2014/main" id="{A4DD4A1E-9646-44C9-EBA2-F3DF046E403F}"/>
+              </a:ext>
+            </a:extLst>
+          </p:cNvPr>
+          <p:cNvSpPr txBox="1"/>
+          <p:nvPr/>
+        </p:nvSpPr>
+        <p:spPr>
+          <a:xfrm>
+            <a:off x="6845092" y="3579109"/>
+            <a:ext cx="4422182" cy="584775"/>
+          </a:xfrm>
+          <a:prstGeom prst="rect">
+            <a:avLst/>
+          </a:prstGeom>
+          <a:noFill/>
+        </p:spPr>
+        <p:txBody>
+          <a:bodyPr wrap="square" rtlCol="0">
+            <a:spAutoFit/>
+          </a:bodyPr>
+          <a:lstStyle/>
+          <a:p>
+            <a:pPr marL="571500" indent="-571500">
+              <a:buFont typeface="Courier New" panose="02070309020205020404" pitchFamily="49" charset="0"/>
+              <a:buChar char="o"/>
+            </a:pPr>
+            <a:r>
+              <a:rPr lang="en-US" sz="3200" dirty="0">
+                <a:solidFill>
+                  <a:schemeClr val="tx1">
+                    <a:lumMod val="65000"/>
+                    <a:lumOff val="35000"/>
+                  </a:schemeClr>
+                </a:solidFill>
+              </a:rPr>
+              <a:t>Sci-Kit Learn / RAPIDS</a:t>
+            </a:r>
+          </a:p>
+        </p:txBody>
+      </p:sp>
+    </p:spTree>
+    <p:extLst>
+      <p:ext uri="{BB962C8B-B14F-4D97-AF65-F5344CB8AC3E}">
+        <p14:creationId xmlns:p14="http://schemas.microsoft.com/office/powerpoint/2010/main" val="3302509771"/>
+      </p:ext>
+    </p:extLst>
+  </p:cSld>
+  <p:clrMapOvr>
+    <a:masterClrMapping/>
+  </p:clrMapOvr>
+  <mc:AlternateContent xmlns:mc="http://schemas.openxmlformats.org/markup-compatibility/2006" xmlns:p14="http://schemas.microsoft.com/office/powerpoint/2010/main">
+    <mc:Choice Requires="p14">
+      <p:transition spd="med" p14:dur="700">
+        <p:fade/>
+      </p:transition>
+    </mc:Choice>
+    <mc:Fallback xmlns="">
+      <p:transition spd="med">
+        <p:fade/>
+      </p:transition>
+    </mc:Fallback>
+  </mc:AlternateContent>
+  <p:timing>
+    <p:tnLst>
+      <p:par>
+        <p:cTn id="1" dur="indefinite" restart="never" nodeType="tmRoot">
+          <p:childTnLst>
+            <p:seq concurrent="1" nextAc="seek">
+              <p:cTn id="2" dur="indefinite" nodeType="mainSeq">
+                <p:childTnLst>
+                  <p:par>
+                    <p:cTn id="3" fill="hold">
+                      <p:stCondLst>
+                        <p:cond delay="indefinite"/>
+                      </p:stCondLst>
+                      <p:childTnLst>
+                        <p:par>
+                          <p:cTn id="4" fill="hold">
+                            <p:stCondLst>
+                              <p:cond delay="0"/>
+                            </p:stCondLst>
+                            <p:childTnLst>
+                              <p:par>
+                                <p:cTn id="5" presetID="10" presetClass="entr" presetSubtype="0" fill="hold" grpId="0" nodeType="clickEffect">
+                                  <p:stCondLst>
+                                    <p:cond delay="0"/>
+                                  </p:stCondLst>
+                                  <p:childTnLst>
+                                    <p:set>
+                                      <p:cBhvr>
+                                        <p:cTn id="6" dur="1" fill="hold">
+                                          <p:stCondLst>
+                                            <p:cond delay="0"/>
+                                          </p:stCondLst>
+                                        </p:cTn>
+                                        <p:tgtEl>
+                                          <p:spTgt spid="10"/>
+                                        </p:tgtEl>
+                                        <p:attrNameLst>
+                                          <p:attrName>style.visibility</p:attrName>
+                                        </p:attrNameLst>
+                                      </p:cBhvr>
+                                      <p:to>
+                                        <p:strVal val="visible"/>
+                                      </p:to>
+                                    </p:set>
+                                    <p:animEffect transition="in" filter="fade">
+                                      <p:cBhvr>
+                                        <p:cTn id="7" dur="500"/>
+                                        <p:tgtEl>
+                                          <p:spTgt spid="10"/>
+                                        </p:tgtEl>
+                                      </p:cBhvr>
+                                    </p:animEffect>
+                                  </p:childTnLst>
+                                </p:cTn>
+                              </p:par>
+                              <p:par>
+                                <p:cTn id="8" presetID="10" presetClass="entr" presetSubtype="0" fill="hold" grpId="0" nodeType="withEffect">
+                                  <p:stCondLst>
+                                    <p:cond delay="0"/>
+                                  </p:stCondLst>
+                                  <p:childTnLst>
+                                    <p:set>
+                                      <p:cBhvr>
+                                        <p:cTn id="9" dur="1" fill="hold">
+                                          <p:stCondLst>
+                                            <p:cond delay="0"/>
+                                          </p:stCondLst>
+                                        </p:cTn>
+                                        <p:tgtEl>
+                                          <p:spTgt spid="11"/>
+                                        </p:tgtEl>
+                                        <p:attrNameLst>
+                                          <p:attrName>style.visibility</p:attrName>
+                                        </p:attrNameLst>
+                                      </p:cBhvr>
+                                      <p:to>
+                                        <p:strVal val="visible"/>
+                                      </p:to>
+                                    </p:set>
+                                    <p:animEffect transition="in" filter="fade">
+                                      <p:cBhvr>
+                                        <p:cTn id="10" dur="500"/>
+                                        <p:tgtEl>
+                                          <p:spTgt spid="11"/>
+                                        </p:tgtEl>
+                                      </p:cBhvr>
+                                    </p:animEffect>
+                                  </p:childTnLst>
+                                </p:cTn>
+                              </p:par>
+                            </p:childTnLst>
+                          </p:cTn>
+                        </p:par>
+                      </p:childTnLst>
+                    </p:cTn>
+                  </p:par>
+                  <p:par>
+                    <p:cTn id="11" fill="hold">
+                      <p:stCondLst>
+                        <p:cond delay="indefinite"/>
+                      </p:stCondLst>
+                      <p:childTnLst>
+                        <p:par>
+                          <p:cTn id="12" fill="hold">
+                            <p:stCondLst>
+                              <p:cond delay="0"/>
+                            </p:stCondLst>
+                            <p:childTnLst>
+                              <p:par>
+                                <p:cTn id="13" presetID="10" presetClass="entr" presetSubtype="0" fill="hold" grpId="0" nodeType="clickEffect">
+                                  <p:stCondLst>
+                                    <p:cond delay="0"/>
+                                  </p:stCondLst>
+                                  <p:childTnLst>
+                                    <p:set>
+                                      <p:cBhvr>
+                                        <p:cTn id="14" dur="1" fill="hold">
+                                          <p:stCondLst>
+                                            <p:cond delay="0"/>
+                                          </p:stCondLst>
+                                        </p:cTn>
+                                        <p:tgtEl>
+                                          <p:spTgt spid="12"/>
+                                        </p:tgtEl>
+                                        <p:attrNameLst>
+                                          <p:attrName>style.visibility</p:attrName>
+                                        </p:attrNameLst>
+                                      </p:cBhvr>
+                                      <p:to>
+                                        <p:strVal val="visible"/>
+                                      </p:to>
+                                    </p:set>
+                                    <p:animEffect transition="in" filter="fade">
+                                      <p:cBhvr>
+                                        <p:cTn id="15" dur="500"/>
+                                        <p:tgtEl>
+                                          <p:spTgt spid="12"/>
+                                        </p:tgtEl>
+                                      </p:cBhvr>
+                                    </p:animEffect>
+                                  </p:childTnLst>
+                                </p:cTn>
+                              </p:par>
+                              <p:par>
+                                <p:cTn id="16" presetID="10" presetClass="entr" presetSubtype="0" fill="hold" grpId="0" nodeType="withEffect">
+                                  <p:stCondLst>
+                                    <p:cond delay="0"/>
+                                  </p:stCondLst>
+                                  <p:childTnLst>
+                                    <p:set>
+                                      <p:cBhvr>
+                                        <p:cTn id="17" dur="1" fill="hold">
+                                          <p:stCondLst>
+                                            <p:cond delay="0"/>
+                                          </p:stCondLst>
+                                        </p:cTn>
+                                        <p:tgtEl>
+                                          <p:spTgt spid="13"/>
+                                        </p:tgtEl>
+                                        <p:attrNameLst>
+                                          <p:attrName>style.visibility</p:attrName>
+                                        </p:attrNameLst>
+                                      </p:cBhvr>
+                                      <p:to>
+                                        <p:strVal val="visible"/>
+                                      </p:to>
+                                    </p:set>
+                                    <p:animEffect transition="in" filter="fade">
+                                      <p:cBhvr>
+                                        <p:cTn id="18" dur="500"/>
+                                        <p:tgtEl>
+                                          <p:spTgt spid="13"/>
+                                        </p:tgtEl>
+                                      </p:cBhvr>
+                                    </p:animEffect>
+                                  </p:childTnLst>
+                                </p:cTn>
+                              </p:par>
+                            </p:childTnLst>
+                          </p:cTn>
+                        </p:par>
+                      </p:childTnLst>
+                    </p:cTn>
+                  </p:par>
+                  <p:par>
+                    <p:cTn id="19" fill="hold">
+                      <p:stCondLst>
+                        <p:cond delay="indefinite"/>
+                      </p:stCondLst>
+                      <p:childTnLst>
+                        <p:par>
+                          <p:cTn id="20" fill="hold">
+                            <p:stCondLst>
+                              <p:cond delay="0"/>
+                            </p:stCondLst>
+                            <p:childTnLst>
+                              <p:par>
+                                <p:cTn id="21" presetID="10" presetClass="entr" presetSubtype="0" fill="hold" grpId="0" nodeType="clickEffect">
+                                  <p:stCondLst>
+                                    <p:cond delay="0"/>
+                                  </p:stCondLst>
+                                  <p:childTnLst>
+                                    <p:set>
+                                      <p:cBhvr>
+                                        <p:cTn id="22" dur="1" fill="hold">
+                                          <p:stCondLst>
+                                            <p:cond delay="0"/>
+                                          </p:stCondLst>
+                                        </p:cTn>
+                                        <p:tgtEl>
+                                          <p:spTgt spid="14"/>
+                                        </p:tgtEl>
+                                        <p:attrNameLst>
+                                          <p:attrName>style.visibility</p:attrName>
+                                        </p:attrNameLst>
+                                      </p:cBhvr>
+                                      <p:to>
+                                        <p:strVal val="visible"/>
+                                      </p:to>
+                                    </p:set>
+                                    <p:animEffect transition="in" filter="fade">
+                                      <p:cBhvr>
+                                        <p:cTn id="23" dur="500"/>
+                                        <p:tgtEl>
+                                          <p:spTgt spid="14"/>
+                                        </p:tgtEl>
+                                      </p:cBhvr>
+                                    </p:animEffect>
+                                  </p:childTnLst>
+                                </p:cTn>
+                              </p:par>
+                              <p:par>
+                                <p:cTn id="24" presetID="10" presetClass="entr" presetSubtype="0" fill="hold" grpId="0" nodeType="withEffect">
+                                  <p:stCondLst>
+                                    <p:cond delay="0"/>
+                                  </p:stCondLst>
+                                  <p:childTnLst>
+                                    <p:set>
+                                      <p:cBhvr>
+                                        <p:cTn id="25" dur="1" fill="hold">
+                                          <p:stCondLst>
+                                            <p:cond delay="0"/>
+                                          </p:stCondLst>
+                                        </p:cTn>
+                                        <p:tgtEl>
+                                          <p:spTgt spid="15"/>
+                                        </p:tgtEl>
+                                        <p:attrNameLst>
+                                          <p:attrName>style.visibility</p:attrName>
+                                        </p:attrNameLst>
+                                      </p:cBhvr>
+                                      <p:to>
+                                        <p:strVal val="visible"/>
+                                      </p:to>
+                                    </p:set>
+                                    <p:animEffect transition="in" filter="fade">
+                                      <p:cBhvr>
+                                        <p:cTn id="26" dur="500"/>
+                                        <p:tgtEl>
+                                          <p:spTgt spid="15"/>
+                                        </p:tgtEl>
+                                      </p:cBhvr>
+                                    </p:animEffect>
+                                  </p:childTnLst>
+                                </p:cTn>
+                              </p:par>
+                            </p:childTnLst>
+                          </p:cTn>
+                        </p:par>
+                      </p:childTnLst>
+                    </p:cTn>
+                  </p:par>
+                </p:childTnLst>
+              </p:cTn>
+              <p:prevCondLst>
+                <p:cond evt="onPrev" delay="0">
+                  <p:tgtEl>
+                    <p:sldTgt/>
+                  </p:tgtEl>
+                </p:cond>
+              </p:prevCondLst>
+              <p:nextCondLst>
+                <p:cond evt="onNext" delay="0">
+                  <p:tgtEl>
+                    <p:sldTgt/>
+                  </p:tgtEl>
+                </p:cond>
+              </p:nextCondLst>
+            </p:seq>
+          </p:childTnLst>
+        </p:cTn>
+      </p:par>
+    </p:tnLst>
+    <p:bldLst>
+      <p:bldP spid="10" grpId="0"/>
+      <p:bldP spid="11" grpId="0"/>
+      <p:bldP spid="12" grpId="0"/>
+      <p:bldP spid="13" grpId="0"/>
+      <p:bldP spid="14" grpId="0"/>
+      <p:bldP spid="15" grpId="0"/>
+    </p:bldLst>
+  </p:timing>
+</p:sld>
+</file>
+
+<file path=ppt/slides/slide6.xml><?xml version="1.0" encoding="utf-8"?>
+<p:sld xmlns:a="http://schemas.openxmlformats.org/drawingml/2006/main" xmlns:r="http://schemas.openxmlformats.org/officeDocument/2006/relationships" xmlns:p="http://schemas.openxmlformats.org/presentationml/2006/main">
+  <p:cSld>
+    <p:spTree>
+      <p:nvGrpSpPr>
+        <p:cNvPr id="1" name=""/>
+        <p:cNvGrpSpPr/>
+        <p:nvPr/>
+      </p:nvGrpSpPr>
+      <p:grpSpPr>
+        <a:xfrm>
+          <a:off x="0" y="0"/>
+          <a:ext cx="0" cy="0"/>
+          <a:chOff x="0" y="0"/>
+          <a:chExt cx="0" cy="0"/>
+        </a:xfrm>
+      </p:grpSpPr>
       <p:pic>
         <p:nvPicPr>
           <p:cNvPr id="1026" name="Picture 2" descr="History of AI Winters - History of AI Winters | Actuaries Digital">
@@ -11170,166 +11164,6 @@
     <p:extLst>
       <p:ext uri="{BB962C8B-B14F-4D97-AF65-F5344CB8AC3E}">
         <p14:creationId xmlns:p14="http://schemas.microsoft.com/office/powerpoint/2010/main" val="3151695521"/>
-      </p:ext>
-    </p:extLst>
-  </p:cSld>
-  <p:clrMapOvr>
-    <a:masterClrMapping/>
-  </p:clrMapOvr>
-  <mc:AlternateContent xmlns:mc="http://schemas.openxmlformats.org/markup-compatibility/2006" xmlns:p14="http://schemas.microsoft.com/office/powerpoint/2010/main">
-    <mc:Choice Requires="p14">
-      <p:transition spd="med" p14:dur="700">
-        <p:fade/>
-      </p:transition>
-    </mc:Choice>
-    <mc:Fallback xmlns="">
-      <p:transition spd="med">
-        <p:fade/>
-      </p:transition>
-    </mc:Fallback>
-  </mc:AlternateContent>
-</p:sld>
-</file>
-
-<file path=ppt/slides/slide6.xml><?xml version="1.0" encoding="utf-8"?>
-<p:sld xmlns:a="http://schemas.openxmlformats.org/drawingml/2006/main" xmlns:r="http://schemas.openxmlformats.org/officeDocument/2006/relationships" xmlns:p="http://schemas.openxmlformats.org/presentationml/2006/main">
-  <p:cSld>
-    <p:spTree>
-      <p:nvGrpSpPr>
-        <p:cNvPr id="1" name=""/>
-        <p:cNvGrpSpPr/>
-        <p:nvPr/>
-      </p:nvGrpSpPr>
-      <p:grpSpPr>
-        <a:xfrm>
-          <a:off x="0" y="0"/>
-          <a:ext cx="0" cy="0"/>
-          <a:chOff x="0" y="0"/>
-          <a:chExt cx="0" cy="0"/>
-        </a:xfrm>
-      </p:grpSpPr>
-      <p:sp>
-        <p:nvSpPr>
-          <p:cNvPr id="2" name="Title 1">
-            <a:extLst>
-              <a:ext uri="{FF2B5EF4-FFF2-40B4-BE49-F238E27FC236}">
-                <a16:creationId xmlns:a16="http://schemas.microsoft.com/office/drawing/2014/main" id="{8306FF31-301F-43F0-8202-A782726E446A}"/>
-              </a:ext>
-            </a:extLst>
-          </p:cNvPr>
-          <p:cNvSpPr>
-            <a:spLocks noGrp="1"/>
-          </p:cNvSpPr>
-          <p:nvPr>
-            <p:ph type="title"/>
-          </p:nvPr>
-        </p:nvSpPr>
-        <p:spPr>
-          <a:xfrm>
-            <a:off x="618697" y="365127"/>
-            <a:ext cx="10735103" cy="827416"/>
-          </a:xfrm>
-        </p:spPr>
-        <p:txBody>
-          <a:bodyPr>
-            <a:normAutofit/>
-          </a:bodyPr>
-          <a:lstStyle/>
-          <a:p>
-            <a:pPr algn="ctr"/>
-            <a:endParaRPr lang="en-US" sz="3600" dirty="0">
-              <a:latin typeface="Palatino Linotype" panose="02040502050505030304" pitchFamily="18" charset="0"/>
-              <a:cs typeface="Segoe UI Light" panose="020B0502040204020203" pitchFamily="34" charset="0"/>
-            </a:endParaRPr>
-          </a:p>
-        </p:txBody>
-      </p:sp>
-      <p:sp>
-        <p:nvSpPr>
-          <p:cNvPr id="4" name="Content Placeholder 3">
-            <a:extLst>
-              <a:ext uri="{FF2B5EF4-FFF2-40B4-BE49-F238E27FC236}">
-                <a16:creationId xmlns:a16="http://schemas.microsoft.com/office/drawing/2014/main" id="{4E4AB757-90A1-4A72-AC15-A8FE775EA8EA}"/>
-              </a:ext>
-            </a:extLst>
-          </p:cNvPr>
-          <p:cNvSpPr>
-            <a:spLocks noGrp="1"/>
-          </p:cNvSpPr>
-          <p:nvPr>
-            <p:ph idx="1"/>
-          </p:nvPr>
-        </p:nvSpPr>
-        <p:spPr>
-          <a:xfrm>
-            <a:off x="838200" y="1490346"/>
-            <a:ext cx="10515600" cy="4351338"/>
-          </a:xfrm>
-        </p:spPr>
-        <p:txBody>
-          <a:bodyPr/>
-          <a:lstStyle/>
-          <a:p>
-            <a:pPr marL="0" indent="0">
-              <a:buNone/>
-            </a:pPr>
-            <a:endParaRPr lang="en-US" b="0" i="0" dirty="0">
-              <a:solidFill>
-                <a:srgbClr val="202122"/>
-              </a:solidFill>
-              <a:effectLst/>
-              <a:latin typeface="Palatino Linotype" panose="02040502050505030304" pitchFamily="18" charset="0"/>
-            </a:endParaRPr>
-          </a:p>
-          <a:p>
-            <a:pPr marL="0" indent="0">
-              <a:buNone/>
-            </a:pPr>
-            <a:endParaRPr lang="en-US" dirty="0">
-              <a:solidFill>
-                <a:srgbClr val="202122"/>
-              </a:solidFill>
-              <a:latin typeface="Palatino Linotype" panose="02040502050505030304" pitchFamily="18" charset="0"/>
-            </a:endParaRPr>
-          </a:p>
-          <a:p>
-            <a:pPr marL="0" indent="0">
-              <a:buNone/>
-            </a:pPr>
-            <a:r>
-              <a:rPr lang="en-US" b="0" i="0" dirty="0">
-                <a:solidFill>
-                  <a:srgbClr val="202122"/>
-                </a:solidFill>
-                <a:effectLst/>
-                <a:latin typeface="Palatino Linotype" panose="02040502050505030304" pitchFamily="18" charset="0"/>
-              </a:rPr>
-              <a:t>Artificial Intelligence is the study of “rational agents”: any system that perceives its environment and takes actions that maximize its chance of achieving its goals.</a:t>
-            </a:r>
-          </a:p>
-          <a:p>
-            <a:pPr marL="0" indent="0">
-              <a:buNone/>
-            </a:pPr>
-            <a:r>
-              <a:rPr lang="en-US" dirty="0">
-                <a:solidFill>
-                  <a:srgbClr val="202122"/>
-                </a:solidFill>
-                <a:latin typeface="Palatino Linotype" panose="02040502050505030304" pitchFamily="18" charset="0"/>
-              </a:rPr>
-              <a:t>						-- Russell &amp; Norvig (2003)</a:t>
-            </a:r>
-            <a:endParaRPr lang="en-US" dirty="0">
-              <a:latin typeface="Palatino Linotype" panose="02040502050505030304" pitchFamily="18" charset="0"/>
-            </a:endParaRPr>
-          </a:p>
-        </p:txBody>
-      </p:sp>
-    </p:spTree>
-    <p:extLst>
-      <p:ext uri="{BB962C8B-B14F-4D97-AF65-F5344CB8AC3E}">
-        <p14:creationId xmlns:p14="http://schemas.microsoft.com/office/powerpoint/2010/main" val="2515421536"/>
       </p:ext>
     </p:extLst>
   </p:cSld>
@@ -11433,6 +11267,166 @@
             <a:pPr marL="0" indent="0">
               <a:buNone/>
             </a:pPr>
+            <a:endParaRPr lang="en-US" b="0" i="0" dirty="0">
+              <a:solidFill>
+                <a:srgbClr val="202122"/>
+              </a:solidFill>
+              <a:effectLst/>
+              <a:latin typeface="Palatino Linotype" panose="02040502050505030304" pitchFamily="18" charset="0"/>
+            </a:endParaRPr>
+          </a:p>
+          <a:p>
+            <a:pPr marL="0" indent="0">
+              <a:buNone/>
+            </a:pPr>
+            <a:endParaRPr lang="en-US" dirty="0">
+              <a:solidFill>
+                <a:srgbClr val="202122"/>
+              </a:solidFill>
+              <a:latin typeface="Palatino Linotype" panose="02040502050505030304" pitchFamily="18" charset="0"/>
+            </a:endParaRPr>
+          </a:p>
+          <a:p>
+            <a:pPr marL="0" indent="0">
+              <a:buNone/>
+            </a:pPr>
+            <a:r>
+              <a:rPr lang="en-US" b="0" i="0" dirty="0">
+                <a:solidFill>
+                  <a:srgbClr val="202122"/>
+                </a:solidFill>
+                <a:effectLst/>
+                <a:latin typeface="Palatino Linotype" panose="02040502050505030304" pitchFamily="18" charset="0"/>
+              </a:rPr>
+              <a:t>Artificial Intelligence is the study of “rational agents”: any system that perceives its environment and takes actions that maximize its chance of achieving its goals.</a:t>
+            </a:r>
+          </a:p>
+          <a:p>
+            <a:pPr marL="0" indent="0">
+              <a:buNone/>
+            </a:pPr>
+            <a:r>
+              <a:rPr lang="en-US" dirty="0">
+                <a:solidFill>
+                  <a:srgbClr val="202122"/>
+                </a:solidFill>
+                <a:latin typeface="Palatino Linotype" panose="02040502050505030304" pitchFamily="18" charset="0"/>
+              </a:rPr>
+              <a:t>						-- Russell &amp; Norvig (2003)</a:t>
+            </a:r>
+            <a:endParaRPr lang="en-US" dirty="0">
+              <a:latin typeface="Palatino Linotype" panose="02040502050505030304" pitchFamily="18" charset="0"/>
+            </a:endParaRPr>
+          </a:p>
+        </p:txBody>
+      </p:sp>
+    </p:spTree>
+    <p:extLst>
+      <p:ext uri="{BB962C8B-B14F-4D97-AF65-F5344CB8AC3E}">
+        <p14:creationId xmlns:p14="http://schemas.microsoft.com/office/powerpoint/2010/main" val="2515421536"/>
+      </p:ext>
+    </p:extLst>
+  </p:cSld>
+  <p:clrMapOvr>
+    <a:masterClrMapping/>
+  </p:clrMapOvr>
+  <mc:AlternateContent xmlns:mc="http://schemas.openxmlformats.org/markup-compatibility/2006" xmlns:p14="http://schemas.microsoft.com/office/powerpoint/2010/main">
+    <mc:Choice Requires="p14">
+      <p:transition spd="med" p14:dur="700">
+        <p:fade/>
+      </p:transition>
+    </mc:Choice>
+    <mc:Fallback xmlns="">
+      <p:transition spd="med">
+        <p:fade/>
+      </p:transition>
+    </mc:Fallback>
+  </mc:AlternateContent>
+</p:sld>
+</file>
+
+<file path=ppt/slides/slide8.xml><?xml version="1.0" encoding="utf-8"?>
+<p:sld xmlns:a="http://schemas.openxmlformats.org/drawingml/2006/main" xmlns:r="http://schemas.openxmlformats.org/officeDocument/2006/relationships" xmlns:p="http://schemas.openxmlformats.org/presentationml/2006/main">
+  <p:cSld>
+    <p:spTree>
+      <p:nvGrpSpPr>
+        <p:cNvPr id="1" name=""/>
+        <p:cNvGrpSpPr/>
+        <p:nvPr/>
+      </p:nvGrpSpPr>
+      <p:grpSpPr>
+        <a:xfrm>
+          <a:off x="0" y="0"/>
+          <a:ext cx="0" cy="0"/>
+          <a:chOff x="0" y="0"/>
+          <a:chExt cx="0" cy="0"/>
+        </a:xfrm>
+      </p:grpSpPr>
+      <p:sp>
+        <p:nvSpPr>
+          <p:cNvPr id="2" name="Title 1">
+            <a:extLst>
+              <a:ext uri="{FF2B5EF4-FFF2-40B4-BE49-F238E27FC236}">
+                <a16:creationId xmlns:a16="http://schemas.microsoft.com/office/drawing/2014/main" id="{8306FF31-301F-43F0-8202-A782726E446A}"/>
+              </a:ext>
+            </a:extLst>
+          </p:cNvPr>
+          <p:cNvSpPr>
+            <a:spLocks noGrp="1"/>
+          </p:cNvSpPr>
+          <p:nvPr>
+            <p:ph type="title"/>
+          </p:nvPr>
+        </p:nvSpPr>
+        <p:spPr>
+          <a:xfrm>
+            <a:off x="618697" y="365127"/>
+            <a:ext cx="10735103" cy="827416"/>
+          </a:xfrm>
+        </p:spPr>
+        <p:txBody>
+          <a:bodyPr>
+            <a:normAutofit/>
+          </a:bodyPr>
+          <a:lstStyle/>
+          <a:p>
+            <a:pPr algn="ctr"/>
+            <a:endParaRPr lang="en-US" sz="3600" dirty="0">
+              <a:latin typeface="Palatino Linotype" panose="02040502050505030304" pitchFamily="18" charset="0"/>
+              <a:cs typeface="Segoe UI Light" panose="020B0502040204020203" pitchFamily="34" charset="0"/>
+            </a:endParaRPr>
+          </a:p>
+        </p:txBody>
+      </p:sp>
+      <p:sp>
+        <p:nvSpPr>
+          <p:cNvPr id="4" name="Content Placeholder 3">
+            <a:extLst>
+              <a:ext uri="{FF2B5EF4-FFF2-40B4-BE49-F238E27FC236}">
+                <a16:creationId xmlns:a16="http://schemas.microsoft.com/office/drawing/2014/main" id="{4E4AB757-90A1-4A72-AC15-A8FE775EA8EA}"/>
+              </a:ext>
+            </a:extLst>
+          </p:cNvPr>
+          <p:cNvSpPr>
+            <a:spLocks noGrp="1"/>
+          </p:cNvSpPr>
+          <p:nvPr>
+            <p:ph idx="1"/>
+          </p:nvPr>
+        </p:nvSpPr>
+        <p:spPr>
+          <a:xfrm>
+            <a:off x="838200" y="1490346"/>
+            <a:ext cx="10515600" cy="4351338"/>
+          </a:xfrm>
+        </p:spPr>
+        <p:txBody>
+          <a:bodyPr/>
+          <a:lstStyle/>
+          <a:p>
+            <a:pPr marL="0" indent="0">
+              <a:buNone/>
+            </a:pPr>
             <a:endParaRPr lang="en-US" dirty="0"/>
           </a:p>
           <a:p>
@@ -11513,7 +11507,7 @@
 </p:sld>
 </file>
 
-<file path=ppt/slides/slide8.xml><?xml version="1.0" encoding="utf-8"?>
+<file path=ppt/slides/slide9.xml><?xml version="1.0" encoding="utf-8"?>
 <p:sld xmlns:a="http://schemas.openxmlformats.org/drawingml/2006/main" xmlns:r="http://schemas.openxmlformats.org/officeDocument/2006/relationships" xmlns:p="http://schemas.openxmlformats.org/presentationml/2006/main">
   <p:cSld>
     <p:spTree>
@@ -11706,114 +11700,6 @@
     <p:extLst>
       <p:ext uri="{BB962C8B-B14F-4D97-AF65-F5344CB8AC3E}">
         <p14:creationId xmlns:p14="http://schemas.microsoft.com/office/powerpoint/2010/main" val="888845023"/>
-      </p:ext>
-    </p:extLst>
-  </p:cSld>
-  <p:clrMapOvr>
-    <a:masterClrMapping/>
-  </p:clrMapOvr>
-  <mc:AlternateContent xmlns:mc="http://schemas.openxmlformats.org/markup-compatibility/2006" xmlns:p14="http://schemas.microsoft.com/office/powerpoint/2010/main">
-    <mc:Choice Requires="p14">
-      <p:transition spd="med" p14:dur="700">
-        <p:fade/>
-      </p:transition>
-    </mc:Choice>
-    <mc:Fallback xmlns="">
-      <p:transition spd="med">
-        <p:fade/>
-      </p:transition>
-    </mc:Fallback>
-  </mc:AlternateContent>
-</p:sld>
-</file>
-
-<file path=ppt/slides/slide9.xml><?xml version="1.0" encoding="utf-8"?>
-<p:sld xmlns:a="http://schemas.openxmlformats.org/drawingml/2006/main" xmlns:r="http://schemas.openxmlformats.org/officeDocument/2006/relationships" xmlns:p="http://schemas.openxmlformats.org/presentationml/2006/main">
-  <p:cSld>
-    <p:spTree>
-      <p:nvGrpSpPr>
-        <p:cNvPr id="1" name=""/>
-        <p:cNvGrpSpPr/>
-        <p:nvPr/>
-      </p:nvGrpSpPr>
-      <p:grpSpPr>
-        <a:xfrm>
-          <a:off x="0" y="0"/>
-          <a:ext cx="0" cy="0"/>
-          <a:chOff x="0" y="0"/>
-          <a:chExt cx="0" cy="0"/>
-        </a:xfrm>
-      </p:grpSpPr>
-      <p:sp>
-        <p:nvSpPr>
-          <p:cNvPr id="3" name="TextBox 2">
-            <a:extLst>
-              <a:ext uri="{FF2B5EF4-FFF2-40B4-BE49-F238E27FC236}">
-                <a16:creationId xmlns:a16="http://schemas.microsoft.com/office/drawing/2014/main" id="{15A76122-636D-4B05-A861-582C712949BC}"/>
-              </a:ext>
-            </a:extLst>
-          </p:cNvPr>
-          <p:cNvSpPr txBox="1"/>
-          <p:nvPr/>
-        </p:nvSpPr>
-        <p:spPr>
-          <a:xfrm>
-            <a:off x="0" y="2082385"/>
-            <a:ext cx="12192000" cy="575307"/>
-          </a:xfrm>
-          <a:prstGeom prst="rect">
-            <a:avLst/>
-          </a:prstGeom>
-          <a:noFill/>
-          <a:ln>
-            <a:noFill/>
-          </a:ln>
-        </p:spPr>
-        <p:txBody>
-          <a:bodyPr wrap="square" lIns="90000" tIns="45000" rIns="90000" bIns="45000" anchorCtr="0" compatLnSpc="0">
-            <a:spAutoFit/>
-          </a:bodyPr>
-          <a:lstStyle/>
-          <a:p>
-            <a:pPr marL="0" marR="0" lvl="0" indent="0" algn="ctr" hangingPunct="0">
-              <a:lnSpc>
-                <a:spcPct val="100000"/>
-              </a:lnSpc>
-              <a:spcBef>
-                <a:spcPts val="0"/>
-              </a:spcBef>
-              <a:spcAft>
-                <a:spcPts val="1440"/>
-              </a:spcAft>
-              <a:buNone/>
-              <a:tabLst/>
-            </a:pPr>
-            <a:r>
-              <a:rPr lang="en-US" sz="2800" dirty="0">
-                <a:latin typeface="Palatino Linotype" panose="02040502050505030304" pitchFamily="18" charset="0"/>
-                <a:ea typeface="Arial" pitchFamily="34"/>
-                <a:cs typeface="Arial" pitchFamily="34"/>
-              </a:rPr>
-              <a:t>Enter a single word to</a:t>
-            </a:r>
-            <a:r>
-              <a:rPr lang="en-US" sz="2800" b="0" i="0" u="none" strike="noStrike" kern="1200" cap="none" dirty="0">
-                <a:ln>
-                  <a:noFill/>
-                </a:ln>
-                <a:latin typeface="Palatino Linotype" panose="02040502050505030304" pitchFamily="18" charset="0"/>
-                <a:ea typeface="Arial" pitchFamily="34"/>
-                <a:cs typeface="Arial" pitchFamily="34"/>
-              </a:rPr>
-              <a:t> describe artificial intelligence</a:t>
-            </a:r>
-          </a:p>
-        </p:txBody>
-      </p:sp>
-    </p:spTree>
-    <p:extLst>
-      <p:ext uri="{BB962C8B-B14F-4D97-AF65-F5344CB8AC3E}">
-        <p14:creationId xmlns:p14="http://schemas.microsoft.com/office/powerpoint/2010/main" val="3343902112"/>
       </p:ext>
     </p:extLst>
   </p:cSld>

--- a/presentations/02.1_ai_intro.pptx
+++ b/presentations/02.1_ai_intro.pptx
@@ -5,7 +5,7 @@
     <p:sldMasterId id="2147483648" r:id="rId1"/>
   </p:sldMasterIdLst>
   <p:notesMasterIdLst>
-    <p:notesMasterId r:id="rId22"/>
+    <p:notesMasterId r:id="rId23"/>
   </p:notesMasterIdLst>
   <p:sldIdLst>
     <p:sldId id="322" r:id="rId2"/>
@@ -13,21 +13,22 @@
     <p:sldId id="332" r:id="rId4"/>
     <p:sldId id="324" r:id="rId5"/>
     <p:sldId id="337" r:id="rId6"/>
-    <p:sldId id="336" r:id="rId7"/>
-    <p:sldId id="334" r:id="rId8"/>
-    <p:sldId id="335" r:id="rId9"/>
-    <p:sldId id="281" r:id="rId10"/>
-    <p:sldId id="353" r:id="rId11"/>
-    <p:sldId id="323" r:id="rId12"/>
-    <p:sldId id="310" r:id="rId13"/>
-    <p:sldId id="307" r:id="rId14"/>
-    <p:sldId id="308" r:id="rId15"/>
-    <p:sldId id="309" r:id="rId16"/>
-    <p:sldId id="315" r:id="rId17"/>
-    <p:sldId id="303" r:id="rId18"/>
-    <p:sldId id="312" r:id="rId19"/>
-    <p:sldId id="305" r:id="rId20"/>
-    <p:sldId id="304" r:id="rId21"/>
+    <p:sldId id="354" r:id="rId7"/>
+    <p:sldId id="336" r:id="rId8"/>
+    <p:sldId id="334" r:id="rId9"/>
+    <p:sldId id="335" r:id="rId10"/>
+    <p:sldId id="281" r:id="rId11"/>
+    <p:sldId id="353" r:id="rId12"/>
+    <p:sldId id="323" r:id="rId13"/>
+    <p:sldId id="310" r:id="rId14"/>
+    <p:sldId id="307" r:id="rId15"/>
+    <p:sldId id="308" r:id="rId16"/>
+    <p:sldId id="309" r:id="rId17"/>
+    <p:sldId id="315" r:id="rId18"/>
+    <p:sldId id="303" r:id="rId19"/>
+    <p:sldId id="312" r:id="rId20"/>
+    <p:sldId id="305" r:id="rId21"/>
+    <p:sldId id="304" r:id="rId22"/>
   </p:sldIdLst>
   <p:sldSz cx="12192000" cy="6858000"/>
   <p:notesSz cx="7023100" cy="9309100"/>
@@ -227,7 +228,7 @@
           <a:p>
             <a:fld id="{FD93C9B2-20F6-4DB1-B471-224337D0AC79}" type="datetimeFigureOut">
               <a:rPr lang="en-US" smtClean="0"/>
-              <a:t>9/13/2022</a:t>
+              <a:t>9/23/2022</a:t>
             </a:fld>
             <a:endParaRPr lang="en-US"/>
           </a:p>
@@ -640,27 +641,98 @@
           <a:bodyPr/>
           <a:lstStyle/>
           <a:p>
-            <a:pPr marL="0" marR="0" lvl="0" indent="0" algn="l" defTabSz="914400" rtl="0" eaLnBrk="1" fontAlgn="auto" latinLnBrk="0" hangingPunct="1">
-              <a:lnSpc>
-                <a:spcPct val="100000"/>
-              </a:lnSpc>
-              <a:spcBef>
-                <a:spcPts val="0"/>
-              </a:spcBef>
-              <a:spcAft>
-                <a:spcPts val="0"/>
-              </a:spcAft>
-              <a:buClrTx/>
-              <a:buSzTx/>
-              <a:buFontTx/>
+            <a:pPr marL="233309" indent="-233309">
+              <a:buAutoNum type="arabicPeriod"/>
+            </a:pPr>
+            <a:r>
+              <a:rPr lang="en-US" dirty="0"/>
+              <a:t>Again, deep learning is a subfield of machine learning with a focus on </a:t>
+            </a:r>
+            <a:r>
+              <a:rPr lang="en-US" b="1" dirty="0"/>
+              <a:t>neural networks</a:t>
+            </a:r>
+          </a:p>
+          <a:p>
+            <a:pPr marL="233309" indent="-233309">
+              <a:buAutoNum type="arabicPeriod"/>
+            </a:pPr>
+            <a:r>
+              <a:rPr lang="en-US" dirty="0"/>
+              <a:t>A neural network is a special type of learning algorithm, inspired by the billions of interconnected neurons in the human brain.</a:t>
+            </a:r>
+          </a:p>
+          <a:p>
+            <a:pPr marL="233309" indent="-233309">
+              <a:buAutoNum type="arabicPeriod"/>
+            </a:pPr>
+            <a:r>
+              <a:rPr lang="en-US" dirty="0"/>
+              <a:t>In a NN, neurons are grouped together in layers – image of a multi-layered cake – if you have many layers, the cake is “deep” when viewed from above.</a:t>
+            </a:r>
+          </a:p>
+          <a:p>
+            <a:pPr marL="233309" indent="-233309">
+              <a:buAutoNum type="arabicPeriod"/>
+            </a:pPr>
+            <a:endParaRPr lang="en-US" dirty="0"/>
+          </a:p>
+          <a:p>
+            <a:pPr marL="0" indent="0">
               <a:buNone/>
-              <a:tabLst/>
-              <a:defRPr/>
             </a:pPr>
             <a:r>
               <a:rPr lang="en-US" dirty="0"/>
-              <a:t>https://app.wooclap.com/PRACTICUMAI?from=event-page</a:t>
-            </a:r>
+              <a:t>=====</a:t>
+            </a:r>
+          </a:p>
+          <a:p>
+            <a:pPr marL="0" indent="0">
+              <a:buNone/>
+            </a:pPr>
+            <a:r>
+              <a:rPr lang="en-US" dirty="0"/>
+              <a:t>Since 2010, deep learning became possible because:</a:t>
+            </a:r>
+          </a:p>
+          <a:p>
+            <a:pPr marL="699927" lvl="1" indent="-233309">
+              <a:buAutoNum type="arabicPeriod"/>
+            </a:pPr>
+            <a:r>
+              <a:rPr lang="en-US" dirty="0"/>
+              <a:t>Enhanced hardware – GPUs from Nvidia and other suppliers</a:t>
+            </a:r>
+          </a:p>
+          <a:p>
+            <a:pPr marL="699927" lvl="1" indent="-233309">
+              <a:buAutoNum type="arabicPeriod"/>
+            </a:pPr>
+            <a:r>
+              <a:rPr lang="en-US" dirty="0"/>
+              <a:t>Open AI software frameworks – Tensorflow, Pytorch, Keras, etc…</a:t>
+            </a:r>
+          </a:p>
+          <a:p>
+            <a:pPr marL="699927" lvl="1" indent="-233309">
+              <a:buAutoNum type="arabicPeriod"/>
+            </a:pPr>
+            <a:r>
+              <a:rPr lang="en-US" dirty="0"/>
+              <a:t>Big Data</a:t>
+            </a:r>
+          </a:p>
+          <a:p>
+            <a:pPr marL="233309" indent="-233309">
+              <a:buAutoNum type="arabicPeriod"/>
+            </a:pPr>
+            <a:endParaRPr lang="en-US" dirty="0"/>
+          </a:p>
+          <a:p>
+            <a:endParaRPr lang="en-US" dirty="0"/>
+          </a:p>
+          <a:p>
+            <a:endParaRPr lang="en-US" dirty="0"/>
           </a:p>
           <a:p>
             <a:endParaRPr lang="en-US" dirty="0"/>
@@ -693,7 +765,7 @@
     </p:spTree>
     <p:extLst>
       <p:ext uri="{BB962C8B-B14F-4D97-AF65-F5344CB8AC3E}">
-        <p14:creationId xmlns:p14="http://schemas.microsoft.com/office/powerpoint/2010/main" val="2393870311"/>
+        <p14:creationId xmlns:p14="http://schemas.microsoft.com/office/powerpoint/2010/main" val="658380389"/>
       </p:ext>
     </p:extLst>
   </p:cSld>
@@ -747,25 +819,30 @@
           <a:bodyPr/>
           <a:lstStyle/>
           <a:p>
-            <a:pPr defTabSz="933237">
+            <a:pPr marL="0" marR="0" lvl="0" indent="0" algn="l" defTabSz="914400" rtl="0" eaLnBrk="1" fontAlgn="auto" latinLnBrk="0" hangingPunct="1">
+              <a:lnSpc>
+                <a:spcPct val="100000"/>
+              </a:lnSpc>
+              <a:spcBef>
+                <a:spcPts val="0"/>
+              </a:spcBef>
+              <a:spcAft>
+                <a:spcPts val="0"/>
+              </a:spcAft>
+              <a:buClrTx/>
+              <a:buSzTx/>
+              <a:buFontTx/>
+              <a:buNone/>
+              <a:tabLst/>
               <a:defRPr/>
             </a:pPr>
             <a:r>
-              <a:rPr lang="en-US" dirty="0">
-                <a:latin typeface="Palatino Linotype" panose="02040502050505030304" pitchFamily="18" charset="0"/>
-              </a:rPr>
-              <a:t>Hello and welcome to our class (Frontiers of AI).  So, let’s start with Course goals…</a:t>
-            </a:r>
-          </a:p>
-          <a:p>
-            <a:endParaRPr lang="en-US" dirty="0">
-              <a:latin typeface="Palatino Linotype" panose="02040502050505030304" pitchFamily="18" charset="0"/>
-            </a:endParaRPr>
-          </a:p>
-          <a:p>
-            <a:endParaRPr lang="en-US" dirty="0">
-              <a:latin typeface="Palatino Linotype" panose="02040502050505030304" pitchFamily="18" charset="0"/>
-            </a:endParaRPr>
+              <a:rPr lang="en-US" dirty="0"/>
+              <a:t>https://app.wooclap.com/PRACTICUMAI?from=event-page</a:t>
+            </a:r>
+          </a:p>
+          <a:p>
+            <a:endParaRPr lang="en-US" dirty="0"/>
           </a:p>
         </p:txBody>
       </p:sp>
@@ -795,7 +872,7 @@
     </p:spTree>
     <p:extLst>
       <p:ext uri="{BB962C8B-B14F-4D97-AF65-F5344CB8AC3E}">
-        <p14:creationId xmlns:p14="http://schemas.microsoft.com/office/powerpoint/2010/main" val="246808038"/>
+        <p14:creationId xmlns:p14="http://schemas.microsoft.com/office/powerpoint/2010/main" val="2393870311"/>
       </p:ext>
     </p:extLst>
   </p:cSld>
@@ -854,141 +931,20 @@
             </a:pPr>
             <a:r>
               <a:rPr lang="en-US" dirty="0">
-                <a:latin typeface="Arial" pitchFamily="34"/>
-                <a:ea typeface="Arial" pitchFamily="34"/>
-                <a:cs typeface="Arial" pitchFamily="34"/>
+                <a:latin typeface="Palatino Linotype" panose="02040502050505030304" pitchFamily="18" charset="0"/>
               </a:rPr>
-              <a:t>Let’s continue our journey of exploring the question, “What is artificial intelligence?  </a:t>
-            </a:r>
-          </a:p>
-          <a:p>
-            <a:pPr defTabSz="933237">
-              <a:defRPr/>
-            </a:pPr>
+              <a:t>Hello and welcome to our class (Frontiers of AI).  So, let’s start with Course goals…</a:t>
+            </a:r>
+          </a:p>
+          <a:p>
             <a:endParaRPr lang="en-US" dirty="0">
-              <a:latin typeface="Arial" pitchFamily="34"/>
-              <a:ea typeface="Arial" pitchFamily="34"/>
-              <a:cs typeface="Arial" pitchFamily="34"/>
+              <a:latin typeface="Palatino Linotype" panose="02040502050505030304" pitchFamily="18" charset="0"/>
             </a:endParaRPr>
           </a:p>
           <a:p>
-            <a:pPr defTabSz="933237">
-              <a:defRPr/>
-            </a:pPr>
-            <a:r>
-              <a:rPr lang="en-US" dirty="0">
-                <a:latin typeface="Arial" pitchFamily="34"/>
-                <a:ea typeface="Arial" pitchFamily="34"/>
-                <a:cs typeface="Arial" pitchFamily="34"/>
-              </a:rPr>
-              <a:t>Meet Ai-Da, a creative robot named after Ada, the Countess of Lovelace who worked with Charles Babbage to create one of the world’s first computers (the Difference Engine) in the 19</a:t>
-            </a:r>
-            <a:r>
-              <a:rPr lang="en-US" baseline="30000" dirty="0">
-                <a:latin typeface="Arial" pitchFamily="34"/>
-                <a:ea typeface="Arial" pitchFamily="34"/>
-                <a:cs typeface="Arial" pitchFamily="34"/>
-              </a:rPr>
-              <a:t>th</a:t>
-            </a:r>
-            <a:r>
-              <a:rPr lang="en-US" dirty="0">
-                <a:latin typeface="Arial" pitchFamily="34"/>
-                <a:ea typeface="Arial" pitchFamily="34"/>
-                <a:cs typeface="Arial" pitchFamily="34"/>
-              </a:rPr>
-              <a:t> century.  Except for the arms, Ai-Da looks like a person.  Here she stands in front of one of her latest creations.  A couple questions. </a:t>
-            </a:r>
-          </a:p>
-          <a:p>
-            <a:pPr defTabSz="933237">
-              <a:defRPr/>
-            </a:pPr>
             <a:endParaRPr lang="en-US" dirty="0">
-              <a:latin typeface="Arial" pitchFamily="34"/>
-              <a:ea typeface="Arial" pitchFamily="34"/>
-              <a:cs typeface="Arial" pitchFamily="34"/>
+              <a:latin typeface="Palatino Linotype" panose="02040502050505030304" pitchFamily="18" charset="0"/>
             </a:endParaRPr>
-          </a:p>
-          <a:p>
-            <a:pPr marL="171450" indent="-171450" defTabSz="933237">
-              <a:buFont typeface="Courier New" panose="02070309020205020404" pitchFamily="49" charset="0"/>
-              <a:buChar char="o"/>
-              <a:defRPr/>
-            </a:pPr>
-            <a:r>
-              <a:rPr lang="en-US" dirty="0">
-                <a:latin typeface="Arial" pitchFamily="34"/>
-                <a:ea typeface="Arial" pitchFamily="34"/>
-                <a:cs typeface="Arial" pitchFamily="34"/>
-              </a:rPr>
-              <a:t>Is Ai-Da exhibiting intelligent / creative behavior?  </a:t>
-            </a:r>
-          </a:p>
-          <a:p>
-            <a:pPr marL="171450" indent="-171450" defTabSz="933237">
-              <a:buFont typeface="Courier New" panose="02070309020205020404" pitchFamily="49" charset="0"/>
-              <a:buChar char="o"/>
-              <a:defRPr/>
-            </a:pPr>
-            <a:r>
-              <a:rPr lang="en-US" dirty="0">
-                <a:latin typeface="Arial" pitchFamily="34"/>
-                <a:ea typeface="Arial" pitchFamily="34"/>
-                <a:cs typeface="Arial" pitchFamily="34"/>
-              </a:rPr>
-              <a:t>What criteria would you use to assess whether an entity is intelligent?</a:t>
-            </a:r>
-          </a:p>
-          <a:p>
-            <a:pPr marL="171450" indent="-171450" defTabSz="933237">
-              <a:buFont typeface="Courier New" panose="02070309020205020404" pitchFamily="49" charset="0"/>
-              <a:buChar char="o"/>
-              <a:defRPr/>
-            </a:pPr>
-            <a:r>
-              <a:rPr lang="en-US" dirty="0">
-                <a:latin typeface="Arial" pitchFamily="34"/>
-                <a:ea typeface="Arial" pitchFamily="34"/>
-                <a:cs typeface="Arial" pitchFamily="34"/>
-              </a:rPr>
-              <a:t>Is intelligence an emergent property of consciousness?   </a:t>
-            </a:r>
-          </a:p>
-          <a:p>
-            <a:pPr defTabSz="933237">
-              <a:defRPr/>
-            </a:pPr>
-            <a:endParaRPr lang="en-US" dirty="0">
-              <a:latin typeface="Arial" pitchFamily="34"/>
-              <a:ea typeface="Arial" pitchFamily="34"/>
-              <a:cs typeface="Arial" pitchFamily="34"/>
-            </a:endParaRPr>
-          </a:p>
-          <a:p>
-            <a:pPr defTabSz="933237">
-              <a:defRPr/>
-            </a:pPr>
-            <a:r>
-              <a:rPr lang="en-US" dirty="0">
-                <a:latin typeface="Arial" pitchFamily="34"/>
-                <a:ea typeface="Arial" pitchFamily="34"/>
-                <a:cs typeface="Arial" pitchFamily="34"/>
-              </a:rPr>
-              <a:t>The question of what constitutes intelligence is important.  It lies at the heart of AI.  For without a clear definition, how do we know when we have succeeded?  Over time, leading AI researchers have proposed different definitions.  Let’s start with the first one.  </a:t>
-            </a:r>
-          </a:p>
-          <a:p>
-            <a:pPr defTabSz="933237">
-              <a:defRPr/>
-            </a:pPr>
-            <a:endParaRPr lang="en-US" dirty="0">
-              <a:latin typeface="Arial" pitchFamily="34"/>
-              <a:cs typeface="Arial" pitchFamily="34"/>
-            </a:endParaRPr>
-          </a:p>
-          <a:p>
-            <a:endParaRPr lang="en-US" dirty="0"/>
           </a:p>
         </p:txBody>
       </p:sp>
@@ -1018,7 +974,7 @@
     </p:spTree>
     <p:extLst>
       <p:ext uri="{BB962C8B-B14F-4D97-AF65-F5344CB8AC3E}">
-        <p14:creationId xmlns:p14="http://schemas.microsoft.com/office/powerpoint/2010/main" val="3136242698"/>
+        <p14:creationId xmlns:p14="http://schemas.microsoft.com/office/powerpoint/2010/main" val="246808038"/>
       </p:ext>
     </p:extLst>
   </p:cSld>
@@ -1047,271 +1003,201 @@
       </p:grpSpPr>
       <p:sp>
         <p:nvSpPr>
-          <p:cNvPr id="7" name="Slide Number Placeholder 6">
-            <a:extLst>
-              <a:ext uri="{FF2B5EF4-FFF2-40B4-BE49-F238E27FC236}">
-                <a16:creationId xmlns:a16="http://schemas.microsoft.com/office/drawing/2014/main" id="{5B543A9C-E520-124D-A26C-727E7A91B5A6}"/>
-              </a:ext>
-            </a:extLst>
-          </p:cNvPr>
-          <p:cNvSpPr txBox="1">
+          <p:cNvPr id="2" name="Slide Image Placeholder 1"/>
+          <p:cNvSpPr>
+            <a:spLocks noGrp="1" noRot="1" noChangeAspect="1"/>
+          </p:cNvSpPr>
+          <p:nvPr>
+            <p:ph type="sldImg"/>
+          </p:nvPr>
+        </p:nvSpPr>
+        <p:spPr/>
+      </p:sp>
+      <p:sp>
+        <p:nvSpPr>
+          <p:cNvPr id="3" name="Notes Placeholder 2"/>
+          <p:cNvSpPr>
             <a:spLocks noGrp="1"/>
           </p:cNvSpPr>
           <p:nvPr>
+            <p:ph type="body" idx="1"/>
+          </p:nvPr>
+        </p:nvSpPr>
+        <p:spPr/>
+        <p:txBody>
+          <a:bodyPr/>
+          <a:lstStyle/>
+          <a:p>
+            <a:pPr defTabSz="933237">
+              <a:defRPr/>
+            </a:pPr>
+            <a:r>
+              <a:rPr lang="en-US" dirty="0">
+                <a:latin typeface="Arial" pitchFamily="34"/>
+                <a:ea typeface="Arial" pitchFamily="34"/>
+                <a:cs typeface="Arial" pitchFamily="34"/>
+              </a:rPr>
+              <a:t>Let’s continue our journey of exploring the question, “What is artificial intelligence?  </a:t>
+            </a:r>
+          </a:p>
+          <a:p>
+            <a:pPr defTabSz="933237">
+              <a:defRPr/>
+            </a:pPr>
+            <a:endParaRPr lang="en-US" dirty="0">
+              <a:latin typeface="Arial" pitchFamily="34"/>
+              <a:ea typeface="Arial" pitchFamily="34"/>
+              <a:cs typeface="Arial" pitchFamily="34"/>
+            </a:endParaRPr>
+          </a:p>
+          <a:p>
+            <a:pPr defTabSz="933237">
+              <a:defRPr/>
+            </a:pPr>
+            <a:r>
+              <a:rPr lang="en-US" dirty="0">
+                <a:latin typeface="Arial" pitchFamily="34"/>
+                <a:ea typeface="Arial" pitchFamily="34"/>
+                <a:cs typeface="Arial" pitchFamily="34"/>
+              </a:rPr>
+              <a:t>Meet Ai-Da, a creative robot named after Ada, the Countess of Lovelace who worked with Charles Babbage to create one of the world’s first computers (the Difference Engine) in the 19</a:t>
+            </a:r>
+            <a:r>
+              <a:rPr lang="en-US" baseline="30000" dirty="0">
+                <a:latin typeface="Arial" pitchFamily="34"/>
+                <a:ea typeface="Arial" pitchFamily="34"/>
+                <a:cs typeface="Arial" pitchFamily="34"/>
+              </a:rPr>
+              <a:t>th</a:t>
+            </a:r>
+            <a:r>
+              <a:rPr lang="en-US" dirty="0">
+                <a:latin typeface="Arial" pitchFamily="34"/>
+                <a:ea typeface="Arial" pitchFamily="34"/>
+                <a:cs typeface="Arial" pitchFamily="34"/>
+              </a:rPr>
+              <a:t> century.  Except for the arms, Ai-Da looks like a person.  Here she stands in front of one of her latest creations.  A couple questions. </a:t>
+            </a:r>
+          </a:p>
+          <a:p>
+            <a:pPr defTabSz="933237">
+              <a:defRPr/>
+            </a:pPr>
+            <a:endParaRPr lang="en-US" dirty="0">
+              <a:latin typeface="Arial" pitchFamily="34"/>
+              <a:ea typeface="Arial" pitchFamily="34"/>
+              <a:cs typeface="Arial" pitchFamily="34"/>
+            </a:endParaRPr>
+          </a:p>
+          <a:p>
+            <a:pPr marL="171450" indent="-171450" defTabSz="933237">
+              <a:buFont typeface="Courier New" panose="02070309020205020404" pitchFamily="49" charset="0"/>
+              <a:buChar char="o"/>
+              <a:defRPr/>
+            </a:pPr>
+            <a:r>
+              <a:rPr lang="en-US" dirty="0">
+                <a:latin typeface="Arial" pitchFamily="34"/>
+                <a:ea typeface="Arial" pitchFamily="34"/>
+                <a:cs typeface="Arial" pitchFamily="34"/>
+              </a:rPr>
+              <a:t>Is Ai-Da exhibiting intelligent / creative behavior?  </a:t>
+            </a:r>
+          </a:p>
+          <a:p>
+            <a:pPr marL="171450" indent="-171450" defTabSz="933237">
+              <a:buFont typeface="Courier New" panose="02070309020205020404" pitchFamily="49" charset="0"/>
+              <a:buChar char="o"/>
+              <a:defRPr/>
+            </a:pPr>
+            <a:r>
+              <a:rPr lang="en-US" dirty="0">
+                <a:latin typeface="Arial" pitchFamily="34"/>
+                <a:ea typeface="Arial" pitchFamily="34"/>
+                <a:cs typeface="Arial" pitchFamily="34"/>
+              </a:rPr>
+              <a:t>What criteria would you use to assess whether an entity is intelligent?</a:t>
+            </a:r>
+          </a:p>
+          <a:p>
+            <a:pPr marL="171450" indent="-171450" defTabSz="933237">
+              <a:buFont typeface="Courier New" panose="02070309020205020404" pitchFamily="49" charset="0"/>
+              <a:buChar char="o"/>
+              <a:defRPr/>
+            </a:pPr>
+            <a:r>
+              <a:rPr lang="en-US" dirty="0">
+                <a:latin typeface="Arial" pitchFamily="34"/>
+                <a:ea typeface="Arial" pitchFamily="34"/>
+                <a:cs typeface="Arial" pitchFamily="34"/>
+              </a:rPr>
+              <a:t>Is intelligence an emergent property of consciousness?   </a:t>
+            </a:r>
+          </a:p>
+          <a:p>
+            <a:pPr defTabSz="933237">
+              <a:defRPr/>
+            </a:pPr>
+            <a:endParaRPr lang="en-US" dirty="0">
+              <a:latin typeface="Arial" pitchFamily="34"/>
+              <a:ea typeface="Arial" pitchFamily="34"/>
+              <a:cs typeface="Arial" pitchFamily="34"/>
+            </a:endParaRPr>
+          </a:p>
+          <a:p>
+            <a:pPr defTabSz="933237">
+              <a:defRPr/>
+            </a:pPr>
+            <a:r>
+              <a:rPr lang="en-US" dirty="0">
+                <a:latin typeface="Arial" pitchFamily="34"/>
+                <a:ea typeface="Arial" pitchFamily="34"/>
+                <a:cs typeface="Arial" pitchFamily="34"/>
+              </a:rPr>
+              <a:t>The question of what constitutes intelligence is important.  It lies at the heart of AI.  For without a clear definition, how do we know when we have succeeded?  Over time, leading AI researchers have proposed different definitions.  Let’s start with the first one.  </a:t>
+            </a:r>
+          </a:p>
+          <a:p>
+            <a:pPr defTabSz="933237">
+              <a:defRPr/>
+            </a:pPr>
+            <a:endParaRPr lang="en-US" dirty="0">
+              <a:latin typeface="Arial" pitchFamily="34"/>
+              <a:cs typeface="Arial" pitchFamily="34"/>
+            </a:endParaRPr>
+          </a:p>
+          <a:p>
+            <a:endParaRPr lang="en-US" dirty="0"/>
+          </a:p>
+        </p:txBody>
+      </p:sp>
+      <p:sp>
+        <p:nvSpPr>
+          <p:cNvPr id="4" name="Slide Number Placeholder 3"/>
+          <p:cNvSpPr>
+            <a:spLocks noGrp="1"/>
+          </p:cNvSpPr>
+          <p:nvPr>
             <p:ph type="sldNum" sz="quarter" idx="5"/>
           </p:nvPr>
         </p:nvSpPr>
-        <p:spPr>
-          <a:ln/>
-        </p:spPr>
-        <p:txBody>
-          <a:bodyPr lIns="0" tIns="0" rIns="0" bIns="0" anchor="b" anchorCtr="0">
-            <a:noAutofit/>
-          </a:bodyPr>
-          <a:lstStyle/>
-          <a:p>
-            <a:pPr lvl="0"/>
-            <a:fld id="{F26ADB32-8A69-2C4E-BA54-385F30C1B140}" type="slidenum">
+        <p:spPr/>
+        <p:txBody>
+          <a:bodyPr/>
+          <a:lstStyle/>
+          <a:p>
+            <a:fld id="{3148858F-F1DB-4027-9C85-CCA6849540DD}" type="slidenum">
+              <a:rPr lang="en-US" smtClean="0"/>
               <a:t>13</a:t>
             </a:fld>
             <a:endParaRPr lang="en-US"/>
           </a:p>
         </p:txBody>
       </p:sp>
-      <p:sp>
-        <p:nvSpPr>
-          <p:cNvPr id="2" name="Slide Image Placeholder 1">
-            <a:extLst>
-              <a:ext uri="{FF2B5EF4-FFF2-40B4-BE49-F238E27FC236}">
-                <a16:creationId xmlns:a16="http://schemas.microsoft.com/office/drawing/2014/main" id="{A02321D2-BA00-8D41-B3B0-CF9117442E2A}"/>
-              </a:ext>
-            </a:extLst>
-          </p:cNvPr>
-          <p:cNvSpPr>
-            <a:spLocks noGrp="1" noRot="1" noChangeAspect="1" noResize="1"/>
-          </p:cNvSpPr>
-          <p:nvPr>
-            <p:ph type="sldImg"/>
-          </p:nvPr>
-        </p:nvSpPr>
-        <p:spPr>
-          <a:xfrm>
-            <a:off x="565150" y="777875"/>
-            <a:ext cx="6827838" cy="3840163"/>
-          </a:xfrm>
-          <a:solidFill>
-            <a:srgbClr val="729FCF"/>
-          </a:solidFill>
-          <a:ln w="25400">
-            <a:solidFill>
-              <a:srgbClr val="3465A4"/>
-            </a:solidFill>
-            <a:prstDash val="solid"/>
-          </a:ln>
-        </p:spPr>
-      </p:sp>
-      <p:sp>
-        <p:nvSpPr>
-          <p:cNvPr id="3" name="Notes Placeholder 2">
-            <a:extLst>
-              <a:ext uri="{FF2B5EF4-FFF2-40B4-BE49-F238E27FC236}">
-                <a16:creationId xmlns:a16="http://schemas.microsoft.com/office/drawing/2014/main" id="{A04CBDCA-B8FC-AE47-9EA8-9C1755746D8B}"/>
-              </a:ext>
-            </a:extLst>
-          </p:cNvPr>
-          <p:cNvSpPr txBox="1">
-            <a:spLocks noGrp="1"/>
-          </p:cNvSpPr>
-          <p:nvPr>
-            <p:ph type="body" sz="quarter" idx="1"/>
-          </p:nvPr>
-        </p:nvSpPr>
-        <p:spPr>
-          <a:xfrm>
-            <a:off x="702310" y="4480004"/>
-            <a:ext cx="5618480" cy="3787554"/>
-          </a:xfrm>
-        </p:spPr>
-        <p:txBody>
-          <a:bodyPr>
-            <a:spAutoFit/>
-          </a:bodyPr>
-          <a:lstStyle/>
-          <a:p>
-            <a:pPr algn="l"/>
-            <a:r>
-              <a:rPr lang="en-US" b="0" i="0" dirty="0">
-                <a:solidFill>
-                  <a:srgbClr val="202122"/>
-                </a:solidFill>
-                <a:effectLst/>
-                <a:latin typeface="Arial" panose="020B0604020202020204" pitchFamily="34" charset="0"/>
-              </a:rPr>
-              <a:t>In 1955, the first conference on “artificial intelligence” was held at Dartmouth College.  It was attended by the leading computer science researchers of the day – John McCarthy, Marvin Minsky, Nathanial Rochester, and Claude Shannon.  </a:t>
-            </a:r>
-          </a:p>
-          <a:p>
-            <a:pPr algn="l"/>
-            <a:endParaRPr lang="en-US" b="0" i="0" dirty="0">
-              <a:solidFill>
-                <a:srgbClr val="202122"/>
-              </a:solidFill>
-              <a:effectLst/>
-              <a:latin typeface="Arial" panose="020B0604020202020204" pitchFamily="34" charset="0"/>
-            </a:endParaRPr>
-          </a:p>
-          <a:p>
-            <a:pPr marL="228600" indent="-228600" algn="l">
-              <a:buAutoNum type="arabicPeriod"/>
-            </a:pPr>
-            <a:r>
-              <a:rPr lang="en-US" b="0" i="0" dirty="0">
-                <a:solidFill>
-                  <a:srgbClr val="202122"/>
-                </a:solidFill>
-                <a:effectLst/>
-                <a:latin typeface="Arial" panose="020B0604020202020204" pitchFamily="34" charset="0"/>
-              </a:rPr>
-              <a:t>McCarthy coined the phrase “artificial intelligence” when he wrote the funding proposal for the Rockefeller Foundation.   This is where modern AI began.</a:t>
-            </a:r>
-          </a:p>
-          <a:p>
-            <a:pPr marL="228600" indent="-228600" algn="l">
-              <a:buAutoNum type="arabicPeriod"/>
-            </a:pPr>
-            <a:r>
-              <a:rPr lang="en-US" b="0" i="0" dirty="0">
-                <a:solidFill>
-                  <a:srgbClr val="202122"/>
-                </a:solidFill>
-                <a:effectLst/>
-                <a:latin typeface="Arial" panose="020B0604020202020204" pitchFamily="34" charset="0"/>
-              </a:rPr>
-              <a:t>McCarthy also provided a short definition.</a:t>
-            </a:r>
-          </a:p>
-          <a:p>
-            <a:pPr algn="l"/>
-            <a:endParaRPr lang="en-US" b="0" i="0" dirty="0">
-              <a:solidFill>
-                <a:srgbClr val="202122"/>
-              </a:solidFill>
-              <a:effectLst/>
-              <a:latin typeface="Arial" panose="020B0604020202020204" pitchFamily="34" charset="0"/>
-            </a:endParaRPr>
-          </a:p>
-          <a:p>
-            <a:pPr algn="l"/>
-            <a:r>
-              <a:rPr lang="en-US" b="0" i="0" dirty="0">
-                <a:solidFill>
-                  <a:srgbClr val="202122"/>
-                </a:solidFill>
-                <a:effectLst/>
-                <a:latin typeface="Arial" panose="020B0604020202020204" pitchFamily="34" charset="0"/>
-              </a:rPr>
-              <a:t>=====</a:t>
-            </a:r>
-          </a:p>
-          <a:p>
-            <a:pPr algn="l"/>
-            <a:r>
-              <a:rPr lang="en-US" b="0" i="0" dirty="0">
-                <a:solidFill>
-                  <a:srgbClr val="202122"/>
-                </a:solidFill>
-                <a:effectLst/>
-                <a:latin typeface="Arial" panose="020B0604020202020204" pitchFamily="34" charset="0"/>
-              </a:rPr>
-              <a:t>In early 1955, John McCarthy </a:t>
-            </a:r>
-            <a:r>
-              <a:rPr lang="en-US" b="0" i="0" u="none" strike="noStrike" dirty="0">
-                <a:solidFill>
-                  <a:srgbClr val="202122"/>
-                </a:solidFill>
-                <a:effectLst/>
-                <a:latin typeface="Arial" panose="020B0604020202020204" pitchFamily="34" charset="0"/>
-              </a:rPr>
-              <a:t>accepted a position as an Assistant Professor of Mathematics at Dartmouth College.  Soon after, he </a:t>
-            </a:r>
-            <a:r>
-              <a:rPr lang="en-US" b="0" i="0" dirty="0">
-                <a:solidFill>
-                  <a:srgbClr val="202122"/>
-                </a:solidFill>
-                <a:effectLst/>
-                <a:latin typeface="Arial" panose="020B0604020202020204" pitchFamily="34" charset="0"/>
-              </a:rPr>
-              <a:t>organized a group to discuss the future of thinking machines.  In September, he, Marvin Minsky, Nathanial Rochester, and Claude Shannon </a:t>
-            </a:r>
-            <a:r>
-              <a:rPr lang="en-US" b="0" i="0" u="none" strike="noStrike" dirty="0">
-                <a:solidFill>
-                  <a:srgbClr val="0645AD"/>
-                </a:solidFill>
-                <a:effectLst/>
-                <a:latin typeface="Arial" panose="020B0604020202020204" pitchFamily="34" charset="0"/>
-              </a:rPr>
-              <a:t>submitted a proposal to the Rockefeller Foundation, requesting funds to host the </a:t>
-            </a:r>
-            <a:r>
-              <a:rPr lang="en-US" b="0" i="1" u="none" strike="noStrike" dirty="0">
-                <a:solidFill>
-                  <a:srgbClr val="0645AD"/>
-                </a:solidFill>
-                <a:effectLst/>
-                <a:latin typeface="Arial" panose="020B0604020202020204" pitchFamily="34" charset="0"/>
-              </a:rPr>
-              <a:t>Dartmouth Summer Research Project on Artificial Intelligence</a:t>
-            </a:r>
-            <a:r>
-              <a:rPr lang="en-US" b="0" i="0" u="none" strike="noStrike" dirty="0">
-                <a:solidFill>
-                  <a:srgbClr val="0645AD"/>
-                </a:solidFill>
-                <a:effectLst/>
-                <a:latin typeface="Arial" panose="020B0604020202020204" pitchFamily="34" charset="0"/>
-              </a:rPr>
-              <a:t>. </a:t>
-            </a:r>
-            <a:r>
-              <a:rPr lang="en-US" b="0" i="0" dirty="0">
-                <a:solidFill>
-                  <a:srgbClr val="202122"/>
-                </a:solidFill>
-                <a:effectLst/>
-                <a:latin typeface="Arial" panose="020B0604020202020204" pitchFamily="34" charset="0"/>
-              </a:rPr>
-              <a:t>Fortunately, the foundation funded the proposal.  And today, this conference is credited with introducing the term 'artificial intelligence’ to the world.</a:t>
-            </a:r>
-            <a:endParaRPr lang="en-US" b="0" i="0" u="none" strike="noStrike" dirty="0">
-              <a:solidFill>
-                <a:srgbClr val="0645AD"/>
-              </a:solidFill>
-              <a:effectLst/>
-              <a:latin typeface="Arial" panose="020B0604020202020204" pitchFamily="34" charset="0"/>
-            </a:endParaRPr>
-          </a:p>
-          <a:p>
-            <a:pPr algn="l"/>
-            <a:endParaRPr lang="en-US" b="0" i="0" u="none" strike="noStrike" dirty="0">
-              <a:solidFill>
-                <a:srgbClr val="0645AD"/>
-              </a:solidFill>
-              <a:effectLst/>
-              <a:latin typeface="Arial" panose="020B0604020202020204" pitchFamily="34" charset="0"/>
-            </a:endParaRPr>
-          </a:p>
-          <a:p>
-            <a:endParaRPr lang="en-US" dirty="0"/>
-          </a:p>
-        </p:txBody>
-      </p:sp>
     </p:spTree>
     <p:extLst>
       <p:ext uri="{BB962C8B-B14F-4D97-AF65-F5344CB8AC3E}">
-        <p14:creationId xmlns:p14="http://schemas.microsoft.com/office/powerpoint/2010/main" val="2400027281"/>
+        <p14:creationId xmlns:p14="http://schemas.microsoft.com/office/powerpoint/2010/main" val="3136242698"/>
       </p:ext>
     </p:extLst>
   </p:cSld>
@@ -1340,65 +1226,271 @@
       </p:grpSpPr>
       <p:sp>
         <p:nvSpPr>
-          <p:cNvPr id="2" name="Slide Image Placeholder 1"/>
-          <p:cNvSpPr>
-            <a:spLocks noGrp="1" noRot="1" noChangeAspect="1"/>
-          </p:cNvSpPr>
-          <p:nvPr>
-            <p:ph type="sldImg"/>
-          </p:nvPr>
-        </p:nvSpPr>
-        <p:spPr/>
-      </p:sp>
-      <p:sp>
-        <p:nvSpPr>
-          <p:cNvPr id="3" name="Notes Placeholder 2"/>
-          <p:cNvSpPr>
+          <p:cNvPr id="7" name="Slide Number Placeholder 6">
+            <a:extLst>
+              <a:ext uri="{FF2B5EF4-FFF2-40B4-BE49-F238E27FC236}">
+                <a16:creationId xmlns:a16="http://schemas.microsoft.com/office/drawing/2014/main" id="{5B543A9C-E520-124D-A26C-727E7A91B5A6}"/>
+              </a:ext>
+            </a:extLst>
+          </p:cNvPr>
+          <p:cNvSpPr txBox="1">
             <a:spLocks noGrp="1"/>
           </p:cNvSpPr>
           <p:nvPr>
-            <p:ph type="body" idx="1"/>
-          </p:nvPr>
-        </p:nvSpPr>
-        <p:spPr/>
-        <p:txBody>
-          <a:bodyPr/>
-          <a:lstStyle/>
-          <a:p>
-            <a:r>
-              <a:rPr lang="en-US" dirty="0"/>
-              <a:t>With that history in place, let’s consider some definitions – starting with the one advanced in the Dartmouth Proposal.  I like the Wallace Marshall definition…</a:t>
-            </a:r>
-          </a:p>
-        </p:txBody>
-      </p:sp>
-      <p:sp>
-        <p:nvSpPr>
-          <p:cNvPr id="4" name="Slide Number Placeholder 3"/>
-          <p:cNvSpPr>
-            <a:spLocks noGrp="1"/>
-          </p:cNvSpPr>
-          <p:nvPr>
             <p:ph type="sldNum" sz="quarter" idx="5"/>
           </p:nvPr>
         </p:nvSpPr>
-        <p:spPr/>
-        <p:txBody>
-          <a:bodyPr/>
-          <a:lstStyle/>
-          <a:p>
-            <a:fld id="{3148858F-F1DB-4027-9C85-CCA6849540DD}" type="slidenum">
-              <a:rPr lang="en-US" smtClean="0"/>
+        <p:spPr>
+          <a:ln/>
+        </p:spPr>
+        <p:txBody>
+          <a:bodyPr lIns="0" tIns="0" rIns="0" bIns="0" anchor="b" anchorCtr="0">
+            <a:noAutofit/>
+          </a:bodyPr>
+          <a:lstStyle/>
+          <a:p>
+            <a:pPr lvl="0"/>
+            <a:fld id="{F26ADB32-8A69-2C4E-BA54-385F30C1B140}" type="slidenum">
               <a:t>14</a:t>
             </a:fld>
             <a:endParaRPr lang="en-US"/>
           </a:p>
         </p:txBody>
       </p:sp>
+      <p:sp>
+        <p:nvSpPr>
+          <p:cNvPr id="2" name="Slide Image Placeholder 1">
+            <a:extLst>
+              <a:ext uri="{FF2B5EF4-FFF2-40B4-BE49-F238E27FC236}">
+                <a16:creationId xmlns:a16="http://schemas.microsoft.com/office/drawing/2014/main" id="{A02321D2-BA00-8D41-B3B0-CF9117442E2A}"/>
+              </a:ext>
+            </a:extLst>
+          </p:cNvPr>
+          <p:cNvSpPr>
+            <a:spLocks noGrp="1" noRot="1" noChangeAspect="1" noResize="1"/>
+          </p:cNvSpPr>
+          <p:nvPr>
+            <p:ph type="sldImg"/>
+          </p:nvPr>
+        </p:nvSpPr>
+        <p:spPr>
+          <a:xfrm>
+            <a:off x="565150" y="777875"/>
+            <a:ext cx="6827838" cy="3840163"/>
+          </a:xfrm>
+          <a:solidFill>
+            <a:srgbClr val="729FCF"/>
+          </a:solidFill>
+          <a:ln w="25400">
+            <a:solidFill>
+              <a:srgbClr val="3465A4"/>
+            </a:solidFill>
+            <a:prstDash val="solid"/>
+          </a:ln>
+        </p:spPr>
+      </p:sp>
+      <p:sp>
+        <p:nvSpPr>
+          <p:cNvPr id="3" name="Notes Placeholder 2">
+            <a:extLst>
+              <a:ext uri="{FF2B5EF4-FFF2-40B4-BE49-F238E27FC236}">
+                <a16:creationId xmlns:a16="http://schemas.microsoft.com/office/drawing/2014/main" id="{A04CBDCA-B8FC-AE47-9EA8-9C1755746D8B}"/>
+              </a:ext>
+            </a:extLst>
+          </p:cNvPr>
+          <p:cNvSpPr txBox="1">
+            <a:spLocks noGrp="1"/>
+          </p:cNvSpPr>
+          <p:nvPr>
+            <p:ph type="body" sz="quarter" idx="1"/>
+          </p:nvPr>
+        </p:nvSpPr>
+        <p:spPr>
+          <a:xfrm>
+            <a:off x="702310" y="4480004"/>
+            <a:ext cx="5618480" cy="3787554"/>
+          </a:xfrm>
+        </p:spPr>
+        <p:txBody>
+          <a:bodyPr>
+            <a:spAutoFit/>
+          </a:bodyPr>
+          <a:lstStyle/>
+          <a:p>
+            <a:pPr algn="l"/>
+            <a:r>
+              <a:rPr lang="en-US" b="0" i="0" dirty="0">
+                <a:solidFill>
+                  <a:srgbClr val="202122"/>
+                </a:solidFill>
+                <a:effectLst/>
+                <a:latin typeface="Arial" panose="020B0604020202020204" pitchFamily="34" charset="0"/>
+              </a:rPr>
+              <a:t>In 1955, the first conference on “artificial intelligence” was held at Dartmouth College.  It was attended by the leading computer science researchers of the day – John McCarthy, Marvin Minsky, Nathanial Rochester, and Claude Shannon.  </a:t>
+            </a:r>
+          </a:p>
+          <a:p>
+            <a:pPr algn="l"/>
+            <a:endParaRPr lang="en-US" b="0" i="0" dirty="0">
+              <a:solidFill>
+                <a:srgbClr val="202122"/>
+              </a:solidFill>
+              <a:effectLst/>
+              <a:latin typeface="Arial" panose="020B0604020202020204" pitchFamily="34" charset="0"/>
+            </a:endParaRPr>
+          </a:p>
+          <a:p>
+            <a:pPr marL="228600" indent="-228600" algn="l">
+              <a:buAutoNum type="arabicPeriod"/>
+            </a:pPr>
+            <a:r>
+              <a:rPr lang="en-US" b="0" i="0" dirty="0">
+                <a:solidFill>
+                  <a:srgbClr val="202122"/>
+                </a:solidFill>
+                <a:effectLst/>
+                <a:latin typeface="Arial" panose="020B0604020202020204" pitchFamily="34" charset="0"/>
+              </a:rPr>
+              <a:t>McCarthy coined the phrase “artificial intelligence” when he wrote the funding proposal for the Rockefeller Foundation.   This is where modern AI began.</a:t>
+            </a:r>
+          </a:p>
+          <a:p>
+            <a:pPr marL="228600" indent="-228600" algn="l">
+              <a:buAutoNum type="arabicPeriod"/>
+            </a:pPr>
+            <a:r>
+              <a:rPr lang="en-US" b="0" i="0" dirty="0">
+                <a:solidFill>
+                  <a:srgbClr val="202122"/>
+                </a:solidFill>
+                <a:effectLst/>
+                <a:latin typeface="Arial" panose="020B0604020202020204" pitchFamily="34" charset="0"/>
+              </a:rPr>
+              <a:t>McCarthy also provided a short definition.</a:t>
+            </a:r>
+          </a:p>
+          <a:p>
+            <a:pPr algn="l"/>
+            <a:endParaRPr lang="en-US" b="0" i="0" dirty="0">
+              <a:solidFill>
+                <a:srgbClr val="202122"/>
+              </a:solidFill>
+              <a:effectLst/>
+              <a:latin typeface="Arial" panose="020B0604020202020204" pitchFamily="34" charset="0"/>
+            </a:endParaRPr>
+          </a:p>
+          <a:p>
+            <a:pPr algn="l"/>
+            <a:r>
+              <a:rPr lang="en-US" b="0" i="0" dirty="0">
+                <a:solidFill>
+                  <a:srgbClr val="202122"/>
+                </a:solidFill>
+                <a:effectLst/>
+                <a:latin typeface="Arial" panose="020B0604020202020204" pitchFamily="34" charset="0"/>
+              </a:rPr>
+              <a:t>=====</a:t>
+            </a:r>
+          </a:p>
+          <a:p>
+            <a:pPr algn="l"/>
+            <a:r>
+              <a:rPr lang="en-US" b="0" i="0" dirty="0">
+                <a:solidFill>
+                  <a:srgbClr val="202122"/>
+                </a:solidFill>
+                <a:effectLst/>
+                <a:latin typeface="Arial" panose="020B0604020202020204" pitchFamily="34" charset="0"/>
+              </a:rPr>
+              <a:t>In early 1955, John McCarthy </a:t>
+            </a:r>
+            <a:r>
+              <a:rPr lang="en-US" b="0" i="0" u="none" strike="noStrike" dirty="0">
+                <a:solidFill>
+                  <a:srgbClr val="202122"/>
+                </a:solidFill>
+                <a:effectLst/>
+                <a:latin typeface="Arial" panose="020B0604020202020204" pitchFamily="34" charset="0"/>
+              </a:rPr>
+              <a:t>accepted a position as an Assistant Professor of Mathematics at Dartmouth College.  Soon after, he </a:t>
+            </a:r>
+            <a:r>
+              <a:rPr lang="en-US" b="0" i="0" dirty="0">
+                <a:solidFill>
+                  <a:srgbClr val="202122"/>
+                </a:solidFill>
+                <a:effectLst/>
+                <a:latin typeface="Arial" panose="020B0604020202020204" pitchFamily="34" charset="0"/>
+              </a:rPr>
+              <a:t>organized a group to discuss the future of thinking machines.  In September, he, Marvin Minsky, Nathanial Rochester, and Claude Shannon </a:t>
+            </a:r>
+            <a:r>
+              <a:rPr lang="en-US" b="0" i="0" u="none" strike="noStrike" dirty="0">
+                <a:solidFill>
+                  <a:srgbClr val="0645AD"/>
+                </a:solidFill>
+                <a:effectLst/>
+                <a:latin typeface="Arial" panose="020B0604020202020204" pitchFamily="34" charset="0"/>
+              </a:rPr>
+              <a:t>submitted a proposal to the Rockefeller Foundation, requesting funds to host the </a:t>
+            </a:r>
+            <a:r>
+              <a:rPr lang="en-US" b="0" i="1" u="none" strike="noStrike" dirty="0">
+                <a:solidFill>
+                  <a:srgbClr val="0645AD"/>
+                </a:solidFill>
+                <a:effectLst/>
+                <a:latin typeface="Arial" panose="020B0604020202020204" pitchFamily="34" charset="0"/>
+              </a:rPr>
+              <a:t>Dartmouth Summer Research Project on Artificial Intelligence</a:t>
+            </a:r>
+            <a:r>
+              <a:rPr lang="en-US" b="0" i="0" u="none" strike="noStrike" dirty="0">
+                <a:solidFill>
+                  <a:srgbClr val="0645AD"/>
+                </a:solidFill>
+                <a:effectLst/>
+                <a:latin typeface="Arial" panose="020B0604020202020204" pitchFamily="34" charset="0"/>
+              </a:rPr>
+              <a:t>. </a:t>
+            </a:r>
+            <a:r>
+              <a:rPr lang="en-US" b="0" i="0" dirty="0">
+                <a:solidFill>
+                  <a:srgbClr val="202122"/>
+                </a:solidFill>
+                <a:effectLst/>
+                <a:latin typeface="Arial" panose="020B0604020202020204" pitchFamily="34" charset="0"/>
+              </a:rPr>
+              <a:t>Fortunately, the foundation funded the proposal.  And today, this conference is credited with introducing the term 'artificial intelligence’ to the world.</a:t>
+            </a:r>
+            <a:endParaRPr lang="en-US" b="0" i="0" u="none" strike="noStrike" dirty="0">
+              <a:solidFill>
+                <a:srgbClr val="0645AD"/>
+              </a:solidFill>
+              <a:effectLst/>
+              <a:latin typeface="Arial" panose="020B0604020202020204" pitchFamily="34" charset="0"/>
+            </a:endParaRPr>
+          </a:p>
+          <a:p>
+            <a:pPr algn="l"/>
+            <a:endParaRPr lang="en-US" b="0" i="0" u="none" strike="noStrike" dirty="0">
+              <a:solidFill>
+                <a:srgbClr val="0645AD"/>
+              </a:solidFill>
+              <a:effectLst/>
+              <a:latin typeface="Arial" panose="020B0604020202020204" pitchFamily="34" charset="0"/>
+            </a:endParaRPr>
+          </a:p>
+          <a:p>
+            <a:endParaRPr lang="en-US" dirty="0"/>
+          </a:p>
+        </p:txBody>
+      </p:sp>
     </p:spTree>
     <p:extLst>
       <p:ext uri="{BB962C8B-B14F-4D97-AF65-F5344CB8AC3E}">
-        <p14:creationId xmlns:p14="http://schemas.microsoft.com/office/powerpoint/2010/main" val="1011519860"/>
+        <p14:creationId xmlns:p14="http://schemas.microsoft.com/office/powerpoint/2010/main" val="2400027281"/>
       </p:ext>
     </p:extLst>
   </p:cSld>
@@ -1454,7 +1546,7 @@
           <a:p>
             <a:r>
               <a:rPr lang="en-US" dirty="0"/>
-              <a:t>… and a couple more definitions.  </a:t>
+              <a:t>With that history in place, let’s consider some definitions – starting with the one advanced in the Dartmouth Proposal.  I like the Wallace Marshall definition…</a:t>
             </a:r>
           </a:p>
         </p:txBody>
@@ -1485,7 +1577,7 @@
     </p:spTree>
     <p:extLst>
       <p:ext uri="{BB962C8B-B14F-4D97-AF65-F5344CB8AC3E}">
-        <p14:creationId xmlns:p14="http://schemas.microsoft.com/office/powerpoint/2010/main" val="4028108833"/>
+        <p14:creationId xmlns:p14="http://schemas.microsoft.com/office/powerpoint/2010/main" val="1011519860"/>
       </p:ext>
     </p:extLst>
   </p:cSld>
@@ -1539,39 +1631,9 @@
           <a:bodyPr/>
           <a:lstStyle/>
           <a:p>
-            <a:pPr defTabSz="933237">
-              <a:defRPr/>
-            </a:pPr>
-            <a:r>
-              <a:rPr lang="en-US" dirty="0">
-                <a:latin typeface="Arial" pitchFamily="34"/>
-                <a:ea typeface="Arial" pitchFamily="34"/>
-                <a:cs typeface="Arial" pitchFamily="34"/>
-              </a:rPr>
-              <a:t>Okay – given these definitions, has your definition of A.I. changed from your response in our first exercise?  </a:t>
-            </a:r>
-          </a:p>
-          <a:p>
-            <a:pPr defTabSz="933237">
-              <a:defRPr/>
-            </a:pPr>
-            <a:endParaRPr lang="en-US" dirty="0">
-              <a:latin typeface="Arial" pitchFamily="34"/>
-              <a:ea typeface="Arial" pitchFamily="34"/>
-              <a:cs typeface="Arial" pitchFamily="34"/>
-            </a:endParaRPr>
-          </a:p>
-          <a:p>
-            <a:pPr defTabSz="933237">
-              <a:defRPr/>
-            </a:pPr>
-            <a:r>
-              <a:rPr lang="en-US" dirty="0">
-                <a:latin typeface="Arial" pitchFamily="34"/>
-                <a:ea typeface="Arial" pitchFamily="34"/>
-                <a:cs typeface="Arial" pitchFamily="34"/>
-              </a:rPr>
-              <a:t>Let’s discuss these questions in the breakout rooms. </a:t>
+            <a:r>
+              <a:rPr lang="en-US" dirty="0"/>
+              <a:t>… and a couple more definitions.  </a:t>
             </a:r>
           </a:p>
         </p:txBody>
@@ -1602,7 +1664,7 @@
     </p:spTree>
     <p:extLst>
       <p:ext uri="{BB962C8B-B14F-4D97-AF65-F5344CB8AC3E}">
-        <p14:creationId xmlns:p14="http://schemas.microsoft.com/office/powerpoint/2010/main" val="1284256817"/>
+        <p14:creationId xmlns:p14="http://schemas.microsoft.com/office/powerpoint/2010/main" val="4028108833"/>
       </p:ext>
     </p:extLst>
   </p:cSld>
@@ -1656,62 +1718,39 @@
           <a:bodyPr/>
           <a:lstStyle/>
           <a:p>
+            <a:pPr defTabSz="933237">
+              <a:defRPr/>
+            </a:pPr>
             <a:r>
               <a:rPr lang="en-US" dirty="0">
-                <a:latin typeface="Arial" pitchFamily="18"/>
+                <a:latin typeface="Arial" pitchFamily="34"/>
                 <a:ea typeface="Arial" pitchFamily="34"/>
                 <a:cs typeface="Arial" pitchFamily="34"/>
               </a:rPr>
-              <a:t>Another important name in AI is Alan Turing.  The Turing test of intelligence was first proposed by him in 1950, in an article entitled, </a:t>
-            </a:r>
-            <a:r>
-              <a:rPr lang="en-US" i="1" dirty="0">
-                <a:latin typeface="Arial" pitchFamily="18"/>
+              <a:t>Okay – given these definitions, has your definition of A.I. changed from your response in our first exercise?  </a:t>
+            </a:r>
+          </a:p>
+          <a:p>
+            <a:pPr defTabSz="933237">
+              <a:defRPr/>
+            </a:pPr>
+            <a:endParaRPr lang="en-US" dirty="0">
+              <a:latin typeface="Arial" pitchFamily="34"/>
+              <a:ea typeface="Arial" pitchFamily="34"/>
+              <a:cs typeface="Arial" pitchFamily="34"/>
+            </a:endParaRPr>
+          </a:p>
+          <a:p>
+            <a:pPr defTabSz="933237">
+              <a:defRPr/>
+            </a:pPr>
+            <a:r>
+              <a:rPr lang="en-US" dirty="0">
+                <a:latin typeface="Arial" pitchFamily="34"/>
                 <a:ea typeface="Arial" pitchFamily="34"/>
                 <a:cs typeface="Arial" pitchFamily="34"/>
               </a:rPr>
-              <a:t>Computing Machinery and Intelligence.  </a:t>
-            </a:r>
-            <a:r>
-              <a:rPr lang="en-US" dirty="0">
-                <a:latin typeface="Arial" pitchFamily="18"/>
-                <a:ea typeface="Arial" pitchFamily="34"/>
-                <a:cs typeface="Arial" pitchFamily="34"/>
-              </a:rPr>
-              <a:t>This is a foundational document in this field.</a:t>
-            </a:r>
-          </a:p>
-          <a:p>
-            <a:endParaRPr lang="en-US" dirty="0">
-              <a:latin typeface="Arial" pitchFamily="18"/>
-              <a:ea typeface="Arial" pitchFamily="34"/>
-              <a:cs typeface="Arial" pitchFamily="34"/>
-            </a:endParaRPr>
-          </a:p>
-          <a:p>
-            <a:r>
-              <a:rPr lang="en-US" dirty="0">
-                <a:latin typeface="Arial" pitchFamily="18"/>
-                <a:ea typeface="Arial" pitchFamily="34"/>
-                <a:cs typeface="Arial" pitchFamily="34"/>
-              </a:rPr>
-              <a:t>Turing, AM (1950) Computing Machinery and Intelligence. </a:t>
-            </a:r>
-            <a:r>
-              <a:rPr lang="en-US" i="1" dirty="0">
-                <a:latin typeface="Arial" pitchFamily="18"/>
-                <a:ea typeface="Arial" pitchFamily="34"/>
-                <a:cs typeface="Arial" pitchFamily="34"/>
-              </a:rPr>
-              <a:t>Mind</a:t>
-            </a:r>
-            <a:r>
-              <a:rPr lang="en-US" dirty="0">
-                <a:latin typeface="Arial" pitchFamily="18"/>
-                <a:ea typeface="Arial" pitchFamily="34"/>
-                <a:cs typeface="Arial" pitchFamily="34"/>
-              </a:rPr>
-              <a:t>: 54</a:t>
+              <a:t>Let’s discuss these questions in the breakout rooms. </a:t>
             </a:r>
           </a:p>
         </p:txBody>
@@ -1742,7 +1781,7 @@
     </p:spTree>
     <p:extLst>
       <p:ext uri="{BB962C8B-B14F-4D97-AF65-F5344CB8AC3E}">
-        <p14:creationId xmlns:p14="http://schemas.microsoft.com/office/powerpoint/2010/main" val="1860523921"/>
+        <p14:creationId xmlns:p14="http://schemas.microsoft.com/office/powerpoint/2010/main" val="1284256817"/>
       </p:ext>
     </p:extLst>
   </p:cSld>
@@ -1797,58 +1836,61 @@
           <a:lstStyle/>
           <a:p>
             <a:r>
-              <a:rPr lang="en-US" dirty="0"/>
-              <a:t>The Turing Test has been hugely influential since Turing first described it in 1950.  </a:t>
-            </a:r>
-          </a:p>
-          <a:p>
-            <a:endParaRPr lang="en-US" dirty="0"/>
-          </a:p>
-          <a:p>
-            <a:pPr marL="233309" indent="-233309">
-              <a:buAutoNum type="arabicPeriod"/>
-            </a:pPr>
-            <a:r>
-              <a:rPr lang="en-US" dirty="0"/>
-              <a:t>Turing got the idea from a Victorian parlor game where a man and a woman sat in a separate room.  The other players then passed a series of written questions to them and would try to guess the sex of the respondent by the answers they gave.</a:t>
-            </a:r>
-          </a:p>
-          <a:p>
-            <a:pPr marL="233309" indent="-233309">
-              <a:buAutoNum type="arabicPeriod"/>
-            </a:pPr>
-            <a:r>
-              <a:rPr lang="en-US" dirty="0"/>
-              <a:t>The Turing Test is a computer version of that game.  In the image here, we see a Human questioner in the middle, sending questions to both a computer and another human.  The interaction is purely in the form of text and answers: the human questioner types a question, and a response is displayed.  Now the task of that person is to determine whether the thing being interrogated is a person or a computer program.</a:t>
-            </a:r>
-          </a:p>
-          <a:p>
-            <a:pPr marL="233309" indent="-233309">
-              <a:buAutoNum type="arabicPeriod"/>
-            </a:pPr>
-            <a:r>
-              <a:rPr lang="en-US" dirty="0"/>
-              <a:t>Now, suppose that the thing being interrogated is indeed a computer program, but after some reasonable amount of time, the questioners cannot reliably tell whether they are interacting with a program or a person.  Then surely, Turing argued, you should accept that the program has some sort of human level intelligence because the system is doing something that makes it </a:t>
-            </a:r>
-            <a:r>
-              <a:rPr lang="en-US" b="1" dirty="0"/>
-              <a:t>indistinguishable </a:t>
-            </a:r>
-            <a:r>
-              <a:rPr lang="en-US" b="0" dirty="0"/>
-              <a:t>from the real thing.  The key word here is indistinguishable…</a:t>
-            </a:r>
-          </a:p>
-          <a:p>
-            <a:pPr marL="233309" indent="-233309">
-              <a:buAutoNum type="arabicPeriod"/>
-            </a:pPr>
-            <a:endParaRPr lang="en-US" b="0" dirty="0"/>
-          </a:p>
-          <a:p>
-            <a:r>
-              <a:rPr lang="en-US" dirty="0"/>
-              <a:t>https://searchenterpriseai.techtarget.com/definition/Turing-test</a:t>
+              <a:rPr lang="en-US" dirty="0">
+                <a:latin typeface="Arial" pitchFamily="18"/>
+                <a:ea typeface="Arial" pitchFamily="34"/>
+                <a:cs typeface="Arial" pitchFamily="34"/>
+              </a:rPr>
+              <a:t>Another important name in AI is Alan Turing.  The Turing test of intelligence was first proposed by him in 1950, in an article entitled, </a:t>
+            </a:r>
+            <a:r>
+              <a:rPr lang="en-US" i="1" dirty="0">
+                <a:latin typeface="Arial" pitchFamily="18"/>
+                <a:ea typeface="Arial" pitchFamily="34"/>
+                <a:cs typeface="Arial" pitchFamily="34"/>
+              </a:rPr>
+              <a:t>Computing Machinery and Intelligence.  </a:t>
+            </a:r>
+            <a:r>
+              <a:rPr lang="en-US" dirty="0">
+                <a:latin typeface="Arial" pitchFamily="18"/>
+                <a:ea typeface="Arial" pitchFamily="34"/>
+                <a:cs typeface="Arial" pitchFamily="34"/>
+              </a:rPr>
+              <a:t>This is a foundational document in this field.</a:t>
+            </a:r>
+          </a:p>
+          <a:p>
+            <a:endParaRPr lang="en-US" dirty="0">
+              <a:latin typeface="Arial" pitchFamily="18"/>
+              <a:ea typeface="Arial" pitchFamily="34"/>
+              <a:cs typeface="Arial" pitchFamily="34"/>
+            </a:endParaRPr>
+          </a:p>
+          <a:p>
+            <a:r>
+              <a:rPr lang="en-US" dirty="0">
+                <a:latin typeface="Arial" pitchFamily="18"/>
+                <a:ea typeface="Arial" pitchFamily="34"/>
+                <a:cs typeface="Arial" pitchFamily="34"/>
+              </a:rPr>
+              <a:t>Turing, AM (1950) Computing Machinery and Intelligence. </a:t>
+            </a:r>
+            <a:r>
+              <a:rPr lang="en-US" i="1" dirty="0">
+                <a:latin typeface="Arial" pitchFamily="18"/>
+                <a:ea typeface="Arial" pitchFamily="34"/>
+                <a:cs typeface="Arial" pitchFamily="34"/>
+              </a:rPr>
+              <a:t>Mind</a:t>
+            </a:r>
+            <a:r>
+              <a:rPr lang="en-US" dirty="0">
+                <a:latin typeface="Arial" pitchFamily="18"/>
+                <a:ea typeface="Arial" pitchFamily="34"/>
+                <a:cs typeface="Arial" pitchFamily="34"/>
+              </a:rPr>
+              <a:t>: 54</a:t>
             </a:r>
           </a:p>
         </p:txBody>
@@ -1879,7 +1921,7 @@
     </p:spTree>
     <p:extLst>
       <p:ext uri="{BB962C8B-B14F-4D97-AF65-F5344CB8AC3E}">
-        <p14:creationId xmlns:p14="http://schemas.microsoft.com/office/powerpoint/2010/main" val="2968338234"/>
+        <p14:creationId xmlns:p14="http://schemas.microsoft.com/office/powerpoint/2010/main" val="1860523921"/>
       </p:ext>
     </p:extLst>
   </p:cSld>
@@ -1934,58 +1976,58 @@
           <a:lstStyle/>
           <a:p>
             <a:r>
+              <a:rPr lang="en-US" dirty="0"/>
+              <a:t>The Turing Test has been hugely influential since Turing first described it in 1950.  </a:t>
+            </a:r>
+          </a:p>
+          <a:p>
+            <a:endParaRPr lang="en-US" dirty="0"/>
+          </a:p>
+          <a:p>
+            <a:pPr marL="233309" indent="-233309">
+              <a:buAutoNum type="arabicPeriod"/>
+            </a:pPr>
+            <a:r>
+              <a:rPr lang="en-US" dirty="0"/>
+              <a:t>Turing got the idea from a Victorian parlor game where a man and a woman sat in a separate room.  The other players then passed a series of written questions to them and would try to guess the sex of the respondent by the answers they gave.</a:t>
+            </a:r>
+          </a:p>
+          <a:p>
+            <a:pPr marL="233309" indent="-233309">
+              <a:buAutoNum type="arabicPeriod"/>
+            </a:pPr>
+            <a:r>
+              <a:rPr lang="en-US" dirty="0"/>
+              <a:t>The Turing Test is a computer version of that game.  In the image here, we see a Human questioner in the middle, sending questions to both a computer and another human.  The interaction is purely in the form of text and answers: the human questioner types a question, and a response is displayed.  Now the task of that person is to determine whether the thing being interrogated is a person or a computer program.</a:t>
+            </a:r>
+          </a:p>
+          <a:p>
+            <a:pPr marL="233309" indent="-233309">
+              <a:buAutoNum type="arabicPeriod"/>
+            </a:pPr>
+            <a:r>
+              <a:rPr lang="en-US" dirty="0"/>
+              <a:t>Now, suppose that the thing being interrogated is indeed a computer program, but after some reasonable amount of time, the questioners cannot reliably tell whether they are interacting with a program or a person.  Then surely, Turing argued, you should accept that the program has some sort of human level intelligence because the system is doing something that makes it </a:t>
+            </a:r>
+            <a:r>
+              <a:rPr lang="en-US" b="1" dirty="0"/>
+              <a:t>indistinguishable </a:t>
+            </a:r>
+            <a:r>
               <a:rPr lang="en-US" b="0" dirty="0"/>
-              <a:t>An early attempt at creating a conversational AI program was ELIZA.  ELIZA is a famous computer program written in the 1960’s by MIT computer scientist Joseph Weizenbaum.  The program mimics the role of a psychiatrist talking to a patient to get the interviewee to contemplate themselves.  Strangely, Weizenbaum discovered that many people preferred Eliza over a conversation with a real human-being.</a:t>
-            </a:r>
-          </a:p>
-          <a:p>
+              <a:t>from the real thing.  The key word here is indistinguishable…</a:t>
+            </a:r>
+          </a:p>
+          <a:p>
+            <a:pPr marL="233309" indent="-233309">
+              <a:buAutoNum type="arabicPeriod"/>
+            </a:pPr>
             <a:endParaRPr lang="en-US" b="0" dirty="0"/>
           </a:p>
           <a:p>
-            <a:pPr marL="0" marR="0" lvl="0" indent="0" algn="l" defTabSz="914400" rtl="0" eaLnBrk="1" fontAlgn="auto" latinLnBrk="0" hangingPunct="1">
-              <a:lnSpc>
-                <a:spcPct val="100000"/>
-              </a:lnSpc>
-              <a:spcBef>
-                <a:spcPts val="0"/>
-              </a:spcBef>
-              <a:spcAft>
-                <a:spcPts val="0"/>
-              </a:spcAft>
-              <a:buClrTx/>
-              <a:buSzTx/>
-              <a:buFontTx/>
-              <a:buNone/>
-              <a:tabLst/>
-              <a:defRPr/>
-            </a:pPr>
-            <a:r>
-              <a:rPr lang="en-US" b="0" dirty="0"/>
-              <a:t>ELIZA’s legacy lives on to this day.  In 1990, Hugh Loebner created the Loebner Prize.  Each year, the Loebner Prize invites the submission of computer programs to engage in the Turing test, attempting to convince a panel of judges that they are in fact people.  </a:t>
-            </a:r>
-          </a:p>
-          <a:p>
-            <a:endParaRPr lang="en-US" b="0" dirty="0"/>
-          </a:p>
-          <a:p>
-            <a:r>
-              <a:rPr lang="en-US" b="0" dirty="0"/>
-              <a:t>We’re going to give you time to chat with this year’s winner of the Loebner prize.  Her name is Kuki…</a:t>
-            </a:r>
-          </a:p>
-          <a:p>
-            <a:endParaRPr lang="en-US" b="0" dirty="0"/>
-          </a:p>
-          <a:p>
-            <a:r>
-              <a:rPr lang="en-US" b="0" dirty="0"/>
-              <a:t>=====</a:t>
-            </a:r>
-          </a:p>
-          <a:p>
-            <a:r>
-              <a:rPr lang="en-US" b="0" dirty="0"/>
-              <a:t>Woolridge concludes, “ELIZA is the direct ancestor of a phenomenon that makes AI researchers groan whenever it is mentioned: the internet chatbot.</a:t>
+            <a:r>
+              <a:rPr lang="en-US" dirty="0"/>
+              <a:t>https://searchenterpriseai.techtarget.com/definition/Turing-test</a:t>
             </a:r>
           </a:p>
         </p:txBody>
@@ -2016,7 +2058,7 @@
     </p:spTree>
     <p:extLst>
       <p:ext uri="{BB962C8B-B14F-4D97-AF65-F5344CB8AC3E}">
-        <p14:creationId xmlns:p14="http://schemas.microsoft.com/office/powerpoint/2010/main" val="4034031462"/>
+        <p14:creationId xmlns:p14="http://schemas.microsoft.com/office/powerpoint/2010/main" val="2968338234"/>
       </p:ext>
     </p:extLst>
   </p:cSld>
@@ -2155,6 +2197,143 @@
           <a:lstStyle/>
           <a:p>
             <a:r>
+              <a:rPr lang="en-US" b="0" dirty="0"/>
+              <a:t>An early attempt at creating a conversational AI program was ELIZA.  ELIZA is a famous computer program written in the 1960’s by MIT computer scientist Joseph Weizenbaum.  The program mimics the role of a psychiatrist talking to a patient to get the interviewee to contemplate themselves.  Strangely, Weizenbaum discovered that many people preferred Eliza over a conversation with a real human-being.</a:t>
+            </a:r>
+          </a:p>
+          <a:p>
+            <a:endParaRPr lang="en-US" b="0" dirty="0"/>
+          </a:p>
+          <a:p>
+            <a:pPr marL="0" marR="0" lvl="0" indent="0" algn="l" defTabSz="914400" rtl="0" eaLnBrk="1" fontAlgn="auto" latinLnBrk="0" hangingPunct="1">
+              <a:lnSpc>
+                <a:spcPct val="100000"/>
+              </a:lnSpc>
+              <a:spcBef>
+                <a:spcPts val="0"/>
+              </a:spcBef>
+              <a:spcAft>
+                <a:spcPts val="0"/>
+              </a:spcAft>
+              <a:buClrTx/>
+              <a:buSzTx/>
+              <a:buFontTx/>
+              <a:buNone/>
+              <a:tabLst/>
+              <a:defRPr/>
+            </a:pPr>
+            <a:r>
+              <a:rPr lang="en-US" b="0" dirty="0"/>
+              <a:t>ELIZA’s legacy lives on to this day.  In 1990, Hugh Loebner created the Loebner Prize.  Each year, the Loebner Prize invites the submission of computer programs to engage in the Turing test, attempting to convince a panel of judges that they are in fact people.  </a:t>
+            </a:r>
+          </a:p>
+          <a:p>
+            <a:endParaRPr lang="en-US" b="0" dirty="0"/>
+          </a:p>
+          <a:p>
+            <a:r>
+              <a:rPr lang="en-US" b="0" dirty="0"/>
+              <a:t>We’re going to give you time to chat with this year’s winner of the Loebner prize.  Her name is Kuki…</a:t>
+            </a:r>
+          </a:p>
+          <a:p>
+            <a:endParaRPr lang="en-US" b="0" dirty="0"/>
+          </a:p>
+          <a:p>
+            <a:r>
+              <a:rPr lang="en-US" b="0" dirty="0"/>
+              <a:t>=====</a:t>
+            </a:r>
+          </a:p>
+          <a:p>
+            <a:r>
+              <a:rPr lang="en-US" b="0" dirty="0"/>
+              <a:t>Woolridge concludes, “ELIZA is the direct ancestor of a phenomenon that makes AI researchers groan whenever it is mentioned: the internet chatbot.</a:t>
+            </a:r>
+          </a:p>
+        </p:txBody>
+      </p:sp>
+      <p:sp>
+        <p:nvSpPr>
+          <p:cNvPr id="4" name="Slide Number Placeholder 3"/>
+          <p:cNvSpPr>
+            <a:spLocks noGrp="1"/>
+          </p:cNvSpPr>
+          <p:nvPr>
+            <p:ph type="sldNum" sz="quarter" idx="5"/>
+          </p:nvPr>
+        </p:nvSpPr>
+        <p:spPr/>
+        <p:txBody>
+          <a:bodyPr/>
+          <a:lstStyle/>
+          <a:p>
+            <a:fld id="{3148858F-F1DB-4027-9C85-CCA6849540DD}" type="slidenum">
+              <a:rPr lang="en-US" smtClean="0"/>
+              <a:t>20</a:t>
+            </a:fld>
+            <a:endParaRPr lang="en-US"/>
+          </a:p>
+        </p:txBody>
+      </p:sp>
+    </p:spTree>
+    <p:extLst>
+      <p:ext uri="{BB962C8B-B14F-4D97-AF65-F5344CB8AC3E}">
+        <p14:creationId xmlns:p14="http://schemas.microsoft.com/office/powerpoint/2010/main" val="4034031462"/>
+      </p:ext>
+    </p:extLst>
+  </p:cSld>
+  <p:clrMapOvr>
+    <a:masterClrMapping/>
+  </p:clrMapOvr>
+</p:notes>
+</file>
+
+<file path=ppt/notesSlides/notesSlide21.xml><?xml version="1.0" encoding="utf-8"?>
+<p:notes xmlns:a="http://schemas.openxmlformats.org/drawingml/2006/main" xmlns:r="http://schemas.openxmlformats.org/officeDocument/2006/relationships" xmlns:p="http://schemas.openxmlformats.org/presentationml/2006/main">
+  <p:cSld>
+    <p:spTree>
+      <p:nvGrpSpPr>
+        <p:cNvPr id="1" name=""/>
+        <p:cNvGrpSpPr/>
+        <p:nvPr/>
+      </p:nvGrpSpPr>
+      <p:grpSpPr>
+        <a:xfrm>
+          <a:off x="0" y="0"/>
+          <a:ext cx="0" cy="0"/>
+          <a:chOff x="0" y="0"/>
+          <a:chExt cx="0" cy="0"/>
+        </a:xfrm>
+      </p:grpSpPr>
+      <p:sp>
+        <p:nvSpPr>
+          <p:cNvPr id="2" name="Slide Image Placeholder 1"/>
+          <p:cNvSpPr>
+            <a:spLocks noGrp="1" noRot="1" noChangeAspect="1"/>
+          </p:cNvSpPr>
+          <p:nvPr>
+            <p:ph type="sldImg"/>
+          </p:nvPr>
+        </p:nvSpPr>
+        <p:spPr/>
+      </p:sp>
+      <p:sp>
+        <p:nvSpPr>
+          <p:cNvPr id="3" name="Notes Placeholder 2"/>
+          <p:cNvSpPr>
+            <a:spLocks noGrp="1"/>
+          </p:cNvSpPr>
+          <p:nvPr>
+            <p:ph type="body" idx="1"/>
+          </p:nvPr>
+        </p:nvSpPr>
+        <p:spPr/>
+        <p:txBody>
+          <a:bodyPr/>
+          <a:lstStyle/>
+          <a:p>
+            <a:r>
               <a:rPr lang="en-US" dirty="0">
                 <a:latin typeface="Palatino Linotype" panose="02040502050505030304" pitchFamily="18" charset="0"/>
                 <a:ea typeface="Calibri" panose="020F0502020204030204" pitchFamily="34" charset="0"/>
@@ -2192,7 +2371,7 @@
           <a:p>
             <a:fld id="{3148858F-F1DB-4027-9C85-CCA6849540DD}" type="slidenum">
               <a:rPr lang="en-US" smtClean="0"/>
-              <a:t>20</a:t>
+              <a:t>21</a:t>
             </a:fld>
             <a:endParaRPr lang="en-US"/>
           </a:p>
@@ -2697,131 +2876,96 @@
           <a:bodyPr/>
           <a:lstStyle/>
           <a:p>
-            <a:pPr marL="233309" indent="-233309">
+            <a:pPr marL="0" indent="0">
+              <a:buNone/>
+            </a:pPr>
+            <a:r>
+              <a:rPr lang="en-US" b="1" i="0" dirty="0">
+                <a:solidFill>
+                  <a:srgbClr val="292929"/>
+                </a:solidFill>
+                <a:effectLst/>
+                <a:latin typeface="source-serif-pro"/>
+              </a:rPr>
+              <a:t>ILSVRC</a:t>
+            </a:r>
+            <a:r>
+              <a:rPr lang="en-US" b="0" i="0" dirty="0">
+                <a:solidFill>
+                  <a:srgbClr val="292929"/>
+                </a:solidFill>
+                <a:effectLst/>
+                <a:latin typeface="source-serif-pro"/>
+              </a:rPr>
+              <a:t>: Large Scale Visual Recognition Challenge  - uses the famous ImageNet dataset – 14 million labelled images.</a:t>
+            </a:r>
+            <a:endParaRPr lang="en-US" b="1" i="0" dirty="0">
+              <a:solidFill>
+                <a:srgbClr val="292929"/>
+              </a:solidFill>
+              <a:effectLst/>
+              <a:latin typeface="source-serif-pro"/>
+            </a:endParaRPr>
+          </a:p>
+          <a:p>
+            <a:pPr marL="0" indent="0">
+              <a:buNone/>
+            </a:pPr>
+            <a:endParaRPr lang="en-US" b="0" i="0" dirty="0">
+              <a:solidFill>
+                <a:srgbClr val="292929"/>
+              </a:solidFill>
+              <a:effectLst/>
+              <a:latin typeface="source-serif-pro"/>
+            </a:endParaRPr>
+          </a:p>
+          <a:p>
+            <a:pPr marL="228600" indent="-228600">
               <a:buAutoNum type="arabicPeriod"/>
             </a:pPr>
             <a:r>
-              <a:rPr lang="en-US" dirty="0"/>
-              <a:t>1</a:t>
-            </a:r>
-            <a:r>
-              <a:rPr lang="en-US" baseline="30000" dirty="0"/>
-              <a:t>st</a:t>
-            </a:r>
-            <a:r>
-              <a:rPr lang="en-US" dirty="0"/>
-              <a:t> AI winter: mid-1970’s – Marvin Minsky &amp; Seymour Papert argue in their book </a:t>
-            </a:r>
-            <a:r>
-              <a:rPr lang="en-US" i="1" dirty="0"/>
-              <a:t>(Perceptron) </a:t>
-            </a:r>
-            <a:r>
-              <a:rPr lang="en-US" dirty="0"/>
-              <a:t>that neural networks are a dead-end.</a:t>
-            </a:r>
-          </a:p>
-          <a:p>
-            <a:pPr marL="233309" indent="-233309">
+              <a:rPr lang="en-US" b="0" i="0" dirty="0">
+                <a:solidFill>
+                  <a:srgbClr val="292929"/>
+                </a:solidFill>
+                <a:effectLst/>
+                <a:latin typeface="source-serif-pro"/>
+              </a:rPr>
+              <a:t>The deep neural network breakthrough happened in 2012 – a roughly 10% decrease in image classification error (from 25.8% in 2011 to 16.4% in 2012).</a:t>
+            </a:r>
+          </a:p>
+          <a:p>
+            <a:pPr marL="228600" indent="-228600">
               <a:buAutoNum type="arabicPeriod"/>
             </a:pPr>
             <a:r>
-              <a:rPr lang="en-US" dirty="0"/>
-              <a:t>2</a:t>
-            </a:r>
-            <a:r>
-              <a:rPr lang="en-US" baseline="30000" dirty="0"/>
-              <a:t>nd</a:t>
-            </a:r>
-            <a:r>
-              <a:rPr lang="en-US" dirty="0"/>
-              <a:t> AI winter: early-1990’s – expert systems fail – too difficult to construct and maintain</a:t>
+              <a:rPr lang="en-US" b="0" i="0" dirty="0">
+                <a:solidFill>
+                  <a:srgbClr val="292929"/>
+                </a:solidFill>
+                <a:effectLst/>
+                <a:latin typeface="source-serif-pro"/>
+              </a:rPr>
+              <a:t>In 2015, state-of-the-art deep learning algorithms surpassed human level performance for image classification (5.1%) with an accuracy of 3.57%.</a:t>
+            </a:r>
+          </a:p>
+          <a:p>
+            <a:pPr marL="228600" indent="-228600">
+              <a:buAutoNum type="arabicPeriod"/>
+            </a:pPr>
+            <a:r>
+              <a:rPr lang="en-US" b="0" i="0" dirty="0">
+                <a:solidFill>
+                  <a:srgbClr val="292929"/>
+                </a:solidFill>
+                <a:effectLst/>
+                <a:latin typeface="source-serif-pro"/>
+              </a:rPr>
+              <a:t>Overall, the introduction of deep neural networks resulted in a 10-fold reduction in image classification error (from 25.8% in 2011 to 2.3% in 2017).</a:t>
             </a:r>
           </a:p>
           <a:p>
             <a:endParaRPr lang="en-US" dirty="0"/>
-          </a:p>
-          <a:p>
-            <a:r>
-              <a:rPr lang="en-US" dirty="0"/>
-              <a:t>Hype is the problem.  It’s about over-promising and under-delivering.  But here are some key points:</a:t>
-            </a:r>
-          </a:p>
-          <a:p>
-            <a:endParaRPr lang="en-US" dirty="0"/>
-          </a:p>
-          <a:p>
-            <a:pPr marL="174982" indent="-174982" hangingPunct="0">
-              <a:spcAft>
-                <a:spcPts val="1470"/>
-              </a:spcAft>
-              <a:buSzPct val="45000"/>
-              <a:buFont typeface="Courier New" panose="02070309020205020404" pitchFamily="49" charset="0"/>
-              <a:buChar char="o"/>
-            </a:pPr>
-            <a:r>
-              <a:rPr lang="en-US" dirty="0">
-                <a:latin typeface="Arial" pitchFamily="34"/>
-                <a:ea typeface="Arial" pitchFamily="34"/>
-                <a:cs typeface="Arial" pitchFamily="34"/>
-              </a:rPr>
-              <a:t> AI is seductive</a:t>
-            </a:r>
-          </a:p>
-          <a:p>
-            <a:pPr marL="174982" indent="-174982" hangingPunct="0">
-              <a:spcAft>
-                <a:spcPts val="1470"/>
-              </a:spcAft>
-              <a:buSzPct val="45000"/>
-              <a:buFont typeface="Courier New" panose="02070309020205020404" pitchFamily="49" charset="0"/>
-              <a:buChar char="o"/>
-            </a:pPr>
-            <a:r>
-              <a:rPr lang="en-US" dirty="0">
-                <a:latin typeface="Arial" pitchFamily="34"/>
-                <a:ea typeface="Arial" pitchFamily="34"/>
-                <a:cs typeface="Arial" pitchFamily="34"/>
-              </a:rPr>
-              <a:t> AI researchers have been making steady progress since the 1950s.</a:t>
-            </a:r>
-          </a:p>
-          <a:p>
-            <a:pPr marL="174982" indent="-174982" hangingPunct="0">
-              <a:spcAft>
-                <a:spcPts val="1470"/>
-              </a:spcAft>
-              <a:buSzPct val="45000"/>
-              <a:buFont typeface="Courier New" panose="02070309020205020404" pitchFamily="49" charset="0"/>
-              <a:buChar char="o"/>
-            </a:pPr>
-            <a:r>
-              <a:rPr lang="en-US" dirty="0">
-                <a:latin typeface="Arial" pitchFamily="34"/>
-                <a:ea typeface="Arial" pitchFamily="34"/>
-                <a:cs typeface="Arial" pitchFamily="34"/>
-              </a:rPr>
-              <a:t> AI winters aren’t really about AI failures per se.  AI technologies, including many “failures” are still widely used today.</a:t>
-            </a:r>
-          </a:p>
-          <a:p>
-            <a:pPr hangingPunct="0">
-              <a:spcAft>
-                <a:spcPts val="1470"/>
-              </a:spcAft>
-              <a:buSzPct val="45000"/>
-            </a:pPr>
-            <a:endParaRPr lang="en-US" dirty="0">
-              <a:latin typeface="Arial" pitchFamily="34"/>
-              <a:ea typeface="Arial" pitchFamily="34"/>
-              <a:cs typeface="Arial" pitchFamily="34"/>
-            </a:endParaRPr>
-          </a:p>
-          <a:p>
-            <a:r>
-              <a:rPr lang="en-US" dirty="0"/>
-              <a:t>Now for definitions…</a:t>
-            </a:r>
           </a:p>
         </p:txBody>
       </p:sp>
@@ -2851,7 +2995,7 @@
     </p:spTree>
     <p:extLst>
       <p:ext uri="{BB962C8B-B14F-4D97-AF65-F5344CB8AC3E}">
-        <p14:creationId xmlns:p14="http://schemas.microsoft.com/office/powerpoint/2010/main" val="1181104308"/>
+        <p14:creationId xmlns:p14="http://schemas.microsoft.com/office/powerpoint/2010/main" val="783379170"/>
       </p:ext>
     </p:extLst>
   </p:cSld>
@@ -2905,143 +3049,146 @@
           <a:bodyPr/>
           <a:lstStyle/>
           <a:p>
-            <a:pPr marL="233309" indent="-233309" defTabSz="933237">
-              <a:buFontTx/>
+            <a:pPr marL="0" indent="0">
+              <a:buNone/>
+            </a:pPr>
+            <a:r>
+              <a:rPr lang="en-US" dirty="0"/>
+              <a:t>Although deep learning has been on a tear since 2010, that has not always been the case for the field as a whole.</a:t>
+            </a:r>
+          </a:p>
+          <a:p>
+            <a:pPr marL="0" indent="0">
+              <a:buNone/>
+            </a:pPr>
+            <a:endParaRPr lang="en-US" dirty="0"/>
+          </a:p>
+          <a:p>
+            <a:pPr marL="233309" indent="-233309">
               <a:buAutoNum type="arabicPeriod"/>
-              <a:defRPr/>
             </a:pPr>
             <a:r>
-              <a:rPr lang="en-US" b="0" i="0" dirty="0">
-                <a:solidFill>
-                  <a:srgbClr val="202122"/>
-                </a:solidFill>
-                <a:effectLst/>
-                <a:latin typeface="Arial" panose="020B0604020202020204" pitchFamily="34" charset="0"/>
+              <a:rPr lang="en-US" dirty="0"/>
+              <a:t>1</a:t>
+            </a:r>
+            <a:r>
+              <a:rPr lang="en-US" baseline="30000" dirty="0"/>
+              <a:t>st</a:t>
+            </a:r>
+            <a:r>
+              <a:rPr lang="en-US" dirty="0"/>
+              <a:t> AI winter: mid-1970’s – Marvin Minsky &amp; Seymour Papert argue in their book </a:t>
+            </a:r>
+            <a:r>
+              <a:rPr lang="en-US" i="1" dirty="0"/>
+              <a:t>(Perceptron) </a:t>
+            </a:r>
+            <a:r>
+              <a:rPr lang="en-US" dirty="0"/>
+              <a:t>that neural networks are a dead-end.</a:t>
+            </a:r>
+          </a:p>
+          <a:p>
+            <a:pPr marL="233309" indent="-233309">
+              <a:buAutoNum type="arabicPeriod"/>
+            </a:pPr>
+            <a:r>
+              <a:rPr lang="en-US" dirty="0"/>
+              <a:t>2</a:t>
+            </a:r>
+            <a:r>
+              <a:rPr lang="en-US" baseline="30000" dirty="0"/>
+              <a:t>nd</a:t>
+            </a:r>
+            <a:r>
+              <a:rPr lang="en-US" dirty="0"/>
+              <a:t> AI winter: early-1990’s – expert systems fail – too difficult to construct and maintain</a:t>
+            </a:r>
+          </a:p>
+          <a:p>
+            <a:endParaRPr lang="en-US" dirty="0"/>
+          </a:p>
+          <a:p>
+            <a:r>
+              <a:rPr lang="en-US" dirty="0"/>
+              <a:t>Hype is the problem.  It’s about over-promising and under-delivering.  But here are some key points:</a:t>
+            </a:r>
+          </a:p>
+          <a:p>
+            <a:endParaRPr lang="en-US" dirty="0"/>
+          </a:p>
+          <a:p>
+            <a:pPr marL="174982" indent="-174982" hangingPunct="0">
+              <a:spcAft>
+                <a:spcPts val="1470"/>
+              </a:spcAft>
+              <a:buSzPct val="45000"/>
+              <a:buFont typeface="Courier New" panose="02070309020205020404" pitchFamily="49" charset="0"/>
+              <a:buChar char="o"/>
+            </a:pPr>
+            <a:r>
+              <a:rPr lang="en-US" dirty="0">
+                <a:latin typeface="Arial" pitchFamily="34"/>
+                <a:ea typeface="Arial" pitchFamily="34"/>
+                <a:cs typeface="Arial" pitchFamily="34"/>
               </a:rPr>
-              <a:t>Leading AI textbooks define the field of Artificial Intelligence as the study of “intelligent or rational agents” – any system that perceives its environment and takes actions that maximize its chance of achieving its goals.</a:t>
-            </a:r>
-          </a:p>
-          <a:p>
-            <a:pPr marL="233309" indent="-233309" defTabSz="933237">
-              <a:buFontTx/>
-              <a:buAutoNum type="arabicPeriod"/>
-              <a:defRPr/>
+              <a:t> AI is seductive</a:t>
+            </a:r>
+          </a:p>
+          <a:p>
+            <a:pPr marL="174982" indent="-174982" hangingPunct="0">
+              <a:spcAft>
+                <a:spcPts val="1470"/>
+              </a:spcAft>
+              <a:buSzPct val="45000"/>
+              <a:buFont typeface="Courier New" panose="02070309020205020404" pitchFamily="49" charset="0"/>
+              <a:buChar char="o"/>
             </a:pPr>
             <a:r>
-              <a:rPr lang="en-US" b="0" i="0" dirty="0">
-                <a:solidFill>
-                  <a:srgbClr val="202122"/>
-                </a:solidFill>
-                <a:effectLst/>
-                <a:latin typeface="Arial" panose="020B0604020202020204" pitchFamily="34" charset="0"/>
+              <a:rPr lang="en-US" dirty="0">
+                <a:latin typeface="Arial" pitchFamily="34"/>
+                <a:ea typeface="Arial" pitchFamily="34"/>
+                <a:cs typeface="Arial" pitchFamily="34"/>
               </a:rPr>
-              <a:t>Restatement of Russell &amp; Norvig’s definition – </a:t>
-            </a:r>
-            <a:r>
-              <a:rPr lang="en-US" b="0" i="1" dirty="0">
-                <a:solidFill>
-                  <a:srgbClr val="202122"/>
-                </a:solidFill>
-                <a:effectLst/>
-                <a:latin typeface="Arial" panose="020B0604020202020204" pitchFamily="34" charset="0"/>
+              <a:t> AI researchers have been making steady progress since the 1950s.</a:t>
+            </a:r>
+          </a:p>
+          <a:p>
+            <a:pPr marL="174982" indent="-174982" hangingPunct="0">
+              <a:spcAft>
+                <a:spcPts val="1470"/>
+              </a:spcAft>
+              <a:buSzPct val="45000"/>
+              <a:buFont typeface="Courier New" panose="02070309020205020404" pitchFamily="49" charset="0"/>
+              <a:buChar char="o"/>
+            </a:pPr>
+            <a:r>
+              <a:rPr lang="en-US" dirty="0">
+                <a:latin typeface="Arial" pitchFamily="34"/>
+                <a:ea typeface="Arial" pitchFamily="34"/>
+                <a:cs typeface="Arial" pitchFamily="34"/>
               </a:rPr>
-              <a:t>Artificial Intelligence: A Modern Approach</a:t>
-            </a:r>
-            <a:r>
-              <a:rPr lang="en-US" b="0" i="0" dirty="0">
-                <a:solidFill>
-                  <a:srgbClr val="202122"/>
-                </a:solidFill>
-                <a:effectLst/>
-                <a:latin typeface="Arial" panose="020B0604020202020204" pitchFamily="34" charset="0"/>
-              </a:rPr>
-              <a:t>, 2</a:t>
-            </a:r>
-            <a:r>
-              <a:rPr lang="en-US" b="0" i="0" baseline="30000" dirty="0">
-                <a:solidFill>
-                  <a:srgbClr val="202122"/>
-                </a:solidFill>
-                <a:effectLst/>
-                <a:latin typeface="Arial" panose="020B0604020202020204" pitchFamily="34" charset="0"/>
-              </a:rPr>
-              <a:t>nd</a:t>
-            </a:r>
-            <a:r>
-              <a:rPr lang="en-US" b="0" i="0" dirty="0">
-                <a:solidFill>
-                  <a:srgbClr val="202122"/>
-                </a:solidFill>
-                <a:effectLst/>
-                <a:latin typeface="Arial" panose="020B0604020202020204" pitchFamily="34" charset="0"/>
-              </a:rPr>
-              <a:t> edition – most widely used introductory text.</a:t>
-            </a:r>
-          </a:p>
-          <a:p>
-            <a:pPr marL="233309" indent="-233309" defTabSz="933237">
-              <a:buFontTx/>
-              <a:buAutoNum type="arabicPeriod"/>
-              <a:defRPr/>
+              <a:t> AI winters aren’t really about AI failures per se.  AI technologies, including many “failures” are still widely used today.</a:t>
+            </a:r>
+          </a:p>
+          <a:p>
+            <a:pPr hangingPunct="0">
+              <a:spcAft>
+                <a:spcPts val="1470"/>
+              </a:spcAft>
+              <a:buSzPct val="45000"/>
             </a:pPr>
-            <a:r>
-              <a:rPr lang="en-US" b="0" i="0" dirty="0">
-                <a:solidFill>
-                  <a:srgbClr val="202122"/>
-                </a:solidFill>
-                <a:effectLst/>
-                <a:latin typeface="Arial" panose="020B0604020202020204" pitchFamily="34" charset="0"/>
-              </a:rPr>
-              <a:t>AI system performance = humans in many cases.  </a:t>
-            </a:r>
-          </a:p>
-          <a:p>
-            <a:pPr marL="233309" indent="-233309" defTabSz="933237">
-              <a:buFontTx/>
-              <a:buAutoNum type="arabicPeriod"/>
-              <a:defRPr/>
-            </a:pPr>
-            <a:r>
-              <a:rPr lang="en-US" b="0" i="0" dirty="0">
-                <a:solidFill>
-                  <a:srgbClr val="202122"/>
-                </a:solidFill>
-                <a:effectLst/>
-                <a:latin typeface="Arial" panose="020B0604020202020204" pitchFamily="34" charset="0"/>
-              </a:rPr>
-              <a:t>Broad array of applications.</a:t>
-            </a:r>
-          </a:p>
-          <a:p>
-            <a:endParaRPr lang="en-US" dirty="0"/>
+            <a:endParaRPr lang="en-US" dirty="0">
+              <a:latin typeface="Arial" pitchFamily="34"/>
+              <a:ea typeface="Arial" pitchFamily="34"/>
+              <a:cs typeface="Arial" pitchFamily="34"/>
+            </a:endParaRPr>
           </a:p>
           <a:p>
             <a:r>
               <a:rPr lang="en-US" dirty="0"/>
-              <a:t>=====</a:t>
-            </a:r>
-          </a:p>
-          <a:p>
-            <a:pPr defTabSz="933237">
-              <a:defRPr/>
-            </a:pPr>
-            <a:r>
-              <a:rPr lang="en-US" b="0" i="0" dirty="0">
-                <a:solidFill>
-                  <a:srgbClr val="202122"/>
-                </a:solidFill>
-                <a:effectLst/>
-                <a:latin typeface="Arial" panose="020B0604020202020204" pitchFamily="34" charset="0"/>
-              </a:rPr>
-              <a:t>Leading AI textbooks define the field of Artificial Intelligence as the study of “intelligent agents”: any system that perceives its environment and takes actions that maximize its chance of achieving its goals.  Such systems are now able to perform tasks humans are good at; </a:t>
-            </a:r>
-            <a:r>
-              <a:rPr lang="en-US" dirty="0"/>
-              <a:t>for example, recognizing objects, making sense of speech, and decision making in a constrained environment.  As our computer programs have become more sophisticated, our ideas of which tasks require human intelligence have evolved. Thus, AI is now used in a wide variety of tasks.</a:t>
-            </a:r>
-          </a:p>
-          <a:p>
-            <a:endParaRPr lang="en-US" dirty="0"/>
+              <a:t>Now for definitions…</a:t>
+            </a:r>
           </a:p>
         </p:txBody>
       </p:sp>
@@ -3071,7 +3218,7 @@
     </p:spTree>
     <p:extLst>
       <p:ext uri="{BB962C8B-B14F-4D97-AF65-F5344CB8AC3E}">
-        <p14:creationId xmlns:p14="http://schemas.microsoft.com/office/powerpoint/2010/main" val="4120710171"/>
+        <p14:creationId xmlns:p14="http://schemas.microsoft.com/office/powerpoint/2010/main" val="1181104308"/>
       </p:ext>
     </p:extLst>
   </p:cSld>
@@ -3125,38 +3272,9 @@
           <a:bodyPr/>
           <a:lstStyle/>
           <a:p>
-            <a:r>
-              <a:rPr lang="en-US" dirty="0"/>
-              <a:t>… and here’s a definition of machine learning coined by Arthur Samuel in 1959.  This is concise and one of my personal favorites.  However, I also like this second definition: </a:t>
-            </a:r>
-            <a:r>
-              <a:rPr lang="en-US" i="1" dirty="0"/>
-              <a:t>Machine learning is the science (and art) of programming computers so they can learn from data</a:t>
-            </a:r>
-            <a:r>
-              <a:rPr lang="en-US" dirty="0"/>
-              <a:t>.  Now, the key word in that second definition is </a:t>
-            </a:r>
-            <a:r>
-              <a:rPr lang="en-US" b="1" dirty="0"/>
-              <a:t>data</a:t>
-            </a:r>
-            <a:r>
-              <a:rPr lang="en-US" dirty="0"/>
-              <a:t>.  In fact, deep learning is not possible without data.</a:t>
-            </a:r>
-          </a:p>
-          <a:p>
-            <a:endParaRPr lang="en-US" dirty="0"/>
-          </a:p>
-          <a:p>
-            <a:r>
-              <a:rPr lang="en-US" dirty="0"/>
-              <a:t>=====</a:t>
-            </a:r>
-          </a:p>
-          <a:p>
-            <a:pPr defTabSz="933237">
+            <a:pPr marL="233309" indent="-233309" defTabSz="933237">
+              <a:buFontTx/>
+              <a:buAutoNum type="arabicPeriod"/>
               <a:defRPr/>
             </a:pPr>
             <a:r>
@@ -3167,21 +3285,127 @@
                 <a:effectLst/>
                 <a:latin typeface="Arial" panose="020B0604020202020204" pitchFamily="34" charset="0"/>
               </a:rPr>
-              <a:t>Machine Learning </a:t>
-            </a:r>
+              <a:t>Leading AI textbooks define the field of Artificial Intelligence as the study of “intelligent or rational agents” – any system that perceives its environment and takes actions that maximize its chance of achieving its goals.</a:t>
+            </a:r>
+          </a:p>
+          <a:p>
+            <a:pPr marL="233309" indent="-233309" defTabSz="933237">
+              <a:buFontTx/>
+              <a:buAutoNum type="arabicPeriod"/>
+              <a:defRPr/>
+            </a:pPr>
             <a:r>
               <a:rPr lang="en-US" b="0" i="0" dirty="0">
                 <a:solidFill>
-                  <a:srgbClr val="000000"/>
+                  <a:srgbClr val="202122"/>
                 </a:solidFill>
                 <a:effectLst/>
-                <a:latin typeface="DINPro"/>
+                <a:latin typeface="Arial" panose="020B0604020202020204" pitchFamily="34" charset="0"/>
               </a:rPr>
-              <a:t>algorithms parse data, learn from it, and then make a prediction about something in the world. So rather than hand-coding software routines with a specific set of instructions to accomplish a particular task, the machine is “trained” using large amounts of data and algorithms that give it the ability to learn how to perform the task.</a:t>
+              <a:t>Restatement of Russell &amp; Norvig’s definition – </a:t>
+            </a:r>
+            <a:r>
+              <a:rPr lang="en-US" b="0" i="1" dirty="0">
+                <a:solidFill>
+                  <a:srgbClr val="202122"/>
+                </a:solidFill>
+                <a:effectLst/>
+                <a:latin typeface="Arial" panose="020B0604020202020204" pitchFamily="34" charset="0"/>
+              </a:rPr>
+              <a:t>Artificial Intelligence: A Modern Approach</a:t>
+            </a:r>
+            <a:r>
+              <a:rPr lang="en-US" b="0" i="0" dirty="0">
+                <a:solidFill>
+                  <a:srgbClr val="202122"/>
+                </a:solidFill>
+                <a:effectLst/>
+                <a:latin typeface="Arial" panose="020B0604020202020204" pitchFamily="34" charset="0"/>
+              </a:rPr>
+              <a:t>, 2</a:t>
+            </a:r>
+            <a:r>
+              <a:rPr lang="en-US" b="0" i="0" baseline="30000" dirty="0">
+                <a:solidFill>
+                  <a:srgbClr val="202122"/>
+                </a:solidFill>
+                <a:effectLst/>
+                <a:latin typeface="Arial" panose="020B0604020202020204" pitchFamily="34" charset="0"/>
+              </a:rPr>
+              <a:t>nd</a:t>
+            </a:r>
+            <a:r>
+              <a:rPr lang="en-US" b="0" i="0" dirty="0">
+                <a:solidFill>
+                  <a:srgbClr val="202122"/>
+                </a:solidFill>
+                <a:effectLst/>
+                <a:latin typeface="Arial" panose="020B0604020202020204" pitchFamily="34" charset="0"/>
+              </a:rPr>
+              <a:t> edition – most widely used introductory text.</a:t>
+            </a:r>
+          </a:p>
+          <a:p>
+            <a:pPr marL="233309" indent="-233309" defTabSz="933237">
+              <a:buFontTx/>
+              <a:buAutoNum type="arabicPeriod"/>
+              <a:defRPr/>
+            </a:pPr>
+            <a:r>
+              <a:rPr lang="en-US" b="0" i="0" dirty="0">
+                <a:solidFill>
+                  <a:srgbClr val="202122"/>
+                </a:solidFill>
+                <a:effectLst/>
+                <a:latin typeface="Arial" panose="020B0604020202020204" pitchFamily="34" charset="0"/>
+              </a:rPr>
+              <a:t>AI system performance = humans in many cases.  </a:t>
+            </a:r>
+          </a:p>
+          <a:p>
+            <a:pPr marL="233309" indent="-233309" defTabSz="933237">
+              <a:buFontTx/>
+              <a:buAutoNum type="arabicPeriod"/>
+              <a:defRPr/>
+            </a:pPr>
+            <a:r>
+              <a:rPr lang="en-US" b="0" i="0" dirty="0">
+                <a:solidFill>
+                  <a:srgbClr val="202122"/>
+                </a:solidFill>
+                <a:effectLst/>
+                <a:latin typeface="Arial" panose="020B0604020202020204" pitchFamily="34" charset="0"/>
+              </a:rPr>
+              <a:t>Broad array of applications.</a:t>
             </a:r>
           </a:p>
           <a:p>
             <a:endParaRPr lang="en-US" dirty="0"/>
+          </a:p>
+          <a:p>
+            <a:r>
+              <a:rPr lang="en-US" dirty="0"/>
+              <a:t>=====</a:t>
+            </a:r>
+          </a:p>
+          <a:p>
+            <a:pPr defTabSz="933237">
+              <a:defRPr/>
+            </a:pPr>
+            <a:r>
+              <a:rPr lang="en-US" b="0" i="0" dirty="0">
+                <a:solidFill>
+                  <a:srgbClr val="202122"/>
+                </a:solidFill>
+                <a:effectLst/>
+                <a:latin typeface="Arial" panose="020B0604020202020204" pitchFamily="34" charset="0"/>
+              </a:rPr>
+              <a:t>Leading AI textbooks define the field of Artificial Intelligence as the study of “intelligent agents”: any system that perceives its environment and takes actions that maximize its chance of achieving its goals.  Such systems are now able to perform tasks humans are good at; </a:t>
+            </a:r>
+            <a:r>
+              <a:rPr lang="en-US" dirty="0"/>
+              <a:t>for example, recognizing objects, making sense of speech, and decision making in a constrained environment.  As our computer programs have become more sophisticated, our ideas of which tasks require human intelligence have evolved. Thus, AI is now used in a wide variety of tasks.</a:t>
+            </a:r>
           </a:p>
           <a:p>
             <a:endParaRPr lang="en-US" dirty="0"/>
@@ -3214,7 +3438,7 @@
     </p:spTree>
     <p:extLst>
       <p:ext uri="{BB962C8B-B14F-4D97-AF65-F5344CB8AC3E}">
-        <p14:creationId xmlns:p14="http://schemas.microsoft.com/office/powerpoint/2010/main" val="2710535571"/>
+        <p14:creationId xmlns:p14="http://schemas.microsoft.com/office/powerpoint/2010/main" val="4120710171"/>
       </p:ext>
     </p:extLst>
   </p:cSld>
@@ -3268,95 +3492,60 @@
           <a:bodyPr/>
           <a:lstStyle/>
           <a:p>
-            <a:pPr marL="233309" indent="-233309">
-              <a:buAutoNum type="arabicPeriod"/>
-            </a:pPr>
             <a:r>
               <a:rPr lang="en-US" dirty="0"/>
-              <a:t>Again, deep learning is a subfield of machine learning with a focus on </a:t>
+              <a:t>… and here’s a definition of machine learning coined by Arthur Samuel in 1959.  This is concise and one of my personal favorites.  However, I also like this second definition: </a:t>
+            </a:r>
+            <a:r>
+              <a:rPr lang="en-US" i="1" dirty="0"/>
+              <a:t>Machine learning is the science (and art) of programming computers so they can learn from data</a:t>
+            </a:r>
+            <a:r>
+              <a:rPr lang="en-US" dirty="0"/>
+              <a:t>.  Now, the key word in that second definition is </a:t>
             </a:r>
             <a:r>
               <a:rPr lang="en-US" b="1" dirty="0"/>
-              <a:t>neural networks</a:t>
-            </a:r>
-          </a:p>
-          <a:p>
-            <a:pPr marL="233309" indent="-233309">
-              <a:buAutoNum type="arabicPeriod"/>
-            </a:pPr>
+              <a:t>data</a:t>
+            </a:r>
             <a:r>
               <a:rPr lang="en-US" dirty="0"/>
-              <a:t>A neural network is a special type of learning algorithm, inspired by the billions of interconnected neurons in the human brain.</a:t>
-            </a:r>
-          </a:p>
-          <a:p>
-            <a:pPr marL="233309" indent="-233309">
-              <a:buAutoNum type="arabicPeriod"/>
-            </a:pPr>
-            <a:r>
-              <a:rPr lang="en-US" dirty="0"/>
-              <a:t>In a NN, neurons are grouped together in layers – image of a multi-layered cake – if you have many layers, the cake is “deep” when viewed from above.</a:t>
-            </a:r>
-          </a:p>
-          <a:p>
-            <a:pPr marL="233309" indent="-233309">
-              <a:buAutoNum type="arabicPeriod"/>
-            </a:pPr>
+              <a:t>.  In fact, deep learning is not possible without data.</a:t>
+            </a:r>
+          </a:p>
+          <a:p>
             <a:endParaRPr lang="en-US" dirty="0"/>
           </a:p>
           <a:p>
-            <a:pPr marL="0" indent="0">
-              <a:buNone/>
-            </a:pPr>
             <a:r>
               <a:rPr lang="en-US" dirty="0"/>
               <a:t>=====</a:t>
             </a:r>
           </a:p>
           <a:p>
-            <a:pPr marL="0" indent="0">
-              <a:buNone/>
+            <a:pPr defTabSz="933237">
+              <a:defRPr/>
             </a:pPr>
             <a:r>
-              <a:rPr lang="en-US" dirty="0"/>
-              <a:t>Since 2010, deep learning became possible because:</a:t>
-            </a:r>
-          </a:p>
-          <a:p>
-            <a:pPr marL="699927" lvl="1" indent="-233309">
-              <a:buAutoNum type="arabicPeriod"/>
-            </a:pPr>
-            <a:r>
-              <a:rPr lang="en-US" dirty="0"/>
-              <a:t>Enhanced hardware – GPUs from Nvidia and other suppliers</a:t>
-            </a:r>
-          </a:p>
-          <a:p>
-            <a:pPr marL="699927" lvl="1" indent="-233309">
-              <a:buAutoNum type="arabicPeriod"/>
-            </a:pPr>
-            <a:r>
-              <a:rPr lang="en-US" dirty="0"/>
-              <a:t>Open AI software frameworks – Tensorflow, Pytorch, Keras, etc…</a:t>
-            </a:r>
-          </a:p>
-          <a:p>
-            <a:pPr marL="699927" lvl="1" indent="-233309">
-              <a:buAutoNum type="arabicPeriod"/>
-            </a:pPr>
-            <a:r>
-              <a:rPr lang="en-US" dirty="0"/>
-              <a:t>Big Data</a:t>
-            </a:r>
-          </a:p>
-          <a:p>
-            <a:pPr marL="233309" indent="-233309">
-              <a:buAutoNum type="arabicPeriod"/>
-            </a:pPr>
-            <a:endParaRPr lang="en-US" dirty="0"/>
-          </a:p>
-          <a:p>
-            <a:endParaRPr lang="en-US" dirty="0"/>
+              <a:rPr lang="en-US" b="0" i="0" dirty="0">
+                <a:solidFill>
+                  <a:srgbClr val="202122"/>
+                </a:solidFill>
+                <a:effectLst/>
+                <a:latin typeface="Arial" panose="020B0604020202020204" pitchFamily="34" charset="0"/>
+              </a:rPr>
+              <a:t>Machine Learning </a:t>
+            </a:r>
+            <a:r>
+              <a:rPr lang="en-US" b="0" i="0" dirty="0">
+                <a:solidFill>
+                  <a:srgbClr val="000000"/>
+                </a:solidFill>
+                <a:effectLst/>
+                <a:latin typeface="DINPro"/>
+              </a:rPr>
+              <a:t>algorithms parse data, learn from it, and then make a prediction about something in the world. So rather than hand-coding software routines with a specific set of instructions to accomplish a particular task, the machine is “trained” using large amounts of data and algorithms that give it the ability to learn how to perform the task.</a:t>
+            </a:r>
           </a:p>
           <a:p>
             <a:endParaRPr lang="en-US" dirty="0"/>
@@ -3392,7 +3581,7 @@
     </p:spTree>
     <p:extLst>
       <p:ext uri="{BB962C8B-B14F-4D97-AF65-F5344CB8AC3E}">
-        <p14:creationId xmlns:p14="http://schemas.microsoft.com/office/powerpoint/2010/main" val="658380389"/>
+        <p14:creationId xmlns:p14="http://schemas.microsoft.com/office/powerpoint/2010/main" val="2710535571"/>
       </p:ext>
     </p:extLst>
   </p:cSld>
@@ -3549,7 +3738,7 @@
           <a:p>
             <a:fld id="{C3F78080-8D0A-4BE8-A5B4-CB115102D524}" type="datetimeFigureOut">
               <a:rPr lang="en-US" smtClean="0"/>
-              <a:t>9/13/2022</a:t>
+              <a:t>9/23/2022</a:t>
             </a:fld>
             <a:endParaRPr lang="en-US"/>
           </a:p>
@@ -3747,7 +3936,7 @@
           <a:p>
             <a:fld id="{C3F78080-8D0A-4BE8-A5B4-CB115102D524}" type="datetimeFigureOut">
               <a:rPr lang="en-US" smtClean="0"/>
-              <a:t>9/13/2022</a:t>
+              <a:t>9/23/2022</a:t>
             </a:fld>
             <a:endParaRPr lang="en-US"/>
           </a:p>
@@ -3955,7 +4144,7 @@
           <a:p>
             <a:fld id="{C3F78080-8D0A-4BE8-A5B4-CB115102D524}" type="datetimeFigureOut">
               <a:rPr lang="en-US" smtClean="0"/>
-              <a:t>9/13/2022</a:t>
+              <a:t>9/23/2022</a:t>
             </a:fld>
             <a:endParaRPr lang="en-US"/>
           </a:p>
@@ -4153,7 +4342,7 @@
           <a:p>
             <a:fld id="{C3F78080-8D0A-4BE8-A5B4-CB115102D524}" type="datetimeFigureOut">
               <a:rPr lang="en-US" smtClean="0"/>
-              <a:t>9/13/2022</a:t>
+              <a:t>9/23/2022</a:t>
             </a:fld>
             <a:endParaRPr lang="en-US"/>
           </a:p>
@@ -4428,7 +4617,7 @@
           <a:p>
             <a:fld id="{C3F78080-8D0A-4BE8-A5B4-CB115102D524}" type="datetimeFigureOut">
               <a:rPr lang="en-US" smtClean="0"/>
-              <a:t>9/13/2022</a:t>
+              <a:t>9/23/2022</a:t>
             </a:fld>
             <a:endParaRPr lang="en-US"/>
           </a:p>
@@ -4693,7 +4882,7 @@
           <a:p>
             <a:fld id="{C3F78080-8D0A-4BE8-A5B4-CB115102D524}" type="datetimeFigureOut">
               <a:rPr lang="en-US" smtClean="0"/>
-              <a:t>9/13/2022</a:t>
+              <a:t>9/23/2022</a:t>
             </a:fld>
             <a:endParaRPr lang="en-US"/>
           </a:p>
@@ -5105,7 +5294,7 @@
           <a:p>
             <a:fld id="{C3F78080-8D0A-4BE8-A5B4-CB115102D524}" type="datetimeFigureOut">
               <a:rPr lang="en-US" smtClean="0"/>
-              <a:t>9/13/2022</a:t>
+              <a:t>9/23/2022</a:t>
             </a:fld>
             <a:endParaRPr lang="en-US"/>
           </a:p>
@@ -5246,7 +5435,7 @@
           <a:p>
             <a:fld id="{C3F78080-8D0A-4BE8-A5B4-CB115102D524}" type="datetimeFigureOut">
               <a:rPr lang="en-US" smtClean="0"/>
-              <a:t>9/13/2022</a:t>
+              <a:t>9/23/2022</a:t>
             </a:fld>
             <a:endParaRPr lang="en-US"/>
           </a:p>
@@ -5359,7 +5548,7 @@
           <a:p>
             <a:fld id="{C3F78080-8D0A-4BE8-A5B4-CB115102D524}" type="datetimeFigureOut">
               <a:rPr lang="en-US" smtClean="0"/>
-              <a:t>9/13/2022</a:t>
+              <a:t>9/23/2022</a:t>
             </a:fld>
             <a:endParaRPr lang="en-US"/>
           </a:p>
@@ -5670,7 +5859,7 @@
           <a:p>
             <a:fld id="{C3F78080-8D0A-4BE8-A5B4-CB115102D524}" type="datetimeFigureOut">
               <a:rPr lang="en-US" smtClean="0"/>
-              <a:t>9/13/2022</a:t>
+              <a:t>9/23/2022</a:t>
             </a:fld>
             <a:endParaRPr lang="en-US"/>
           </a:p>
@@ -5958,7 +6147,7 @@
           <a:p>
             <a:fld id="{C3F78080-8D0A-4BE8-A5B4-CB115102D524}" type="datetimeFigureOut">
               <a:rPr lang="en-US" smtClean="0"/>
-              <a:t>9/13/2022</a:t>
+              <a:t>9/23/2022</a:t>
             </a:fld>
             <a:endParaRPr lang="en-US"/>
           </a:p>
@@ -6199,7 +6388,7 @@
           <a:p>
             <a:fld id="{C3F78080-8D0A-4BE8-A5B4-CB115102D524}" type="datetimeFigureOut">
               <a:rPr lang="en-US" smtClean="0"/>
-              <a:t>9/13/2022</a:t>
+              <a:t>9/23/2022</a:t>
             </a:fld>
             <a:endParaRPr lang="en-US"/>
           </a:p>
@@ -6730,6 +6919,220 @@
           <a:chExt cx="0" cy="0"/>
         </a:xfrm>
       </p:grpSpPr>
+      <p:sp>
+        <p:nvSpPr>
+          <p:cNvPr id="2" name="Title 1">
+            <a:extLst>
+              <a:ext uri="{FF2B5EF4-FFF2-40B4-BE49-F238E27FC236}">
+                <a16:creationId xmlns:a16="http://schemas.microsoft.com/office/drawing/2014/main" id="{8306FF31-301F-43F0-8202-A782726E446A}"/>
+              </a:ext>
+            </a:extLst>
+          </p:cNvPr>
+          <p:cNvSpPr>
+            <a:spLocks noGrp="1"/>
+          </p:cNvSpPr>
+          <p:nvPr>
+            <p:ph type="title"/>
+          </p:nvPr>
+        </p:nvSpPr>
+        <p:spPr>
+          <a:xfrm>
+            <a:off x="618697" y="365127"/>
+            <a:ext cx="10735103" cy="827416"/>
+          </a:xfrm>
+        </p:spPr>
+        <p:txBody>
+          <a:bodyPr>
+            <a:normAutofit/>
+          </a:bodyPr>
+          <a:lstStyle/>
+          <a:p>
+            <a:pPr algn="ctr"/>
+            <a:r>
+              <a:rPr lang="en-US" sz="3600" dirty="0">
+                <a:latin typeface="Palatino Linotype" panose="02040502050505030304" pitchFamily="18" charset="0"/>
+                <a:cs typeface="Segoe UI Light" panose="020B0502040204020203" pitchFamily="34" charset="0"/>
+              </a:rPr>
+              <a:t>Deep Learning</a:t>
+            </a:r>
+          </a:p>
+        </p:txBody>
+      </p:sp>
+      <p:pic>
+        <p:nvPicPr>
+          <p:cNvPr id="1026" name="Picture 2" descr="Rainbow Layer Cake Recipe - BettyCrocker.com">
+            <a:extLst>
+              <a:ext uri="{FF2B5EF4-FFF2-40B4-BE49-F238E27FC236}">
+                <a16:creationId xmlns:a16="http://schemas.microsoft.com/office/drawing/2014/main" id="{6B01A55C-3E3D-4A68-8148-EBA141EEF8DA}"/>
+              </a:ext>
+            </a:extLst>
+          </p:cNvPr>
+          <p:cNvPicPr>
+            <a:picLocks noChangeAspect="1" noChangeArrowheads="1"/>
+          </p:cNvPicPr>
+          <p:nvPr/>
+        </p:nvPicPr>
+        <p:blipFill>
+          <a:blip r:embed="rId3">
+            <a:extLst>
+              <a:ext uri="{28A0092B-C50C-407E-A947-70E740481C1C}">
+                <a14:useLocalDpi xmlns:a14="http://schemas.microsoft.com/office/drawing/2010/main" val="0"/>
+              </a:ext>
+            </a:extLst>
+          </a:blip>
+          <a:srcRect/>
+          <a:stretch>
+            <a:fillRect/>
+          </a:stretch>
+        </p:blipFill>
+        <p:spPr bwMode="auto">
+          <a:xfrm>
+            <a:off x="3542880" y="2054605"/>
+            <a:ext cx="4886736" cy="2748789"/>
+          </a:xfrm>
+          <a:prstGeom prst="rect">
+            <a:avLst/>
+          </a:prstGeom>
+          <a:noFill/>
+          <a:ln w="6350">
+            <a:solidFill>
+              <a:schemeClr val="tx1">
+                <a:lumMod val="65000"/>
+                <a:lumOff val="35000"/>
+              </a:schemeClr>
+            </a:solidFill>
+          </a:ln>
+          <a:effectLst>
+            <a:outerShdw blurRad="50800" dist="38100" dir="2700000" algn="tl" rotWithShape="0">
+              <a:prstClr val="black">
+                <a:alpha val="40000"/>
+              </a:prstClr>
+            </a:outerShdw>
+          </a:effectLst>
+          <a:extLst>
+            <a:ext uri="{909E8E84-426E-40DD-AFC4-6F175D3DCCD1}">
+              <a14:hiddenFill xmlns:a14="http://schemas.microsoft.com/office/drawing/2010/main">
+                <a:solidFill>
+                  <a:srgbClr val="FFFFFF"/>
+                </a:solidFill>
+              </a14:hiddenFill>
+            </a:ext>
+          </a:extLst>
+        </p:spPr>
+      </p:pic>
+      <p:sp>
+        <p:nvSpPr>
+          <p:cNvPr id="4" name="TextBox 3">
+            <a:extLst>
+              <a:ext uri="{FF2B5EF4-FFF2-40B4-BE49-F238E27FC236}">
+                <a16:creationId xmlns:a16="http://schemas.microsoft.com/office/drawing/2014/main" id="{0B25E44E-8C42-4246-94DF-CC612E8605BA}"/>
+              </a:ext>
+            </a:extLst>
+          </p:cNvPr>
+          <p:cNvSpPr txBox="1"/>
+          <p:nvPr/>
+        </p:nvSpPr>
+        <p:spPr>
+          <a:xfrm>
+            <a:off x="0" y="6550223"/>
+            <a:ext cx="12192000" cy="307777"/>
+          </a:xfrm>
+          <a:prstGeom prst="rect">
+            <a:avLst/>
+          </a:prstGeom>
+          <a:noFill/>
+        </p:spPr>
+        <p:txBody>
+          <a:bodyPr wrap="square" rtlCol="0">
+            <a:spAutoFit/>
+          </a:bodyPr>
+          <a:lstStyle/>
+          <a:p>
+            <a:r>
+              <a:rPr lang="en-US" sz="1400" dirty="0">
+                <a:solidFill>
+                  <a:schemeClr val="tx1">
+                    <a:lumMod val="65000"/>
+                    <a:lumOff val="35000"/>
+                  </a:schemeClr>
+                </a:solidFill>
+                <a:latin typeface="+mj-lt"/>
+                <a:ea typeface="Verdana" panose="020B0604030504040204" pitchFamily="34" charset="0"/>
+              </a:rPr>
+              <a:t>Image Credit: </a:t>
+            </a:r>
+            <a:r>
+              <a:rPr lang="en-US" sz="1400" b="0" i="0" u="none" strike="noStrike" kern="1200" cap="none" dirty="0">
+                <a:ln>
+                  <a:noFill/>
+                </a:ln>
+                <a:solidFill>
+                  <a:schemeClr val="tx1">
+                    <a:lumMod val="65000"/>
+                    <a:lumOff val="35000"/>
+                  </a:schemeClr>
+                </a:solidFill>
+                <a:latin typeface="+mj-lt"/>
+                <a:ea typeface="Arial" pitchFamily="34"/>
+                <a:cs typeface="Arial" pitchFamily="34"/>
+              </a:rPr>
+              <a:t>https://www.bettycrocker.com/recipes/rainbow-layer-cake/4969fed8-141e-45f5-9a04-e03addd20fbb</a:t>
+            </a:r>
+            <a:endParaRPr lang="en-US" sz="1400" dirty="0">
+              <a:solidFill>
+                <a:schemeClr val="tx1">
+                  <a:lumMod val="65000"/>
+                  <a:lumOff val="35000"/>
+                </a:schemeClr>
+              </a:solidFill>
+              <a:latin typeface="+mj-lt"/>
+              <a:ea typeface="Verdana" panose="020B0604030504040204" pitchFamily="34" charset="0"/>
+            </a:endParaRPr>
+          </a:p>
+        </p:txBody>
+      </p:sp>
+    </p:spTree>
+    <p:extLst>
+      <p:ext uri="{BB962C8B-B14F-4D97-AF65-F5344CB8AC3E}">
+        <p14:creationId xmlns:p14="http://schemas.microsoft.com/office/powerpoint/2010/main" val="888845023"/>
+      </p:ext>
+    </p:extLst>
+  </p:cSld>
+  <p:clrMapOvr>
+    <a:masterClrMapping/>
+  </p:clrMapOvr>
+  <mc:AlternateContent xmlns:mc="http://schemas.openxmlformats.org/markup-compatibility/2006" xmlns:p14="http://schemas.microsoft.com/office/powerpoint/2010/main">
+    <mc:Choice Requires="p14">
+      <p:transition spd="med" p14:dur="700">
+        <p:fade/>
+      </p:transition>
+    </mc:Choice>
+    <mc:Fallback xmlns="">
+      <p:transition spd="med">
+        <p:fade/>
+      </p:transition>
+    </mc:Fallback>
+  </mc:AlternateContent>
+</p:sld>
+</file>
+
+<file path=ppt/slides/slide11.xml><?xml version="1.0" encoding="utf-8"?>
+<p:sld xmlns:a="http://schemas.openxmlformats.org/drawingml/2006/main" xmlns:r="http://schemas.openxmlformats.org/officeDocument/2006/relationships" xmlns:p="http://schemas.openxmlformats.org/presentationml/2006/main">
+  <p:cSld>
+    <p:spTree>
+      <p:nvGrpSpPr>
+        <p:cNvPr id="1" name=""/>
+        <p:cNvGrpSpPr/>
+        <p:nvPr/>
+      </p:nvGrpSpPr>
+      <p:grpSpPr>
+        <a:xfrm>
+          <a:off x="0" y="0"/>
+          <a:ext cx="0" cy="0"/>
+          <a:chOff x="0" y="0"/>
+          <a:chExt cx="0" cy="0"/>
+        </a:xfrm>
+      </p:grpSpPr>
       <p:pic>
         <p:nvPicPr>
           <p:cNvPr id="3" name="Picture 2">
@@ -6850,7 +7253,7 @@
 </p:sld>
 </file>
 
-<file path=ppt/slides/slide11.xml><?xml version="1.0" encoding="utf-8"?>
+<file path=ppt/slides/slide12.xml><?xml version="1.0" encoding="utf-8"?>
 <p:sld xmlns:a="http://schemas.openxmlformats.org/drawingml/2006/main" xmlns:r="http://schemas.openxmlformats.org/officeDocument/2006/relationships" xmlns:p="http://schemas.openxmlformats.org/presentationml/2006/main">
   <p:cSld>
     <p:spTree>
@@ -6964,7 +7367,7 @@
 </p:sld>
 </file>
 
-<file path=ppt/slides/slide12.xml><?xml version="1.0" encoding="utf-8"?>
+<file path=ppt/slides/slide13.xml><?xml version="1.0" encoding="utf-8"?>
 <p:sld xmlns:a="http://schemas.openxmlformats.org/drawingml/2006/main" xmlns:r="http://schemas.openxmlformats.org/officeDocument/2006/relationships" xmlns:p="http://schemas.openxmlformats.org/presentationml/2006/main">
   <p:cSld>
     <p:spTree>
@@ -7122,7 +7525,7 @@
 </p:sld>
 </file>
 
-<file path=ppt/slides/slide13.xml><?xml version="1.0" encoding="utf-8"?>
+<file path=ppt/slides/slide14.xml><?xml version="1.0" encoding="utf-8"?>
 <p:sld xmlns:a="http://schemas.openxmlformats.org/drawingml/2006/main" xmlns:r="http://schemas.openxmlformats.org/officeDocument/2006/relationships" xmlns:p="http://schemas.openxmlformats.org/presentationml/2006/main">
   <p:cSld>
     <p:spTree>
@@ -7862,7 +8265,7 @@
 </p:sld>
 </file>
 
-<file path=ppt/slides/slide14.xml><?xml version="1.0" encoding="utf-8"?>
+<file path=ppt/slides/slide15.xml><?xml version="1.0" encoding="utf-8"?>
 <p:sld xmlns:a="http://schemas.openxmlformats.org/drawingml/2006/main" xmlns:r="http://schemas.openxmlformats.org/officeDocument/2006/relationships" xmlns:p="http://schemas.openxmlformats.org/presentationml/2006/main">
   <p:cSld>
     <p:spTree>
@@ -8139,230 +8542,6 @@
     <p:extLst>
       <p:ext uri="{BB962C8B-B14F-4D97-AF65-F5344CB8AC3E}">
         <p14:creationId xmlns:p14="http://schemas.microsoft.com/office/powerpoint/2010/main" val="55415511"/>
-      </p:ext>
-    </p:extLst>
-  </p:cSld>
-  <p:clrMapOvr>
-    <a:masterClrMapping/>
-  </p:clrMapOvr>
-  <mc:AlternateContent xmlns:mc="http://schemas.openxmlformats.org/markup-compatibility/2006" xmlns:p14="http://schemas.microsoft.com/office/powerpoint/2010/main">
-    <mc:Choice Requires="p14">
-      <p:transition spd="med" p14:dur="700">
-        <p:fade/>
-      </p:transition>
-    </mc:Choice>
-    <mc:Fallback xmlns="">
-      <p:transition spd="med">
-        <p:fade/>
-      </p:transition>
-    </mc:Fallback>
-  </mc:AlternateContent>
-</p:sld>
-</file>
-
-<file path=ppt/slides/slide15.xml><?xml version="1.0" encoding="utf-8"?>
-<p:sld xmlns:a="http://schemas.openxmlformats.org/drawingml/2006/main" xmlns:r="http://schemas.openxmlformats.org/officeDocument/2006/relationships" xmlns:p="http://schemas.openxmlformats.org/presentationml/2006/main">
-  <p:cSld>
-    <p:spTree>
-      <p:nvGrpSpPr>
-        <p:cNvPr id="1" name=""/>
-        <p:cNvGrpSpPr/>
-        <p:nvPr/>
-      </p:nvGrpSpPr>
-      <p:grpSpPr>
-        <a:xfrm>
-          <a:off x="0" y="0"/>
-          <a:ext cx="0" cy="0"/>
-          <a:chOff x="0" y="0"/>
-          <a:chExt cx="0" cy="0"/>
-        </a:xfrm>
-      </p:grpSpPr>
-      <p:sp>
-        <p:nvSpPr>
-          <p:cNvPr id="5" name="TextBox 4">
-            <a:extLst>
-              <a:ext uri="{FF2B5EF4-FFF2-40B4-BE49-F238E27FC236}">
-                <a16:creationId xmlns:a16="http://schemas.microsoft.com/office/drawing/2014/main" id="{202BF5D3-E0FE-421D-887E-591AC19A8449}"/>
-              </a:ext>
-            </a:extLst>
-          </p:cNvPr>
-          <p:cNvSpPr txBox="1"/>
-          <p:nvPr/>
-        </p:nvSpPr>
-        <p:spPr>
-          <a:xfrm>
-            <a:off x="1107743" y="2095301"/>
-            <a:ext cx="9976513" cy="2667397"/>
-          </a:xfrm>
-          <a:prstGeom prst="rect">
-            <a:avLst/>
-          </a:prstGeom>
-          <a:noFill/>
-        </p:spPr>
-        <p:txBody>
-          <a:bodyPr wrap="square">
-            <a:spAutoFit/>
-          </a:bodyPr>
-          <a:lstStyle/>
-          <a:p>
-            <a:pPr marL="0" marR="0" lvl="0" indent="0" algn="l" hangingPunct="0">
-              <a:lnSpc>
-                <a:spcPct val="100000"/>
-              </a:lnSpc>
-              <a:spcBef>
-                <a:spcPts val="0"/>
-              </a:spcBef>
-              <a:spcAft>
-                <a:spcPts val="1440"/>
-              </a:spcAft>
-              <a:buSzPct val="45000"/>
-              <a:tabLst/>
-            </a:pPr>
-            <a:r>
-              <a:rPr lang="en-US" sz="1800" b="1" i="0" u="none" strike="noStrike" kern="1200" cap="none" dirty="0">
-                <a:ln>
-                  <a:noFill/>
-                </a:ln>
-                <a:solidFill>
-                  <a:srgbClr val="4B83B5"/>
-                </a:solidFill>
-                <a:latin typeface="Arial" pitchFamily="34"/>
-                <a:ea typeface="Arial" pitchFamily="34"/>
-                <a:cs typeface="Arial" pitchFamily="34"/>
-              </a:rPr>
-              <a:t>Allen Newell</a:t>
-            </a:r>
-            <a:r>
-              <a:rPr lang="en-US" sz="1800" b="0" i="0" u="none" strike="noStrike" kern="1200" cap="none" dirty="0">
-                <a:ln>
-                  <a:noFill/>
-                </a:ln>
-                <a:solidFill>
-                  <a:srgbClr val="4B83B5"/>
-                </a:solidFill>
-                <a:latin typeface="Arial" pitchFamily="34"/>
-                <a:ea typeface="Arial" pitchFamily="34"/>
-                <a:cs typeface="Arial" pitchFamily="34"/>
-              </a:rPr>
-              <a:t> </a:t>
-            </a:r>
-            <a:r>
-              <a:rPr lang="en-US" sz="1800" b="0" i="0" u="none" strike="noStrike" kern="1200" cap="none" dirty="0">
-                <a:ln>
-                  <a:noFill/>
-                </a:ln>
-                <a:latin typeface="Arial" pitchFamily="34"/>
-                <a:ea typeface="Arial" pitchFamily="34"/>
-                <a:cs typeface="Arial" pitchFamily="34"/>
-              </a:rPr>
-              <a:t>(1990): An intelligent system “operates in real-time; exploits vast amounts of knowledge; tolerates erroneous, unexpected, and possibly unknown inputs; uses symbols and abstractions; communicates using some form of natural language; learns from the environment; and exhibits adaptive goal-oriented behavior.”</a:t>
-            </a:r>
-          </a:p>
-          <a:p>
-            <a:pPr marL="0" marR="0" lvl="0" indent="0" algn="l" hangingPunct="0">
-              <a:lnSpc>
-                <a:spcPct val="100000"/>
-              </a:lnSpc>
-              <a:spcBef>
-                <a:spcPts val="0"/>
-              </a:spcBef>
-              <a:spcAft>
-                <a:spcPts val="1440"/>
-              </a:spcAft>
-              <a:buSzPct val="45000"/>
-              <a:tabLst/>
-            </a:pPr>
-            <a:endParaRPr lang="en-US" sz="1800" b="0" i="0" u="none" strike="noStrike" kern="1200" cap="none" dirty="0">
-              <a:ln>
-                <a:noFill/>
-              </a:ln>
-              <a:latin typeface="Arial" pitchFamily="34"/>
-              <a:ea typeface="Arial" pitchFamily="34"/>
-              <a:cs typeface="Arial" pitchFamily="34"/>
-            </a:endParaRPr>
-          </a:p>
-          <a:p>
-            <a:pPr marL="0" marR="0" lvl="0" indent="0" algn="l" hangingPunct="0">
-              <a:lnSpc>
-                <a:spcPct val="100000"/>
-              </a:lnSpc>
-              <a:spcBef>
-                <a:spcPts val="0"/>
-              </a:spcBef>
-              <a:spcAft>
-                <a:spcPts val="1440"/>
-              </a:spcAft>
-              <a:buSzPct val="45000"/>
-              <a:tabLst/>
-            </a:pPr>
-            <a:r>
-              <a:rPr lang="en-US" sz="1800" b="1" i="0" u="none" strike="noStrike" kern="1200" cap="none" dirty="0">
-                <a:ln>
-                  <a:noFill/>
-                </a:ln>
-                <a:solidFill>
-                  <a:srgbClr val="4B83B5"/>
-                </a:solidFill>
-                <a:latin typeface="Arial" pitchFamily="34"/>
-                <a:ea typeface="Arial" pitchFamily="34"/>
-                <a:cs typeface="Arial" pitchFamily="34"/>
-              </a:rPr>
-              <a:t>Ray Kurzweil</a:t>
-            </a:r>
-            <a:r>
-              <a:rPr lang="en-US" sz="1800" b="0" i="0" u="none" strike="noStrike" kern="1200" cap="none" dirty="0">
-                <a:ln>
-                  <a:noFill/>
-                </a:ln>
-                <a:solidFill>
-                  <a:srgbClr val="4B83B5"/>
-                </a:solidFill>
-                <a:latin typeface="Arial" pitchFamily="34"/>
-                <a:ea typeface="Arial" pitchFamily="34"/>
-                <a:cs typeface="Arial" pitchFamily="34"/>
-              </a:rPr>
-              <a:t> </a:t>
-            </a:r>
-            <a:r>
-              <a:rPr lang="en-US" sz="1800" b="0" i="0" u="none" strike="noStrike" kern="1200" cap="none" dirty="0">
-                <a:ln>
-                  <a:noFill/>
-                </a:ln>
-                <a:latin typeface="Arial" pitchFamily="34"/>
-                <a:ea typeface="Arial" pitchFamily="34"/>
-                <a:cs typeface="Arial" pitchFamily="34"/>
-              </a:rPr>
-              <a:t>(1990): “In summary, there appears to be no </a:t>
-            </a:r>
-            <a:r>
-              <a:rPr lang="en-US" sz="1800" b="0" i="1" u="none" strike="noStrike" kern="1200" cap="none" dirty="0">
-                <a:ln>
-                  <a:noFill/>
-                </a:ln>
-                <a:latin typeface="Arial" pitchFamily="34"/>
-                <a:ea typeface="Arial" pitchFamily="34"/>
-                <a:cs typeface="Arial" pitchFamily="34"/>
-              </a:rPr>
-              <a:t>simple</a:t>
-            </a:r>
-            <a:r>
-              <a:rPr lang="en-US" sz="1800" b="0" i="0" u="none" strike="noStrike" kern="1200" cap="none" dirty="0">
-                <a:ln>
-                  <a:noFill/>
-                </a:ln>
-                <a:latin typeface="Arial" pitchFamily="34"/>
-                <a:ea typeface="Arial" pitchFamily="34"/>
-                <a:cs typeface="Arial" pitchFamily="34"/>
-              </a:rPr>
-              <a:t> definition of intelligence that is satisfactory to most observers, and most would-be definers of intelligence end up with long checklists of its attributes.”</a:t>
-            </a:r>
-          </a:p>
-        </p:txBody>
-      </p:sp>
-    </p:spTree>
-    <p:extLst>
-      <p:ext uri="{BB962C8B-B14F-4D97-AF65-F5344CB8AC3E}">
-        <p14:creationId xmlns:p14="http://schemas.microsoft.com/office/powerpoint/2010/main" val="2498052185"/>
       </p:ext>
     </p:extLst>
   </p:cSld>
@@ -8403,34 +8582,33 @@
       </p:grpSpPr>
       <p:sp>
         <p:nvSpPr>
-          <p:cNvPr id="4" name="Title 1">
+          <p:cNvPr id="5" name="TextBox 4">
             <a:extLst>
               <a:ext uri="{FF2B5EF4-FFF2-40B4-BE49-F238E27FC236}">
-                <a16:creationId xmlns:a16="http://schemas.microsoft.com/office/drawing/2014/main" id="{6680213F-0526-4F87-BFD0-77AFE4C83667}"/>
+                <a16:creationId xmlns:a16="http://schemas.microsoft.com/office/drawing/2014/main" id="{202BF5D3-E0FE-421D-887E-591AC19A8449}"/>
               </a:ext>
             </a:extLst>
           </p:cNvPr>
-          <p:cNvSpPr>
-            <a:spLocks noGrp="1"/>
-          </p:cNvSpPr>
-          <p:nvPr>
-            <p:ph type="title"/>
-          </p:nvPr>
+          <p:cNvSpPr txBox="1"/>
+          <p:nvPr/>
         </p:nvSpPr>
         <p:spPr>
           <a:xfrm>
-            <a:off x="0" y="271472"/>
-            <a:ext cx="12192000" cy="1500188"/>
+            <a:off x="1107743" y="2095301"/>
+            <a:ext cx="9976513" cy="2667397"/>
           </a:xfrm>
+          <a:prstGeom prst="rect">
+            <a:avLst/>
+          </a:prstGeom>
           <a:noFill/>
         </p:spPr>
         <p:txBody>
-          <a:bodyPr>
-            <a:normAutofit/>
+          <a:bodyPr wrap="square">
+            <a:spAutoFit/>
           </a:bodyPr>
           <a:lstStyle/>
           <a:p>
-            <a:pPr marL="0" marR="0" lvl="0" indent="0" algn="ctr" hangingPunct="0">
+            <a:pPr marL="0" marR="0" lvl="0" indent="0" algn="l" hangingPunct="0">
               <a:lnSpc>
                 <a:spcPct val="100000"/>
               </a:lnSpc>
@@ -8440,131 +8618,146 @@
               <a:spcAft>
                 <a:spcPts val="1440"/>
               </a:spcAft>
-              <a:buNone/>
+              <a:buSzPct val="45000"/>
               <a:tabLst/>
             </a:pPr>
             <a:r>
-              <a:rPr lang="en-US" sz="2800" b="0" i="0" u="none" strike="noStrike" kern="1200" cap="none" dirty="0">
-                <a:ln>
-                  <a:noFill/>
-                </a:ln>
-                <a:latin typeface="Palatino Linotype" panose="02040502050505030304" pitchFamily="18" charset="0"/>
-                <a:ea typeface="Arial" pitchFamily="34"/>
-                <a:cs typeface="Arial" pitchFamily="34"/>
-              </a:rPr>
-              <a:t>What do you think?  What is the defining feature of “intelligence”?</a:t>
-            </a:r>
-          </a:p>
-        </p:txBody>
-      </p:sp>
-      <p:pic>
-        <p:nvPicPr>
-          <p:cNvPr id="7" name="Picture 6">
-            <a:extLst>
-              <a:ext uri="{FF2B5EF4-FFF2-40B4-BE49-F238E27FC236}">
-                <a16:creationId xmlns:a16="http://schemas.microsoft.com/office/drawing/2014/main" id="{D64AE8E3-29B7-4073-93F4-02E3DBB765A8}"/>
-              </a:ext>
-            </a:extLst>
-          </p:cNvPr>
-          <p:cNvPicPr>
-            <a:picLocks noChangeAspect="1"/>
-          </p:cNvPicPr>
-          <p:nvPr/>
-        </p:nvPicPr>
-        <p:blipFill>
-          <a:blip r:embed="rId3">
-            <a:extLst>
-              <a:ext uri="{28A0092B-C50C-407E-A947-70E740481C1C}">
-                <a14:useLocalDpi xmlns:a14="http://schemas.microsoft.com/office/drawing/2010/main" val="0"/>
-              </a:ext>
-            </a:extLst>
-          </a:blip>
-          <a:stretch>
-            <a:fillRect/>
-          </a:stretch>
-        </p:blipFill>
-        <p:spPr>
-          <a:xfrm>
-            <a:off x="191238" y="2018319"/>
-            <a:ext cx="11809523" cy="4825397"/>
-          </a:xfrm>
-          <a:prstGeom prst="rect">
-            <a:avLst/>
-          </a:prstGeom>
-        </p:spPr>
-      </p:pic>
-      <p:sp>
-        <p:nvSpPr>
-          <p:cNvPr id="5" name="TextBox 4">
-            <a:extLst>
-              <a:ext uri="{FF2B5EF4-FFF2-40B4-BE49-F238E27FC236}">
-                <a16:creationId xmlns:a16="http://schemas.microsoft.com/office/drawing/2014/main" id="{38313A4B-4189-4EC0-A3D0-505C6303CCF9}"/>
-              </a:ext>
-            </a:extLst>
-          </p:cNvPr>
-          <p:cNvSpPr txBox="1"/>
-          <p:nvPr/>
-        </p:nvSpPr>
-        <p:spPr>
-          <a:xfrm>
-            <a:off x="0" y="6550223"/>
-            <a:ext cx="12192000" cy="523220"/>
-          </a:xfrm>
-          <a:prstGeom prst="rect">
-            <a:avLst/>
-          </a:prstGeom>
-          <a:noFill/>
-        </p:spPr>
-        <p:txBody>
-          <a:bodyPr wrap="square" rtlCol="0">
-            <a:spAutoFit/>
-          </a:bodyPr>
-          <a:lstStyle/>
-          <a:p>
-            <a:r>
-              <a:rPr lang="en-US" sz="1400" dirty="0">
-                <a:solidFill>
-                  <a:schemeClr val="tx1">
-                    <a:lumMod val="65000"/>
-                    <a:lumOff val="35000"/>
-                  </a:schemeClr>
-                </a:solidFill>
-                <a:latin typeface="+mj-lt"/>
-                <a:ea typeface="Verdana" panose="020B0604030504040204" pitchFamily="34" charset="0"/>
-              </a:rPr>
-              <a:t>Image Credit: </a:t>
-            </a:r>
-            <a:r>
-              <a:rPr lang="en-US" sz="1400" b="0" i="0" u="none" strike="noStrike" kern="1200" cap="none" dirty="0">
+              <a:rPr lang="en-US" sz="1800" b="1" i="0" u="none" strike="noStrike" kern="1200" cap="none" dirty="0">
                 <a:ln>
                   <a:noFill/>
                 </a:ln>
                 <a:solidFill>
-                  <a:schemeClr val="tx1">
-                    <a:lumMod val="65000"/>
-                    <a:lumOff val="35000"/>
-                  </a:schemeClr>
+                  <a:srgbClr val="4B83B5"/>
                 </a:solidFill>
-                <a:latin typeface="+mj-lt"/>
+                <a:latin typeface="Arial" pitchFamily="34"/>
                 <a:ea typeface="Arial" pitchFamily="34"/>
                 <a:cs typeface="Arial" pitchFamily="34"/>
               </a:rPr>
-              <a:t>https://worqiq.com/2018/09/open-to-think-pure-thinking-power/</a:t>
-            </a:r>
-          </a:p>
-          <a:p>
-            <a:r>
-              <a:rPr lang="en-US" sz="1400" dirty="0">
+              <a:t>Allen Newell</a:t>
+            </a:r>
+            <a:r>
+              <a:rPr lang="en-US" sz="1800" b="0" i="0" u="none" strike="noStrike" kern="1200" cap="none" dirty="0">
+                <a:ln>
+                  <a:noFill/>
+                </a:ln>
                 <a:solidFill>
-                  <a:schemeClr val="tx1">
-                    <a:lumMod val="65000"/>
-                    <a:lumOff val="35000"/>
-                  </a:schemeClr>
+                  <a:srgbClr val="4B83B5"/>
                 </a:solidFill>
-                <a:latin typeface="+mj-lt"/>
-                <a:ea typeface="Verdana" panose="020B0604030504040204" pitchFamily="34" charset="0"/>
+                <a:latin typeface="Arial" pitchFamily="34"/>
+                <a:ea typeface="Arial" pitchFamily="34"/>
+                <a:cs typeface="Arial" pitchFamily="34"/>
               </a:rPr>
               <a:t> </a:t>
+            </a:r>
+            <a:r>
+              <a:rPr lang="en-US" sz="1800" b="0" i="0" u="none" strike="noStrike" kern="1200" cap="none" dirty="0">
+                <a:ln>
+                  <a:noFill/>
+                </a:ln>
+                <a:latin typeface="Arial" pitchFamily="34"/>
+                <a:ea typeface="Arial" pitchFamily="34"/>
+                <a:cs typeface="Arial" pitchFamily="34"/>
+              </a:rPr>
+              <a:t>(1990): An intelligent system “operates in real-time; exploits vast amounts of knowledge; tolerates erroneous, unexpected, and possibly unknown inputs; uses symbols and abstractions; communicates using some form of natural language; learns from the environment; and exhibits adaptive goal-oriented behavior.”</a:t>
+            </a:r>
+          </a:p>
+          <a:p>
+            <a:pPr marL="0" marR="0" lvl="0" indent="0" algn="l" hangingPunct="0">
+              <a:lnSpc>
+                <a:spcPct val="100000"/>
+              </a:lnSpc>
+              <a:spcBef>
+                <a:spcPts val="0"/>
+              </a:spcBef>
+              <a:spcAft>
+                <a:spcPts val="1440"/>
+              </a:spcAft>
+              <a:buSzPct val="45000"/>
+              <a:tabLst/>
+            </a:pPr>
+            <a:endParaRPr lang="en-US" sz="1800" b="0" i="0" u="none" strike="noStrike" kern="1200" cap="none" dirty="0">
+              <a:ln>
+                <a:noFill/>
+              </a:ln>
+              <a:latin typeface="Arial" pitchFamily="34"/>
+              <a:ea typeface="Arial" pitchFamily="34"/>
+              <a:cs typeface="Arial" pitchFamily="34"/>
+            </a:endParaRPr>
+          </a:p>
+          <a:p>
+            <a:pPr marL="0" marR="0" lvl="0" indent="0" algn="l" hangingPunct="0">
+              <a:lnSpc>
+                <a:spcPct val="100000"/>
+              </a:lnSpc>
+              <a:spcBef>
+                <a:spcPts val="0"/>
+              </a:spcBef>
+              <a:spcAft>
+                <a:spcPts val="1440"/>
+              </a:spcAft>
+              <a:buSzPct val="45000"/>
+              <a:tabLst/>
+            </a:pPr>
+            <a:r>
+              <a:rPr lang="en-US" sz="1800" b="1" i="0" u="none" strike="noStrike" kern="1200" cap="none" dirty="0">
+                <a:ln>
+                  <a:noFill/>
+                </a:ln>
+                <a:solidFill>
+                  <a:srgbClr val="4B83B5"/>
+                </a:solidFill>
+                <a:latin typeface="Arial" pitchFamily="34"/>
+                <a:ea typeface="Arial" pitchFamily="34"/>
+                <a:cs typeface="Arial" pitchFamily="34"/>
+              </a:rPr>
+              <a:t>Ray Kurzweil</a:t>
+            </a:r>
+            <a:r>
+              <a:rPr lang="en-US" sz="1800" b="0" i="0" u="none" strike="noStrike" kern="1200" cap="none" dirty="0">
+                <a:ln>
+                  <a:noFill/>
+                </a:ln>
+                <a:solidFill>
+                  <a:srgbClr val="4B83B5"/>
+                </a:solidFill>
+                <a:latin typeface="Arial" pitchFamily="34"/>
+                <a:ea typeface="Arial" pitchFamily="34"/>
+                <a:cs typeface="Arial" pitchFamily="34"/>
+              </a:rPr>
+              <a:t> </a:t>
+            </a:r>
+            <a:r>
+              <a:rPr lang="en-US" sz="1800" b="0" i="0" u="none" strike="noStrike" kern="1200" cap="none" dirty="0">
+                <a:ln>
+                  <a:noFill/>
+                </a:ln>
+                <a:latin typeface="Arial" pitchFamily="34"/>
+                <a:ea typeface="Arial" pitchFamily="34"/>
+                <a:cs typeface="Arial" pitchFamily="34"/>
+              </a:rPr>
+              <a:t>(1990): “In summary, there appears to be no </a:t>
+            </a:r>
+            <a:r>
+              <a:rPr lang="en-US" sz="1800" b="0" i="1" u="none" strike="noStrike" kern="1200" cap="none" dirty="0">
+                <a:ln>
+                  <a:noFill/>
+                </a:ln>
+                <a:latin typeface="Arial" pitchFamily="34"/>
+                <a:ea typeface="Arial" pitchFamily="34"/>
+                <a:cs typeface="Arial" pitchFamily="34"/>
+              </a:rPr>
+              <a:t>simple</a:t>
+            </a:r>
+            <a:r>
+              <a:rPr lang="en-US" sz="1800" b="0" i="0" u="none" strike="noStrike" kern="1200" cap="none" dirty="0">
+                <a:ln>
+                  <a:noFill/>
+                </a:ln>
+                <a:latin typeface="Arial" pitchFamily="34"/>
+                <a:ea typeface="Arial" pitchFamily="34"/>
+                <a:cs typeface="Arial" pitchFamily="34"/>
+              </a:rPr>
+              <a:t> definition of intelligence that is satisfactory to most observers, and most would-be definers of intelligence end up with long checklists of its attributes.”</a:t>
             </a:r>
           </a:p>
         </p:txBody>
@@ -8572,7 +8765,7 @@
     </p:spTree>
     <p:extLst>
       <p:ext uri="{BB962C8B-B14F-4D97-AF65-F5344CB8AC3E}">
-        <p14:creationId xmlns:p14="http://schemas.microsoft.com/office/powerpoint/2010/main" val="2600672581"/>
+        <p14:creationId xmlns:p14="http://schemas.microsoft.com/office/powerpoint/2010/main" val="2498052185"/>
       </p:ext>
     </p:extLst>
   </p:cSld>
@@ -8611,21 +8804,75 @@
           <a:chExt cx="0" cy="0"/>
         </a:xfrm>
       </p:grpSpPr>
+      <p:sp>
+        <p:nvSpPr>
+          <p:cNvPr id="4" name="Title 1">
+            <a:extLst>
+              <a:ext uri="{FF2B5EF4-FFF2-40B4-BE49-F238E27FC236}">
+                <a16:creationId xmlns:a16="http://schemas.microsoft.com/office/drawing/2014/main" id="{6680213F-0526-4F87-BFD0-77AFE4C83667}"/>
+              </a:ext>
+            </a:extLst>
+          </p:cNvPr>
+          <p:cNvSpPr>
+            <a:spLocks noGrp="1"/>
+          </p:cNvSpPr>
+          <p:nvPr>
+            <p:ph type="title"/>
+          </p:nvPr>
+        </p:nvSpPr>
+        <p:spPr>
+          <a:xfrm>
+            <a:off x="0" y="271472"/>
+            <a:ext cx="12192000" cy="1500188"/>
+          </a:xfrm>
+          <a:noFill/>
+        </p:spPr>
+        <p:txBody>
+          <a:bodyPr>
+            <a:normAutofit/>
+          </a:bodyPr>
+          <a:lstStyle/>
+          <a:p>
+            <a:pPr marL="0" marR="0" lvl="0" indent="0" algn="ctr" hangingPunct="0">
+              <a:lnSpc>
+                <a:spcPct val="100000"/>
+              </a:lnSpc>
+              <a:spcBef>
+                <a:spcPts val="0"/>
+              </a:spcBef>
+              <a:spcAft>
+                <a:spcPts val="1440"/>
+              </a:spcAft>
+              <a:buNone/>
+              <a:tabLst/>
+            </a:pPr>
+            <a:r>
+              <a:rPr lang="en-US" sz="2800" b="0" i="0" u="none" strike="noStrike" kern="1200" cap="none" dirty="0">
+                <a:ln>
+                  <a:noFill/>
+                </a:ln>
+                <a:latin typeface="Palatino Linotype" panose="02040502050505030304" pitchFamily="18" charset="0"/>
+                <a:ea typeface="Arial" pitchFamily="34"/>
+                <a:cs typeface="Arial" pitchFamily="34"/>
+              </a:rPr>
+              <a:t>What do you think?  What is the defining feature of “intelligence”?</a:t>
+            </a:r>
+          </a:p>
+        </p:txBody>
+      </p:sp>
       <p:pic>
         <p:nvPicPr>
-          <p:cNvPr id="6" name="Content Placeholder 5">
+          <p:cNvPr id="7" name="Picture 6">
             <a:extLst>
               <a:ext uri="{FF2B5EF4-FFF2-40B4-BE49-F238E27FC236}">
-                <a16:creationId xmlns:a16="http://schemas.microsoft.com/office/drawing/2014/main" id="{0F37756A-9B35-4F19-B2A5-2E41774808F9}"/>
+                <a16:creationId xmlns:a16="http://schemas.microsoft.com/office/drawing/2014/main" id="{D64AE8E3-29B7-4073-93F4-02E3DBB765A8}"/>
               </a:ext>
             </a:extLst>
           </p:cNvPr>
           <p:cNvPicPr>
-            <a:picLocks noGrp="1" noChangeAspect="1"/>
+            <a:picLocks noChangeAspect="1"/>
           </p:cNvPicPr>
-          <p:nvPr>
-            <p:ph idx="1"/>
-          </p:nvPr>
+          <p:nvPr/>
         </p:nvPicPr>
         <p:blipFill>
           <a:blip r:embed="rId3">
@@ -8641,17 +8888,20 @@
         </p:blipFill>
         <p:spPr>
           <a:xfrm>
-            <a:off x="4645908" y="1900858"/>
-            <a:ext cx="2900183" cy="3056284"/>
+            <a:off x="191238" y="2018319"/>
+            <a:ext cx="11809523" cy="4825397"/>
           </a:xfrm>
+          <a:prstGeom prst="rect">
+            <a:avLst/>
+          </a:prstGeom>
         </p:spPr>
       </p:pic>
       <p:sp>
         <p:nvSpPr>
-          <p:cNvPr id="3" name="TextBox 2">
+          <p:cNvPr id="5" name="TextBox 4">
             <a:extLst>
               <a:ext uri="{FF2B5EF4-FFF2-40B4-BE49-F238E27FC236}">
-                <a16:creationId xmlns:a16="http://schemas.microsoft.com/office/drawing/2014/main" id="{B4D9A26C-FC21-4659-AAC5-142DB285F178}"/>
+                <a16:creationId xmlns:a16="http://schemas.microsoft.com/office/drawing/2014/main" id="{38313A4B-4189-4EC0-A3D0-505C6303CCF9}"/>
               </a:ext>
             </a:extLst>
           </p:cNvPr>
@@ -8661,7 +8911,7 @@
         <p:spPr>
           <a:xfrm>
             <a:off x="0" y="6550223"/>
-            <a:ext cx="12192000" cy="307777"/>
+            <a:ext cx="12192000" cy="523220"/>
           </a:xfrm>
           <a:prstGeom prst="rect">
             <a:avLst/>
@@ -8674,9 +8924,6 @@
           </a:bodyPr>
           <a:lstStyle/>
           <a:p>
-            <a:pPr marL="0" indent="0">
-              <a:buNone/>
-            </a:pPr>
             <a:r>
               <a:rPr lang="en-US" sz="1400" dirty="0">
                 <a:solidFill>
@@ -8691,7 +8938,10 @@
               <a:t>Image Credit: </a:t>
             </a:r>
             <a:r>
-              <a:rPr lang="en-US" sz="1400" b="0" dirty="0">
+              <a:rPr lang="en-US" sz="1400" b="0" i="0" u="none" strike="noStrike" kern="1200" cap="none" dirty="0">
+                <a:ln>
+                  <a:noFill/>
+                </a:ln>
                 <a:solidFill>
                   <a:schemeClr val="tx1">
                     <a:lumMod val="65000"/>
@@ -8699,43 +8949,25 @@
                   </a:schemeClr>
                 </a:solidFill>
                 <a:latin typeface="+mj-lt"/>
+                <a:ea typeface="Arial" pitchFamily="34"/>
+                <a:cs typeface="Arial" pitchFamily="34"/>
               </a:rPr>
-              <a:t>https://www.dreamstime.com/alan-turing-famous-vector-sketch-portrait-isolated-image189405803</a:t>
-            </a:r>
-          </a:p>
-        </p:txBody>
-      </p:sp>
-      <p:sp>
-        <p:nvSpPr>
-          <p:cNvPr id="4" name="TextBox 3">
-            <a:extLst>
-              <a:ext uri="{FF2B5EF4-FFF2-40B4-BE49-F238E27FC236}">
-                <a16:creationId xmlns:a16="http://schemas.microsoft.com/office/drawing/2014/main" id="{7CC0C968-FC43-5749-D5CC-A1728B3AC5C8}"/>
-              </a:ext>
-            </a:extLst>
-          </p:cNvPr>
-          <p:cNvSpPr txBox="1"/>
-          <p:nvPr/>
-        </p:nvSpPr>
-        <p:spPr>
-          <a:xfrm>
-            <a:off x="5395962" y="5515347"/>
-            <a:ext cx="1686764" cy="473423"/>
-          </a:xfrm>
-          <a:prstGeom prst="rect">
-            <a:avLst/>
-          </a:prstGeom>
-          <a:noFill/>
-        </p:spPr>
-        <p:txBody>
-          <a:bodyPr wrap="square" rtlCol="0">
-            <a:spAutoFit/>
-          </a:bodyPr>
-          <a:lstStyle/>
-          <a:p>
-            <a:r>
-              <a:rPr lang="en-US" sz="2400" dirty="0"/>
-              <a:t>Alan Turing</a:t>
+              <a:t>https://worqiq.com/2018/09/open-to-think-pure-thinking-power/</a:t>
+            </a:r>
+          </a:p>
+          <a:p>
+            <a:r>
+              <a:rPr lang="en-US" sz="1400" dirty="0">
+                <a:solidFill>
+                  <a:schemeClr val="tx1">
+                    <a:lumMod val="65000"/>
+                    <a:lumOff val="35000"/>
+                  </a:schemeClr>
+                </a:solidFill>
+                <a:latin typeface="+mj-lt"/>
+                <a:ea typeface="Verdana" panose="020B0604030504040204" pitchFamily="34" charset="0"/>
+              </a:rPr>
+              <a:t> </a:t>
             </a:r>
           </a:p>
         </p:txBody>
@@ -8743,7 +8975,7 @@
     </p:spTree>
     <p:extLst>
       <p:ext uri="{BB962C8B-B14F-4D97-AF65-F5344CB8AC3E}">
-        <p14:creationId xmlns:p14="http://schemas.microsoft.com/office/powerpoint/2010/main" val="3529707185"/>
+        <p14:creationId xmlns:p14="http://schemas.microsoft.com/office/powerpoint/2010/main" val="2600672581"/>
       </p:ext>
     </p:extLst>
   </p:cSld>
@@ -8784,17 +9016,19 @@
       </p:grpSpPr>
       <p:pic>
         <p:nvPicPr>
-          <p:cNvPr id="11" name="Picture 10" descr="Timeline&#10;&#10;Description automatically generated">
+          <p:cNvPr id="6" name="Content Placeholder 5">
             <a:extLst>
               <a:ext uri="{FF2B5EF4-FFF2-40B4-BE49-F238E27FC236}">
-                <a16:creationId xmlns:a16="http://schemas.microsoft.com/office/drawing/2014/main" id="{1B1F8104-0AF1-4BDA-AACA-CAB442AE7B83}"/>
+                <a16:creationId xmlns:a16="http://schemas.microsoft.com/office/drawing/2014/main" id="{0F37756A-9B35-4F19-B2A5-2E41774808F9}"/>
               </a:ext>
             </a:extLst>
           </p:cNvPr>
           <p:cNvPicPr>
-            <a:picLocks noChangeAspect="1"/>
+            <a:picLocks noGrp="1" noChangeAspect="1"/>
           </p:cNvPicPr>
-          <p:nvPr/>
+          <p:nvPr>
+            <p:ph idx="1"/>
+          </p:nvPr>
         </p:nvPicPr>
         <p:blipFill>
           <a:blip r:embed="rId3">
@@ -8810,27 +9044,9 @@
         </p:blipFill>
         <p:spPr>
           <a:xfrm>
-            <a:off x="1570120" y="484354"/>
-            <a:ext cx="9051760" cy="5889291"/>
+            <a:off x="4645908" y="1900858"/>
+            <a:ext cx="2900183" cy="3056284"/>
           </a:xfrm>
-          <a:prstGeom prst="rect">
-            <a:avLst/>
-          </a:prstGeom>
-          <a:ln w="3175">
-            <a:solidFill>
-              <a:schemeClr val="tx1">
-                <a:lumMod val="75000"/>
-                <a:lumOff val="25000"/>
-              </a:schemeClr>
-            </a:solidFill>
-          </a:ln>
-          <a:effectLst>
-            <a:outerShdw blurRad="50800" dist="38100" dir="2700000" algn="tl" rotWithShape="0">
-              <a:prstClr val="black">
-                <a:alpha val="40000"/>
-              </a:prstClr>
-            </a:outerShdw>
-          </a:effectLst>
         </p:spPr>
       </p:pic>
       <p:sp>
@@ -8838,7 +9054,7 @@
           <p:cNvPr id="3" name="TextBox 2">
             <a:extLst>
               <a:ext uri="{FF2B5EF4-FFF2-40B4-BE49-F238E27FC236}">
-                <a16:creationId xmlns:a16="http://schemas.microsoft.com/office/drawing/2014/main" id="{258E030E-9A33-448B-BB6F-D15B1E2CDD9A}"/>
+                <a16:creationId xmlns:a16="http://schemas.microsoft.com/office/drawing/2014/main" id="{B4D9A26C-FC21-4659-AAC5-142DB285F178}"/>
               </a:ext>
             </a:extLst>
           </p:cNvPr>
@@ -8861,6 +9077,9 @@
           </a:bodyPr>
           <a:lstStyle/>
           <a:p>
+            <a:pPr marL="0" indent="0">
+              <a:buNone/>
+            </a:pPr>
             <a:r>
               <a:rPr lang="en-US" sz="1400" dirty="0">
                 <a:solidFill>
@@ -8875,10 +9094,51 @@
               <a:t>Image Credit: </a:t>
             </a:r>
             <a:r>
-              <a:rPr lang="en-US" sz="1400" dirty="0">
+              <a:rPr lang="en-US" sz="1400" b="0" dirty="0">
+                <a:solidFill>
+                  <a:schemeClr val="tx1">
+                    <a:lumMod val="65000"/>
+                    <a:lumOff val="35000"/>
+                  </a:schemeClr>
+                </a:solidFill>
                 <a:latin typeface="+mj-lt"/>
               </a:rPr>
-              <a:t>https://searchenterpriseai.techtarget.com/definition/Turing-test</a:t>
+              <a:t>https://www.dreamstime.com/alan-turing-famous-vector-sketch-portrait-isolated-image189405803</a:t>
+            </a:r>
+          </a:p>
+        </p:txBody>
+      </p:sp>
+      <p:sp>
+        <p:nvSpPr>
+          <p:cNvPr id="4" name="TextBox 3">
+            <a:extLst>
+              <a:ext uri="{FF2B5EF4-FFF2-40B4-BE49-F238E27FC236}">
+                <a16:creationId xmlns:a16="http://schemas.microsoft.com/office/drawing/2014/main" id="{7CC0C968-FC43-5749-D5CC-A1728B3AC5C8}"/>
+              </a:ext>
+            </a:extLst>
+          </p:cNvPr>
+          <p:cNvSpPr txBox="1"/>
+          <p:nvPr/>
+        </p:nvSpPr>
+        <p:spPr>
+          <a:xfrm>
+            <a:off x="5395962" y="5515347"/>
+            <a:ext cx="1686764" cy="473423"/>
+          </a:xfrm>
+          <a:prstGeom prst="rect">
+            <a:avLst/>
+          </a:prstGeom>
+          <a:noFill/>
+        </p:spPr>
+        <p:txBody>
+          <a:bodyPr wrap="square" rtlCol="0">
+            <a:spAutoFit/>
+          </a:bodyPr>
+          <a:lstStyle/>
+          <a:p>
+            <a:r>
+              <a:rPr lang="en-US" sz="2400" dirty="0"/>
+              <a:t>Alan Turing</a:t>
             </a:r>
           </a:p>
         </p:txBody>
@@ -8886,7 +9146,7 @@
     </p:spTree>
     <p:extLst>
       <p:ext uri="{BB962C8B-B14F-4D97-AF65-F5344CB8AC3E}">
-        <p14:creationId xmlns:p14="http://schemas.microsoft.com/office/powerpoint/2010/main" val="2172348735"/>
+        <p14:creationId xmlns:p14="http://schemas.microsoft.com/office/powerpoint/2010/main" val="3529707185"/>
       </p:ext>
     </p:extLst>
   </p:cSld>
@@ -8925,24 +9185,73 @@
           <a:chExt cx="0" cy="0"/>
         </a:xfrm>
       </p:grpSpPr>
-      <p:sp>
-        <p:nvSpPr>
-          <p:cNvPr id="8" name="Title 1">
+      <p:pic>
+        <p:nvPicPr>
+          <p:cNvPr id="11" name="Picture 10" descr="Timeline&#10;&#10;Description automatically generated">
             <a:extLst>
               <a:ext uri="{FF2B5EF4-FFF2-40B4-BE49-F238E27FC236}">
-                <a16:creationId xmlns:a16="http://schemas.microsoft.com/office/drawing/2014/main" id="{16C8D218-2D56-40BC-AC60-89E854D3E63B}"/>
+                <a16:creationId xmlns:a16="http://schemas.microsoft.com/office/drawing/2014/main" id="{1B1F8104-0AF1-4BDA-AACA-CAB442AE7B83}"/>
               </a:ext>
             </a:extLst>
           </p:cNvPr>
-          <p:cNvSpPr txBox="1">
-            <a:spLocks/>
-          </p:cNvSpPr>
+          <p:cNvPicPr>
+            <a:picLocks noChangeAspect="1"/>
+          </p:cNvPicPr>
           <p:nvPr/>
-        </p:nvSpPr>
+        </p:nvPicPr>
+        <p:blipFill>
+          <a:blip r:embed="rId3">
+            <a:extLst>
+              <a:ext uri="{28A0092B-C50C-407E-A947-70E740481C1C}">
+                <a14:useLocalDpi xmlns:a14="http://schemas.microsoft.com/office/drawing/2010/main" val="0"/>
+              </a:ext>
+            </a:extLst>
+          </a:blip>
+          <a:stretch>
+            <a:fillRect/>
+          </a:stretch>
+        </p:blipFill>
         <p:spPr>
           <a:xfrm>
-            <a:off x="838200" y="2678906"/>
-            <a:ext cx="10515600" cy="1500188"/>
+            <a:off x="1570120" y="484354"/>
+            <a:ext cx="9051760" cy="5889291"/>
+          </a:xfrm>
+          <a:prstGeom prst="rect">
+            <a:avLst/>
+          </a:prstGeom>
+          <a:ln w="3175">
+            <a:solidFill>
+              <a:schemeClr val="tx1">
+                <a:lumMod val="75000"/>
+                <a:lumOff val="25000"/>
+              </a:schemeClr>
+            </a:solidFill>
+          </a:ln>
+          <a:effectLst>
+            <a:outerShdw blurRad="50800" dist="38100" dir="2700000" algn="tl" rotWithShape="0">
+              <a:prstClr val="black">
+                <a:alpha val="40000"/>
+              </a:prstClr>
+            </a:outerShdw>
+          </a:effectLst>
+        </p:spPr>
+      </p:pic>
+      <p:sp>
+        <p:nvSpPr>
+          <p:cNvPr id="3" name="TextBox 2">
+            <a:extLst>
+              <a:ext uri="{FF2B5EF4-FFF2-40B4-BE49-F238E27FC236}">
+                <a16:creationId xmlns:a16="http://schemas.microsoft.com/office/drawing/2014/main" id="{258E030E-9A33-448B-BB6F-D15B1E2CDD9A}"/>
+              </a:ext>
+            </a:extLst>
+          </p:cNvPr>
+          <p:cNvSpPr txBox="1"/>
+          <p:nvPr/>
+        </p:nvSpPr>
+        <p:spPr>
+          <a:xfrm>
+            <a:off x="0" y="6550223"/>
+            <a:ext cx="12192000" cy="307777"/>
           </a:xfrm>
           <a:prstGeom prst="rect">
             <a:avLst/>
@@ -8950,72 +9259,37 @@
           <a:noFill/>
         </p:spPr>
         <p:txBody>
-          <a:bodyPr vert="horz" lIns="91440" tIns="45720" rIns="91440" bIns="45720" rtlCol="0" anchor="ctr">
-            <a:normAutofit/>
+          <a:bodyPr wrap="square" rtlCol="0">
+            <a:spAutoFit/>
           </a:bodyPr>
-          <a:lstStyle>
-            <a:lvl1pPr algn="l" defTabSz="914400" rtl="0" eaLnBrk="1" latinLnBrk="0" hangingPunct="1">
-              <a:lnSpc>
-                <a:spcPct val="90000"/>
-              </a:lnSpc>
-              <a:spcBef>
-                <a:spcPct val="0"/>
-              </a:spcBef>
-              <a:buNone/>
-              <a:defRPr sz="4400" kern="1200">
+          <a:lstStyle/>
+          <a:p>
+            <a:r>
+              <a:rPr lang="en-US" sz="1400" dirty="0">
                 <a:solidFill>
-                  <a:schemeClr val="tx1"/>
+                  <a:schemeClr val="tx1">
+                    <a:lumMod val="65000"/>
+                    <a:lumOff val="35000"/>
+                  </a:schemeClr>
                 </a:solidFill>
                 <a:latin typeface="+mj-lt"/>
-                <a:ea typeface="+mj-ea"/>
-                <a:cs typeface="+mj-cs"/>
-              </a:defRPr>
-            </a:lvl1pPr>
-          </a:lstStyle>
-          <a:p>
-            <a:pPr algn="ctr"/>
-            <a:r>
-              <a:rPr lang="en-US" sz="5400" dirty="0">
-                <a:solidFill>
-                  <a:srgbClr val="30335C"/>
-                </a:solidFill>
-                <a:latin typeface="Palatino Linotype" panose="02040502050505030304" pitchFamily="18" charset="0"/>
-                <a:cs typeface="Segoe UI Light" panose="020B0502040204020203" pitchFamily="34" charset="0"/>
+                <a:ea typeface="Verdana" panose="020B0604030504040204" pitchFamily="34" charset="0"/>
               </a:rPr>
-              <a:t>ELIZA</a:t>
-            </a:r>
-          </a:p>
-        </p:txBody>
-      </p:sp>
-      <p:sp>
-        <p:nvSpPr>
-          <p:cNvPr id="5" name="Title 4">
-            <a:extLst>
-              <a:ext uri="{FF2B5EF4-FFF2-40B4-BE49-F238E27FC236}">
-                <a16:creationId xmlns:a16="http://schemas.microsoft.com/office/drawing/2014/main" id="{D2C58B67-0AB1-4C0E-9AC7-05C4FEFA7EDA}"/>
-              </a:ext>
-            </a:extLst>
-          </p:cNvPr>
-          <p:cNvSpPr>
-            <a:spLocks noGrp="1"/>
-          </p:cNvSpPr>
-          <p:nvPr>
-            <p:ph type="title"/>
-          </p:nvPr>
-        </p:nvSpPr>
-        <p:spPr/>
-        <p:txBody>
-          <a:bodyPr/>
-          <a:lstStyle/>
-          <a:p>
-            <a:endParaRPr lang="en-US"/>
+              <a:t>Image Credit: </a:t>
+            </a:r>
+            <a:r>
+              <a:rPr lang="en-US" sz="1400" dirty="0">
+                <a:latin typeface="+mj-lt"/>
+              </a:rPr>
+              <a:t>https://searchenterpriseai.techtarget.com/definition/Turing-test</a:t>
+            </a:r>
           </a:p>
         </p:txBody>
       </p:sp>
     </p:spTree>
     <p:extLst>
       <p:ext uri="{BB962C8B-B14F-4D97-AF65-F5344CB8AC3E}">
-        <p14:creationId xmlns:p14="http://schemas.microsoft.com/office/powerpoint/2010/main" val="1226819478"/>
+        <p14:creationId xmlns:p14="http://schemas.microsoft.com/office/powerpoint/2010/main" val="2172348735"/>
       </p:ext>
     </p:extLst>
   </p:cSld>
@@ -9604,6 +9878,135 @@
 </file>
 
 <file path=ppt/slides/slide20.xml><?xml version="1.0" encoding="utf-8"?>
+<p:sld xmlns:a="http://schemas.openxmlformats.org/drawingml/2006/main" xmlns:r="http://schemas.openxmlformats.org/officeDocument/2006/relationships" xmlns:p="http://schemas.openxmlformats.org/presentationml/2006/main">
+  <p:cSld>
+    <p:spTree>
+      <p:nvGrpSpPr>
+        <p:cNvPr id="1" name=""/>
+        <p:cNvGrpSpPr/>
+        <p:nvPr/>
+      </p:nvGrpSpPr>
+      <p:grpSpPr>
+        <a:xfrm>
+          <a:off x="0" y="0"/>
+          <a:ext cx="0" cy="0"/>
+          <a:chOff x="0" y="0"/>
+          <a:chExt cx="0" cy="0"/>
+        </a:xfrm>
+      </p:grpSpPr>
+      <p:sp>
+        <p:nvSpPr>
+          <p:cNvPr id="8" name="Title 1">
+            <a:extLst>
+              <a:ext uri="{FF2B5EF4-FFF2-40B4-BE49-F238E27FC236}">
+                <a16:creationId xmlns:a16="http://schemas.microsoft.com/office/drawing/2014/main" id="{16C8D218-2D56-40BC-AC60-89E854D3E63B}"/>
+              </a:ext>
+            </a:extLst>
+          </p:cNvPr>
+          <p:cNvSpPr txBox="1">
+            <a:spLocks/>
+          </p:cNvSpPr>
+          <p:nvPr/>
+        </p:nvSpPr>
+        <p:spPr>
+          <a:xfrm>
+            <a:off x="838200" y="2678906"/>
+            <a:ext cx="10515600" cy="1500188"/>
+          </a:xfrm>
+          <a:prstGeom prst="rect">
+            <a:avLst/>
+          </a:prstGeom>
+          <a:noFill/>
+        </p:spPr>
+        <p:txBody>
+          <a:bodyPr vert="horz" lIns="91440" tIns="45720" rIns="91440" bIns="45720" rtlCol="0" anchor="ctr">
+            <a:normAutofit/>
+          </a:bodyPr>
+          <a:lstStyle>
+            <a:lvl1pPr algn="l" defTabSz="914400" rtl="0" eaLnBrk="1" latinLnBrk="0" hangingPunct="1">
+              <a:lnSpc>
+                <a:spcPct val="90000"/>
+              </a:lnSpc>
+              <a:spcBef>
+                <a:spcPct val="0"/>
+              </a:spcBef>
+              <a:buNone/>
+              <a:defRPr sz="4400" kern="1200">
+                <a:solidFill>
+                  <a:schemeClr val="tx1"/>
+                </a:solidFill>
+                <a:latin typeface="+mj-lt"/>
+                <a:ea typeface="+mj-ea"/>
+                <a:cs typeface="+mj-cs"/>
+              </a:defRPr>
+            </a:lvl1pPr>
+          </a:lstStyle>
+          <a:p>
+            <a:pPr algn="ctr"/>
+            <a:r>
+              <a:rPr lang="en-US" sz="5400" dirty="0">
+                <a:solidFill>
+                  <a:srgbClr val="30335C"/>
+                </a:solidFill>
+                <a:latin typeface="Palatino Linotype" panose="02040502050505030304" pitchFamily="18" charset="0"/>
+                <a:cs typeface="Segoe UI Light" panose="020B0502040204020203" pitchFamily="34" charset="0"/>
+              </a:rPr>
+              <a:t>ELIZA</a:t>
+            </a:r>
+          </a:p>
+        </p:txBody>
+      </p:sp>
+      <p:sp>
+        <p:nvSpPr>
+          <p:cNvPr id="5" name="Title 4">
+            <a:extLst>
+              <a:ext uri="{FF2B5EF4-FFF2-40B4-BE49-F238E27FC236}">
+                <a16:creationId xmlns:a16="http://schemas.microsoft.com/office/drawing/2014/main" id="{D2C58B67-0AB1-4C0E-9AC7-05C4FEFA7EDA}"/>
+              </a:ext>
+            </a:extLst>
+          </p:cNvPr>
+          <p:cNvSpPr>
+            <a:spLocks noGrp="1"/>
+          </p:cNvSpPr>
+          <p:nvPr>
+            <p:ph type="title"/>
+          </p:nvPr>
+        </p:nvSpPr>
+        <p:spPr/>
+        <p:txBody>
+          <a:bodyPr/>
+          <a:lstStyle/>
+          <a:p>
+            <a:endParaRPr lang="en-US"/>
+          </a:p>
+        </p:txBody>
+      </p:sp>
+    </p:spTree>
+    <p:extLst>
+      <p:ext uri="{BB962C8B-B14F-4D97-AF65-F5344CB8AC3E}">
+        <p14:creationId xmlns:p14="http://schemas.microsoft.com/office/powerpoint/2010/main" val="1226819478"/>
+      </p:ext>
+    </p:extLst>
+  </p:cSld>
+  <p:clrMapOvr>
+    <a:masterClrMapping/>
+  </p:clrMapOvr>
+  <mc:AlternateContent xmlns:mc="http://schemas.openxmlformats.org/markup-compatibility/2006" xmlns:p14="http://schemas.microsoft.com/office/powerpoint/2010/main">
+    <mc:Choice Requires="p14">
+      <p:transition spd="med" p14:dur="700">
+        <p:fade/>
+      </p:transition>
+    </mc:Choice>
+    <mc:Fallback xmlns="">
+      <p:transition spd="med">
+        <p:fade/>
+      </p:transition>
+    </mc:Fallback>
+  </mc:AlternateContent>
+</p:sld>
+</file>
+
+<file path=ppt/slides/slide21.xml><?xml version="1.0" encoding="utf-8"?>
 <p:sld xmlns:a="http://schemas.openxmlformats.org/drawingml/2006/main" xmlns:r="http://schemas.openxmlformats.org/officeDocument/2006/relationships" xmlns:p="http://schemas.openxmlformats.org/presentationml/2006/main">
   <p:cSld>
     <p:spTree>
@@ -10336,7 +10739,7 @@
                 <a:latin typeface="Palatino Linotype" panose="02040502050505030304" pitchFamily="18" charset="0"/>
                 <a:cs typeface="Segoe UI Light" panose="020B0502040204020203" pitchFamily="34" charset="0"/>
               </a:rPr>
-              <a:t>DL / ML Comparison</a:t>
+              <a:t>ML / DL Comparison</a:t>
             </a:r>
           </a:p>
         </p:txBody>
@@ -10355,7 +10758,7 @@
         </p:nvSpPr>
         <p:spPr>
           <a:xfrm>
-            <a:off x="6845092" y="1601708"/>
+            <a:off x="1083388" y="1651708"/>
             <a:ext cx="3673097" cy="646331"/>
           </a:xfrm>
           <a:prstGeom prst="rect">
@@ -10394,7 +10797,7 @@
         </p:nvSpPr>
         <p:spPr>
           <a:xfrm>
-            <a:off x="1084888" y="1601708"/>
+            <a:off x="6845092" y="1632704"/>
             <a:ext cx="3673097" cy="646331"/>
           </a:xfrm>
           <a:prstGeom prst="rect">
@@ -10433,7 +10836,7 @@
         </p:nvSpPr>
         <p:spPr>
           <a:xfrm>
-            <a:off x="1084888" y="2282742"/>
+            <a:off x="6845092" y="2279035"/>
             <a:ext cx="3797084" cy="584775"/>
           </a:xfrm>
           <a:prstGeom prst="rect">
@@ -10479,7 +10882,7 @@
         </p:nvSpPr>
         <p:spPr>
           <a:xfrm>
-            <a:off x="6845092" y="2248039"/>
+            <a:off x="1083388" y="2296168"/>
             <a:ext cx="3797084" cy="584775"/>
           </a:xfrm>
           <a:prstGeom prst="rect">
@@ -10525,7 +10928,7 @@
         </p:nvSpPr>
         <p:spPr>
           <a:xfrm>
-            <a:off x="1084887" y="2929072"/>
+            <a:off x="6852839" y="2927836"/>
             <a:ext cx="4262033" cy="584775"/>
           </a:xfrm>
           <a:prstGeom prst="rect">
@@ -10571,7 +10974,7 @@
         </p:nvSpPr>
         <p:spPr>
           <a:xfrm>
-            <a:off x="6845092" y="2929072"/>
+            <a:off x="1083388" y="2924266"/>
             <a:ext cx="3797084" cy="584775"/>
           </a:xfrm>
           <a:prstGeom prst="rect">
@@ -10617,7 +11020,7 @@
         </p:nvSpPr>
         <p:spPr>
           <a:xfrm>
-            <a:off x="1084887" y="3582692"/>
+            <a:off x="6845092" y="3512300"/>
             <a:ext cx="4262033" cy="584775"/>
           </a:xfrm>
           <a:prstGeom prst="rect">
@@ -10663,7 +11066,7 @@
         </p:nvSpPr>
         <p:spPr>
           <a:xfrm>
-            <a:off x="6845092" y="3579109"/>
+            <a:off x="1084888" y="3523533"/>
             <a:ext cx="4422182" cy="584775"/>
           </a:xfrm>
           <a:prstGeom prst="rect">
@@ -11041,6 +11444,173 @@
       </p:grpSpPr>
       <p:pic>
         <p:nvPicPr>
+          <p:cNvPr id="1026" name="Picture 2" descr="Bridging the reality gap between AI and Industry 4.0 | by Philip Montsho |  Becoming Human: Artificial Intelligence Magazine | Becoming Human:  Artificial Intelligence Magazine">
+            <a:extLst>
+              <a:ext uri="{FF2B5EF4-FFF2-40B4-BE49-F238E27FC236}">
+                <a16:creationId xmlns:a16="http://schemas.microsoft.com/office/drawing/2014/main" id="{1E595646-C140-E0CA-4161-9FF94CC2AC2A}"/>
+              </a:ext>
+            </a:extLst>
+          </p:cNvPr>
+          <p:cNvPicPr>
+            <a:picLocks noChangeAspect="1" noChangeArrowheads="1"/>
+          </p:cNvPicPr>
+          <p:nvPr/>
+        </p:nvPicPr>
+        <p:blipFill>
+          <a:blip r:embed="rId3">
+            <a:extLst>
+              <a:ext uri="{28A0092B-C50C-407E-A947-70E740481C1C}">
+                <a14:useLocalDpi xmlns:a14="http://schemas.microsoft.com/office/drawing/2010/main" val="0"/>
+              </a:ext>
+            </a:extLst>
+          </a:blip>
+          <a:srcRect/>
+          <a:stretch>
+            <a:fillRect/>
+          </a:stretch>
+        </p:blipFill>
+        <p:spPr bwMode="auto">
+          <a:xfrm>
+            <a:off x="924546" y="982317"/>
+            <a:ext cx="10342908" cy="4596848"/>
+          </a:xfrm>
+          <a:prstGeom prst="rect">
+            <a:avLst/>
+          </a:prstGeom>
+          <a:noFill/>
+          <a:extLst>
+            <a:ext uri="{909E8E84-426E-40DD-AFC4-6F175D3DCCD1}">
+              <a14:hiddenFill xmlns:a14="http://schemas.microsoft.com/office/drawing/2010/main">
+                <a:solidFill>
+                  <a:srgbClr val="FFFFFF"/>
+                </a:solidFill>
+              </a14:hiddenFill>
+            </a:ext>
+          </a:extLst>
+        </p:spPr>
+      </p:pic>
+      <p:sp>
+        <p:nvSpPr>
+          <p:cNvPr id="3" name="TextBox 2">
+            <a:extLst>
+              <a:ext uri="{FF2B5EF4-FFF2-40B4-BE49-F238E27FC236}">
+                <a16:creationId xmlns:a16="http://schemas.microsoft.com/office/drawing/2014/main" id="{CAF93B47-B4F3-20B1-6A44-46C92F41CC8B}"/>
+              </a:ext>
+            </a:extLst>
+          </p:cNvPr>
+          <p:cNvSpPr txBox="1"/>
+          <p:nvPr/>
+        </p:nvSpPr>
+        <p:spPr>
+          <a:xfrm>
+            <a:off x="0" y="6550223"/>
+            <a:ext cx="12192000" cy="307777"/>
+          </a:xfrm>
+          <a:prstGeom prst="rect">
+            <a:avLst/>
+          </a:prstGeom>
+          <a:noFill/>
+        </p:spPr>
+        <p:txBody>
+          <a:bodyPr wrap="square" rtlCol="0">
+            <a:spAutoFit/>
+          </a:bodyPr>
+          <a:lstStyle/>
+          <a:p>
+            <a:r>
+              <a:rPr lang="en-US" sz="1400" dirty="0">
+                <a:solidFill>
+                  <a:schemeClr val="bg2">
+                    <a:lumMod val="50000"/>
+                  </a:schemeClr>
+                </a:solidFill>
+                <a:latin typeface="+mj-lt"/>
+                <a:ea typeface="Verdana" panose="020B0604030504040204" pitchFamily="34" charset="0"/>
+              </a:rPr>
+              <a:t>Source: </a:t>
+            </a:r>
+            <a:r>
+              <a:rPr lang="en-US" sz="1400" dirty="0">
+                <a:solidFill>
+                  <a:schemeClr val="bg2">
+                    <a:lumMod val="50000"/>
+                  </a:schemeClr>
+                </a:solidFill>
+              </a:rPr>
+              <a:t>https://becominghuman.ai/a-summary-of-industry-ready-state-of-the-art-computer-vision-techniques-a7f2b893de2f</a:t>
+            </a:r>
+          </a:p>
+        </p:txBody>
+      </p:sp>
+      <p:sp>
+        <p:nvSpPr>
+          <p:cNvPr id="2" name="TextBox 1">
+            <a:extLst>
+              <a:ext uri="{FF2B5EF4-FFF2-40B4-BE49-F238E27FC236}">
+                <a16:creationId xmlns:a16="http://schemas.microsoft.com/office/drawing/2014/main" id="{B42FCFAA-38BB-0612-9738-8019802D5990}"/>
+              </a:ext>
+            </a:extLst>
+          </p:cNvPr>
+          <p:cNvSpPr txBox="1"/>
+          <p:nvPr/>
+        </p:nvSpPr>
+        <p:spPr>
+          <a:xfrm>
+            <a:off x="2000250" y="982317"/>
+            <a:ext cx="8173904" cy="584775"/>
+          </a:xfrm>
+          <a:prstGeom prst="rect">
+            <a:avLst/>
+          </a:prstGeom>
+          <a:solidFill>
+            <a:schemeClr val="bg1"/>
+          </a:solidFill>
+        </p:spPr>
+        <p:txBody>
+          <a:bodyPr wrap="none" rtlCol="0">
+            <a:spAutoFit/>
+          </a:bodyPr>
+          <a:lstStyle/>
+          <a:p>
+            <a:r>
+              <a:rPr lang="en-US" sz="3200" dirty="0"/>
+              <a:t>ILSVRC Competition Classification Error Rate (%)</a:t>
+            </a:r>
+          </a:p>
+        </p:txBody>
+      </p:sp>
+    </p:spTree>
+    <p:extLst>
+      <p:ext uri="{BB962C8B-B14F-4D97-AF65-F5344CB8AC3E}">
+        <p14:creationId xmlns:p14="http://schemas.microsoft.com/office/powerpoint/2010/main" val="418936047"/>
+      </p:ext>
+    </p:extLst>
+  </p:cSld>
+  <p:clrMapOvr>
+    <a:masterClrMapping/>
+  </p:clrMapOvr>
+</p:sld>
+</file>
+
+<file path=ppt/slides/slide7.xml><?xml version="1.0" encoding="utf-8"?>
+<p:sld xmlns:a="http://schemas.openxmlformats.org/drawingml/2006/main" xmlns:r="http://schemas.openxmlformats.org/officeDocument/2006/relationships" xmlns:p="http://schemas.openxmlformats.org/presentationml/2006/main">
+  <p:cSld>
+    <p:spTree>
+      <p:nvGrpSpPr>
+        <p:cNvPr id="1" name=""/>
+        <p:cNvGrpSpPr/>
+        <p:nvPr/>
+      </p:nvGrpSpPr>
+      <p:grpSpPr>
+        <a:xfrm>
+          <a:off x="0" y="0"/>
+          <a:ext cx="0" cy="0"/>
+          <a:chOff x="0" y="0"/>
+          <a:chExt cx="0" cy="0"/>
+        </a:xfrm>
+      </p:grpSpPr>
+      <p:pic>
+        <p:nvPicPr>
           <p:cNvPr id="1026" name="Picture 2" descr="History of AI Winters - History of AI Winters | Actuaries Digital">
             <a:extLst>
               <a:ext uri="{FF2B5EF4-FFF2-40B4-BE49-F238E27FC236}">
@@ -11164,166 +11734,6 @@
     <p:extLst>
       <p:ext uri="{BB962C8B-B14F-4D97-AF65-F5344CB8AC3E}">
         <p14:creationId xmlns:p14="http://schemas.microsoft.com/office/powerpoint/2010/main" val="3151695521"/>
-      </p:ext>
-    </p:extLst>
-  </p:cSld>
-  <p:clrMapOvr>
-    <a:masterClrMapping/>
-  </p:clrMapOvr>
-  <mc:AlternateContent xmlns:mc="http://schemas.openxmlformats.org/markup-compatibility/2006" xmlns:p14="http://schemas.microsoft.com/office/powerpoint/2010/main">
-    <mc:Choice Requires="p14">
-      <p:transition spd="med" p14:dur="700">
-        <p:fade/>
-      </p:transition>
-    </mc:Choice>
-    <mc:Fallback xmlns="">
-      <p:transition spd="med">
-        <p:fade/>
-      </p:transition>
-    </mc:Fallback>
-  </mc:AlternateContent>
-</p:sld>
-</file>
-
-<file path=ppt/slides/slide7.xml><?xml version="1.0" encoding="utf-8"?>
-<p:sld xmlns:a="http://schemas.openxmlformats.org/drawingml/2006/main" xmlns:r="http://schemas.openxmlformats.org/officeDocument/2006/relationships" xmlns:p="http://schemas.openxmlformats.org/presentationml/2006/main">
-  <p:cSld>
-    <p:spTree>
-      <p:nvGrpSpPr>
-        <p:cNvPr id="1" name=""/>
-        <p:cNvGrpSpPr/>
-        <p:nvPr/>
-      </p:nvGrpSpPr>
-      <p:grpSpPr>
-        <a:xfrm>
-          <a:off x="0" y="0"/>
-          <a:ext cx="0" cy="0"/>
-          <a:chOff x="0" y="0"/>
-          <a:chExt cx="0" cy="0"/>
-        </a:xfrm>
-      </p:grpSpPr>
-      <p:sp>
-        <p:nvSpPr>
-          <p:cNvPr id="2" name="Title 1">
-            <a:extLst>
-              <a:ext uri="{FF2B5EF4-FFF2-40B4-BE49-F238E27FC236}">
-                <a16:creationId xmlns:a16="http://schemas.microsoft.com/office/drawing/2014/main" id="{8306FF31-301F-43F0-8202-A782726E446A}"/>
-              </a:ext>
-            </a:extLst>
-          </p:cNvPr>
-          <p:cNvSpPr>
-            <a:spLocks noGrp="1"/>
-          </p:cNvSpPr>
-          <p:nvPr>
-            <p:ph type="title"/>
-          </p:nvPr>
-        </p:nvSpPr>
-        <p:spPr>
-          <a:xfrm>
-            <a:off x="618697" y="365127"/>
-            <a:ext cx="10735103" cy="827416"/>
-          </a:xfrm>
-        </p:spPr>
-        <p:txBody>
-          <a:bodyPr>
-            <a:normAutofit/>
-          </a:bodyPr>
-          <a:lstStyle/>
-          <a:p>
-            <a:pPr algn="ctr"/>
-            <a:endParaRPr lang="en-US" sz="3600" dirty="0">
-              <a:latin typeface="Palatino Linotype" panose="02040502050505030304" pitchFamily="18" charset="0"/>
-              <a:cs typeface="Segoe UI Light" panose="020B0502040204020203" pitchFamily="34" charset="0"/>
-            </a:endParaRPr>
-          </a:p>
-        </p:txBody>
-      </p:sp>
-      <p:sp>
-        <p:nvSpPr>
-          <p:cNvPr id="4" name="Content Placeholder 3">
-            <a:extLst>
-              <a:ext uri="{FF2B5EF4-FFF2-40B4-BE49-F238E27FC236}">
-                <a16:creationId xmlns:a16="http://schemas.microsoft.com/office/drawing/2014/main" id="{4E4AB757-90A1-4A72-AC15-A8FE775EA8EA}"/>
-              </a:ext>
-            </a:extLst>
-          </p:cNvPr>
-          <p:cNvSpPr>
-            <a:spLocks noGrp="1"/>
-          </p:cNvSpPr>
-          <p:nvPr>
-            <p:ph idx="1"/>
-          </p:nvPr>
-        </p:nvSpPr>
-        <p:spPr>
-          <a:xfrm>
-            <a:off x="838200" y="1490346"/>
-            <a:ext cx="10515600" cy="4351338"/>
-          </a:xfrm>
-        </p:spPr>
-        <p:txBody>
-          <a:bodyPr/>
-          <a:lstStyle/>
-          <a:p>
-            <a:pPr marL="0" indent="0">
-              <a:buNone/>
-            </a:pPr>
-            <a:endParaRPr lang="en-US" b="0" i="0" dirty="0">
-              <a:solidFill>
-                <a:srgbClr val="202122"/>
-              </a:solidFill>
-              <a:effectLst/>
-              <a:latin typeface="Palatino Linotype" panose="02040502050505030304" pitchFamily="18" charset="0"/>
-            </a:endParaRPr>
-          </a:p>
-          <a:p>
-            <a:pPr marL="0" indent="0">
-              <a:buNone/>
-            </a:pPr>
-            <a:endParaRPr lang="en-US" dirty="0">
-              <a:solidFill>
-                <a:srgbClr val="202122"/>
-              </a:solidFill>
-              <a:latin typeface="Palatino Linotype" panose="02040502050505030304" pitchFamily="18" charset="0"/>
-            </a:endParaRPr>
-          </a:p>
-          <a:p>
-            <a:pPr marL="0" indent="0">
-              <a:buNone/>
-            </a:pPr>
-            <a:r>
-              <a:rPr lang="en-US" b="0" i="0" dirty="0">
-                <a:solidFill>
-                  <a:srgbClr val="202122"/>
-                </a:solidFill>
-                <a:effectLst/>
-                <a:latin typeface="Palatino Linotype" panose="02040502050505030304" pitchFamily="18" charset="0"/>
-              </a:rPr>
-              <a:t>Artificial Intelligence is the study of “rational agents”: any system that perceives its environment and takes actions that maximize its chance of achieving its goals.</a:t>
-            </a:r>
-          </a:p>
-          <a:p>
-            <a:pPr marL="0" indent="0">
-              <a:buNone/>
-            </a:pPr>
-            <a:r>
-              <a:rPr lang="en-US" dirty="0">
-                <a:solidFill>
-                  <a:srgbClr val="202122"/>
-                </a:solidFill>
-                <a:latin typeface="Palatino Linotype" panose="02040502050505030304" pitchFamily="18" charset="0"/>
-              </a:rPr>
-              <a:t>						-- Russell &amp; Norvig (2003)</a:t>
-            </a:r>
-            <a:endParaRPr lang="en-US" dirty="0">
-              <a:latin typeface="Palatino Linotype" panose="02040502050505030304" pitchFamily="18" charset="0"/>
-            </a:endParaRPr>
-          </a:p>
-        </p:txBody>
-      </p:sp>
-    </p:spTree>
-    <p:extLst>
-      <p:ext uri="{BB962C8B-B14F-4D97-AF65-F5344CB8AC3E}">
-        <p14:creationId xmlns:p14="http://schemas.microsoft.com/office/powerpoint/2010/main" val="2515421536"/>
       </p:ext>
     </p:extLst>
   </p:cSld>
@@ -11427,65 +11837,63 @@
             <a:pPr marL="0" indent="0">
               <a:buNone/>
             </a:pPr>
-            <a:endParaRPr lang="en-US" dirty="0"/>
+            <a:endParaRPr lang="en-US" b="0" i="0" dirty="0">
+              <a:solidFill>
+                <a:srgbClr val="202122"/>
+              </a:solidFill>
+              <a:effectLst/>
+              <a:latin typeface="Palatino Linotype" panose="02040502050505030304" pitchFamily="18" charset="0"/>
+            </a:endParaRPr>
           </a:p>
           <a:p>
             <a:pPr marL="0" indent="0">
               <a:buNone/>
             </a:pPr>
-            <a:r>
-              <a:rPr lang="en-US" sz="2800" dirty="0">
-                <a:latin typeface="Palatino Linotype" panose="02040502050505030304" pitchFamily="18" charset="0"/>
-              </a:rPr>
-              <a:t>Machine learning is the field of study that gives computers the ability to learn without being explicitly programmed.</a:t>
-            </a:r>
+            <a:endParaRPr lang="en-US" dirty="0">
+              <a:solidFill>
+                <a:srgbClr val="202122"/>
+              </a:solidFill>
+              <a:latin typeface="Palatino Linotype" panose="02040502050505030304" pitchFamily="18" charset="0"/>
+            </a:endParaRPr>
           </a:p>
           <a:p>
             <a:pPr marL="0" indent="0">
               <a:buNone/>
             </a:pPr>
             <a:r>
-              <a:rPr lang="en-US" sz="2800" dirty="0">
+              <a:rPr lang="en-US" b="0" i="0" dirty="0">
+                <a:solidFill>
+                  <a:srgbClr val="202122"/>
+                </a:solidFill>
+                <a:effectLst/>
                 <a:latin typeface="Palatino Linotype" panose="02040502050505030304" pitchFamily="18" charset="0"/>
               </a:rPr>
-              <a:t>						-- Arthur Samuel (1959)</a:t>
+              <a:t>Artificial Intelligence is the study of “rational agents”: any system that perceives its environment and takes actions that maximize its chance of achieving its goals.</a:t>
             </a:r>
           </a:p>
           <a:p>
             <a:pPr marL="0" indent="0">
-              <a:buFont typeface="Arial" panose="020B0604020202020204" pitchFamily="34" charset="0"/>
               <a:buNone/>
             </a:pPr>
+            <a:r>
+              <a:rPr lang="en-US" dirty="0">
+                <a:solidFill>
+                  <a:srgbClr val="202122"/>
+                </a:solidFill>
+                <a:latin typeface="Palatino Linotype" panose="02040502050505030304" pitchFamily="18" charset="0"/>
+              </a:rPr>
+              <a:t>						-- Russell &amp; Norvig (2003)</a:t>
+            </a:r>
             <a:endParaRPr lang="en-US" dirty="0">
               <a:latin typeface="Palatino Linotype" panose="02040502050505030304" pitchFamily="18" charset="0"/>
             </a:endParaRPr>
           </a:p>
-          <a:p>
-            <a:pPr marL="0" indent="0">
-              <a:buFont typeface="Arial" panose="020B0604020202020204" pitchFamily="34" charset="0"/>
-              <a:buNone/>
-            </a:pPr>
-            <a:r>
-              <a:rPr lang="en-US" dirty="0">
-                <a:latin typeface="Palatino Linotype" panose="02040502050505030304" pitchFamily="18" charset="0"/>
-              </a:rPr>
-              <a:t>Machine learning is the science and art of programming computers so they can learn from data.</a:t>
-            </a:r>
-          </a:p>
-          <a:p>
-            <a:pPr marL="0" indent="0" algn="ctr">
-              <a:buNone/>
-            </a:pPr>
-            <a:endParaRPr lang="en-US" dirty="0">
-              <a:latin typeface="+mj-lt"/>
-            </a:endParaRPr>
-          </a:p>
         </p:txBody>
       </p:sp>
     </p:spTree>
     <p:extLst>
       <p:ext uri="{BB962C8B-B14F-4D97-AF65-F5344CB8AC3E}">
-        <p14:creationId xmlns:p14="http://schemas.microsoft.com/office/powerpoint/2010/main" val="1876161777"/>
+        <p14:creationId xmlns:p14="http://schemas.microsoft.com/office/powerpoint/2010/main" val="2515421536"/>
       </p:ext>
     </p:extLst>
   </p:cSld>
@@ -11553,145 +11961,93 @@
           <a:lstStyle/>
           <a:p>
             <a:pPr algn="ctr"/>
-            <a:r>
-              <a:rPr lang="en-US" sz="3600" dirty="0">
-                <a:latin typeface="Palatino Linotype" panose="02040502050505030304" pitchFamily="18" charset="0"/>
-                <a:cs typeface="Segoe UI Light" panose="020B0502040204020203" pitchFamily="34" charset="0"/>
-              </a:rPr>
-              <a:t>Deep Learning</a:t>
-            </a:r>
-          </a:p>
-        </p:txBody>
-      </p:sp>
-      <p:pic>
-        <p:nvPicPr>
-          <p:cNvPr id="1026" name="Picture 2" descr="Rainbow Layer Cake Recipe - BettyCrocker.com">
+            <a:endParaRPr lang="en-US" sz="3600" dirty="0">
+              <a:latin typeface="Palatino Linotype" panose="02040502050505030304" pitchFamily="18" charset="0"/>
+              <a:cs typeface="Segoe UI Light" panose="020B0502040204020203" pitchFamily="34" charset="0"/>
+            </a:endParaRPr>
+          </a:p>
+        </p:txBody>
+      </p:sp>
+      <p:sp>
+        <p:nvSpPr>
+          <p:cNvPr id="4" name="Content Placeholder 3">
             <a:extLst>
               <a:ext uri="{FF2B5EF4-FFF2-40B4-BE49-F238E27FC236}">
-                <a16:creationId xmlns:a16="http://schemas.microsoft.com/office/drawing/2014/main" id="{6B01A55C-3E3D-4A68-8148-EBA141EEF8DA}"/>
+                <a16:creationId xmlns:a16="http://schemas.microsoft.com/office/drawing/2014/main" id="{4E4AB757-90A1-4A72-AC15-A8FE775EA8EA}"/>
               </a:ext>
             </a:extLst>
           </p:cNvPr>
-          <p:cNvPicPr>
-            <a:picLocks noChangeAspect="1" noChangeArrowheads="1"/>
-          </p:cNvPicPr>
-          <p:nvPr/>
-        </p:nvPicPr>
-        <p:blipFill>
-          <a:blip r:embed="rId3">
-            <a:extLst>
-              <a:ext uri="{28A0092B-C50C-407E-A947-70E740481C1C}">
-                <a14:useLocalDpi xmlns:a14="http://schemas.microsoft.com/office/drawing/2010/main" val="0"/>
-              </a:ext>
-            </a:extLst>
-          </a:blip>
-          <a:srcRect/>
-          <a:stretch>
-            <a:fillRect/>
-          </a:stretch>
-        </p:blipFill>
-        <p:spPr bwMode="auto">
-          <a:xfrm>
-            <a:off x="3542880" y="2054605"/>
-            <a:ext cx="4886736" cy="2748789"/>
-          </a:xfrm>
-          <a:prstGeom prst="rect">
-            <a:avLst/>
-          </a:prstGeom>
-          <a:noFill/>
-          <a:ln w="6350">
-            <a:solidFill>
-              <a:schemeClr val="tx1">
-                <a:lumMod val="65000"/>
-                <a:lumOff val="35000"/>
-              </a:schemeClr>
-            </a:solidFill>
-          </a:ln>
-          <a:effectLst>
-            <a:outerShdw blurRad="50800" dist="38100" dir="2700000" algn="tl" rotWithShape="0">
-              <a:prstClr val="black">
-                <a:alpha val="40000"/>
-              </a:prstClr>
-            </a:outerShdw>
-          </a:effectLst>
-          <a:extLst>
-            <a:ext uri="{909E8E84-426E-40DD-AFC4-6F175D3DCCD1}">
-              <a14:hiddenFill xmlns:a14="http://schemas.microsoft.com/office/drawing/2010/main">
-                <a:solidFill>
-                  <a:srgbClr val="FFFFFF"/>
-                </a:solidFill>
-              </a14:hiddenFill>
-            </a:ext>
-          </a:extLst>
-        </p:spPr>
-      </p:pic>
-      <p:sp>
-        <p:nvSpPr>
-          <p:cNvPr id="4" name="TextBox 3">
-            <a:extLst>
-              <a:ext uri="{FF2B5EF4-FFF2-40B4-BE49-F238E27FC236}">
-                <a16:creationId xmlns:a16="http://schemas.microsoft.com/office/drawing/2014/main" id="{0B25E44E-8C42-4246-94DF-CC612E8605BA}"/>
-              </a:ext>
-            </a:extLst>
-          </p:cNvPr>
-          <p:cNvSpPr txBox="1"/>
-          <p:nvPr/>
+          <p:cNvSpPr>
+            <a:spLocks noGrp="1"/>
+          </p:cNvSpPr>
+          <p:nvPr>
+            <p:ph idx="1"/>
+          </p:nvPr>
         </p:nvSpPr>
         <p:spPr>
           <a:xfrm>
-            <a:off x="0" y="6550223"/>
-            <a:ext cx="12192000" cy="307777"/>
+            <a:off x="838200" y="1490346"/>
+            <a:ext cx="10515600" cy="4351338"/>
           </a:xfrm>
-          <a:prstGeom prst="rect">
-            <a:avLst/>
-          </a:prstGeom>
-          <a:noFill/>
         </p:spPr>
         <p:txBody>
-          <a:bodyPr wrap="square" rtlCol="0">
-            <a:spAutoFit/>
-          </a:bodyPr>
-          <a:lstStyle/>
-          <a:p>
-            <a:r>
-              <a:rPr lang="en-US" sz="1400" dirty="0">
-                <a:solidFill>
-                  <a:schemeClr val="tx1">
-                    <a:lumMod val="65000"/>
-                    <a:lumOff val="35000"/>
-                  </a:schemeClr>
-                </a:solidFill>
-                <a:latin typeface="+mj-lt"/>
-                <a:ea typeface="Verdana" panose="020B0604030504040204" pitchFamily="34" charset="0"/>
+          <a:bodyPr/>
+          <a:lstStyle/>
+          <a:p>
+            <a:pPr marL="0" indent="0">
+              <a:buNone/>
+            </a:pPr>
+            <a:endParaRPr lang="en-US" dirty="0"/>
+          </a:p>
+          <a:p>
+            <a:pPr marL="0" indent="0">
+              <a:buNone/>
+            </a:pPr>
+            <a:r>
+              <a:rPr lang="en-US" sz="2800" dirty="0">
+                <a:latin typeface="Palatino Linotype" panose="02040502050505030304" pitchFamily="18" charset="0"/>
               </a:rPr>
-              <a:t>Image Credit: </a:t>
-            </a:r>
-            <a:r>
-              <a:rPr lang="en-US" sz="1400" b="0" i="0" u="none" strike="noStrike" kern="1200" cap="none" dirty="0">
-                <a:ln>
-                  <a:noFill/>
-                </a:ln>
-                <a:solidFill>
-                  <a:schemeClr val="tx1">
-                    <a:lumMod val="65000"/>
-                    <a:lumOff val="35000"/>
-                  </a:schemeClr>
-                </a:solidFill>
-                <a:latin typeface="+mj-lt"/>
-                <a:ea typeface="Arial" pitchFamily="34"/>
-                <a:cs typeface="Arial" pitchFamily="34"/>
+              <a:t>Machine learning is the field of study that gives computers the ability to learn without being explicitly programmed.</a:t>
+            </a:r>
+          </a:p>
+          <a:p>
+            <a:pPr marL="0" indent="0">
+              <a:buNone/>
+            </a:pPr>
+            <a:r>
+              <a:rPr lang="en-US" sz="2800" dirty="0">
+                <a:latin typeface="Palatino Linotype" panose="02040502050505030304" pitchFamily="18" charset="0"/>
               </a:rPr>
-              <a:t>https://www.bettycrocker.com/recipes/rainbow-layer-cake/4969fed8-141e-45f5-9a04-e03addd20fbb</a:t>
-            </a:r>
-            <a:endParaRPr lang="en-US" sz="1400" dirty="0">
-              <a:solidFill>
-                <a:schemeClr val="tx1">
-                  <a:lumMod val="65000"/>
-                  <a:lumOff val="35000"/>
-                </a:schemeClr>
-              </a:solidFill>
+              <a:t>						-- Arthur Samuel (1959)</a:t>
+            </a:r>
+          </a:p>
+          <a:p>
+            <a:pPr marL="0" indent="0">
+              <a:buFont typeface="Arial" panose="020B0604020202020204" pitchFamily="34" charset="0"/>
+              <a:buNone/>
+            </a:pPr>
+            <a:endParaRPr lang="en-US" dirty="0">
+              <a:latin typeface="Palatino Linotype" panose="02040502050505030304" pitchFamily="18" charset="0"/>
+            </a:endParaRPr>
+          </a:p>
+          <a:p>
+            <a:pPr marL="0" indent="0">
+              <a:buFont typeface="Arial" panose="020B0604020202020204" pitchFamily="34" charset="0"/>
+              <a:buNone/>
+            </a:pPr>
+            <a:r>
+              <a:rPr lang="en-US" dirty="0">
+                <a:latin typeface="Palatino Linotype" panose="02040502050505030304" pitchFamily="18" charset="0"/>
+              </a:rPr>
+              <a:t>Machine learning is the science and art of programming computers so they can learn from data.</a:t>
+            </a:r>
+          </a:p>
+          <a:p>
+            <a:pPr marL="0" indent="0" algn="ctr">
+              <a:buNone/>
+            </a:pPr>
+            <a:endParaRPr lang="en-US" dirty="0">
               <a:latin typeface="+mj-lt"/>
-              <a:ea typeface="Verdana" panose="020B0604030504040204" pitchFamily="34" charset="0"/>
             </a:endParaRPr>
           </a:p>
         </p:txBody>
@@ -11699,7 +12055,7 @@
     </p:spTree>
     <p:extLst>
       <p:ext uri="{BB962C8B-B14F-4D97-AF65-F5344CB8AC3E}">
-        <p14:creationId xmlns:p14="http://schemas.microsoft.com/office/powerpoint/2010/main" val="888845023"/>
+        <p14:creationId xmlns:p14="http://schemas.microsoft.com/office/powerpoint/2010/main" val="1876161777"/>
       </p:ext>
     </p:extLst>
   </p:cSld>
